--- a/docs/演示文稿1.pptx
+++ b/docs/演示文稿1.pptx
@@ -11,6 +11,8 @@
     <p:sldId id="259" r:id="rId5"/>
     <p:sldId id="260" r:id="rId6"/>
     <p:sldId id="261" r:id="rId7"/>
+    <p:sldId id="262" r:id="rId8"/>
+    <p:sldId id="263" r:id="rId9"/>
   </p:sldIdLst>
   <p:sldSz cx="9144000" cy="6858000" type="screen4x3"/>
   <p:notesSz cx="6858000" cy="9144000"/>
@@ -18,7 +20,7 @@
     <a:defPPr>
       <a:defRPr lang="zh-CN"/>
     </a:defPPr>
-    <a:lvl1pPr marL="0" algn="l" defTabSz="914400" rtl="0" eaLnBrk="1" latinLnBrk="0" hangingPunct="1">
+    <a:lvl1pPr marL="0" algn="l" defTabSz="914060" rtl="0" eaLnBrk="1" latinLnBrk="0" hangingPunct="1">
       <a:defRPr sz="1800" kern="1200">
         <a:solidFill>
           <a:schemeClr val="tx1"/>
@@ -28,7 +30,7 @@
         <a:cs typeface="+mn-cs"/>
       </a:defRPr>
     </a:lvl1pPr>
-    <a:lvl2pPr marL="457200" algn="l" defTabSz="914400" rtl="0" eaLnBrk="1" latinLnBrk="0" hangingPunct="1">
+    <a:lvl2pPr marL="457031" algn="l" defTabSz="914060" rtl="0" eaLnBrk="1" latinLnBrk="0" hangingPunct="1">
       <a:defRPr sz="1800" kern="1200">
         <a:solidFill>
           <a:schemeClr val="tx1"/>
@@ -38,7 +40,7 @@
         <a:cs typeface="+mn-cs"/>
       </a:defRPr>
     </a:lvl2pPr>
-    <a:lvl3pPr marL="914400" algn="l" defTabSz="914400" rtl="0" eaLnBrk="1" latinLnBrk="0" hangingPunct="1">
+    <a:lvl3pPr marL="914060" algn="l" defTabSz="914060" rtl="0" eaLnBrk="1" latinLnBrk="0" hangingPunct="1">
       <a:defRPr sz="1800" kern="1200">
         <a:solidFill>
           <a:schemeClr val="tx1"/>
@@ -48,7 +50,7 @@
         <a:cs typeface="+mn-cs"/>
       </a:defRPr>
     </a:lvl3pPr>
-    <a:lvl4pPr marL="1371600" algn="l" defTabSz="914400" rtl="0" eaLnBrk="1" latinLnBrk="0" hangingPunct="1">
+    <a:lvl4pPr marL="1371090" algn="l" defTabSz="914060" rtl="0" eaLnBrk="1" latinLnBrk="0" hangingPunct="1">
       <a:defRPr sz="1800" kern="1200">
         <a:solidFill>
           <a:schemeClr val="tx1"/>
@@ -58,7 +60,7 @@
         <a:cs typeface="+mn-cs"/>
       </a:defRPr>
     </a:lvl4pPr>
-    <a:lvl5pPr marL="1828800" algn="l" defTabSz="914400" rtl="0" eaLnBrk="1" latinLnBrk="0" hangingPunct="1">
+    <a:lvl5pPr marL="1828119" algn="l" defTabSz="914060" rtl="0" eaLnBrk="1" latinLnBrk="0" hangingPunct="1">
       <a:defRPr sz="1800" kern="1200">
         <a:solidFill>
           <a:schemeClr val="tx1"/>
@@ -68,7 +70,7 @@
         <a:cs typeface="+mn-cs"/>
       </a:defRPr>
     </a:lvl5pPr>
-    <a:lvl6pPr marL="2286000" algn="l" defTabSz="914400" rtl="0" eaLnBrk="1" latinLnBrk="0" hangingPunct="1">
+    <a:lvl6pPr marL="2285150" algn="l" defTabSz="914060" rtl="0" eaLnBrk="1" latinLnBrk="0" hangingPunct="1">
       <a:defRPr sz="1800" kern="1200">
         <a:solidFill>
           <a:schemeClr val="tx1"/>
@@ -78,7 +80,7 @@
         <a:cs typeface="+mn-cs"/>
       </a:defRPr>
     </a:lvl6pPr>
-    <a:lvl7pPr marL="2743200" algn="l" defTabSz="914400" rtl="0" eaLnBrk="1" latinLnBrk="0" hangingPunct="1">
+    <a:lvl7pPr marL="2742181" algn="l" defTabSz="914060" rtl="0" eaLnBrk="1" latinLnBrk="0" hangingPunct="1">
       <a:defRPr sz="1800" kern="1200">
         <a:solidFill>
           <a:schemeClr val="tx1"/>
@@ -88,7 +90,7 @@
         <a:cs typeface="+mn-cs"/>
       </a:defRPr>
     </a:lvl7pPr>
-    <a:lvl8pPr marL="3200400" algn="l" defTabSz="914400" rtl="0" eaLnBrk="1" latinLnBrk="0" hangingPunct="1">
+    <a:lvl8pPr marL="3199210" algn="l" defTabSz="914060" rtl="0" eaLnBrk="1" latinLnBrk="0" hangingPunct="1">
       <a:defRPr sz="1800" kern="1200">
         <a:solidFill>
           <a:schemeClr val="tx1"/>
@@ -98,7 +100,7 @@
         <a:cs typeface="+mn-cs"/>
       </a:defRPr>
     </a:lvl8pPr>
-    <a:lvl9pPr marL="3657600" algn="l" defTabSz="914400" rtl="0" eaLnBrk="1" latinLnBrk="0" hangingPunct="1">
+    <a:lvl9pPr marL="3656240" algn="l" defTabSz="914060" rtl="0" eaLnBrk="1" latinLnBrk="0" hangingPunct="1">
       <a:defRPr sz="1800" kern="1200">
         <a:solidFill>
           <a:schemeClr val="tx1"/>
@@ -141,8 +143,8 @@
         </p:nvSpPr>
         <p:spPr>
           <a:xfrm>
-            <a:off x="685800" y="2130425"/>
-            <a:ext cx="7772400" cy="1470025"/>
+            <a:off x="685801" y="2130426"/>
+            <a:ext cx="7772401" cy="1470026"/>
           </a:xfrm>
         </p:spPr>
         <p:txBody>
@@ -169,7 +171,7 @@
         </p:nvSpPr>
         <p:spPr>
           <a:xfrm>
-            <a:off x="1371600" y="3886200"/>
+            <a:off x="1371603" y="3886202"/>
             <a:ext cx="6400800" cy="1752600"/>
           </a:xfrm>
         </p:spPr>
@@ -186,7 +188,7 @@
                 </a:solidFill>
               </a:defRPr>
             </a:lvl1pPr>
-            <a:lvl2pPr marL="457200" indent="0" algn="ctr">
+            <a:lvl2pPr marL="457031" indent="0" algn="ctr">
               <a:buNone/>
               <a:defRPr>
                 <a:solidFill>
@@ -196,7 +198,7 @@
                 </a:solidFill>
               </a:defRPr>
             </a:lvl2pPr>
-            <a:lvl3pPr marL="914400" indent="0" algn="ctr">
+            <a:lvl3pPr marL="914060" indent="0" algn="ctr">
               <a:buNone/>
               <a:defRPr>
                 <a:solidFill>
@@ -206,7 +208,7 @@
                 </a:solidFill>
               </a:defRPr>
             </a:lvl3pPr>
-            <a:lvl4pPr marL="1371600" indent="0" algn="ctr">
+            <a:lvl4pPr marL="1371090" indent="0" algn="ctr">
               <a:buNone/>
               <a:defRPr>
                 <a:solidFill>
@@ -216,7 +218,7 @@
                 </a:solidFill>
               </a:defRPr>
             </a:lvl4pPr>
-            <a:lvl5pPr marL="1828800" indent="0" algn="ctr">
+            <a:lvl5pPr marL="1828119" indent="0" algn="ctr">
               <a:buNone/>
               <a:defRPr>
                 <a:solidFill>
@@ -226,7 +228,7 @@
                 </a:solidFill>
               </a:defRPr>
             </a:lvl5pPr>
-            <a:lvl6pPr marL="2286000" indent="0" algn="ctr">
+            <a:lvl6pPr marL="2285150" indent="0" algn="ctr">
               <a:buNone/>
               <a:defRPr>
                 <a:solidFill>
@@ -236,7 +238,7 @@
                 </a:solidFill>
               </a:defRPr>
             </a:lvl6pPr>
-            <a:lvl7pPr marL="2743200" indent="0" algn="ctr">
+            <a:lvl7pPr marL="2742181" indent="0" algn="ctr">
               <a:buNone/>
               <a:defRPr>
                 <a:solidFill>
@@ -246,7 +248,7 @@
                 </a:solidFill>
               </a:defRPr>
             </a:lvl7pPr>
-            <a:lvl8pPr marL="3200400" indent="0" algn="ctr">
+            <a:lvl8pPr marL="3199210" indent="0" algn="ctr">
               <a:buNone/>
               <a:defRPr>
                 <a:solidFill>
@@ -256,7 +258,7 @@
                 </a:solidFill>
               </a:defRPr>
             </a:lvl8pPr>
-            <a:lvl9pPr marL="3657600" indent="0" algn="ctr">
+            <a:lvl9pPr marL="3656240" indent="0" algn="ctr">
               <a:buNone/>
               <a:defRPr>
                 <a:solidFill>
@@ -293,7 +295,7 @@
           <a:p>
             <a:fld id="{40691E7F-1E96-4D4C-AE45-C7464FC43834}" type="datetimeFigureOut">
               <a:rPr lang="zh-CN" altLang="en-US" smtClean="0"/>
-              <a:t>2013/4/14</a:t>
+              <a:t>2013/4/16</a:t>
             </a:fld>
             <a:endParaRPr lang="zh-CN" altLang="en-US"/>
           </a:p>
@@ -463,7 +465,7 @@
           <a:p>
             <a:fld id="{40691E7F-1E96-4D4C-AE45-C7464FC43834}" type="datetimeFigureOut">
               <a:rPr lang="zh-CN" altLang="en-US" smtClean="0"/>
-              <a:t>2013/4/14</a:t>
+              <a:t>2013/4/16</a:t>
             </a:fld>
             <a:endParaRPr lang="zh-CN" altLang="en-US"/>
           </a:p>
@@ -553,8 +555,8 @@
         </p:nvSpPr>
         <p:spPr>
           <a:xfrm>
-            <a:off x="6629400" y="274638"/>
-            <a:ext cx="2057400" cy="5851525"/>
+            <a:off x="6629402" y="274639"/>
+            <a:ext cx="2057400" cy="5851526"/>
           </a:xfrm>
         </p:spPr>
         <p:txBody>
@@ -581,8 +583,8 @@
         </p:nvSpPr>
         <p:spPr>
           <a:xfrm>
-            <a:off x="457200" y="274638"/>
-            <a:ext cx="6019800" cy="5851525"/>
+            <a:off x="457202" y="274639"/>
+            <a:ext cx="6019799" cy="5851526"/>
           </a:xfrm>
         </p:spPr>
         <p:txBody>
@@ -643,7 +645,7 @@
           <a:p>
             <a:fld id="{40691E7F-1E96-4D4C-AE45-C7464FC43834}" type="datetimeFigureOut">
               <a:rPr lang="zh-CN" altLang="en-US" smtClean="0"/>
-              <a:t>2013/4/14</a:t>
+              <a:t>2013/4/16</a:t>
             </a:fld>
             <a:endParaRPr lang="zh-CN" altLang="en-US"/>
           </a:p>
@@ -813,7 +815,7 @@
           <a:p>
             <a:fld id="{40691E7F-1E96-4D4C-AE45-C7464FC43834}" type="datetimeFigureOut">
               <a:rPr lang="zh-CN" altLang="en-US" smtClean="0"/>
-              <a:t>2013/4/14</a:t>
+              <a:t>2013/4/16</a:t>
             </a:fld>
             <a:endParaRPr lang="zh-CN" altLang="en-US"/>
           </a:p>
@@ -903,8 +905,8 @@
         </p:nvSpPr>
         <p:spPr>
           <a:xfrm>
-            <a:off x="722313" y="4406900"/>
-            <a:ext cx="7772400" cy="1362075"/>
+            <a:off x="722312" y="4406903"/>
+            <a:ext cx="7772401" cy="1362075"/>
           </a:xfrm>
         </p:spPr>
         <p:txBody>
@@ -935,8 +937,8 @@
         </p:nvSpPr>
         <p:spPr>
           <a:xfrm>
-            <a:off x="722313" y="2906713"/>
-            <a:ext cx="7772400" cy="1500187"/>
+            <a:off x="722312" y="2906715"/>
+            <a:ext cx="7772401" cy="1500187"/>
           </a:xfrm>
         </p:spPr>
         <p:txBody>
@@ -952,7 +954,7 @@
                 </a:solidFill>
               </a:defRPr>
             </a:lvl1pPr>
-            <a:lvl2pPr marL="457200" indent="0">
+            <a:lvl2pPr marL="457031" indent="0">
               <a:buNone/>
               <a:defRPr sz="1800">
                 <a:solidFill>
@@ -962,9 +964,9 @@
                 </a:solidFill>
               </a:defRPr>
             </a:lvl2pPr>
-            <a:lvl3pPr marL="914400" indent="0">
+            <a:lvl3pPr marL="914060" indent="0">
               <a:buNone/>
-              <a:defRPr sz="1600">
+              <a:defRPr sz="1700">
                 <a:solidFill>
                   <a:schemeClr val="tx1">
                     <a:tint val="75000"/>
@@ -972,7 +974,7 @@
                 </a:solidFill>
               </a:defRPr>
             </a:lvl3pPr>
-            <a:lvl4pPr marL="1371600" indent="0">
+            <a:lvl4pPr marL="1371090" indent="0">
               <a:buNone/>
               <a:defRPr sz="1400">
                 <a:solidFill>
@@ -982,7 +984,7 @@
                 </a:solidFill>
               </a:defRPr>
             </a:lvl4pPr>
-            <a:lvl5pPr marL="1828800" indent="0">
+            <a:lvl5pPr marL="1828119" indent="0">
               <a:buNone/>
               <a:defRPr sz="1400">
                 <a:solidFill>
@@ -992,7 +994,7 @@
                 </a:solidFill>
               </a:defRPr>
             </a:lvl5pPr>
-            <a:lvl6pPr marL="2286000" indent="0">
+            <a:lvl6pPr marL="2285150" indent="0">
               <a:buNone/>
               <a:defRPr sz="1400">
                 <a:solidFill>
@@ -1002,7 +1004,7 @@
                 </a:solidFill>
               </a:defRPr>
             </a:lvl6pPr>
-            <a:lvl7pPr marL="2743200" indent="0">
+            <a:lvl7pPr marL="2742181" indent="0">
               <a:buNone/>
               <a:defRPr sz="1400">
                 <a:solidFill>
@@ -1012,7 +1014,7 @@
                 </a:solidFill>
               </a:defRPr>
             </a:lvl7pPr>
-            <a:lvl8pPr marL="3200400" indent="0">
+            <a:lvl8pPr marL="3199210" indent="0">
               <a:buNone/>
               <a:defRPr sz="1400">
                 <a:solidFill>
@@ -1022,7 +1024,7 @@
                 </a:solidFill>
               </a:defRPr>
             </a:lvl8pPr>
-            <a:lvl9pPr marL="3657600" indent="0">
+            <a:lvl9pPr marL="3656240" indent="0">
               <a:buNone/>
               <a:defRPr sz="1400">
                 <a:solidFill>
@@ -1059,7 +1061,7 @@
           <a:p>
             <a:fld id="{40691E7F-1E96-4D4C-AE45-C7464FC43834}" type="datetimeFigureOut">
               <a:rPr lang="zh-CN" altLang="en-US" smtClean="0"/>
-              <a:t>2013/4/14</a:t>
+              <a:t>2013/4/16</a:t>
             </a:fld>
             <a:endParaRPr lang="zh-CN" altLang="en-US"/>
           </a:p>
@@ -1172,8 +1174,8 @@
         </p:nvSpPr>
         <p:spPr>
           <a:xfrm>
-            <a:off x="457200" y="1600200"/>
-            <a:ext cx="4038600" cy="4525963"/>
+            <a:off x="457202" y="1600204"/>
+            <a:ext cx="4038601" cy="4525963"/>
           </a:xfrm>
         </p:spPr>
         <p:txBody>
@@ -1257,8 +1259,8 @@
         </p:nvSpPr>
         <p:spPr>
           <a:xfrm>
-            <a:off x="4648200" y="1600200"/>
-            <a:ext cx="4038600" cy="4525963"/>
+            <a:off x="4648203" y="1600204"/>
+            <a:ext cx="4038601" cy="4525963"/>
           </a:xfrm>
         </p:spPr>
         <p:txBody>
@@ -1347,7 +1349,7 @@
           <a:p>
             <a:fld id="{40691E7F-1E96-4D4C-AE45-C7464FC43834}" type="datetimeFigureOut">
               <a:rPr lang="zh-CN" altLang="en-US" smtClean="0"/>
-              <a:t>2013/4/14</a:t>
+              <a:t>2013/4/16</a:t>
             </a:fld>
             <a:endParaRPr lang="zh-CN" altLang="en-US"/>
           </a:p>
@@ -1464,7 +1466,7 @@
         </p:nvSpPr>
         <p:spPr>
           <a:xfrm>
-            <a:off x="457200" y="1535113"/>
+            <a:off x="457200" y="1535114"/>
             <a:ext cx="4040188" cy="639762"/>
           </a:xfrm>
         </p:spPr>
@@ -1475,37 +1477,37 @@
               <a:buNone/>
               <a:defRPr sz="2400" b="1"/>
             </a:lvl1pPr>
-            <a:lvl2pPr marL="457200" indent="0">
+            <a:lvl2pPr marL="457031" indent="0">
               <a:buNone/>
               <a:defRPr sz="2000" b="1"/>
             </a:lvl2pPr>
-            <a:lvl3pPr marL="914400" indent="0">
+            <a:lvl3pPr marL="914060" indent="0">
               <a:buNone/>
               <a:defRPr sz="1800" b="1"/>
             </a:lvl3pPr>
-            <a:lvl4pPr marL="1371600" indent="0">
+            <a:lvl4pPr marL="1371090" indent="0">
               <a:buNone/>
-              <a:defRPr sz="1600" b="1"/>
+              <a:defRPr sz="1700" b="1"/>
             </a:lvl4pPr>
-            <a:lvl5pPr marL="1828800" indent="0">
+            <a:lvl5pPr marL="1828119" indent="0">
               <a:buNone/>
-              <a:defRPr sz="1600" b="1"/>
+              <a:defRPr sz="1700" b="1"/>
             </a:lvl5pPr>
-            <a:lvl6pPr marL="2286000" indent="0">
+            <a:lvl6pPr marL="2285150" indent="0">
               <a:buNone/>
-              <a:defRPr sz="1600" b="1"/>
+              <a:defRPr sz="1700" b="1"/>
             </a:lvl6pPr>
-            <a:lvl7pPr marL="2743200" indent="0">
+            <a:lvl7pPr marL="2742181" indent="0">
               <a:buNone/>
-              <a:defRPr sz="1600" b="1"/>
+              <a:defRPr sz="1700" b="1"/>
             </a:lvl7pPr>
-            <a:lvl8pPr marL="3200400" indent="0">
+            <a:lvl8pPr marL="3199210" indent="0">
               <a:buNone/>
-              <a:defRPr sz="1600" b="1"/>
+              <a:defRPr sz="1700" b="1"/>
             </a:lvl8pPr>
-            <a:lvl9pPr marL="3657600" indent="0">
+            <a:lvl9pPr marL="3656240" indent="0">
               <a:buNone/>
-              <a:defRPr sz="1600" b="1"/>
+              <a:defRPr sz="1700" b="1"/>
             </a:lvl9pPr>
           </a:lstStyle>
           <a:p>
@@ -1529,7 +1531,7 @@
         </p:nvSpPr>
         <p:spPr>
           <a:xfrm>
-            <a:off x="457200" y="2174875"/>
+            <a:off x="457200" y="2174874"/>
             <a:ext cx="4040188" cy="3951288"/>
           </a:xfrm>
         </p:spPr>
@@ -1546,22 +1548,22 @@
               <a:defRPr sz="1800"/>
             </a:lvl3pPr>
             <a:lvl4pPr>
-              <a:defRPr sz="1600"/>
+              <a:defRPr sz="1700"/>
             </a:lvl4pPr>
             <a:lvl5pPr>
-              <a:defRPr sz="1600"/>
+              <a:defRPr sz="1700"/>
             </a:lvl5pPr>
             <a:lvl6pPr>
-              <a:defRPr sz="1600"/>
+              <a:defRPr sz="1700"/>
             </a:lvl6pPr>
             <a:lvl7pPr>
-              <a:defRPr sz="1600"/>
+              <a:defRPr sz="1700"/>
             </a:lvl7pPr>
             <a:lvl8pPr>
-              <a:defRPr sz="1600"/>
+              <a:defRPr sz="1700"/>
             </a:lvl8pPr>
             <a:lvl9pPr>
-              <a:defRPr sz="1600"/>
+              <a:defRPr sz="1700"/>
             </a:lvl9pPr>
           </a:lstStyle>
           <a:p>
@@ -1614,7 +1616,7 @@
         </p:nvSpPr>
         <p:spPr>
           <a:xfrm>
-            <a:off x="4645025" y="1535113"/>
+            <a:off x="4645026" y="1535114"/>
             <a:ext cx="4041775" cy="639762"/>
           </a:xfrm>
         </p:spPr>
@@ -1625,37 +1627,37 @@
               <a:buNone/>
               <a:defRPr sz="2400" b="1"/>
             </a:lvl1pPr>
-            <a:lvl2pPr marL="457200" indent="0">
+            <a:lvl2pPr marL="457031" indent="0">
               <a:buNone/>
               <a:defRPr sz="2000" b="1"/>
             </a:lvl2pPr>
-            <a:lvl3pPr marL="914400" indent="0">
+            <a:lvl3pPr marL="914060" indent="0">
               <a:buNone/>
               <a:defRPr sz="1800" b="1"/>
             </a:lvl3pPr>
-            <a:lvl4pPr marL="1371600" indent="0">
+            <a:lvl4pPr marL="1371090" indent="0">
               <a:buNone/>
-              <a:defRPr sz="1600" b="1"/>
+              <a:defRPr sz="1700" b="1"/>
             </a:lvl4pPr>
-            <a:lvl5pPr marL="1828800" indent="0">
+            <a:lvl5pPr marL="1828119" indent="0">
               <a:buNone/>
-              <a:defRPr sz="1600" b="1"/>
+              <a:defRPr sz="1700" b="1"/>
             </a:lvl5pPr>
-            <a:lvl6pPr marL="2286000" indent="0">
+            <a:lvl6pPr marL="2285150" indent="0">
               <a:buNone/>
-              <a:defRPr sz="1600" b="1"/>
+              <a:defRPr sz="1700" b="1"/>
             </a:lvl6pPr>
-            <a:lvl7pPr marL="2743200" indent="0">
+            <a:lvl7pPr marL="2742181" indent="0">
               <a:buNone/>
-              <a:defRPr sz="1600" b="1"/>
+              <a:defRPr sz="1700" b="1"/>
             </a:lvl7pPr>
-            <a:lvl8pPr marL="3200400" indent="0">
+            <a:lvl8pPr marL="3199210" indent="0">
               <a:buNone/>
-              <a:defRPr sz="1600" b="1"/>
+              <a:defRPr sz="1700" b="1"/>
             </a:lvl8pPr>
-            <a:lvl9pPr marL="3657600" indent="0">
+            <a:lvl9pPr marL="3656240" indent="0">
               <a:buNone/>
-              <a:defRPr sz="1600" b="1"/>
+              <a:defRPr sz="1700" b="1"/>
             </a:lvl9pPr>
           </a:lstStyle>
           <a:p>
@@ -1679,7 +1681,7 @@
         </p:nvSpPr>
         <p:spPr>
           <a:xfrm>
-            <a:off x="4645025" y="2174875"/>
+            <a:off x="4645026" y="2174874"/>
             <a:ext cx="4041775" cy="3951288"/>
           </a:xfrm>
         </p:spPr>
@@ -1696,22 +1698,22 @@
               <a:defRPr sz="1800"/>
             </a:lvl3pPr>
             <a:lvl4pPr>
-              <a:defRPr sz="1600"/>
+              <a:defRPr sz="1700"/>
             </a:lvl4pPr>
             <a:lvl5pPr>
-              <a:defRPr sz="1600"/>
+              <a:defRPr sz="1700"/>
             </a:lvl5pPr>
             <a:lvl6pPr>
-              <a:defRPr sz="1600"/>
+              <a:defRPr sz="1700"/>
             </a:lvl6pPr>
             <a:lvl7pPr>
-              <a:defRPr sz="1600"/>
+              <a:defRPr sz="1700"/>
             </a:lvl7pPr>
             <a:lvl8pPr>
-              <a:defRPr sz="1600"/>
+              <a:defRPr sz="1700"/>
             </a:lvl8pPr>
             <a:lvl9pPr>
-              <a:defRPr sz="1600"/>
+              <a:defRPr sz="1700"/>
             </a:lvl9pPr>
           </a:lstStyle>
           <a:p>
@@ -1769,7 +1771,7 @@
           <a:p>
             <a:fld id="{40691E7F-1E96-4D4C-AE45-C7464FC43834}" type="datetimeFigureOut">
               <a:rPr lang="zh-CN" altLang="en-US" smtClean="0"/>
-              <a:t>2013/4/14</a:t>
+              <a:t>2013/4/16</a:t>
             </a:fld>
             <a:endParaRPr lang="zh-CN" altLang="en-US"/>
           </a:p>
@@ -1887,7 +1889,7 @@
           <a:p>
             <a:fld id="{40691E7F-1E96-4D4C-AE45-C7464FC43834}" type="datetimeFigureOut">
               <a:rPr lang="zh-CN" altLang="en-US" smtClean="0"/>
-              <a:t>2013/4/14</a:t>
+              <a:t>2013/4/16</a:t>
             </a:fld>
             <a:endParaRPr lang="zh-CN" altLang="en-US"/>
           </a:p>
@@ -1982,7 +1984,7 @@
           <a:p>
             <a:fld id="{40691E7F-1E96-4D4C-AE45-C7464FC43834}" type="datetimeFigureOut">
               <a:rPr lang="zh-CN" altLang="en-US" smtClean="0"/>
-              <a:t>2013/4/14</a:t>
+              <a:t>2013/4/16</a:t>
             </a:fld>
             <a:endParaRPr lang="zh-CN" altLang="en-US"/>
           </a:p>
@@ -2072,8 +2074,8 @@
         </p:nvSpPr>
         <p:spPr>
           <a:xfrm>
-            <a:off x="457200" y="273050"/>
-            <a:ext cx="3008313" cy="1162050"/>
+            <a:off x="457202" y="273051"/>
+            <a:ext cx="3008313" cy="1162051"/>
           </a:xfrm>
         </p:spPr>
         <p:txBody>
@@ -2104,8 +2106,8 @@
         </p:nvSpPr>
         <p:spPr>
           <a:xfrm>
-            <a:off x="3575050" y="273050"/>
-            <a:ext cx="5111750" cy="5853113"/>
+            <a:off x="3575051" y="273050"/>
+            <a:ext cx="5111750" cy="5853114"/>
           </a:xfrm>
         </p:spPr>
         <p:txBody>
@@ -2189,7 +2191,7 @@
         </p:nvSpPr>
         <p:spPr>
           <a:xfrm>
-            <a:off x="457200" y="1435100"/>
+            <a:off x="457202" y="1435102"/>
             <a:ext cx="3008313" cy="4691063"/>
           </a:xfrm>
         </p:spPr>
@@ -2200,35 +2202,35 @@
               <a:buNone/>
               <a:defRPr sz="1400"/>
             </a:lvl1pPr>
-            <a:lvl2pPr marL="457200" indent="0">
+            <a:lvl2pPr marL="457031" indent="0">
               <a:buNone/>
-              <a:defRPr sz="1200"/>
+              <a:defRPr sz="1100"/>
             </a:lvl2pPr>
-            <a:lvl3pPr marL="914400" indent="0">
+            <a:lvl3pPr marL="914060" indent="0">
               <a:buNone/>
               <a:defRPr sz="1000"/>
             </a:lvl3pPr>
-            <a:lvl4pPr marL="1371600" indent="0">
+            <a:lvl4pPr marL="1371090" indent="0">
               <a:buNone/>
               <a:defRPr sz="900"/>
             </a:lvl4pPr>
-            <a:lvl5pPr marL="1828800" indent="0">
+            <a:lvl5pPr marL="1828119" indent="0">
               <a:buNone/>
               <a:defRPr sz="900"/>
             </a:lvl5pPr>
-            <a:lvl6pPr marL="2286000" indent="0">
+            <a:lvl6pPr marL="2285150" indent="0">
               <a:buNone/>
               <a:defRPr sz="900"/>
             </a:lvl6pPr>
-            <a:lvl7pPr marL="2743200" indent="0">
+            <a:lvl7pPr marL="2742181" indent="0">
               <a:buNone/>
               <a:defRPr sz="900"/>
             </a:lvl7pPr>
-            <a:lvl8pPr marL="3200400" indent="0">
+            <a:lvl8pPr marL="3199210" indent="0">
               <a:buNone/>
               <a:defRPr sz="900"/>
             </a:lvl8pPr>
-            <a:lvl9pPr marL="3657600" indent="0">
+            <a:lvl9pPr marL="3656240" indent="0">
               <a:buNone/>
               <a:defRPr sz="900"/>
             </a:lvl9pPr>
@@ -2259,7 +2261,7 @@
           <a:p>
             <a:fld id="{40691E7F-1E96-4D4C-AE45-C7464FC43834}" type="datetimeFigureOut">
               <a:rPr lang="zh-CN" altLang="en-US" smtClean="0"/>
-              <a:t>2013/4/14</a:t>
+              <a:t>2013/4/16</a:t>
             </a:fld>
             <a:endParaRPr lang="zh-CN" altLang="en-US"/>
           </a:p>
@@ -2349,7 +2351,7 @@
         </p:nvSpPr>
         <p:spPr>
           <a:xfrm>
-            <a:off x="1792288" y="4800600"/>
+            <a:off x="1792289" y="4800600"/>
             <a:ext cx="5486400" cy="566738"/>
           </a:xfrm>
         </p:spPr>
@@ -2381,7 +2383,7 @@
         </p:nvSpPr>
         <p:spPr>
           <a:xfrm>
-            <a:off x="1792288" y="612775"/>
+            <a:off x="1792289" y="612776"/>
             <a:ext cx="5486400" cy="4114800"/>
           </a:xfrm>
         </p:spPr>
@@ -2392,35 +2394,35 @@
               <a:buNone/>
               <a:defRPr sz="3200"/>
             </a:lvl1pPr>
-            <a:lvl2pPr marL="457200" indent="0">
+            <a:lvl2pPr marL="457031" indent="0">
               <a:buNone/>
               <a:defRPr sz="2800"/>
             </a:lvl2pPr>
-            <a:lvl3pPr marL="914400" indent="0">
+            <a:lvl3pPr marL="914060" indent="0">
               <a:buNone/>
               <a:defRPr sz="2400"/>
             </a:lvl3pPr>
-            <a:lvl4pPr marL="1371600" indent="0">
+            <a:lvl4pPr marL="1371090" indent="0">
               <a:buNone/>
               <a:defRPr sz="2000"/>
             </a:lvl4pPr>
-            <a:lvl5pPr marL="1828800" indent="0">
+            <a:lvl5pPr marL="1828119" indent="0">
               <a:buNone/>
               <a:defRPr sz="2000"/>
             </a:lvl5pPr>
-            <a:lvl6pPr marL="2286000" indent="0">
+            <a:lvl6pPr marL="2285150" indent="0">
               <a:buNone/>
               <a:defRPr sz="2000"/>
             </a:lvl6pPr>
-            <a:lvl7pPr marL="2743200" indent="0">
+            <a:lvl7pPr marL="2742181" indent="0">
               <a:buNone/>
               <a:defRPr sz="2000"/>
             </a:lvl7pPr>
-            <a:lvl8pPr marL="3200400" indent="0">
+            <a:lvl8pPr marL="3199210" indent="0">
               <a:buNone/>
               <a:defRPr sz="2000"/>
             </a:lvl8pPr>
-            <a:lvl9pPr marL="3657600" indent="0">
+            <a:lvl9pPr marL="3656240" indent="0">
               <a:buNone/>
               <a:defRPr sz="2000"/>
             </a:lvl9pPr>
@@ -2442,7 +2444,7 @@
         </p:nvSpPr>
         <p:spPr>
           <a:xfrm>
-            <a:off x="1792288" y="5367338"/>
+            <a:off x="1792289" y="5367339"/>
             <a:ext cx="5486400" cy="804862"/>
           </a:xfrm>
         </p:spPr>
@@ -2453,35 +2455,35 @@
               <a:buNone/>
               <a:defRPr sz="1400"/>
             </a:lvl1pPr>
-            <a:lvl2pPr marL="457200" indent="0">
+            <a:lvl2pPr marL="457031" indent="0">
               <a:buNone/>
-              <a:defRPr sz="1200"/>
+              <a:defRPr sz="1100"/>
             </a:lvl2pPr>
-            <a:lvl3pPr marL="914400" indent="0">
+            <a:lvl3pPr marL="914060" indent="0">
               <a:buNone/>
               <a:defRPr sz="1000"/>
             </a:lvl3pPr>
-            <a:lvl4pPr marL="1371600" indent="0">
+            <a:lvl4pPr marL="1371090" indent="0">
               <a:buNone/>
               <a:defRPr sz="900"/>
             </a:lvl4pPr>
-            <a:lvl5pPr marL="1828800" indent="0">
+            <a:lvl5pPr marL="1828119" indent="0">
               <a:buNone/>
               <a:defRPr sz="900"/>
             </a:lvl5pPr>
-            <a:lvl6pPr marL="2286000" indent="0">
+            <a:lvl6pPr marL="2285150" indent="0">
               <a:buNone/>
               <a:defRPr sz="900"/>
             </a:lvl6pPr>
-            <a:lvl7pPr marL="2743200" indent="0">
+            <a:lvl7pPr marL="2742181" indent="0">
               <a:buNone/>
               <a:defRPr sz="900"/>
             </a:lvl7pPr>
-            <a:lvl8pPr marL="3200400" indent="0">
+            <a:lvl8pPr marL="3199210" indent="0">
               <a:buNone/>
               <a:defRPr sz="900"/>
             </a:lvl8pPr>
-            <a:lvl9pPr marL="3657600" indent="0">
+            <a:lvl9pPr marL="3656240" indent="0">
               <a:buNone/>
               <a:defRPr sz="900"/>
             </a:lvl9pPr>
@@ -2512,7 +2514,7 @@
           <a:p>
             <a:fld id="{40691E7F-1E96-4D4C-AE45-C7464FC43834}" type="datetimeFigureOut">
               <a:rPr lang="zh-CN" altLang="en-US" smtClean="0"/>
-              <a:t>2013/4/14</a:t>
+              <a:t>2013/4/16</a:t>
             </a:fld>
             <a:endParaRPr lang="zh-CN" altLang="en-US"/>
           </a:p>
@@ -2607,7 +2609,7 @@
         </p:nvSpPr>
         <p:spPr>
           <a:xfrm>
-            <a:off x="457200" y="274638"/>
+            <a:off x="457203" y="274638"/>
             <a:ext cx="8229600" cy="1143000"/>
           </a:xfrm>
           <a:prstGeom prst="rect">
@@ -2615,7 +2617,7 @@
           </a:prstGeom>
         </p:spPr>
         <p:txBody>
-          <a:bodyPr vert="horz" lIns="91440" tIns="45720" rIns="91440" bIns="45720" rtlCol="0" anchor="ctr">
+          <a:bodyPr vert="horz" lIns="91406" tIns="45703" rIns="91406" bIns="45703" rtlCol="0" anchor="ctr">
             <a:normAutofit/>
           </a:bodyPr>
           <a:lstStyle/>
@@ -2640,7 +2642,7 @@
         </p:nvSpPr>
         <p:spPr>
           <a:xfrm>
-            <a:off x="457200" y="1600200"/>
+            <a:off x="457203" y="1600204"/>
             <a:ext cx="8229600" cy="4525963"/>
           </a:xfrm>
           <a:prstGeom prst="rect">
@@ -2648,7 +2650,7 @@
           </a:prstGeom>
         </p:spPr>
         <p:txBody>
-          <a:bodyPr vert="horz" lIns="91440" tIns="45720" rIns="91440" bIns="45720" rtlCol="0">
+          <a:bodyPr vert="horz" lIns="91406" tIns="45703" rIns="91406" bIns="45703" rtlCol="0">
             <a:normAutofit/>
           </a:bodyPr>
           <a:lstStyle/>
@@ -2702,7 +2704,7 @@
         </p:nvSpPr>
         <p:spPr>
           <a:xfrm>
-            <a:off x="457200" y="6356350"/>
+            <a:off x="457200" y="6356352"/>
             <a:ext cx="2133600" cy="365125"/>
           </a:xfrm>
           <a:prstGeom prst="rect">
@@ -2710,10 +2712,10 @@
           </a:prstGeom>
         </p:spPr>
         <p:txBody>
-          <a:bodyPr vert="horz" lIns="91440" tIns="45720" rIns="91440" bIns="45720" rtlCol="0" anchor="ctr"/>
+          <a:bodyPr vert="horz" lIns="91406" tIns="45703" rIns="91406" bIns="45703" rtlCol="0" anchor="ctr"/>
           <a:lstStyle>
             <a:lvl1pPr algn="l">
-              <a:defRPr sz="1200">
+              <a:defRPr sz="1100">
                 <a:solidFill>
                   <a:schemeClr val="tx1">
                     <a:tint val="75000"/>
@@ -2725,7 +2727,7 @@
           <a:p>
             <a:fld id="{40691E7F-1E96-4D4C-AE45-C7464FC43834}" type="datetimeFigureOut">
               <a:rPr lang="zh-CN" altLang="en-US" smtClean="0"/>
-              <a:t>2013/4/14</a:t>
+              <a:t>2013/4/16</a:t>
             </a:fld>
             <a:endParaRPr lang="zh-CN" altLang="en-US"/>
           </a:p>
@@ -2743,7 +2745,7 @@
         </p:nvSpPr>
         <p:spPr>
           <a:xfrm>
-            <a:off x="3124200" y="6356350"/>
+            <a:off x="3124203" y="6356352"/>
             <a:ext cx="2895600" cy="365125"/>
           </a:xfrm>
           <a:prstGeom prst="rect">
@@ -2751,10 +2753,10 @@
           </a:prstGeom>
         </p:spPr>
         <p:txBody>
-          <a:bodyPr vert="horz" lIns="91440" tIns="45720" rIns="91440" bIns="45720" rtlCol="0" anchor="ctr"/>
+          <a:bodyPr vert="horz" lIns="91406" tIns="45703" rIns="91406" bIns="45703" rtlCol="0" anchor="ctr"/>
           <a:lstStyle>
             <a:lvl1pPr algn="ctr">
-              <a:defRPr sz="1200">
+              <a:defRPr sz="1100">
                 <a:solidFill>
                   <a:schemeClr val="tx1">
                     <a:tint val="75000"/>
@@ -2780,7 +2782,7 @@
         </p:nvSpPr>
         <p:spPr>
           <a:xfrm>
-            <a:off x="6553200" y="6356350"/>
+            <a:off x="6553200" y="6356352"/>
             <a:ext cx="2133600" cy="365125"/>
           </a:xfrm>
           <a:prstGeom prst="rect">
@@ -2788,10 +2790,10 @@
           </a:prstGeom>
         </p:spPr>
         <p:txBody>
-          <a:bodyPr vert="horz" lIns="91440" tIns="45720" rIns="91440" bIns="45720" rtlCol="0" anchor="ctr"/>
+          <a:bodyPr vert="horz" lIns="91406" tIns="45703" rIns="91406" bIns="45703" rtlCol="0" anchor="ctr"/>
           <a:lstStyle>
             <a:lvl1pPr algn="r">
-              <a:defRPr sz="1200">
+              <a:defRPr sz="1100">
                 <a:solidFill>
                   <a:schemeClr val="tx1">
                     <a:tint val="75000"/>
@@ -2832,12 +2834,12 @@
   </p:sldLayoutIdLst>
   <p:txStyles>
     <p:titleStyle>
-      <a:lvl1pPr algn="ctr" defTabSz="914400" rtl="0" eaLnBrk="1" latinLnBrk="0" hangingPunct="1">
+      <a:lvl1pPr algn="ctr" defTabSz="914060" rtl="0" eaLnBrk="1" latinLnBrk="0" hangingPunct="1">
         <a:spcBef>
           <a:spcPct val="0"/>
         </a:spcBef>
         <a:buNone/>
-        <a:defRPr sz="4400" kern="1200">
+        <a:defRPr sz="4300" kern="1200">
           <a:solidFill>
             <a:schemeClr val="tx1"/>
           </a:solidFill>
@@ -2848,7 +2850,7 @@
       </a:lvl1pPr>
     </p:titleStyle>
     <p:bodyStyle>
-      <a:lvl1pPr marL="342900" indent="-342900" algn="l" defTabSz="914400" rtl="0" eaLnBrk="1" latinLnBrk="0" hangingPunct="1">
+      <a:lvl1pPr marL="342773" indent="-342773" algn="l" defTabSz="914060" rtl="0" eaLnBrk="1" latinLnBrk="0" hangingPunct="1">
         <a:spcBef>
           <a:spcPct val="20000"/>
         </a:spcBef>
@@ -2863,7 +2865,7 @@
           <a:cs typeface="+mn-cs"/>
         </a:defRPr>
       </a:lvl1pPr>
-      <a:lvl2pPr marL="742950" indent="-285750" algn="l" defTabSz="914400" rtl="0" eaLnBrk="1" latinLnBrk="0" hangingPunct="1">
+      <a:lvl2pPr marL="742673" indent="-285644" algn="l" defTabSz="914060" rtl="0" eaLnBrk="1" latinLnBrk="0" hangingPunct="1">
         <a:spcBef>
           <a:spcPct val="20000"/>
         </a:spcBef>
@@ -2878,7 +2880,7 @@
           <a:cs typeface="+mn-cs"/>
         </a:defRPr>
       </a:lvl2pPr>
-      <a:lvl3pPr marL="1143000" indent="-228600" algn="l" defTabSz="914400" rtl="0" eaLnBrk="1" latinLnBrk="0" hangingPunct="1">
+      <a:lvl3pPr marL="1142576" indent="-228514" algn="l" defTabSz="914060" rtl="0" eaLnBrk="1" latinLnBrk="0" hangingPunct="1">
         <a:spcBef>
           <a:spcPct val="20000"/>
         </a:spcBef>
@@ -2893,7 +2895,7 @@
           <a:cs typeface="+mn-cs"/>
         </a:defRPr>
       </a:lvl3pPr>
-      <a:lvl4pPr marL="1600200" indent="-228600" algn="l" defTabSz="914400" rtl="0" eaLnBrk="1" latinLnBrk="0" hangingPunct="1">
+      <a:lvl4pPr marL="1599606" indent="-228514" algn="l" defTabSz="914060" rtl="0" eaLnBrk="1" latinLnBrk="0" hangingPunct="1">
         <a:spcBef>
           <a:spcPct val="20000"/>
         </a:spcBef>
@@ -2908,7 +2910,7 @@
           <a:cs typeface="+mn-cs"/>
         </a:defRPr>
       </a:lvl4pPr>
-      <a:lvl5pPr marL="2057400" indent="-228600" algn="l" defTabSz="914400" rtl="0" eaLnBrk="1" latinLnBrk="0" hangingPunct="1">
+      <a:lvl5pPr marL="2056636" indent="-228514" algn="l" defTabSz="914060" rtl="0" eaLnBrk="1" latinLnBrk="0" hangingPunct="1">
         <a:spcBef>
           <a:spcPct val="20000"/>
         </a:spcBef>
@@ -2923,7 +2925,7 @@
           <a:cs typeface="+mn-cs"/>
         </a:defRPr>
       </a:lvl5pPr>
-      <a:lvl6pPr marL="2514600" indent="-228600" algn="l" defTabSz="914400" rtl="0" eaLnBrk="1" latinLnBrk="0" hangingPunct="1">
+      <a:lvl6pPr marL="2513665" indent="-228514" algn="l" defTabSz="914060" rtl="0" eaLnBrk="1" latinLnBrk="0" hangingPunct="1">
         <a:spcBef>
           <a:spcPct val="20000"/>
         </a:spcBef>
@@ -2938,7 +2940,7 @@
           <a:cs typeface="+mn-cs"/>
         </a:defRPr>
       </a:lvl6pPr>
-      <a:lvl7pPr marL="2971800" indent="-228600" algn="l" defTabSz="914400" rtl="0" eaLnBrk="1" latinLnBrk="0" hangingPunct="1">
+      <a:lvl7pPr marL="2970695" indent="-228514" algn="l" defTabSz="914060" rtl="0" eaLnBrk="1" latinLnBrk="0" hangingPunct="1">
         <a:spcBef>
           <a:spcPct val="20000"/>
         </a:spcBef>
@@ -2953,7 +2955,7 @@
           <a:cs typeface="+mn-cs"/>
         </a:defRPr>
       </a:lvl7pPr>
-      <a:lvl8pPr marL="3429000" indent="-228600" algn="l" defTabSz="914400" rtl="0" eaLnBrk="1" latinLnBrk="0" hangingPunct="1">
+      <a:lvl8pPr marL="3427726" indent="-228514" algn="l" defTabSz="914060" rtl="0" eaLnBrk="1" latinLnBrk="0" hangingPunct="1">
         <a:spcBef>
           <a:spcPct val="20000"/>
         </a:spcBef>
@@ -2968,7 +2970,7 @@
           <a:cs typeface="+mn-cs"/>
         </a:defRPr>
       </a:lvl8pPr>
-      <a:lvl9pPr marL="3886200" indent="-228600" algn="l" defTabSz="914400" rtl="0" eaLnBrk="1" latinLnBrk="0" hangingPunct="1">
+      <a:lvl9pPr marL="3884756" indent="-228514" algn="l" defTabSz="914060" rtl="0" eaLnBrk="1" latinLnBrk="0" hangingPunct="1">
         <a:spcBef>
           <a:spcPct val="20000"/>
         </a:spcBef>
@@ -2988,7 +2990,7 @@
       <a:defPPr>
         <a:defRPr lang="zh-CN"/>
       </a:defPPr>
-      <a:lvl1pPr marL="0" algn="l" defTabSz="914400" rtl="0" eaLnBrk="1" latinLnBrk="0" hangingPunct="1">
+      <a:lvl1pPr marL="0" algn="l" defTabSz="914060" rtl="0" eaLnBrk="1" latinLnBrk="0" hangingPunct="1">
         <a:defRPr sz="1800" kern="1200">
           <a:solidFill>
             <a:schemeClr val="tx1"/>
@@ -2998,7 +3000,7 @@
           <a:cs typeface="+mn-cs"/>
         </a:defRPr>
       </a:lvl1pPr>
-      <a:lvl2pPr marL="457200" algn="l" defTabSz="914400" rtl="0" eaLnBrk="1" latinLnBrk="0" hangingPunct="1">
+      <a:lvl2pPr marL="457031" algn="l" defTabSz="914060" rtl="0" eaLnBrk="1" latinLnBrk="0" hangingPunct="1">
         <a:defRPr sz="1800" kern="1200">
           <a:solidFill>
             <a:schemeClr val="tx1"/>
@@ -3008,7 +3010,7 @@
           <a:cs typeface="+mn-cs"/>
         </a:defRPr>
       </a:lvl2pPr>
-      <a:lvl3pPr marL="914400" algn="l" defTabSz="914400" rtl="0" eaLnBrk="1" latinLnBrk="0" hangingPunct="1">
+      <a:lvl3pPr marL="914060" algn="l" defTabSz="914060" rtl="0" eaLnBrk="1" latinLnBrk="0" hangingPunct="1">
         <a:defRPr sz="1800" kern="1200">
           <a:solidFill>
             <a:schemeClr val="tx1"/>
@@ -3018,7 +3020,7 @@
           <a:cs typeface="+mn-cs"/>
         </a:defRPr>
       </a:lvl3pPr>
-      <a:lvl4pPr marL="1371600" algn="l" defTabSz="914400" rtl="0" eaLnBrk="1" latinLnBrk="0" hangingPunct="1">
+      <a:lvl4pPr marL="1371090" algn="l" defTabSz="914060" rtl="0" eaLnBrk="1" latinLnBrk="0" hangingPunct="1">
         <a:defRPr sz="1800" kern="1200">
           <a:solidFill>
             <a:schemeClr val="tx1"/>
@@ -3028,7 +3030,7 @@
           <a:cs typeface="+mn-cs"/>
         </a:defRPr>
       </a:lvl4pPr>
-      <a:lvl5pPr marL="1828800" algn="l" defTabSz="914400" rtl="0" eaLnBrk="1" latinLnBrk="0" hangingPunct="1">
+      <a:lvl5pPr marL="1828119" algn="l" defTabSz="914060" rtl="0" eaLnBrk="1" latinLnBrk="0" hangingPunct="1">
         <a:defRPr sz="1800" kern="1200">
           <a:solidFill>
             <a:schemeClr val="tx1"/>
@@ -3038,7 +3040,7 @@
           <a:cs typeface="+mn-cs"/>
         </a:defRPr>
       </a:lvl5pPr>
-      <a:lvl6pPr marL="2286000" algn="l" defTabSz="914400" rtl="0" eaLnBrk="1" latinLnBrk="0" hangingPunct="1">
+      <a:lvl6pPr marL="2285150" algn="l" defTabSz="914060" rtl="0" eaLnBrk="1" latinLnBrk="0" hangingPunct="1">
         <a:defRPr sz="1800" kern="1200">
           <a:solidFill>
             <a:schemeClr val="tx1"/>
@@ -3048,7 +3050,7 @@
           <a:cs typeface="+mn-cs"/>
         </a:defRPr>
       </a:lvl6pPr>
-      <a:lvl7pPr marL="2743200" algn="l" defTabSz="914400" rtl="0" eaLnBrk="1" latinLnBrk="0" hangingPunct="1">
+      <a:lvl7pPr marL="2742181" algn="l" defTabSz="914060" rtl="0" eaLnBrk="1" latinLnBrk="0" hangingPunct="1">
         <a:defRPr sz="1800" kern="1200">
           <a:solidFill>
             <a:schemeClr val="tx1"/>
@@ -3058,7 +3060,7 @@
           <a:cs typeface="+mn-cs"/>
         </a:defRPr>
       </a:lvl7pPr>
-      <a:lvl8pPr marL="3200400" algn="l" defTabSz="914400" rtl="0" eaLnBrk="1" latinLnBrk="0" hangingPunct="1">
+      <a:lvl8pPr marL="3199210" algn="l" defTabSz="914060" rtl="0" eaLnBrk="1" latinLnBrk="0" hangingPunct="1">
         <a:defRPr sz="1800" kern="1200">
           <a:solidFill>
             <a:schemeClr val="tx1"/>
@@ -3068,7 +3070,7 @@
           <a:cs typeface="+mn-cs"/>
         </a:defRPr>
       </a:lvl8pPr>
-      <a:lvl9pPr marL="3657600" algn="l" defTabSz="914400" rtl="0" eaLnBrk="1" latinLnBrk="0" hangingPunct="1">
+      <a:lvl9pPr marL="3656240" algn="l" defTabSz="914060" rtl="0" eaLnBrk="1" latinLnBrk="0" hangingPunct="1">
         <a:defRPr sz="1800" kern="1200">
           <a:solidFill>
             <a:schemeClr val="tx1"/>
@@ -3108,7 +3110,7 @@
         </p:nvSpPr>
         <p:spPr>
           <a:xfrm>
-            <a:off x="3203848" y="260648"/>
+            <a:off x="3203850" y="260648"/>
             <a:ext cx="2448272" cy="432048"/>
           </a:xfrm>
           <a:prstGeom prst="roundRect">
@@ -3146,12 +3148,12 @@
           </a:fontRef>
         </p:style>
         <p:txBody>
-          <a:bodyPr rtlCol="0" anchor="ctr"/>
+          <a:bodyPr lIns="91406" tIns="45703" rIns="91406" bIns="45703" rtlCol="0" anchor="ctr"/>
           <a:lstStyle/>
           <a:p>
             <a:pPr algn="ctr"/>
             <a:r>
-              <a:rPr lang="zh-CN" altLang="en-US" sz="1600" dirty="0" smtClean="0">
+              <a:rPr lang="zh-CN" altLang="en-US" sz="1700" dirty="0">
                 <a:solidFill>
                   <a:schemeClr val="tx1"/>
                 </a:solidFill>
@@ -3160,7 +3162,7 @@
               </a:rPr>
               <a:t>点名系统前台</a:t>
             </a:r>
-            <a:endParaRPr lang="zh-CN" altLang="en-US" sz="1600" dirty="0">
+            <a:endParaRPr lang="zh-CN" altLang="en-US" sz="1700" dirty="0">
               <a:solidFill>
                 <a:schemeClr val="tx1"/>
               </a:solidFill>
@@ -3178,7 +3180,7 @@
         </p:nvSpPr>
         <p:spPr>
           <a:xfrm>
-            <a:off x="1187592" y="1333997"/>
+            <a:off x="1187594" y="1333997"/>
             <a:ext cx="1800200" cy="432048"/>
           </a:xfrm>
           <a:prstGeom prst="roundRect">
@@ -3216,12 +3218,12 @@
           </a:fontRef>
         </p:style>
         <p:txBody>
-          <a:bodyPr rtlCol="0" anchor="ctr"/>
+          <a:bodyPr lIns="91406" tIns="45703" rIns="91406" bIns="45703" rtlCol="0" anchor="ctr"/>
           <a:lstStyle/>
           <a:p>
             <a:pPr algn="ctr"/>
             <a:r>
-              <a:rPr lang="zh-CN" altLang="en-US" sz="1200" dirty="0" smtClean="0">
+              <a:rPr lang="zh-CN" altLang="en-US" sz="1100" dirty="0">
                 <a:solidFill>
                   <a:schemeClr val="tx1"/>
                 </a:solidFill>
@@ -3230,7 +3232,7 @@
               </a:rPr>
               <a:t>教师端</a:t>
             </a:r>
-            <a:endParaRPr lang="zh-CN" altLang="en-US" sz="1200" dirty="0">
+            <a:endParaRPr lang="zh-CN" altLang="en-US" sz="1100" dirty="0">
               <a:solidFill>
                 <a:schemeClr val="tx1"/>
               </a:solidFill>
@@ -3248,7 +3250,7 @@
         </p:nvSpPr>
         <p:spPr>
           <a:xfrm>
-            <a:off x="5796104" y="1333997"/>
+            <a:off x="5796105" y="1333997"/>
             <a:ext cx="1800200" cy="432048"/>
           </a:xfrm>
           <a:prstGeom prst="roundRect">
@@ -3286,12 +3288,12 @@
           </a:fontRef>
         </p:style>
         <p:txBody>
-          <a:bodyPr rtlCol="0" anchor="ctr"/>
+          <a:bodyPr lIns="91406" tIns="45703" rIns="91406" bIns="45703" rtlCol="0" anchor="ctr"/>
           <a:lstStyle/>
           <a:p>
             <a:pPr algn="ctr"/>
             <a:r>
-              <a:rPr lang="zh-CN" altLang="en-US" sz="1200" dirty="0">
+              <a:rPr lang="zh-CN" altLang="en-US" sz="1100" dirty="0">
                 <a:solidFill>
                   <a:schemeClr val="tx1"/>
                 </a:solidFill>
@@ -3311,7 +3313,7 @@
         </p:nvSpPr>
         <p:spPr>
           <a:xfrm>
-            <a:off x="5004048" y="2601048"/>
+            <a:off x="5004048" y="2601050"/>
             <a:ext cx="288000" cy="1260000"/>
           </a:xfrm>
           <a:prstGeom prst="rect">
@@ -3349,12 +3351,12 @@
           </a:fontRef>
         </p:style>
         <p:txBody>
-          <a:bodyPr rtlCol="0" anchor="ctr"/>
+          <a:bodyPr lIns="91406" tIns="45703" rIns="91406" bIns="45703" rtlCol="0" anchor="ctr"/>
           <a:lstStyle/>
           <a:p>
             <a:pPr algn="ctr"/>
             <a:r>
-              <a:rPr lang="zh-CN" altLang="en-US" sz="1000" dirty="0" smtClean="0">
+              <a:rPr lang="zh-CN" altLang="en-US" sz="1000" dirty="0">
                 <a:solidFill>
                   <a:schemeClr val="tx1"/>
                 </a:solidFill>
@@ -3381,7 +3383,7 @@
         </p:nvSpPr>
         <p:spPr>
           <a:xfrm>
-            <a:off x="5508104" y="2601048"/>
+            <a:off x="5508105" y="2601050"/>
             <a:ext cx="288000" cy="1260000"/>
           </a:xfrm>
           <a:prstGeom prst="rect">
@@ -3419,12 +3421,12 @@
           </a:fontRef>
         </p:style>
         <p:txBody>
-          <a:bodyPr rtlCol="0" anchor="ctr"/>
+          <a:bodyPr lIns="91406" tIns="45703" rIns="91406" bIns="45703" rtlCol="0" anchor="ctr"/>
           <a:lstStyle/>
           <a:p>
             <a:pPr algn="ctr"/>
             <a:r>
-              <a:rPr lang="zh-CN" altLang="en-US" sz="1000" dirty="0" smtClean="0">
+              <a:rPr lang="zh-CN" altLang="en-US" sz="1000" dirty="0">
                 <a:solidFill>
                   <a:schemeClr val="tx1"/>
                 </a:solidFill>
@@ -3451,7 +3453,7 @@
         </p:nvSpPr>
         <p:spPr>
           <a:xfrm>
-            <a:off x="5940152" y="2601048"/>
+            <a:off x="5940152" y="2601050"/>
             <a:ext cx="288000" cy="1260000"/>
           </a:xfrm>
           <a:prstGeom prst="rect">
@@ -3489,12 +3491,12 @@
           </a:fontRef>
         </p:style>
         <p:txBody>
-          <a:bodyPr rtlCol="0" anchor="ctr"/>
+          <a:bodyPr lIns="91406" tIns="45703" rIns="91406" bIns="45703" rtlCol="0" anchor="ctr"/>
           <a:lstStyle/>
           <a:p>
             <a:pPr algn="ctr"/>
             <a:r>
-              <a:rPr lang="zh-CN" altLang="en-US" sz="1000" dirty="0" smtClean="0">
+              <a:rPr lang="zh-CN" altLang="en-US" sz="1000" dirty="0">
                 <a:solidFill>
                   <a:schemeClr val="tx1"/>
                 </a:solidFill>
@@ -3503,7 +3505,7 @@
               </a:rPr>
               <a:t>查询课表信息</a:t>
             </a:r>
-            <a:endParaRPr lang="en-US" altLang="zh-CN" sz="1000" dirty="0" smtClean="0">
+            <a:endParaRPr lang="en-US" altLang="zh-CN" sz="1000" dirty="0">
               <a:solidFill>
                 <a:schemeClr val="tx1"/>
               </a:solidFill>
@@ -3521,7 +3523,7 @@
         </p:nvSpPr>
         <p:spPr>
           <a:xfrm>
-            <a:off x="6372200" y="2601048"/>
+            <a:off x="6372200" y="2601050"/>
             <a:ext cx="288000" cy="1260000"/>
           </a:xfrm>
           <a:prstGeom prst="rect">
@@ -3559,12 +3561,12 @@
           </a:fontRef>
         </p:style>
         <p:txBody>
-          <a:bodyPr rtlCol="0" anchor="ctr"/>
+          <a:bodyPr lIns="91406" tIns="45703" rIns="91406" bIns="45703" rtlCol="0" anchor="ctr"/>
           <a:lstStyle/>
           <a:p>
             <a:pPr algn="ctr"/>
             <a:r>
-              <a:rPr lang="zh-CN" altLang="en-US" sz="1000" dirty="0" smtClean="0">
+              <a:rPr lang="zh-CN" altLang="en-US" sz="1000" dirty="0">
                 <a:solidFill>
                   <a:schemeClr val="tx1"/>
                 </a:solidFill>
@@ -3573,7 +3575,7 @@
               </a:rPr>
               <a:t>查看教室信息</a:t>
             </a:r>
-            <a:endParaRPr lang="en-US" altLang="zh-CN" sz="1000" dirty="0" smtClean="0">
+            <a:endParaRPr lang="en-US" altLang="zh-CN" sz="1000" dirty="0">
               <a:solidFill>
                 <a:schemeClr val="tx1"/>
               </a:solidFill>
@@ -3591,7 +3593,7 @@
         </p:nvSpPr>
         <p:spPr>
           <a:xfrm>
-            <a:off x="6804248" y="2601048"/>
+            <a:off x="6804247" y="2601050"/>
             <a:ext cx="288000" cy="1260000"/>
           </a:xfrm>
           <a:prstGeom prst="rect">
@@ -3629,12 +3631,12 @@
           </a:fontRef>
         </p:style>
         <p:txBody>
-          <a:bodyPr rtlCol="0" anchor="ctr"/>
+          <a:bodyPr lIns="91406" tIns="45703" rIns="91406" bIns="45703" rtlCol="0" anchor="ctr"/>
           <a:lstStyle/>
           <a:p>
             <a:pPr algn="ctr"/>
             <a:r>
-              <a:rPr lang="zh-CN" altLang="en-US" sz="1000" dirty="0" smtClean="0">
+              <a:rPr lang="zh-CN" altLang="en-US" sz="1000" dirty="0">
                 <a:solidFill>
                   <a:schemeClr val="tx1"/>
                 </a:solidFill>
@@ -3643,7 +3645,7 @@
               </a:rPr>
               <a:t>查询个人缺勤情况</a:t>
             </a:r>
-            <a:endParaRPr lang="en-US" altLang="zh-CN" sz="1000" dirty="0" smtClean="0">
+            <a:endParaRPr lang="en-US" altLang="zh-CN" sz="1000" dirty="0">
               <a:solidFill>
                 <a:schemeClr val="tx1"/>
               </a:solidFill>
@@ -3661,7 +3663,7 @@
         </p:nvSpPr>
         <p:spPr>
           <a:xfrm>
-            <a:off x="7236296" y="2601048"/>
+            <a:off x="7236296" y="2601050"/>
             <a:ext cx="288000" cy="1260000"/>
           </a:xfrm>
           <a:prstGeom prst="rect">
@@ -3699,12 +3701,12 @@
           </a:fontRef>
         </p:style>
         <p:txBody>
-          <a:bodyPr rtlCol="0" anchor="ctr"/>
+          <a:bodyPr lIns="91406" tIns="45703" rIns="91406" bIns="45703" rtlCol="0" anchor="ctr"/>
           <a:lstStyle/>
           <a:p>
             <a:pPr algn="ctr"/>
             <a:r>
-              <a:rPr lang="zh-CN" altLang="en-US" sz="1000" dirty="0" smtClean="0">
+              <a:rPr lang="zh-CN" altLang="en-US" sz="1000" dirty="0">
                 <a:solidFill>
                   <a:schemeClr val="tx1"/>
                 </a:solidFill>
@@ -3713,7 +3715,7 @@
               </a:rPr>
               <a:t>微博监督</a:t>
             </a:r>
-            <a:endParaRPr lang="en-US" altLang="zh-CN" sz="1000" dirty="0" smtClean="0">
+            <a:endParaRPr lang="en-US" altLang="zh-CN" sz="1000" dirty="0">
               <a:solidFill>
                 <a:schemeClr val="tx1"/>
               </a:solidFill>
@@ -3731,7 +3733,7 @@
         </p:nvSpPr>
         <p:spPr>
           <a:xfrm>
-            <a:off x="7668344" y="2601048"/>
+            <a:off x="7668344" y="2601050"/>
             <a:ext cx="288000" cy="1260000"/>
           </a:xfrm>
           <a:prstGeom prst="rect">
@@ -3769,12 +3771,12 @@
           </a:fontRef>
         </p:style>
         <p:txBody>
-          <a:bodyPr rtlCol="0" anchor="ctr"/>
+          <a:bodyPr lIns="91406" tIns="45703" rIns="91406" bIns="45703" rtlCol="0" anchor="ctr"/>
           <a:lstStyle/>
           <a:p>
             <a:pPr algn="ctr"/>
             <a:r>
-              <a:rPr lang="zh-CN" altLang="en-US" sz="1000" dirty="0" smtClean="0">
+              <a:rPr lang="zh-CN" altLang="en-US" sz="1000" dirty="0">
                 <a:solidFill>
                   <a:schemeClr val="tx1"/>
                 </a:solidFill>
@@ -3783,7 +3785,7 @@
               </a:rPr>
               <a:t>查看通知公告</a:t>
             </a:r>
-            <a:endParaRPr lang="en-US" altLang="zh-CN" sz="1000" dirty="0" smtClean="0">
+            <a:endParaRPr lang="en-US" altLang="zh-CN" sz="1000" dirty="0">
               <a:solidFill>
                 <a:schemeClr val="tx1"/>
               </a:solidFill>
@@ -3801,7 +3803,7 @@
         </p:nvSpPr>
         <p:spPr>
           <a:xfrm>
-            <a:off x="8100392" y="2601048"/>
+            <a:off x="8100392" y="2601050"/>
             <a:ext cx="288000" cy="1260000"/>
           </a:xfrm>
           <a:prstGeom prst="rect">
@@ -3839,12 +3841,12 @@
           </a:fontRef>
         </p:style>
         <p:txBody>
-          <a:bodyPr rtlCol="0" anchor="ctr"/>
+          <a:bodyPr lIns="91406" tIns="45703" rIns="91406" bIns="45703" rtlCol="0" anchor="ctr"/>
           <a:lstStyle/>
           <a:p>
             <a:pPr algn="ctr"/>
             <a:r>
-              <a:rPr lang="zh-CN" altLang="en-US" sz="1000" dirty="0" smtClean="0">
+              <a:rPr lang="zh-CN" altLang="en-US" sz="1000" dirty="0">
                 <a:solidFill>
                   <a:schemeClr val="tx1"/>
                 </a:solidFill>
@@ -3853,7 +3855,7 @@
               </a:rPr>
               <a:t>系统使用帮助</a:t>
             </a:r>
-            <a:endParaRPr lang="en-US" altLang="zh-CN" sz="1000" dirty="0" smtClean="0">
+            <a:endParaRPr lang="en-US" altLang="zh-CN" sz="1000" dirty="0">
               <a:solidFill>
                 <a:schemeClr val="tx1"/>
               </a:solidFill>
@@ -3871,7 +3873,7 @@
         </p:nvSpPr>
         <p:spPr>
           <a:xfrm>
-            <a:off x="46931" y="2581275"/>
+            <a:off x="46931" y="2581278"/>
             <a:ext cx="288000" cy="1260000"/>
           </a:xfrm>
           <a:prstGeom prst="rect">
@@ -3909,12 +3911,12 @@
           </a:fontRef>
         </p:style>
         <p:txBody>
-          <a:bodyPr rtlCol="0" anchor="ctr"/>
+          <a:bodyPr lIns="91406" tIns="45703" rIns="91406" bIns="45703" rtlCol="0" anchor="ctr"/>
           <a:lstStyle/>
           <a:p>
             <a:pPr algn="ctr"/>
             <a:r>
-              <a:rPr lang="zh-CN" altLang="en-US" sz="1000" dirty="0" smtClean="0">
+              <a:rPr lang="zh-CN" altLang="en-US" sz="1000" dirty="0">
                 <a:solidFill>
                   <a:schemeClr val="tx1"/>
                 </a:solidFill>
@@ -3941,7 +3943,7 @@
         </p:nvSpPr>
         <p:spPr>
           <a:xfrm>
-            <a:off x="467544" y="2581275"/>
+            <a:off x="467543" y="2581278"/>
             <a:ext cx="288000" cy="1260000"/>
           </a:xfrm>
           <a:prstGeom prst="rect">
@@ -3979,12 +3981,12 @@
           </a:fontRef>
         </p:style>
         <p:txBody>
-          <a:bodyPr rtlCol="0" anchor="ctr"/>
+          <a:bodyPr lIns="91406" tIns="45703" rIns="91406" bIns="45703" rtlCol="0" anchor="ctr"/>
           <a:lstStyle/>
           <a:p>
             <a:pPr algn="ctr"/>
             <a:r>
-              <a:rPr lang="zh-CN" altLang="en-US" sz="1000" dirty="0" smtClean="0">
+              <a:rPr lang="zh-CN" altLang="en-US" sz="1000" dirty="0">
                 <a:solidFill>
                   <a:schemeClr val="tx1"/>
                 </a:solidFill>
@@ -4011,7 +4013,7 @@
         </p:nvSpPr>
         <p:spPr>
           <a:xfrm>
-            <a:off x="899592" y="2581275"/>
+            <a:off x="899592" y="2581278"/>
             <a:ext cx="288000" cy="1260000"/>
           </a:xfrm>
           <a:prstGeom prst="rect">
@@ -4049,12 +4051,12 @@
           </a:fontRef>
         </p:style>
         <p:txBody>
-          <a:bodyPr rtlCol="0" anchor="ctr"/>
+          <a:bodyPr lIns="91406" tIns="45703" rIns="91406" bIns="45703" rtlCol="0" anchor="ctr"/>
           <a:lstStyle/>
           <a:p>
             <a:pPr algn="ctr"/>
             <a:r>
-              <a:rPr lang="zh-CN" altLang="en-US" sz="1000" dirty="0" smtClean="0">
+              <a:rPr lang="zh-CN" altLang="en-US" sz="1000" dirty="0">
                 <a:solidFill>
                   <a:schemeClr val="tx1"/>
                 </a:solidFill>
@@ -4063,7 +4065,7 @@
               </a:rPr>
               <a:t>查询课表信息</a:t>
             </a:r>
-            <a:endParaRPr lang="en-US" altLang="zh-CN" sz="1000" dirty="0" smtClean="0">
+            <a:endParaRPr lang="en-US" altLang="zh-CN" sz="1000" dirty="0">
               <a:solidFill>
                 <a:schemeClr val="tx1"/>
               </a:solidFill>
@@ -4081,7 +4083,7 @@
         </p:nvSpPr>
         <p:spPr>
           <a:xfrm>
-            <a:off x="1331640" y="2581275"/>
+            <a:off x="1331640" y="2581278"/>
             <a:ext cx="288000" cy="1260000"/>
           </a:xfrm>
           <a:prstGeom prst="rect">
@@ -4119,12 +4121,12 @@
           </a:fontRef>
         </p:style>
         <p:txBody>
-          <a:bodyPr rtlCol="0" anchor="ctr"/>
+          <a:bodyPr lIns="91406" tIns="45703" rIns="91406" bIns="45703" rtlCol="0" anchor="ctr"/>
           <a:lstStyle/>
           <a:p>
             <a:pPr algn="ctr"/>
             <a:r>
-              <a:rPr lang="zh-CN" altLang="en-US" sz="1000" dirty="0" smtClean="0">
+              <a:rPr lang="zh-CN" altLang="en-US" sz="1000" dirty="0">
                 <a:solidFill>
                   <a:schemeClr val="tx1"/>
                 </a:solidFill>
@@ -4133,7 +4135,7 @@
               </a:rPr>
               <a:t>查看教室信息</a:t>
             </a:r>
-            <a:endParaRPr lang="en-US" altLang="zh-CN" sz="1000" dirty="0" smtClean="0">
+            <a:endParaRPr lang="en-US" altLang="zh-CN" sz="1000" dirty="0">
               <a:solidFill>
                 <a:schemeClr val="tx1"/>
               </a:solidFill>
@@ -4151,7 +4153,7 @@
         </p:nvSpPr>
         <p:spPr>
           <a:xfrm>
-            <a:off x="1763688" y="2581275"/>
+            <a:off x="1763688" y="2581278"/>
             <a:ext cx="288000" cy="1260000"/>
           </a:xfrm>
           <a:prstGeom prst="rect">
@@ -4189,12 +4191,12 @@
           </a:fontRef>
         </p:style>
         <p:txBody>
-          <a:bodyPr rtlCol="0" anchor="ctr"/>
+          <a:bodyPr lIns="91406" tIns="45703" rIns="91406" bIns="45703" rtlCol="0" anchor="ctr"/>
           <a:lstStyle/>
           <a:p>
             <a:pPr algn="ctr"/>
             <a:r>
-              <a:rPr lang="zh-CN" altLang="en-US" sz="1000" dirty="0" smtClean="0">
+              <a:rPr lang="zh-CN" altLang="en-US" sz="1000" dirty="0">
                 <a:solidFill>
                   <a:schemeClr val="tx1"/>
                 </a:solidFill>
@@ -4203,7 +4205,7 @@
               </a:rPr>
               <a:t>查询个人缺勤情况</a:t>
             </a:r>
-            <a:endParaRPr lang="en-US" altLang="zh-CN" sz="1000" dirty="0" smtClean="0">
+            <a:endParaRPr lang="en-US" altLang="zh-CN" sz="1000" dirty="0">
               <a:solidFill>
                 <a:schemeClr val="tx1"/>
               </a:solidFill>
@@ -4221,7 +4223,7 @@
         </p:nvSpPr>
         <p:spPr>
           <a:xfrm>
-            <a:off x="2195736" y="2581276"/>
+            <a:off x="2195736" y="2581278"/>
             <a:ext cx="288000" cy="1260000"/>
           </a:xfrm>
           <a:prstGeom prst="rect">
@@ -4259,12 +4261,12 @@
           </a:fontRef>
         </p:style>
         <p:txBody>
-          <a:bodyPr rtlCol="0" anchor="ctr"/>
+          <a:bodyPr lIns="91406" tIns="45703" rIns="91406" bIns="45703" rtlCol="0" anchor="ctr"/>
           <a:lstStyle/>
           <a:p>
             <a:pPr algn="ctr"/>
             <a:r>
-              <a:rPr lang="zh-CN" altLang="en-US" sz="1000" dirty="0" smtClean="0">
+              <a:rPr lang="zh-CN" altLang="en-US" sz="1000" dirty="0">
                 <a:solidFill>
                   <a:schemeClr val="tx1"/>
                 </a:solidFill>
@@ -4273,7 +4275,7 @@
               </a:rPr>
               <a:t>查看通知公告</a:t>
             </a:r>
-            <a:endParaRPr lang="en-US" altLang="zh-CN" sz="1000" dirty="0" smtClean="0">
+            <a:endParaRPr lang="en-US" altLang="zh-CN" sz="1000" dirty="0">
               <a:solidFill>
                 <a:schemeClr val="tx1"/>
               </a:solidFill>
@@ -4291,7 +4293,7 @@
         </p:nvSpPr>
         <p:spPr>
           <a:xfrm>
-            <a:off x="2627784" y="2564904"/>
+            <a:off x="2627784" y="2564906"/>
             <a:ext cx="288000" cy="1260000"/>
           </a:xfrm>
           <a:prstGeom prst="rect">
@@ -4329,12 +4331,12 @@
           </a:fontRef>
         </p:style>
         <p:txBody>
-          <a:bodyPr rtlCol="0" anchor="ctr"/>
+          <a:bodyPr lIns="91406" tIns="45703" rIns="91406" bIns="45703" rtlCol="0" anchor="ctr"/>
           <a:lstStyle/>
           <a:p>
             <a:pPr algn="ctr"/>
             <a:r>
-              <a:rPr lang="zh-CN" altLang="en-US" sz="1000" dirty="0" smtClean="0">
+              <a:rPr lang="zh-CN" altLang="en-US" sz="1000" dirty="0">
                 <a:solidFill>
                   <a:schemeClr val="tx1"/>
                 </a:solidFill>
@@ -4343,7 +4345,7 @@
               </a:rPr>
               <a:t>系统使用帮助</a:t>
             </a:r>
-            <a:endParaRPr lang="en-US" altLang="zh-CN" sz="1000" dirty="0" smtClean="0">
+            <a:endParaRPr lang="en-US" altLang="zh-CN" sz="1000" dirty="0">
               <a:solidFill>
                 <a:schemeClr val="tx1"/>
               </a:solidFill>
@@ -4361,7 +4363,7 @@
         </p:nvSpPr>
         <p:spPr>
           <a:xfrm>
-            <a:off x="3059832" y="2580553"/>
+            <a:off x="3059832" y="2580554"/>
             <a:ext cx="288000" cy="1260000"/>
           </a:xfrm>
           <a:prstGeom prst="rect">
@@ -4399,7 +4401,7 @@
           </a:fontRef>
         </p:style>
         <p:txBody>
-          <a:bodyPr rtlCol="0" anchor="ctr"/>
+          <a:bodyPr lIns="91406" tIns="45703" rIns="91406" bIns="45703" rtlCol="0" anchor="ctr"/>
           <a:lstStyle/>
           <a:p>
             <a:pPr algn="ctr"/>
@@ -4414,7 +4416,7 @@
               <a:t>调</a:t>
             </a:r>
             <a:r>
-              <a:rPr lang="zh-CN" altLang="en-US" sz="1000" dirty="0" smtClean="0">
+              <a:rPr lang="zh-CN" altLang="en-US" sz="1000" dirty="0">
                 <a:solidFill>
                   <a:schemeClr val="tx1"/>
                 </a:solidFill>
@@ -4423,7 +4425,7 @@
               </a:rPr>
               <a:t>课申请操作</a:t>
             </a:r>
-            <a:endParaRPr lang="en-US" altLang="zh-CN" sz="1000" dirty="0" smtClean="0">
+            <a:endParaRPr lang="en-US" altLang="zh-CN" sz="1000" dirty="0">
               <a:solidFill>
                 <a:schemeClr val="tx1"/>
               </a:solidFill>
@@ -4441,7 +4443,7 @@
         </p:nvSpPr>
         <p:spPr>
           <a:xfrm>
-            <a:off x="3491880" y="2580553"/>
+            <a:off x="3491880" y="2580554"/>
             <a:ext cx="288000" cy="1260000"/>
           </a:xfrm>
           <a:prstGeom prst="rect">
@@ -4479,12 +4481,12 @@
           </a:fontRef>
         </p:style>
         <p:txBody>
-          <a:bodyPr rtlCol="0" anchor="ctr"/>
+          <a:bodyPr lIns="91406" tIns="45703" rIns="91406" bIns="45703" rtlCol="0" anchor="ctr"/>
           <a:lstStyle/>
           <a:p>
             <a:pPr algn="ctr"/>
             <a:r>
-              <a:rPr lang="zh-CN" altLang="en-US" sz="1000" dirty="0" smtClean="0">
+              <a:rPr lang="zh-CN" altLang="en-US" sz="1000" dirty="0">
                 <a:solidFill>
                   <a:schemeClr val="tx1"/>
                 </a:solidFill>
@@ -4493,7 +4495,7 @@
               </a:rPr>
               <a:t>缺勤图表分析</a:t>
             </a:r>
-            <a:endParaRPr lang="en-US" altLang="zh-CN" sz="1000" dirty="0" smtClean="0">
+            <a:endParaRPr lang="en-US" altLang="zh-CN" sz="1000" dirty="0">
               <a:solidFill>
                 <a:schemeClr val="tx1"/>
               </a:solidFill>
@@ -4511,7 +4513,7 @@
         </p:nvSpPr>
         <p:spPr>
           <a:xfrm>
-            <a:off x="3923928" y="2580553"/>
+            <a:off x="3923929" y="2580554"/>
             <a:ext cx="288000" cy="1260000"/>
           </a:xfrm>
           <a:prstGeom prst="rect">
@@ -4549,7 +4551,7 @@
           </a:fontRef>
         </p:style>
         <p:txBody>
-          <a:bodyPr rtlCol="0" anchor="ctr"/>
+          <a:bodyPr lIns="91406" tIns="45703" rIns="91406" bIns="45703" rtlCol="0" anchor="ctr"/>
           <a:lstStyle/>
           <a:p>
             <a:pPr algn="ctr"/>
@@ -4564,7 +4566,7 @@
               <a:t>群</a:t>
             </a:r>
             <a:r>
-              <a:rPr lang="zh-CN" altLang="en-US" sz="1000" dirty="0" smtClean="0">
+              <a:rPr lang="zh-CN" altLang="en-US" sz="1000" dirty="0">
                 <a:solidFill>
                   <a:schemeClr val="tx1"/>
                 </a:solidFill>
@@ -4573,7 +4575,7 @@
               </a:rPr>
               <a:t>发私信通知</a:t>
             </a:r>
-            <a:endParaRPr lang="en-US" altLang="zh-CN" sz="1000" dirty="0" smtClean="0">
+            <a:endParaRPr lang="en-US" altLang="zh-CN" sz="1000" dirty="0">
               <a:solidFill>
                 <a:schemeClr val="tx1"/>
               </a:solidFill>
@@ -4594,8 +4596,8 @@
         </p:nvCxnSpPr>
         <p:spPr>
           <a:xfrm rot="16200000" flipH="1">
-            <a:off x="5241444" y="-120764"/>
-            <a:ext cx="641301" cy="2268220"/>
+            <a:off x="5241446" y="-120762"/>
+            <a:ext cx="641301" cy="2268219"/>
           </a:xfrm>
           <a:prstGeom prst="bentConnector3">
             <a:avLst/>
@@ -4630,7 +4632,7 @@
         </p:nvCxnSpPr>
         <p:spPr>
           <a:xfrm rot="5400000">
-            <a:off x="2937188" y="-156800"/>
+            <a:off x="2937189" y="-156801"/>
             <a:ext cx="641301" cy="2340292"/>
           </a:xfrm>
           <a:prstGeom prst="bentConnector3">
@@ -4666,7 +4668,7 @@
         </p:nvCxnSpPr>
         <p:spPr>
           <a:xfrm rot="5400000">
-            <a:off x="731697" y="1225280"/>
+            <a:off x="731699" y="1225282"/>
             <a:ext cx="815230" cy="1896761"/>
           </a:xfrm>
           <a:prstGeom prst="bentConnector3">
@@ -4702,7 +4704,7 @@
         </p:nvCxnSpPr>
         <p:spPr>
           <a:xfrm rot="5400000">
-            <a:off x="942003" y="1435586"/>
+            <a:off x="942004" y="1435587"/>
             <a:ext cx="815230" cy="1476148"/>
           </a:xfrm>
           <a:prstGeom prst="bentConnector3">
@@ -4738,8 +4740,8 @@
         </p:nvCxnSpPr>
         <p:spPr>
           <a:xfrm rot="5400000">
-            <a:off x="1158027" y="1651610"/>
-            <a:ext cx="815230" cy="1044100"/>
+            <a:off x="1158029" y="1651612"/>
+            <a:ext cx="815230" cy="1044099"/>
           </a:xfrm>
           <a:prstGeom prst="bentConnector3">
             <a:avLst/>
@@ -4810,7 +4812,7 @@
         </p:nvCxnSpPr>
         <p:spPr>
           <a:xfrm rot="5400000">
-            <a:off x="1590075" y="2083658"/>
+            <a:off x="1590076" y="2083658"/>
             <a:ext cx="815230" cy="180004"/>
           </a:xfrm>
           <a:prstGeom prst="bentConnector3">
@@ -4846,8 +4848,8 @@
         </p:nvCxnSpPr>
         <p:spPr>
           <a:xfrm rot="16200000" flipH="1">
-            <a:off x="1806099" y="2047638"/>
-            <a:ext cx="815231" cy="252044"/>
+            <a:off x="1806100" y="2047640"/>
+            <a:ext cx="815231" cy="252043"/>
           </a:xfrm>
           <a:prstGeom prst="bentConnector3">
             <a:avLst/>
@@ -4882,7 +4884,7 @@
         </p:nvCxnSpPr>
         <p:spPr>
           <a:xfrm rot="16200000" flipH="1">
-            <a:off x="2238508" y="1615229"/>
+            <a:off x="2238508" y="1615230"/>
             <a:ext cx="814508" cy="1116140"/>
           </a:xfrm>
           <a:prstGeom prst="bentConnector3">
@@ -4918,8 +4920,8 @@
         </p:nvCxnSpPr>
         <p:spPr>
           <a:xfrm rot="16200000" flipH="1">
-            <a:off x="2454532" y="1399205"/>
-            <a:ext cx="814508" cy="1548188"/>
+            <a:off x="2454534" y="1399206"/>
+            <a:ext cx="814508" cy="1548187"/>
           </a:xfrm>
           <a:prstGeom prst="bentConnector3">
             <a:avLst/>
@@ -4954,7 +4956,7 @@
         </p:nvCxnSpPr>
         <p:spPr>
           <a:xfrm rot="16200000" flipH="1">
-            <a:off x="2670556" y="1183181"/>
+            <a:off x="2670558" y="1183181"/>
             <a:ext cx="814508" cy="1980236"/>
           </a:xfrm>
           <a:prstGeom prst="bentConnector3">
@@ -4990,7 +4992,7 @@
         </p:nvCxnSpPr>
         <p:spPr>
           <a:xfrm rot="16200000" flipH="1">
-            <a:off x="2030309" y="1823428"/>
+            <a:off x="2030310" y="1823429"/>
             <a:ext cx="798859" cy="684092"/>
           </a:xfrm>
           <a:prstGeom prst="bentConnector3">
@@ -5026,8 +5028,8 @@
         </p:nvCxnSpPr>
         <p:spPr>
           <a:xfrm rot="5400000">
-            <a:off x="5504625" y="1409468"/>
-            <a:ext cx="835003" cy="1548156"/>
+            <a:off x="5504625" y="1409469"/>
+            <a:ext cx="835004" cy="1548156"/>
           </a:xfrm>
           <a:prstGeom prst="bentConnector3">
             <a:avLst/>
@@ -5062,8 +5064,8 @@
         </p:nvCxnSpPr>
         <p:spPr>
           <a:xfrm rot="5400000">
-            <a:off x="5756653" y="1661496"/>
-            <a:ext cx="835003" cy="1044100"/>
+            <a:off x="5756653" y="1661497"/>
+            <a:ext cx="835004" cy="1044099"/>
           </a:xfrm>
           <a:prstGeom prst="bentConnector3">
             <a:avLst/>
@@ -5099,7 +5101,7 @@
         <p:spPr>
           <a:xfrm rot="5400000">
             <a:off x="5972677" y="1877520"/>
-            <a:ext cx="835003" cy="612052"/>
+            <a:ext cx="835004" cy="612052"/>
           </a:xfrm>
           <a:prstGeom prst="bentConnector3">
             <a:avLst/>
@@ -5135,7 +5137,7 @@
         <p:spPr>
           <a:xfrm rot="5400000">
             <a:off x="6188701" y="2093544"/>
-            <a:ext cx="835003" cy="180004"/>
+            <a:ext cx="835004" cy="180004"/>
           </a:xfrm>
           <a:prstGeom prst="bentConnector3">
             <a:avLst/>
@@ -5170,8 +5172,8 @@
         </p:nvCxnSpPr>
         <p:spPr>
           <a:xfrm rot="16200000" flipH="1">
-            <a:off x="6404725" y="2057524"/>
-            <a:ext cx="835003" cy="252044"/>
+            <a:off x="6404724" y="2057525"/>
+            <a:ext cx="835004" cy="252043"/>
           </a:xfrm>
           <a:prstGeom prst="bentConnector3">
             <a:avLst/>
@@ -5207,7 +5209,7 @@
         <p:spPr>
           <a:xfrm rot="16200000" flipH="1">
             <a:off x="6620749" y="1841500"/>
-            <a:ext cx="835003" cy="684092"/>
+            <a:ext cx="835004" cy="684092"/>
           </a:xfrm>
           <a:prstGeom prst="bentConnector3">
             <a:avLst/>
@@ -5242,8 +5244,8 @@
         </p:nvCxnSpPr>
         <p:spPr>
           <a:xfrm rot="16200000" flipH="1">
-            <a:off x="6836773" y="1625476"/>
-            <a:ext cx="835003" cy="1116140"/>
+            <a:off x="6836773" y="1625477"/>
+            <a:ext cx="835004" cy="1116140"/>
           </a:xfrm>
           <a:prstGeom prst="bentConnector3">
             <a:avLst/>
@@ -5278,8 +5280,8 @@
         </p:nvCxnSpPr>
         <p:spPr>
           <a:xfrm rot="16200000" flipH="1">
-            <a:off x="7052797" y="1409452"/>
-            <a:ext cx="835003" cy="1548188"/>
+            <a:off x="7052797" y="1409453"/>
+            <a:ext cx="835004" cy="1548187"/>
           </a:xfrm>
           <a:prstGeom prst="bentConnector3">
             <a:avLst/>
@@ -5379,11 +5381,11 @@
           </a:fontRef>
         </p:style>
         <p:txBody>
-          <a:bodyPr rtlCol="0" anchor="ctr"/>
+          <a:bodyPr lIns="91406" tIns="45703" rIns="91406" bIns="45703" rtlCol="0" anchor="ctr"/>
           <a:lstStyle/>
           <a:p>
             <a:pPr algn="ctr"/>
-            <a:endParaRPr lang="zh-CN" altLang="en-US" sz="1200">
+            <a:endParaRPr lang="zh-CN" altLang="en-US" sz="1100">
               <a:latin typeface="微软雅黑" pitchFamily="34" charset="-122"/>
               <a:ea typeface="微软雅黑" pitchFamily="34" charset="-122"/>
             </a:endParaRPr>
@@ -5438,7 +5440,7 @@
         </p:nvCxnSpPr>
         <p:spPr>
           <a:xfrm>
-            <a:off x="446423" y="2578063"/>
+            <a:off x="446423" y="2578067"/>
             <a:ext cx="0" cy="598909"/>
           </a:xfrm>
           <a:prstGeom prst="line">
@@ -5476,7 +5478,7 @@
         </p:nvCxnSpPr>
         <p:spPr>
           <a:xfrm flipH="1">
-            <a:off x="209278" y="3176972"/>
+            <a:off x="209280" y="3176973"/>
             <a:ext cx="252028" cy="252028"/>
           </a:xfrm>
           <a:prstGeom prst="line">
@@ -5514,7 +5516,7 @@
         </p:nvCxnSpPr>
         <p:spPr>
           <a:xfrm>
-            <a:off x="446423" y="3176972"/>
+            <a:off x="446425" y="3176973"/>
             <a:ext cx="252028" cy="252028"/>
           </a:xfrm>
           <a:prstGeom prst="line">
@@ -5553,7 +5555,7 @@
         <p:spPr>
           <a:xfrm>
             <a:off x="335292" y="116632"/>
-            <a:ext cx="936104" cy="542603"/>
+            <a:ext cx="936105" cy="542603"/>
           </a:xfrm>
           <a:prstGeom prst="snip1Rect">
             <a:avLst>
@@ -5592,12 +5594,12 @@
           </a:fontRef>
         </p:style>
         <p:txBody>
-          <a:bodyPr rtlCol="0" anchor="ctr"/>
+          <a:bodyPr lIns="91406" tIns="45703" rIns="91406" bIns="45703" rtlCol="0" anchor="ctr"/>
           <a:lstStyle/>
           <a:p>
             <a:pPr algn="ctr"/>
             <a:r>
-              <a:rPr lang="zh-CN" altLang="en-US" sz="1200" dirty="0" smtClean="0">
+              <a:rPr lang="zh-CN" altLang="en-US" sz="1100" dirty="0">
                 <a:solidFill>
                   <a:schemeClr val="tx1"/>
                 </a:solidFill>
@@ -5606,7 +5608,7 @@
               </a:rPr>
               <a:t>学生用例图</a:t>
             </a:r>
-            <a:endParaRPr lang="zh-CN" altLang="en-US" sz="1200" dirty="0">
+            <a:endParaRPr lang="zh-CN" altLang="en-US" sz="1100" dirty="0">
               <a:solidFill>
                 <a:schemeClr val="tx1"/>
               </a:solidFill>
@@ -5624,7 +5626,7 @@
         </p:nvSpPr>
         <p:spPr>
           <a:xfrm>
-            <a:off x="1031281" y="116632"/>
+            <a:off x="1031281" y="116634"/>
             <a:ext cx="240116" cy="216024"/>
           </a:xfrm>
           <a:prstGeom prst="rtTriangle">
@@ -5662,11 +5664,11 @@
           </a:fontRef>
         </p:style>
         <p:txBody>
-          <a:bodyPr rtlCol="0" anchor="ctr"/>
+          <a:bodyPr lIns="91406" tIns="45703" rIns="91406" bIns="45703" rtlCol="0" anchor="ctr"/>
           <a:lstStyle/>
           <a:p>
             <a:pPr algn="ctr"/>
-            <a:endParaRPr lang="zh-CN" altLang="en-US" sz="1200">
+            <a:endParaRPr lang="zh-CN" altLang="en-US" sz="1100">
               <a:latin typeface="微软雅黑" pitchFamily="34" charset="-122"/>
               <a:ea typeface="微软雅黑" pitchFamily="34" charset="-122"/>
             </a:endParaRPr>
@@ -5719,11 +5721,11 @@
           </a:fontRef>
         </p:style>
         <p:txBody>
-          <a:bodyPr rtlCol="0" anchor="ctr"/>
+          <a:bodyPr lIns="91406" tIns="45703" rIns="91406" bIns="45703" rtlCol="0" anchor="ctr"/>
           <a:lstStyle/>
           <a:p>
             <a:pPr algn="ctr"/>
-            <a:endParaRPr lang="zh-CN" altLang="en-US" sz="1200" dirty="0">
+            <a:endParaRPr lang="zh-CN" altLang="en-US" sz="1100" dirty="0">
               <a:latin typeface="微软雅黑" pitchFamily="34" charset="-122"/>
               <a:ea typeface="微软雅黑" pitchFamily="34" charset="-122"/>
             </a:endParaRPr>
@@ -5776,11 +5778,11 @@
           </a:fontRef>
         </p:style>
         <p:txBody>
-          <a:bodyPr rtlCol="0" anchor="ctr"/>
+          <a:bodyPr lIns="91406" tIns="45703" rIns="91406" bIns="45703" rtlCol="0" anchor="ctr"/>
           <a:lstStyle/>
           <a:p>
             <a:pPr algn="ctr"/>
-            <a:endParaRPr lang="zh-CN" altLang="en-US" sz="1200">
+            <a:endParaRPr lang="zh-CN" altLang="en-US" sz="1100">
               <a:latin typeface="微软雅黑" pitchFamily="34" charset="-122"/>
               <a:ea typeface="微软雅黑" pitchFamily="34" charset="-122"/>
             </a:endParaRPr>
@@ -5833,11 +5835,11 @@
           </a:fontRef>
         </p:style>
         <p:txBody>
-          <a:bodyPr rtlCol="0" anchor="ctr"/>
+          <a:bodyPr lIns="91406" tIns="45703" rIns="91406" bIns="45703" rtlCol="0" anchor="ctr"/>
           <a:lstStyle/>
           <a:p>
             <a:pPr algn="ctr"/>
-            <a:endParaRPr lang="zh-CN" altLang="en-US" sz="1200">
+            <a:endParaRPr lang="zh-CN" altLang="en-US" sz="1100">
               <a:latin typeface="微软雅黑" pitchFamily="34" charset="-122"/>
               <a:ea typeface="微软雅黑" pitchFamily="34" charset="-122"/>
             </a:endParaRPr>
@@ -5890,11 +5892,11 @@
           </a:fontRef>
         </p:style>
         <p:txBody>
-          <a:bodyPr rtlCol="0" anchor="ctr"/>
+          <a:bodyPr lIns="91406" tIns="45703" rIns="91406" bIns="45703" rtlCol="0" anchor="ctr"/>
           <a:lstStyle/>
           <a:p>
             <a:pPr algn="ctr"/>
-            <a:endParaRPr lang="zh-CN" altLang="en-US" sz="1200">
+            <a:endParaRPr lang="zh-CN" altLang="en-US" sz="1100">
               <a:latin typeface="微软雅黑" pitchFamily="34" charset="-122"/>
               <a:ea typeface="微软雅黑" pitchFamily="34" charset="-122"/>
             </a:endParaRPr>
@@ -5947,11 +5949,11 @@
           </a:fontRef>
         </p:style>
         <p:txBody>
-          <a:bodyPr rtlCol="0" anchor="ctr"/>
+          <a:bodyPr lIns="91406" tIns="45703" rIns="91406" bIns="45703" rtlCol="0" anchor="ctr"/>
           <a:lstStyle/>
           <a:p>
             <a:pPr algn="ctr"/>
-            <a:endParaRPr lang="zh-CN" altLang="en-US" sz="1200">
+            <a:endParaRPr lang="zh-CN" altLang="en-US" sz="1100">
               <a:latin typeface="微软雅黑" pitchFamily="34" charset="-122"/>
               <a:ea typeface="微软雅黑" pitchFamily="34" charset="-122"/>
             </a:endParaRPr>
@@ -6004,11 +6006,11 @@
           </a:fontRef>
         </p:style>
         <p:txBody>
-          <a:bodyPr rtlCol="0" anchor="ctr"/>
+          <a:bodyPr lIns="91406" tIns="45703" rIns="91406" bIns="45703" rtlCol="0" anchor="ctr"/>
           <a:lstStyle/>
           <a:p>
             <a:pPr algn="ctr"/>
-            <a:endParaRPr lang="zh-CN" altLang="en-US" sz="1200" dirty="0">
+            <a:endParaRPr lang="zh-CN" altLang="en-US" sz="1100" dirty="0">
               <a:latin typeface="微软雅黑" pitchFamily="34" charset="-122"/>
               <a:ea typeface="微软雅黑" pitchFamily="34" charset="-122"/>
             </a:endParaRPr>
@@ -6061,11 +6063,11 @@
           </a:fontRef>
         </p:style>
         <p:txBody>
-          <a:bodyPr rtlCol="0" anchor="ctr"/>
+          <a:bodyPr lIns="91406" tIns="45703" rIns="91406" bIns="45703" rtlCol="0" anchor="ctr"/>
           <a:lstStyle/>
           <a:p>
             <a:pPr algn="ctr"/>
-            <a:endParaRPr lang="zh-CN" altLang="en-US" sz="1200" dirty="0">
+            <a:endParaRPr lang="zh-CN" altLang="en-US" sz="1100" dirty="0">
               <a:latin typeface="微软雅黑" pitchFamily="34" charset="-122"/>
               <a:ea typeface="微软雅黑" pitchFamily="34" charset="-122"/>
             </a:endParaRPr>
@@ -6118,11 +6120,11 @@
           </a:fontRef>
         </p:style>
         <p:txBody>
-          <a:bodyPr rtlCol="0" anchor="ctr"/>
+          <a:bodyPr lIns="91406" tIns="45703" rIns="91406" bIns="45703" rtlCol="0" anchor="ctr"/>
           <a:lstStyle/>
           <a:p>
             <a:pPr algn="ctr"/>
-            <a:endParaRPr lang="zh-CN" altLang="en-US" sz="1200" dirty="0">
+            <a:endParaRPr lang="zh-CN" altLang="en-US" sz="1100" dirty="0">
               <a:latin typeface="微软雅黑" pitchFamily="34" charset="-122"/>
               <a:ea typeface="微软雅黑" pitchFamily="34" charset="-122"/>
             </a:endParaRPr>
@@ -6175,11 +6177,11 @@
           </a:fontRef>
         </p:style>
         <p:txBody>
-          <a:bodyPr rtlCol="0" anchor="ctr"/>
+          <a:bodyPr lIns="91406" tIns="45703" rIns="91406" bIns="45703" rtlCol="0" anchor="ctr"/>
           <a:lstStyle/>
           <a:p>
             <a:pPr algn="ctr"/>
-            <a:endParaRPr lang="zh-CN" altLang="en-US" sz="1200" dirty="0">
+            <a:endParaRPr lang="zh-CN" altLang="en-US" sz="1100" dirty="0">
               <a:latin typeface="微软雅黑" pitchFamily="34" charset="-122"/>
               <a:ea typeface="微软雅黑" pitchFamily="34" charset="-122"/>
             </a:endParaRPr>
@@ -6196,8 +6198,8 @@
         </p:nvCxnSpPr>
         <p:spPr>
           <a:xfrm flipV="1">
-            <a:off x="803344" y="1829941"/>
-            <a:ext cx="1251452" cy="1239019"/>
+            <a:off x="803346" y="1829944"/>
+            <a:ext cx="1251452" cy="1239018"/>
           </a:xfrm>
           <a:prstGeom prst="straightConnector1">
             <a:avLst/>
@@ -6231,7 +6233,7 @@
         </p:nvCxnSpPr>
         <p:spPr>
           <a:xfrm>
-            <a:off x="803344" y="3028232"/>
+            <a:off x="803345" y="3028234"/>
             <a:ext cx="1426521" cy="1749905"/>
           </a:xfrm>
           <a:prstGeom prst="straightConnector1">
@@ -6267,7 +6269,7 @@
         </p:nvCxnSpPr>
         <p:spPr>
           <a:xfrm flipV="1">
-            <a:off x="2558852" y="580877"/>
+            <a:off x="2558853" y="580880"/>
             <a:ext cx="1943422" cy="1047923"/>
           </a:xfrm>
           <a:prstGeom prst="straightConnector1">
@@ -6304,7 +6306,7 @@
         </p:nvCxnSpPr>
         <p:spPr>
           <a:xfrm flipV="1">
-            <a:off x="2915273" y="1497250"/>
+            <a:off x="2915276" y="1497250"/>
             <a:ext cx="1587001" cy="190463"/>
           </a:xfrm>
           <a:prstGeom prst="straightConnector1">
@@ -6378,7 +6380,7 @@
         </p:nvCxnSpPr>
         <p:spPr>
           <a:xfrm>
-            <a:off x="2915273" y="1972169"/>
+            <a:off x="2915274" y="1972170"/>
             <a:ext cx="1656727" cy="1257204"/>
           </a:xfrm>
           <a:prstGeom prst="straightConnector1">
@@ -6415,8 +6417,8 @@
         </p:nvCxnSpPr>
         <p:spPr>
           <a:xfrm>
-            <a:off x="3090342" y="4920365"/>
-            <a:ext cx="1422116" cy="35602"/>
+            <a:off x="3090343" y="4920367"/>
+            <a:ext cx="1422115" cy="35602"/>
           </a:xfrm>
           <a:prstGeom prst="straightConnector1">
             <a:avLst/>
@@ -6452,8 +6454,8 @@
         </p:nvCxnSpPr>
         <p:spPr>
           <a:xfrm flipV="1">
-            <a:off x="5372935" y="4553685"/>
-            <a:ext cx="999265" cy="260054"/>
+            <a:off x="5372934" y="4553686"/>
+            <a:ext cx="999266" cy="260055"/>
           </a:xfrm>
           <a:prstGeom prst="straightConnector1">
             <a:avLst/>
@@ -6489,7 +6491,7 @@
         </p:nvCxnSpPr>
         <p:spPr>
           <a:xfrm>
-            <a:off x="5372935" y="5098195"/>
+            <a:off x="5372937" y="5098196"/>
             <a:ext cx="1002663" cy="341512"/>
           </a:xfrm>
           <a:prstGeom prst="straightConnector1">
@@ -6523,8 +6525,8 @@
         </p:nvSpPr>
         <p:spPr>
           <a:xfrm>
-            <a:off x="209278" y="3599847"/>
-            <a:ext cx="492443" cy="276999"/>
+            <a:off x="209278" y="3599850"/>
+            <a:ext cx="466726" cy="261576"/>
           </a:xfrm>
           <a:prstGeom prst="rect">
             <a:avLst/>
@@ -6532,19 +6534,19 @@
           <a:noFill/>
         </p:spPr>
         <p:txBody>
-          <a:bodyPr wrap="none" rtlCol="0">
+          <a:bodyPr wrap="none" lIns="91406" tIns="45703" rIns="91406" bIns="45703" rtlCol="0">
             <a:spAutoFit/>
           </a:bodyPr>
           <a:lstStyle/>
           <a:p>
             <a:r>
-              <a:rPr lang="zh-CN" altLang="en-US" sz="1200" dirty="0" smtClean="0">
+              <a:rPr lang="zh-CN" altLang="en-US" sz="1100" dirty="0">
                 <a:latin typeface="微软雅黑" pitchFamily="34" charset="-122"/>
                 <a:ea typeface="微软雅黑" pitchFamily="34" charset="-122"/>
               </a:rPr>
               <a:t>学生</a:t>
             </a:r>
-            <a:endParaRPr lang="zh-CN" altLang="en-US" sz="1200" dirty="0">
+            <a:endParaRPr lang="zh-CN" altLang="en-US" sz="1100" dirty="0">
               <a:latin typeface="微软雅黑" pitchFamily="34" charset="-122"/>
               <a:ea typeface="微软雅黑" pitchFamily="34" charset="-122"/>
             </a:endParaRPr>
@@ -6559,8 +6561,8 @@
         </p:nvSpPr>
         <p:spPr>
           <a:xfrm>
-            <a:off x="2051398" y="2123621"/>
-            <a:ext cx="800219" cy="276999"/>
+            <a:off x="2051398" y="2123622"/>
+            <a:ext cx="748854" cy="261576"/>
           </a:xfrm>
           <a:prstGeom prst="rect">
             <a:avLst/>
@@ -6568,19 +6570,19 @@
           <a:noFill/>
         </p:spPr>
         <p:txBody>
-          <a:bodyPr wrap="none" rtlCol="0">
+          <a:bodyPr wrap="none" lIns="91406" tIns="45703" rIns="91406" bIns="45703" rtlCol="0">
             <a:spAutoFit/>
           </a:bodyPr>
           <a:lstStyle/>
           <a:p>
             <a:r>
-              <a:rPr lang="zh-CN" altLang="en-US" sz="1200" dirty="0" smtClean="0">
+              <a:rPr lang="zh-CN" altLang="en-US" sz="1100" dirty="0">
                 <a:latin typeface="微软雅黑" pitchFamily="34" charset="-122"/>
                 <a:ea typeface="微软雅黑" pitchFamily="34" charset="-122"/>
               </a:rPr>
               <a:t>信息处理</a:t>
             </a:r>
-            <a:endParaRPr lang="zh-CN" altLang="en-US" sz="1200" dirty="0">
+            <a:endParaRPr lang="zh-CN" altLang="en-US" sz="1100" dirty="0">
               <a:latin typeface="微软雅黑" pitchFamily="34" charset="-122"/>
               <a:ea typeface="微软雅黑" pitchFamily="34" charset="-122"/>
             </a:endParaRPr>
@@ -6595,8 +6597,8 @@
         </p:nvSpPr>
         <p:spPr>
           <a:xfrm>
-            <a:off x="2158742" y="5162708"/>
-            <a:ext cx="800219" cy="276999"/>
+            <a:off x="2158743" y="5162710"/>
+            <a:ext cx="748854" cy="261576"/>
           </a:xfrm>
           <a:prstGeom prst="rect">
             <a:avLst/>
@@ -6604,19 +6606,19 @@
           <a:noFill/>
         </p:spPr>
         <p:txBody>
-          <a:bodyPr wrap="none" rtlCol="0">
+          <a:bodyPr wrap="none" lIns="91406" tIns="45703" rIns="91406" bIns="45703" rtlCol="0">
             <a:spAutoFit/>
           </a:bodyPr>
           <a:lstStyle/>
           <a:p>
             <a:r>
-              <a:rPr lang="zh-CN" altLang="en-US" sz="1200" dirty="0" smtClean="0">
+              <a:rPr lang="zh-CN" altLang="en-US" sz="1100" dirty="0">
                 <a:latin typeface="微软雅黑" pitchFamily="34" charset="-122"/>
                 <a:ea typeface="微软雅黑" pitchFamily="34" charset="-122"/>
               </a:rPr>
               <a:t>系统模块</a:t>
             </a:r>
-            <a:endParaRPr lang="zh-CN" altLang="en-US" sz="1200" dirty="0">
+            <a:endParaRPr lang="zh-CN" altLang="en-US" sz="1100" dirty="0">
               <a:latin typeface="微软雅黑" pitchFamily="34" charset="-122"/>
               <a:ea typeface="微软雅黑" pitchFamily="34" charset="-122"/>
             </a:endParaRPr>
@@ -6631,8 +6633,8 @@
         </p:nvSpPr>
         <p:spPr>
           <a:xfrm rot="19894813">
-            <a:off x="2939681" y="918583"/>
-            <a:ext cx="721864" cy="307777"/>
+            <a:off x="2939718" y="918603"/>
+            <a:ext cx="721796" cy="307742"/>
           </a:xfrm>
           <a:prstGeom prst="rect">
             <a:avLst/>
@@ -6640,7 +6642,7 @@
           <a:noFill/>
         </p:spPr>
         <p:txBody>
-          <a:bodyPr wrap="none" rtlCol="0">
+          <a:bodyPr wrap="none" lIns="91406" tIns="45703" rIns="91406" bIns="45703" rtlCol="0">
             <a:spAutoFit/>
           </a:bodyPr>
           <a:lstStyle/>
@@ -6666,8 +6668,8 @@
         </p:nvSpPr>
         <p:spPr>
           <a:xfrm rot="21004558">
-            <a:off x="3482755" y="1301840"/>
-            <a:ext cx="721864" cy="307777"/>
+            <a:off x="3482792" y="1301860"/>
+            <a:ext cx="721796" cy="307742"/>
           </a:xfrm>
           <a:prstGeom prst="rect">
             <a:avLst/>
@@ -6675,7 +6677,7 @@
           <a:noFill/>
         </p:spPr>
         <p:txBody>
-          <a:bodyPr wrap="none" rtlCol="0">
+          <a:bodyPr wrap="none" lIns="91406" tIns="45703" rIns="91406" bIns="45703" rtlCol="0">
             <a:spAutoFit/>
           </a:bodyPr>
           <a:lstStyle/>
@@ -6701,8 +6703,8 @@
         </p:nvSpPr>
         <p:spPr>
           <a:xfrm rot="1203324">
-            <a:off x="3749524" y="1865370"/>
-            <a:ext cx="721864" cy="307777"/>
+            <a:off x="3749560" y="1865389"/>
+            <a:ext cx="721796" cy="307742"/>
           </a:xfrm>
           <a:prstGeom prst="rect">
             <a:avLst/>
@@ -6710,7 +6712,7 @@
           <a:noFill/>
         </p:spPr>
         <p:txBody>
-          <a:bodyPr wrap="none" rtlCol="0">
+          <a:bodyPr wrap="none" lIns="91406" tIns="45703" rIns="91406" bIns="45703" rtlCol="0">
             <a:spAutoFit/>
           </a:bodyPr>
           <a:lstStyle/>
@@ -6736,8 +6738,8 @@
         </p:nvSpPr>
         <p:spPr>
           <a:xfrm rot="2409015">
-            <a:off x="3578064" y="2424174"/>
-            <a:ext cx="721864" cy="307777"/>
+            <a:off x="3578101" y="2424192"/>
+            <a:ext cx="721796" cy="307742"/>
           </a:xfrm>
           <a:prstGeom prst="rect">
             <a:avLst/>
@@ -6745,7 +6747,7 @@
           <a:noFill/>
         </p:spPr>
         <p:txBody>
-          <a:bodyPr wrap="none" rtlCol="0">
+          <a:bodyPr wrap="none" lIns="91406" tIns="45703" rIns="91406" bIns="45703" rtlCol="0">
             <a:spAutoFit/>
           </a:bodyPr>
           <a:lstStyle/>
@@ -6771,8 +6773,8 @@
         </p:nvSpPr>
         <p:spPr>
           <a:xfrm>
-            <a:off x="4452332" y="782018"/>
-            <a:ext cx="1107996" cy="276999"/>
+            <a:off x="4452334" y="782020"/>
+            <a:ext cx="1030983" cy="261576"/>
           </a:xfrm>
           <a:prstGeom prst="rect">
             <a:avLst/>
@@ -6780,19 +6782,19 @@
           <a:noFill/>
         </p:spPr>
         <p:txBody>
-          <a:bodyPr wrap="none" rtlCol="0">
+          <a:bodyPr wrap="none" lIns="91406" tIns="45703" rIns="91406" bIns="45703" rtlCol="0">
             <a:spAutoFit/>
           </a:bodyPr>
           <a:lstStyle/>
           <a:p>
             <a:r>
-              <a:rPr lang="zh-CN" altLang="en-US" sz="1200" dirty="0" smtClean="0">
+              <a:rPr lang="zh-CN" altLang="en-US" sz="1100" dirty="0">
                 <a:latin typeface="微软雅黑" pitchFamily="34" charset="-122"/>
                 <a:ea typeface="微软雅黑" pitchFamily="34" charset="-122"/>
               </a:rPr>
               <a:t>查询基本信息</a:t>
             </a:r>
-            <a:endParaRPr lang="zh-CN" altLang="en-US" sz="1200" dirty="0">
+            <a:endParaRPr lang="zh-CN" altLang="en-US" sz="1100" dirty="0">
               <a:latin typeface="微软雅黑" pitchFamily="34" charset="-122"/>
               <a:ea typeface="微软雅黑" pitchFamily="34" charset="-122"/>
             </a:endParaRPr>
@@ -6807,8 +6809,8 @@
         </p:nvSpPr>
         <p:spPr>
           <a:xfrm>
-            <a:off x="4502275" y="1754083"/>
-            <a:ext cx="1107996" cy="276999"/>
+            <a:off x="4502276" y="1754084"/>
+            <a:ext cx="1030983" cy="261576"/>
           </a:xfrm>
           <a:prstGeom prst="rect">
             <a:avLst/>
@@ -6816,19 +6818,19 @@
           <a:noFill/>
         </p:spPr>
         <p:txBody>
-          <a:bodyPr wrap="none" rtlCol="0">
+          <a:bodyPr wrap="none" lIns="91406" tIns="45703" rIns="91406" bIns="45703" rtlCol="0">
             <a:spAutoFit/>
           </a:bodyPr>
           <a:lstStyle/>
           <a:p>
             <a:r>
-              <a:rPr lang="zh-CN" altLang="en-US" sz="1200" dirty="0" smtClean="0">
+              <a:rPr lang="zh-CN" altLang="en-US" sz="1100" dirty="0">
                 <a:latin typeface="微软雅黑" pitchFamily="34" charset="-122"/>
                 <a:ea typeface="微软雅黑" pitchFamily="34" charset="-122"/>
               </a:rPr>
               <a:t>查看考勤情况</a:t>
             </a:r>
-            <a:endParaRPr lang="zh-CN" altLang="en-US" sz="1200" dirty="0">
+            <a:endParaRPr lang="zh-CN" altLang="en-US" sz="1100" dirty="0">
               <a:latin typeface="微软雅黑" pitchFamily="34" charset="-122"/>
               <a:ea typeface="微软雅黑" pitchFamily="34" charset="-122"/>
             </a:endParaRPr>
@@ -6843,8 +6845,8 @@
         </p:nvSpPr>
         <p:spPr>
           <a:xfrm>
-            <a:off x="4555605" y="2564904"/>
-            <a:ext cx="1107996" cy="276999"/>
+            <a:off x="4555607" y="2564906"/>
+            <a:ext cx="1030983" cy="261576"/>
           </a:xfrm>
           <a:prstGeom prst="rect">
             <a:avLst/>
@@ -6852,19 +6854,19 @@
           <a:noFill/>
         </p:spPr>
         <p:txBody>
-          <a:bodyPr wrap="none" rtlCol="0">
+          <a:bodyPr wrap="none" lIns="91406" tIns="45703" rIns="91406" bIns="45703" rtlCol="0">
             <a:spAutoFit/>
           </a:bodyPr>
           <a:lstStyle/>
           <a:p>
             <a:r>
-              <a:rPr lang="zh-CN" altLang="en-US" sz="1200" dirty="0" smtClean="0">
+              <a:rPr lang="zh-CN" altLang="en-US" sz="1100" dirty="0">
                 <a:latin typeface="微软雅黑" pitchFamily="34" charset="-122"/>
                 <a:ea typeface="微软雅黑" pitchFamily="34" charset="-122"/>
               </a:rPr>
               <a:t>新浪微博监督</a:t>
             </a:r>
-            <a:endParaRPr lang="zh-CN" altLang="en-US" sz="1200" dirty="0">
+            <a:endParaRPr lang="zh-CN" altLang="en-US" sz="1100" dirty="0">
               <a:latin typeface="微软雅黑" pitchFamily="34" charset="-122"/>
               <a:ea typeface="微软雅黑" pitchFamily="34" charset="-122"/>
             </a:endParaRPr>
@@ -6879,8 +6881,8 @@
         </p:nvSpPr>
         <p:spPr>
           <a:xfrm>
-            <a:off x="4555605" y="3459650"/>
-            <a:ext cx="1107996" cy="276999"/>
+            <a:off x="4555607" y="3459651"/>
+            <a:ext cx="1030983" cy="261576"/>
           </a:xfrm>
           <a:prstGeom prst="rect">
             <a:avLst/>
@@ -6888,19 +6890,19 @@
           <a:noFill/>
         </p:spPr>
         <p:txBody>
-          <a:bodyPr wrap="none" rtlCol="0">
+          <a:bodyPr wrap="none" lIns="91406" tIns="45703" rIns="91406" bIns="45703" rtlCol="0">
             <a:spAutoFit/>
           </a:bodyPr>
           <a:lstStyle/>
           <a:p>
             <a:r>
-              <a:rPr lang="zh-CN" altLang="en-US" sz="1200" dirty="0" smtClean="0">
+              <a:rPr lang="zh-CN" altLang="en-US" sz="1100" dirty="0">
                 <a:latin typeface="微软雅黑" pitchFamily="34" charset="-122"/>
                 <a:ea typeface="微软雅黑" pitchFamily="34" charset="-122"/>
               </a:rPr>
               <a:t>查看课表信息</a:t>
             </a:r>
-            <a:endParaRPr lang="zh-CN" altLang="en-US" sz="1200" dirty="0">
+            <a:endParaRPr lang="zh-CN" altLang="en-US" sz="1100" dirty="0">
               <a:latin typeface="微软雅黑" pitchFamily="34" charset="-122"/>
               <a:ea typeface="微软雅黑" pitchFamily="34" charset="-122"/>
             </a:endParaRPr>
@@ -6915,8 +6917,8 @@
         </p:nvSpPr>
         <p:spPr>
           <a:xfrm>
-            <a:off x="3330304" y="4653136"/>
-            <a:ext cx="756938" cy="307777"/>
+            <a:off x="3330304" y="4653137"/>
+            <a:ext cx="756870" cy="307742"/>
           </a:xfrm>
           <a:prstGeom prst="rect">
             <a:avLst/>
@@ -6924,13 +6926,13 @@
           <a:noFill/>
         </p:spPr>
         <p:txBody>
-          <a:bodyPr wrap="none" rtlCol="0">
+          <a:bodyPr wrap="none" lIns="91406" tIns="45703" rIns="91406" bIns="45703" rtlCol="0">
             <a:spAutoFit/>
           </a:bodyPr>
           <a:lstStyle/>
           <a:p>
             <a:r>
-              <a:rPr lang="en-US" altLang="zh-CN" sz="1400" dirty="0" smtClean="0">
+              <a:rPr lang="en-US" altLang="zh-CN" sz="1400" dirty="0">
                 <a:latin typeface="Segoe UI Symbol" pitchFamily="34" charset="0"/>
               </a:rPr>
               <a:t>include</a:t>
@@ -6949,8 +6951,8 @@
         </p:nvSpPr>
         <p:spPr>
           <a:xfrm>
-            <a:off x="4804235" y="5230118"/>
-            <a:ext cx="492443" cy="276999"/>
+            <a:off x="4804237" y="5230120"/>
+            <a:ext cx="466726" cy="261576"/>
           </a:xfrm>
           <a:prstGeom prst="rect">
             <a:avLst/>
@@ -6958,19 +6960,19 @@
           <a:noFill/>
         </p:spPr>
         <p:txBody>
-          <a:bodyPr wrap="none" rtlCol="0">
+          <a:bodyPr wrap="none" lIns="91406" tIns="45703" rIns="91406" bIns="45703" rtlCol="0">
             <a:spAutoFit/>
           </a:bodyPr>
           <a:lstStyle/>
           <a:p>
             <a:r>
-              <a:rPr lang="zh-CN" altLang="en-US" sz="1200" dirty="0" smtClean="0">
+              <a:rPr lang="zh-CN" altLang="en-US" sz="1100" dirty="0">
                 <a:latin typeface="微软雅黑" pitchFamily="34" charset="-122"/>
                 <a:ea typeface="微软雅黑" pitchFamily="34" charset="-122"/>
               </a:rPr>
               <a:t>登陆</a:t>
             </a:r>
-            <a:endParaRPr lang="zh-CN" altLang="en-US" sz="1200" dirty="0">
+            <a:endParaRPr lang="zh-CN" altLang="en-US" sz="1100" dirty="0">
               <a:latin typeface="微软雅黑" pitchFamily="34" charset="-122"/>
               <a:ea typeface="微软雅黑" pitchFamily="34" charset="-122"/>
             </a:endParaRPr>
@@ -7023,11 +7025,11 @@
           </a:fontRef>
         </p:style>
         <p:txBody>
-          <a:bodyPr rtlCol="0" anchor="ctr"/>
+          <a:bodyPr lIns="91406" tIns="45703" rIns="91406" bIns="45703" rtlCol="0" anchor="ctr"/>
           <a:lstStyle/>
           <a:p>
             <a:pPr algn="ctr"/>
-            <a:endParaRPr lang="zh-CN" altLang="en-US" sz="1200" dirty="0">
+            <a:endParaRPr lang="zh-CN" altLang="en-US" sz="1100" dirty="0">
               <a:latin typeface="微软雅黑" pitchFamily="34" charset="-122"/>
               <a:ea typeface="微软雅黑" pitchFamily="34" charset="-122"/>
             </a:endParaRPr>
@@ -7042,8 +7044,8 @@
         </p:nvSpPr>
         <p:spPr>
           <a:xfrm>
-            <a:off x="4530006" y="4182739"/>
-            <a:ext cx="1107996" cy="276999"/>
+            <a:off x="4530007" y="4182740"/>
+            <a:ext cx="1030983" cy="261576"/>
           </a:xfrm>
           <a:prstGeom prst="rect">
             <a:avLst/>
@@ -7051,19 +7053,19 @@
           <a:noFill/>
         </p:spPr>
         <p:txBody>
-          <a:bodyPr wrap="none" rtlCol="0">
+          <a:bodyPr wrap="none" lIns="91406" tIns="45703" rIns="91406" bIns="45703" rtlCol="0">
             <a:spAutoFit/>
           </a:bodyPr>
           <a:lstStyle/>
           <a:p>
             <a:r>
-              <a:rPr lang="zh-CN" altLang="en-US" sz="1200" dirty="0" smtClean="0">
+              <a:rPr lang="zh-CN" altLang="en-US" sz="1100" dirty="0">
                 <a:latin typeface="微软雅黑" pitchFamily="34" charset="-122"/>
                 <a:ea typeface="微软雅黑" pitchFamily="34" charset="-122"/>
               </a:rPr>
               <a:t>查看通知公告</a:t>
             </a:r>
-            <a:endParaRPr lang="zh-CN" altLang="en-US" sz="1200" dirty="0">
+            <a:endParaRPr lang="zh-CN" altLang="en-US" sz="1100" dirty="0">
               <a:latin typeface="微软雅黑" pitchFamily="34" charset="-122"/>
               <a:ea typeface="微软雅黑" pitchFamily="34" charset="-122"/>
             </a:endParaRPr>
@@ -7081,8 +7083,8 @@
         </p:nvCxnSpPr>
         <p:spPr>
           <a:xfrm>
-            <a:off x="2558852" y="2031082"/>
-            <a:ext cx="2013148" cy="1921380"/>
+            <a:off x="2558852" y="2031083"/>
+            <a:ext cx="2013148" cy="1921379"/>
           </a:xfrm>
           <a:prstGeom prst="straightConnector1">
             <a:avLst/>
@@ -7115,8 +7117,8 @@
         </p:nvSpPr>
         <p:spPr>
           <a:xfrm rot="2570302">
-            <a:off x="3291325" y="2769268"/>
-            <a:ext cx="721864" cy="307777"/>
+            <a:off x="3291361" y="2769286"/>
+            <a:ext cx="721796" cy="307742"/>
           </a:xfrm>
           <a:prstGeom prst="rect">
             <a:avLst/>
@@ -7124,7 +7126,7 @@
           <a:noFill/>
         </p:spPr>
         <p:txBody>
-          <a:bodyPr wrap="none" rtlCol="0">
+          <a:bodyPr wrap="none" lIns="91406" tIns="45703" rIns="91406" bIns="45703" rtlCol="0">
             <a:spAutoFit/>
           </a:bodyPr>
           <a:lstStyle/>
@@ -7150,8 +7152,8 @@
         </p:nvSpPr>
         <p:spPr>
           <a:xfrm>
-            <a:off x="6444208" y="4799666"/>
-            <a:ext cx="800219" cy="276999"/>
+            <a:off x="6444208" y="4799667"/>
+            <a:ext cx="748854" cy="261576"/>
           </a:xfrm>
           <a:prstGeom prst="rect">
             <a:avLst/>
@@ -7159,19 +7161,19 @@
           <a:noFill/>
         </p:spPr>
         <p:txBody>
-          <a:bodyPr wrap="none" rtlCol="0">
+          <a:bodyPr wrap="none" lIns="91406" tIns="45703" rIns="91406" bIns="45703" rtlCol="0">
             <a:spAutoFit/>
           </a:bodyPr>
           <a:lstStyle/>
           <a:p>
             <a:r>
-              <a:rPr lang="zh-CN" altLang="en-US" sz="1200" dirty="0" smtClean="0">
+              <a:rPr lang="zh-CN" altLang="en-US" sz="1100" dirty="0">
                 <a:latin typeface="微软雅黑" pitchFamily="34" charset="-122"/>
                 <a:ea typeface="微软雅黑" pitchFamily="34" charset="-122"/>
               </a:rPr>
               <a:t>重置密码</a:t>
             </a:r>
-            <a:endParaRPr lang="zh-CN" altLang="en-US" sz="1200" dirty="0">
+            <a:endParaRPr lang="zh-CN" altLang="en-US" sz="1100" dirty="0">
               <a:latin typeface="微软雅黑" pitchFamily="34" charset="-122"/>
               <a:ea typeface="微软雅黑" pitchFamily="34" charset="-122"/>
             </a:endParaRPr>
@@ -7186,8 +7188,8 @@
         </p:nvSpPr>
         <p:spPr>
           <a:xfrm>
-            <a:off x="6325656" y="5642896"/>
-            <a:ext cx="1107996" cy="276999"/>
+            <a:off x="6325657" y="5642897"/>
+            <a:ext cx="1030983" cy="261576"/>
           </a:xfrm>
           <a:prstGeom prst="rect">
             <a:avLst/>
@@ -7195,19 +7197,19 @@
           <a:noFill/>
         </p:spPr>
         <p:txBody>
-          <a:bodyPr wrap="none" rtlCol="0">
+          <a:bodyPr wrap="none" lIns="91406" tIns="45703" rIns="91406" bIns="45703" rtlCol="0">
             <a:spAutoFit/>
           </a:bodyPr>
           <a:lstStyle/>
           <a:p>
             <a:r>
-              <a:rPr lang="zh-CN" altLang="en-US" sz="1200" dirty="0" smtClean="0">
+              <a:rPr lang="zh-CN" altLang="en-US" sz="1100" dirty="0">
                 <a:latin typeface="微软雅黑" pitchFamily="34" charset="-122"/>
                 <a:ea typeface="微软雅黑" pitchFamily="34" charset="-122"/>
               </a:rPr>
               <a:t>退出重新登陆</a:t>
             </a:r>
-            <a:endParaRPr lang="zh-CN" altLang="en-US" sz="1200" dirty="0">
+            <a:endParaRPr lang="zh-CN" altLang="en-US" sz="1100" dirty="0">
               <a:latin typeface="微软雅黑" pitchFamily="34" charset="-122"/>
               <a:ea typeface="微软雅黑" pitchFamily="34" charset="-122"/>
             </a:endParaRPr>
@@ -7222,8 +7224,8 @@
         </p:nvSpPr>
         <p:spPr>
           <a:xfrm rot="1267198">
-            <a:off x="5652885" y="5057881"/>
-            <a:ext cx="721864" cy="307777"/>
+            <a:off x="5652921" y="5057901"/>
+            <a:ext cx="721796" cy="307742"/>
           </a:xfrm>
           <a:prstGeom prst="rect">
             <a:avLst/>
@@ -7231,7 +7233,7 @@
           <a:noFill/>
         </p:spPr>
         <p:txBody>
-          <a:bodyPr wrap="none" rtlCol="0">
+          <a:bodyPr wrap="none" lIns="91406" tIns="45703" rIns="91406" bIns="45703" rtlCol="0">
             <a:spAutoFit/>
           </a:bodyPr>
           <a:lstStyle/>
@@ -7257,8 +7259,8 @@
         </p:nvSpPr>
         <p:spPr>
           <a:xfrm rot="20576031">
-            <a:off x="5549840" y="4364501"/>
-            <a:ext cx="721864" cy="307777"/>
+            <a:off x="5549876" y="4364521"/>
+            <a:ext cx="721796" cy="307742"/>
           </a:xfrm>
           <a:prstGeom prst="rect">
             <a:avLst/>
@@ -7266,7 +7268,7 @@
           <a:noFill/>
         </p:spPr>
         <p:txBody>
-          <a:bodyPr wrap="none" rtlCol="0">
+          <a:bodyPr wrap="none" lIns="91406" tIns="45703" rIns="91406" bIns="45703" rtlCol="0">
             <a:spAutoFit/>
           </a:bodyPr>
           <a:lstStyle/>
@@ -7360,11 +7362,11 @@
           </a:fontRef>
         </p:style>
         <p:txBody>
-          <a:bodyPr rtlCol="0" anchor="ctr"/>
+          <a:bodyPr lIns="91406" tIns="45703" rIns="91406" bIns="45703" rtlCol="0" anchor="ctr"/>
           <a:lstStyle/>
           <a:p>
             <a:pPr algn="ctr"/>
-            <a:endParaRPr lang="zh-CN" altLang="en-US" sz="1200">
+            <a:endParaRPr lang="zh-CN" altLang="en-US" sz="1100">
               <a:latin typeface="微软雅黑" pitchFamily="34" charset="-122"/>
               <a:ea typeface="微软雅黑" pitchFamily="34" charset="-122"/>
             </a:endParaRPr>
@@ -7379,7 +7381,7 @@
         </p:nvCxnSpPr>
         <p:spPr>
           <a:xfrm>
-            <a:off x="209278" y="3161174"/>
+            <a:off x="209278" y="3161173"/>
             <a:ext cx="504056" cy="0"/>
           </a:xfrm>
           <a:prstGeom prst="line">
@@ -7419,7 +7421,7 @@
         </p:nvCxnSpPr>
         <p:spPr>
           <a:xfrm>
-            <a:off x="446423" y="2994313"/>
+            <a:off x="446423" y="2994315"/>
             <a:ext cx="0" cy="598909"/>
           </a:xfrm>
           <a:prstGeom prst="line">
@@ -7457,7 +7459,7 @@
         </p:nvCxnSpPr>
         <p:spPr>
           <a:xfrm flipH="1">
-            <a:off x="209278" y="3593222"/>
+            <a:off x="209280" y="3593223"/>
             <a:ext cx="252028" cy="252028"/>
           </a:xfrm>
           <a:prstGeom prst="line">
@@ -7495,7 +7497,7 @@
         </p:nvCxnSpPr>
         <p:spPr>
           <a:xfrm>
-            <a:off x="446423" y="3593222"/>
+            <a:off x="446425" y="3593223"/>
             <a:ext cx="252028" cy="252028"/>
           </a:xfrm>
           <a:prstGeom prst="line">
@@ -7534,7 +7536,7 @@
         <p:spPr>
           <a:xfrm>
             <a:off x="335292" y="116632"/>
-            <a:ext cx="936104" cy="542603"/>
+            <a:ext cx="936105" cy="542603"/>
           </a:xfrm>
           <a:prstGeom prst="snip1Rect">
             <a:avLst>
@@ -7573,12 +7575,12 @@
           </a:fontRef>
         </p:style>
         <p:txBody>
-          <a:bodyPr rtlCol="0" anchor="ctr"/>
+          <a:bodyPr lIns="91406" tIns="45703" rIns="91406" bIns="45703" rtlCol="0" anchor="ctr"/>
           <a:lstStyle/>
           <a:p>
             <a:pPr algn="ctr"/>
             <a:r>
-              <a:rPr lang="zh-CN" altLang="en-US" sz="1200" dirty="0">
+              <a:rPr lang="zh-CN" altLang="en-US" sz="1100" dirty="0">
                 <a:solidFill>
                   <a:schemeClr val="tx1"/>
                 </a:solidFill>
@@ -7588,7 +7590,7 @@
               <a:t>教师</a:t>
             </a:r>
             <a:r>
-              <a:rPr lang="zh-CN" altLang="en-US" sz="1200" dirty="0" smtClean="0">
+              <a:rPr lang="zh-CN" altLang="en-US" sz="1100" dirty="0">
                 <a:solidFill>
                   <a:schemeClr val="tx1"/>
                 </a:solidFill>
@@ -7597,7 +7599,7 @@
               </a:rPr>
               <a:t>用例图</a:t>
             </a:r>
-            <a:endParaRPr lang="zh-CN" altLang="en-US" sz="1200" dirty="0">
+            <a:endParaRPr lang="zh-CN" altLang="en-US" sz="1100" dirty="0">
               <a:solidFill>
                 <a:schemeClr val="tx1"/>
               </a:solidFill>
@@ -7615,7 +7617,7 @@
         </p:nvSpPr>
         <p:spPr>
           <a:xfrm>
-            <a:off x="1031281" y="116632"/>
+            <a:off x="1031281" y="116634"/>
             <a:ext cx="240116" cy="216024"/>
           </a:xfrm>
           <a:prstGeom prst="rtTriangle">
@@ -7653,11 +7655,11 @@
           </a:fontRef>
         </p:style>
         <p:txBody>
-          <a:bodyPr rtlCol="0" anchor="ctr"/>
+          <a:bodyPr lIns="91406" tIns="45703" rIns="91406" bIns="45703" rtlCol="0" anchor="ctr"/>
           <a:lstStyle/>
           <a:p>
             <a:pPr algn="ctr"/>
-            <a:endParaRPr lang="zh-CN" altLang="en-US" sz="1200">
+            <a:endParaRPr lang="zh-CN" altLang="en-US" sz="1100">
               <a:latin typeface="微软雅黑" pitchFamily="34" charset="-122"/>
               <a:ea typeface="微软雅黑" pitchFamily="34" charset="-122"/>
             </a:endParaRPr>
@@ -7710,11 +7712,11 @@
           </a:fontRef>
         </p:style>
         <p:txBody>
-          <a:bodyPr rtlCol="0" anchor="ctr"/>
+          <a:bodyPr lIns="91406" tIns="45703" rIns="91406" bIns="45703" rtlCol="0" anchor="ctr"/>
           <a:lstStyle/>
           <a:p>
             <a:pPr algn="ctr"/>
-            <a:endParaRPr lang="zh-CN" altLang="en-US" sz="1200" dirty="0">
+            <a:endParaRPr lang="zh-CN" altLang="en-US" sz="1100" dirty="0">
               <a:latin typeface="微软雅黑" pitchFamily="34" charset="-122"/>
               <a:ea typeface="微软雅黑" pitchFamily="34" charset="-122"/>
             </a:endParaRPr>
@@ -7767,11 +7769,11 @@
           </a:fontRef>
         </p:style>
         <p:txBody>
-          <a:bodyPr rtlCol="0" anchor="ctr"/>
+          <a:bodyPr lIns="91406" tIns="45703" rIns="91406" bIns="45703" rtlCol="0" anchor="ctr"/>
           <a:lstStyle/>
           <a:p>
             <a:pPr algn="ctr"/>
-            <a:endParaRPr lang="zh-CN" altLang="en-US" sz="1200">
+            <a:endParaRPr lang="zh-CN" altLang="en-US" sz="1100">
               <a:latin typeface="微软雅黑" pitchFamily="34" charset="-122"/>
               <a:ea typeface="微软雅黑" pitchFamily="34" charset="-122"/>
             </a:endParaRPr>
@@ -7824,11 +7826,11 @@
           </a:fontRef>
         </p:style>
         <p:txBody>
-          <a:bodyPr rtlCol="0" anchor="ctr"/>
+          <a:bodyPr lIns="91406" tIns="45703" rIns="91406" bIns="45703" rtlCol="0" anchor="ctr"/>
           <a:lstStyle/>
           <a:p>
             <a:pPr algn="ctr"/>
-            <a:endParaRPr lang="zh-CN" altLang="en-US" sz="1200">
+            <a:endParaRPr lang="zh-CN" altLang="en-US" sz="1100">
               <a:latin typeface="微软雅黑" pitchFamily="34" charset="-122"/>
               <a:ea typeface="微软雅黑" pitchFamily="34" charset="-122"/>
             </a:endParaRPr>
@@ -7881,11 +7883,11 @@
           </a:fontRef>
         </p:style>
         <p:txBody>
-          <a:bodyPr rtlCol="0" anchor="ctr"/>
+          <a:bodyPr lIns="91406" tIns="45703" rIns="91406" bIns="45703" rtlCol="0" anchor="ctr"/>
           <a:lstStyle/>
           <a:p>
             <a:pPr algn="ctr"/>
-            <a:endParaRPr lang="zh-CN" altLang="en-US" sz="1200">
+            <a:endParaRPr lang="zh-CN" altLang="en-US" sz="1100">
               <a:latin typeface="微软雅黑" pitchFamily="34" charset="-122"/>
               <a:ea typeface="微软雅黑" pitchFamily="34" charset="-122"/>
             </a:endParaRPr>
@@ -7938,11 +7940,11 @@
           </a:fontRef>
         </p:style>
         <p:txBody>
-          <a:bodyPr rtlCol="0" anchor="ctr"/>
+          <a:bodyPr lIns="91406" tIns="45703" rIns="91406" bIns="45703" rtlCol="0" anchor="ctr"/>
           <a:lstStyle/>
           <a:p>
             <a:pPr algn="ctr"/>
-            <a:endParaRPr lang="zh-CN" altLang="en-US" sz="1200">
+            <a:endParaRPr lang="zh-CN" altLang="en-US" sz="1100">
               <a:latin typeface="微软雅黑" pitchFamily="34" charset="-122"/>
               <a:ea typeface="微软雅黑" pitchFamily="34" charset="-122"/>
             </a:endParaRPr>
@@ -7995,11 +7997,11 @@
           </a:fontRef>
         </p:style>
         <p:txBody>
-          <a:bodyPr rtlCol="0" anchor="ctr"/>
+          <a:bodyPr lIns="91406" tIns="45703" rIns="91406" bIns="45703" rtlCol="0" anchor="ctr"/>
           <a:lstStyle/>
           <a:p>
             <a:pPr algn="ctr"/>
-            <a:endParaRPr lang="zh-CN" altLang="en-US" sz="1200" dirty="0">
+            <a:endParaRPr lang="zh-CN" altLang="en-US" sz="1100" dirty="0">
               <a:latin typeface="微软雅黑" pitchFamily="34" charset="-122"/>
               <a:ea typeface="微软雅黑" pitchFamily="34" charset="-122"/>
             </a:endParaRPr>
@@ -8052,11 +8054,11 @@
           </a:fontRef>
         </p:style>
         <p:txBody>
-          <a:bodyPr rtlCol="0" anchor="ctr"/>
+          <a:bodyPr lIns="91406" tIns="45703" rIns="91406" bIns="45703" rtlCol="0" anchor="ctr"/>
           <a:lstStyle/>
           <a:p>
             <a:pPr algn="ctr"/>
-            <a:endParaRPr lang="zh-CN" altLang="en-US" sz="1200" dirty="0">
+            <a:endParaRPr lang="zh-CN" altLang="en-US" sz="1100" dirty="0">
               <a:latin typeface="微软雅黑" pitchFamily="34" charset="-122"/>
               <a:ea typeface="微软雅黑" pitchFamily="34" charset="-122"/>
             </a:endParaRPr>
@@ -8109,11 +8111,11 @@
           </a:fontRef>
         </p:style>
         <p:txBody>
-          <a:bodyPr rtlCol="0" anchor="ctr"/>
+          <a:bodyPr lIns="91406" tIns="45703" rIns="91406" bIns="45703" rtlCol="0" anchor="ctr"/>
           <a:lstStyle/>
           <a:p>
             <a:pPr algn="ctr"/>
-            <a:endParaRPr lang="zh-CN" altLang="en-US" sz="1200" dirty="0">
+            <a:endParaRPr lang="zh-CN" altLang="en-US" sz="1100" dirty="0">
               <a:latin typeface="微软雅黑" pitchFamily="34" charset="-122"/>
               <a:ea typeface="微软雅黑" pitchFamily="34" charset="-122"/>
             </a:endParaRPr>
@@ -8166,11 +8168,11 @@
           </a:fontRef>
         </p:style>
         <p:txBody>
-          <a:bodyPr rtlCol="0" anchor="ctr"/>
+          <a:bodyPr lIns="91406" tIns="45703" rIns="91406" bIns="45703" rtlCol="0" anchor="ctr"/>
           <a:lstStyle/>
           <a:p>
             <a:pPr algn="ctr"/>
-            <a:endParaRPr lang="zh-CN" altLang="en-US" sz="1200" dirty="0">
+            <a:endParaRPr lang="zh-CN" altLang="en-US" sz="1100" dirty="0">
               <a:latin typeface="微软雅黑" pitchFamily="34" charset="-122"/>
               <a:ea typeface="微软雅黑" pitchFamily="34" charset="-122"/>
             </a:endParaRPr>
@@ -8187,8 +8189,8 @@
         </p:nvCxnSpPr>
         <p:spPr>
           <a:xfrm flipV="1">
-            <a:off x="803344" y="1829941"/>
-            <a:ext cx="1251452" cy="1600574"/>
+            <a:off x="803346" y="1829944"/>
+            <a:ext cx="1251452" cy="1600575"/>
           </a:xfrm>
           <a:prstGeom prst="straightConnector1">
             <a:avLst/>
@@ -8222,7 +8224,7 @@
         </p:nvCxnSpPr>
         <p:spPr>
           <a:xfrm>
-            <a:off x="803344" y="3430514"/>
+            <a:off x="803347" y="3430518"/>
             <a:ext cx="1399087" cy="2289647"/>
           </a:xfrm>
           <a:prstGeom prst="straightConnector1">
@@ -8258,7 +8260,7 @@
         </p:nvCxnSpPr>
         <p:spPr>
           <a:xfrm flipV="1">
-            <a:off x="2558852" y="580877"/>
+            <a:off x="2558853" y="580880"/>
             <a:ext cx="1943422" cy="1047923"/>
           </a:xfrm>
           <a:prstGeom prst="straightConnector1">
@@ -8295,7 +8297,7 @@
         </p:nvCxnSpPr>
         <p:spPr>
           <a:xfrm flipV="1">
-            <a:off x="2915273" y="1497250"/>
+            <a:off x="2915276" y="1497250"/>
             <a:ext cx="1587001" cy="190463"/>
           </a:xfrm>
           <a:prstGeom prst="straightConnector1">
@@ -8332,7 +8334,7 @@
         </p:nvCxnSpPr>
         <p:spPr>
           <a:xfrm>
-            <a:off x="3062908" y="1829941"/>
+            <a:off x="3062910" y="1829941"/>
             <a:ext cx="1439366" cy="502332"/>
           </a:xfrm>
           <a:prstGeom prst="straightConnector1">
@@ -8369,7 +8371,7 @@
         </p:nvCxnSpPr>
         <p:spPr>
           <a:xfrm>
-            <a:off x="2915273" y="1972169"/>
+            <a:off x="2915276" y="1972170"/>
             <a:ext cx="1587001" cy="1257204"/>
           </a:xfrm>
           <a:prstGeom prst="straightConnector1">
@@ -8406,7 +8408,7 @@
         </p:nvCxnSpPr>
         <p:spPr>
           <a:xfrm flipV="1">
-            <a:off x="3062908" y="5849448"/>
+            <a:off x="3062910" y="5849450"/>
             <a:ext cx="1439366" cy="12941"/>
           </a:xfrm>
           <a:prstGeom prst="straightConnector1">
@@ -8443,8 +8445,8 @@
         </p:nvCxnSpPr>
         <p:spPr>
           <a:xfrm flipV="1">
-            <a:off x="5362751" y="5447166"/>
-            <a:ext cx="947347" cy="260054"/>
+            <a:off x="5362751" y="5447167"/>
+            <a:ext cx="947347" cy="260055"/>
           </a:xfrm>
           <a:prstGeom prst="straightConnector1">
             <a:avLst/>
@@ -8480,7 +8482,7 @@
         </p:nvCxnSpPr>
         <p:spPr>
           <a:xfrm>
-            <a:off x="5362751" y="5991676"/>
+            <a:off x="5362751" y="5991677"/>
             <a:ext cx="947347" cy="341512"/>
           </a:xfrm>
           <a:prstGeom prst="straightConnector1">
@@ -8514,8 +8516,8 @@
         </p:nvSpPr>
         <p:spPr>
           <a:xfrm>
-            <a:off x="209278" y="4016097"/>
-            <a:ext cx="492443" cy="276999"/>
+            <a:off x="209278" y="4016098"/>
+            <a:ext cx="466726" cy="261576"/>
           </a:xfrm>
           <a:prstGeom prst="rect">
             <a:avLst/>
@@ -8523,19 +8525,19 @@
           <a:noFill/>
         </p:spPr>
         <p:txBody>
-          <a:bodyPr wrap="none" rtlCol="0">
+          <a:bodyPr wrap="none" lIns="91406" tIns="45703" rIns="91406" bIns="45703" rtlCol="0">
             <a:spAutoFit/>
           </a:bodyPr>
           <a:lstStyle/>
           <a:p>
             <a:r>
-              <a:rPr lang="zh-CN" altLang="en-US" sz="1200" dirty="0" smtClean="0">
+              <a:rPr lang="zh-CN" altLang="en-US" sz="1100" dirty="0">
                 <a:latin typeface="微软雅黑" pitchFamily="34" charset="-122"/>
                 <a:ea typeface="微软雅黑" pitchFamily="34" charset="-122"/>
               </a:rPr>
               <a:t>教师</a:t>
             </a:r>
-            <a:endParaRPr lang="zh-CN" altLang="en-US" sz="1200" dirty="0">
+            <a:endParaRPr lang="zh-CN" altLang="en-US" sz="1100" dirty="0">
               <a:latin typeface="微软雅黑" pitchFamily="34" charset="-122"/>
               <a:ea typeface="微软雅黑" pitchFamily="34" charset="-122"/>
             </a:endParaRPr>
@@ -8550,8 +8552,8 @@
         </p:nvSpPr>
         <p:spPr>
           <a:xfrm>
-            <a:off x="2051398" y="2123621"/>
-            <a:ext cx="800219" cy="276999"/>
+            <a:off x="2051398" y="2123622"/>
+            <a:ext cx="748854" cy="261576"/>
           </a:xfrm>
           <a:prstGeom prst="rect">
             <a:avLst/>
@@ -8559,19 +8561,19 @@
           <a:noFill/>
         </p:spPr>
         <p:txBody>
-          <a:bodyPr wrap="none" rtlCol="0">
+          <a:bodyPr wrap="none" lIns="91406" tIns="45703" rIns="91406" bIns="45703" rtlCol="0">
             <a:spAutoFit/>
           </a:bodyPr>
           <a:lstStyle/>
           <a:p>
             <a:r>
-              <a:rPr lang="zh-CN" altLang="en-US" sz="1200" dirty="0" smtClean="0">
+              <a:rPr lang="zh-CN" altLang="en-US" sz="1100" dirty="0">
                 <a:latin typeface="微软雅黑" pitchFamily="34" charset="-122"/>
                 <a:ea typeface="微软雅黑" pitchFamily="34" charset="-122"/>
               </a:rPr>
               <a:t>信息处理</a:t>
             </a:r>
-            <a:endParaRPr lang="zh-CN" altLang="en-US" sz="1200" dirty="0">
+            <a:endParaRPr lang="zh-CN" altLang="en-US" sz="1100" dirty="0">
               <a:latin typeface="微软雅黑" pitchFamily="34" charset="-122"/>
               <a:ea typeface="微软雅黑" pitchFamily="34" charset="-122"/>
             </a:endParaRPr>
@@ -8586,8 +8588,8 @@
         </p:nvSpPr>
         <p:spPr>
           <a:xfrm>
-            <a:off x="2158742" y="6056189"/>
-            <a:ext cx="800219" cy="276999"/>
+            <a:off x="2158743" y="6056190"/>
+            <a:ext cx="748854" cy="261576"/>
           </a:xfrm>
           <a:prstGeom prst="rect">
             <a:avLst/>
@@ -8595,19 +8597,19 @@
           <a:noFill/>
         </p:spPr>
         <p:txBody>
-          <a:bodyPr wrap="none" rtlCol="0">
+          <a:bodyPr wrap="none" lIns="91406" tIns="45703" rIns="91406" bIns="45703" rtlCol="0">
             <a:spAutoFit/>
           </a:bodyPr>
           <a:lstStyle/>
           <a:p>
             <a:r>
-              <a:rPr lang="zh-CN" altLang="en-US" sz="1200" dirty="0" smtClean="0">
+              <a:rPr lang="zh-CN" altLang="en-US" sz="1100" dirty="0">
                 <a:latin typeface="微软雅黑" pitchFamily="34" charset="-122"/>
                 <a:ea typeface="微软雅黑" pitchFamily="34" charset="-122"/>
               </a:rPr>
               <a:t>系统模块</a:t>
             </a:r>
-            <a:endParaRPr lang="zh-CN" altLang="en-US" sz="1200" dirty="0">
+            <a:endParaRPr lang="zh-CN" altLang="en-US" sz="1100" dirty="0">
               <a:latin typeface="微软雅黑" pitchFamily="34" charset="-122"/>
               <a:ea typeface="微软雅黑" pitchFamily="34" charset="-122"/>
             </a:endParaRPr>
@@ -8622,8 +8624,8 @@
         </p:nvSpPr>
         <p:spPr>
           <a:xfrm rot="19894813">
-            <a:off x="2939681" y="918583"/>
-            <a:ext cx="721864" cy="307777"/>
+            <a:off x="2939718" y="918603"/>
+            <a:ext cx="721796" cy="307742"/>
           </a:xfrm>
           <a:prstGeom prst="rect">
             <a:avLst/>
@@ -8631,7 +8633,7 @@
           <a:noFill/>
         </p:spPr>
         <p:txBody>
-          <a:bodyPr wrap="none" rtlCol="0">
+          <a:bodyPr wrap="none" lIns="91406" tIns="45703" rIns="91406" bIns="45703" rtlCol="0">
             <a:spAutoFit/>
           </a:bodyPr>
           <a:lstStyle/>
@@ -8657,8 +8659,8 @@
         </p:nvSpPr>
         <p:spPr>
           <a:xfrm rot="21004558">
-            <a:off x="3482755" y="1301840"/>
-            <a:ext cx="721864" cy="307777"/>
+            <a:off x="3482792" y="1301860"/>
+            <a:ext cx="721796" cy="307742"/>
           </a:xfrm>
           <a:prstGeom prst="rect">
             <a:avLst/>
@@ -8666,7 +8668,7 @@
           <a:noFill/>
         </p:spPr>
         <p:txBody>
-          <a:bodyPr wrap="none" rtlCol="0">
+          <a:bodyPr wrap="none" lIns="91406" tIns="45703" rIns="91406" bIns="45703" rtlCol="0">
             <a:spAutoFit/>
           </a:bodyPr>
           <a:lstStyle/>
@@ -8692,8 +8694,8 @@
         </p:nvSpPr>
         <p:spPr>
           <a:xfrm rot="1203324">
-            <a:off x="3749524" y="1865370"/>
-            <a:ext cx="721864" cy="307777"/>
+            <a:off x="3749560" y="1865389"/>
+            <a:ext cx="721796" cy="307742"/>
           </a:xfrm>
           <a:prstGeom prst="rect">
             <a:avLst/>
@@ -8701,7 +8703,7 @@
           <a:noFill/>
         </p:spPr>
         <p:txBody>
-          <a:bodyPr wrap="none" rtlCol="0">
+          <a:bodyPr wrap="none" lIns="91406" tIns="45703" rIns="91406" bIns="45703" rtlCol="0">
             <a:spAutoFit/>
           </a:bodyPr>
           <a:lstStyle/>
@@ -8727,8 +8729,8 @@
         </p:nvSpPr>
         <p:spPr>
           <a:xfrm rot="2409015">
-            <a:off x="3578064" y="2424174"/>
-            <a:ext cx="721864" cy="307777"/>
+            <a:off x="3578101" y="2424192"/>
+            <a:ext cx="721796" cy="307742"/>
           </a:xfrm>
           <a:prstGeom prst="rect">
             <a:avLst/>
@@ -8736,7 +8738,7 @@
           <a:noFill/>
         </p:spPr>
         <p:txBody>
-          <a:bodyPr wrap="none" rtlCol="0">
+          <a:bodyPr wrap="none" lIns="91406" tIns="45703" rIns="91406" bIns="45703" rtlCol="0">
             <a:spAutoFit/>
           </a:bodyPr>
           <a:lstStyle/>
@@ -8762,8 +8764,8 @@
         </p:nvSpPr>
         <p:spPr>
           <a:xfrm>
-            <a:off x="4452332" y="782018"/>
-            <a:ext cx="1107996" cy="276999"/>
+            <a:off x="4452334" y="782020"/>
+            <a:ext cx="1030983" cy="261576"/>
           </a:xfrm>
           <a:prstGeom prst="rect">
             <a:avLst/>
@@ -8771,19 +8773,19 @@
           <a:noFill/>
         </p:spPr>
         <p:txBody>
-          <a:bodyPr wrap="none" rtlCol="0">
+          <a:bodyPr wrap="none" lIns="91406" tIns="45703" rIns="91406" bIns="45703" rtlCol="0">
             <a:spAutoFit/>
           </a:bodyPr>
           <a:lstStyle/>
           <a:p>
             <a:r>
-              <a:rPr lang="zh-CN" altLang="en-US" sz="1200" dirty="0" smtClean="0">
+              <a:rPr lang="zh-CN" altLang="en-US" sz="1100" dirty="0">
                 <a:latin typeface="微软雅黑" pitchFamily="34" charset="-122"/>
                 <a:ea typeface="微软雅黑" pitchFamily="34" charset="-122"/>
               </a:rPr>
               <a:t>查询基本信息</a:t>
             </a:r>
-            <a:endParaRPr lang="zh-CN" altLang="en-US" sz="1200" dirty="0">
+            <a:endParaRPr lang="zh-CN" altLang="en-US" sz="1100" dirty="0">
               <a:latin typeface="微软雅黑" pitchFamily="34" charset="-122"/>
               <a:ea typeface="微软雅黑" pitchFamily="34" charset="-122"/>
             </a:endParaRPr>
@@ -8798,8 +8800,8 @@
         </p:nvSpPr>
         <p:spPr>
           <a:xfrm>
-            <a:off x="4502275" y="1754083"/>
-            <a:ext cx="1107996" cy="276999"/>
+            <a:off x="4502276" y="1754084"/>
+            <a:ext cx="1030983" cy="261576"/>
           </a:xfrm>
           <a:prstGeom prst="rect">
             <a:avLst/>
@@ -8807,19 +8809,19 @@
           <a:noFill/>
         </p:spPr>
         <p:txBody>
-          <a:bodyPr wrap="none" rtlCol="0">
+          <a:bodyPr wrap="none" lIns="91406" tIns="45703" rIns="91406" bIns="45703" rtlCol="0">
             <a:spAutoFit/>
           </a:bodyPr>
           <a:lstStyle/>
           <a:p>
             <a:r>
-              <a:rPr lang="zh-CN" altLang="en-US" sz="1200" dirty="0" smtClean="0">
+              <a:rPr lang="zh-CN" altLang="en-US" sz="1100" dirty="0">
                 <a:latin typeface="微软雅黑" pitchFamily="34" charset="-122"/>
                 <a:ea typeface="微软雅黑" pitchFamily="34" charset="-122"/>
               </a:rPr>
               <a:t>查看考勤情况</a:t>
             </a:r>
-            <a:endParaRPr lang="zh-CN" altLang="en-US" sz="1200" dirty="0">
+            <a:endParaRPr lang="zh-CN" altLang="en-US" sz="1100" dirty="0">
               <a:latin typeface="微软雅黑" pitchFamily="34" charset="-122"/>
               <a:ea typeface="微软雅黑" pitchFamily="34" charset="-122"/>
             </a:endParaRPr>
@@ -8834,8 +8836,8 @@
         </p:nvSpPr>
         <p:spPr>
           <a:xfrm>
-            <a:off x="4452332" y="2600771"/>
-            <a:ext cx="1107996" cy="276999"/>
+            <a:off x="4452334" y="2600772"/>
+            <a:ext cx="1030983" cy="261576"/>
           </a:xfrm>
           <a:prstGeom prst="rect">
             <a:avLst/>
@@ -8843,19 +8845,19 @@
           <a:noFill/>
         </p:spPr>
         <p:txBody>
-          <a:bodyPr wrap="none" rtlCol="0">
+          <a:bodyPr wrap="none" lIns="91406" tIns="45703" rIns="91406" bIns="45703" rtlCol="0">
             <a:spAutoFit/>
           </a:bodyPr>
           <a:lstStyle/>
           <a:p>
             <a:r>
-              <a:rPr lang="zh-CN" altLang="en-US" sz="1200" dirty="0" smtClean="0">
+              <a:rPr lang="zh-CN" altLang="en-US" sz="1100" dirty="0">
                 <a:latin typeface="微软雅黑" pitchFamily="34" charset="-122"/>
                 <a:ea typeface="微软雅黑" pitchFamily="34" charset="-122"/>
               </a:rPr>
               <a:t>考勤图表分析</a:t>
             </a:r>
-            <a:endParaRPr lang="zh-CN" altLang="en-US" sz="1200" dirty="0">
+            <a:endParaRPr lang="zh-CN" altLang="en-US" sz="1100" dirty="0">
               <a:latin typeface="微软雅黑" pitchFamily="34" charset="-122"/>
               <a:ea typeface="微软雅黑" pitchFamily="34" charset="-122"/>
             </a:endParaRPr>
@@ -8870,8 +8872,8 @@
         </p:nvSpPr>
         <p:spPr>
           <a:xfrm>
-            <a:off x="4555605" y="3459650"/>
-            <a:ext cx="1107996" cy="276999"/>
+            <a:off x="4555607" y="3459651"/>
+            <a:ext cx="1030983" cy="261576"/>
           </a:xfrm>
           <a:prstGeom prst="rect">
             <a:avLst/>
@@ -8879,19 +8881,19 @@
           <a:noFill/>
         </p:spPr>
         <p:txBody>
-          <a:bodyPr wrap="none" rtlCol="0">
+          <a:bodyPr wrap="none" lIns="91406" tIns="45703" rIns="91406" bIns="45703" rtlCol="0">
             <a:spAutoFit/>
           </a:bodyPr>
           <a:lstStyle/>
           <a:p>
             <a:r>
-              <a:rPr lang="zh-CN" altLang="en-US" sz="1200" dirty="0" smtClean="0">
+              <a:rPr lang="zh-CN" altLang="en-US" sz="1100" dirty="0">
                 <a:latin typeface="微软雅黑" pitchFamily="34" charset="-122"/>
                 <a:ea typeface="微软雅黑" pitchFamily="34" charset="-122"/>
               </a:rPr>
               <a:t>课表信息操作</a:t>
             </a:r>
-            <a:endParaRPr lang="zh-CN" altLang="en-US" sz="1200" dirty="0">
+            <a:endParaRPr lang="zh-CN" altLang="en-US" sz="1100" dirty="0">
               <a:latin typeface="微软雅黑" pitchFamily="34" charset="-122"/>
               <a:ea typeface="微软雅黑" pitchFamily="34" charset="-122"/>
             </a:endParaRPr>
@@ -8906,8 +8908,8 @@
         </p:nvSpPr>
         <p:spPr>
           <a:xfrm>
-            <a:off x="3330304" y="5546617"/>
-            <a:ext cx="756938" cy="307777"/>
+            <a:off x="3330304" y="5546618"/>
+            <a:ext cx="756870" cy="307742"/>
           </a:xfrm>
           <a:prstGeom prst="rect">
             <a:avLst/>
@@ -8915,13 +8917,13 @@
           <a:noFill/>
         </p:spPr>
         <p:txBody>
-          <a:bodyPr wrap="none" rtlCol="0">
+          <a:bodyPr wrap="none" lIns="91406" tIns="45703" rIns="91406" bIns="45703" rtlCol="0">
             <a:spAutoFit/>
           </a:bodyPr>
           <a:lstStyle/>
           <a:p>
             <a:r>
-              <a:rPr lang="en-US" altLang="zh-CN" sz="1400" dirty="0" smtClean="0">
+              <a:rPr lang="en-US" altLang="zh-CN" sz="1400" dirty="0">
                 <a:latin typeface="Segoe UI Symbol" pitchFamily="34" charset="0"/>
               </a:rPr>
               <a:t>include</a:t>
@@ -8940,8 +8942,8 @@
         </p:nvSpPr>
         <p:spPr>
           <a:xfrm>
-            <a:off x="4804235" y="6123599"/>
-            <a:ext cx="492443" cy="276999"/>
+            <a:off x="4804237" y="6123601"/>
+            <a:ext cx="466726" cy="261576"/>
           </a:xfrm>
           <a:prstGeom prst="rect">
             <a:avLst/>
@@ -8949,19 +8951,19 @@
           <a:noFill/>
         </p:spPr>
         <p:txBody>
-          <a:bodyPr wrap="none" rtlCol="0">
+          <a:bodyPr wrap="none" lIns="91406" tIns="45703" rIns="91406" bIns="45703" rtlCol="0">
             <a:spAutoFit/>
           </a:bodyPr>
           <a:lstStyle/>
           <a:p>
             <a:r>
-              <a:rPr lang="zh-CN" altLang="en-US" sz="1200" dirty="0" smtClean="0">
+              <a:rPr lang="zh-CN" altLang="en-US" sz="1100" dirty="0">
                 <a:latin typeface="微软雅黑" pitchFamily="34" charset="-122"/>
                 <a:ea typeface="微软雅黑" pitchFamily="34" charset="-122"/>
               </a:rPr>
               <a:t>登陆</a:t>
             </a:r>
-            <a:endParaRPr lang="zh-CN" altLang="en-US" sz="1200" dirty="0">
+            <a:endParaRPr lang="zh-CN" altLang="en-US" sz="1100" dirty="0">
               <a:latin typeface="微软雅黑" pitchFamily="34" charset="-122"/>
               <a:ea typeface="微软雅黑" pitchFamily="34" charset="-122"/>
             </a:endParaRPr>
@@ -9014,11 +9016,11 @@
           </a:fontRef>
         </p:style>
         <p:txBody>
-          <a:bodyPr rtlCol="0" anchor="ctr"/>
+          <a:bodyPr lIns="91406" tIns="45703" rIns="91406" bIns="45703" rtlCol="0" anchor="ctr"/>
           <a:lstStyle/>
           <a:p>
             <a:pPr algn="ctr"/>
-            <a:endParaRPr lang="zh-CN" altLang="en-US" sz="1200" dirty="0">
+            <a:endParaRPr lang="zh-CN" altLang="en-US" sz="1100" dirty="0">
               <a:latin typeface="微软雅黑" pitchFamily="34" charset="-122"/>
               <a:ea typeface="微软雅黑" pitchFamily="34" charset="-122"/>
             </a:endParaRPr>
@@ -9033,8 +9035,8 @@
         </p:nvSpPr>
         <p:spPr>
           <a:xfrm>
-            <a:off x="4530006" y="4736177"/>
-            <a:ext cx="1107996" cy="276999"/>
+            <a:off x="4530007" y="4736178"/>
+            <a:ext cx="1030983" cy="261576"/>
           </a:xfrm>
           <a:prstGeom prst="rect">
             <a:avLst/>
@@ -9042,19 +9044,19 @@
           <a:noFill/>
         </p:spPr>
         <p:txBody>
-          <a:bodyPr wrap="none" rtlCol="0">
+          <a:bodyPr wrap="none" lIns="91406" tIns="45703" rIns="91406" bIns="45703" rtlCol="0">
             <a:spAutoFit/>
           </a:bodyPr>
           <a:lstStyle/>
           <a:p>
             <a:r>
-              <a:rPr lang="zh-CN" altLang="en-US" sz="1200" dirty="0" smtClean="0">
+              <a:rPr lang="zh-CN" altLang="en-US" sz="1100" dirty="0">
                 <a:latin typeface="微软雅黑" pitchFamily="34" charset="-122"/>
                 <a:ea typeface="微软雅黑" pitchFamily="34" charset="-122"/>
               </a:rPr>
               <a:t>通知公告处理</a:t>
             </a:r>
-            <a:endParaRPr lang="zh-CN" altLang="en-US" sz="1200" dirty="0">
+            <a:endParaRPr lang="zh-CN" altLang="en-US" sz="1100" dirty="0">
               <a:latin typeface="微软雅黑" pitchFamily="34" charset="-122"/>
               <a:ea typeface="微软雅黑" pitchFamily="34" charset="-122"/>
             </a:endParaRPr>
@@ -9072,7 +9074,7 @@
         </p:nvCxnSpPr>
         <p:spPr>
           <a:xfrm>
-            <a:off x="2558852" y="2031082"/>
+            <a:off x="2558853" y="2031082"/>
             <a:ext cx="1943422" cy="2474818"/>
           </a:xfrm>
           <a:prstGeom prst="straightConnector1">
@@ -9106,8 +9108,8 @@
         </p:nvSpPr>
         <p:spPr>
           <a:xfrm rot="3176020">
-            <a:off x="3169631" y="2851804"/>
-            <a:ext cx="721864" cy="307777"/>
+            <a:off x="3169667" y="2851822"/>
+            <a:ext cx="721796" cy="307742"/>
           </a:xfrm>
           <a:prstGeom prst="rect">
             <a:avLst/>
@@ -9115,7 +9117,7 @@
           <a:noFill/>
         </p:spPr>
         <p:txBody>
-          <a:bodyPr wrap="none" rtlCol="0">
+          <a:bodyPr wrap="none" lIns="91406" tIns="45703" rIns="91406" bIns="45703" rtlCol="0">
             <a:spAutoFit/>
           </a:bodyPr>
           <a:lstStyle/>
@@ -9141,8 +9143,8 @@
         </p:nvSpPr>
         <p:spPr>
           <a:xfrm>
-            <a:off x="6444208" y="5693147"/>
-            <a:ext cx="800219" cy="276999"/>
+            <a:off x="6444208" y="5693148"/>
+            <a:ext cx="748854" cy="261576"/>
           </a:xfrm>
           <a:prstGeom prst="rect">
             <a:avLst/>
@@ -9150,19 +9152,19 @@
           <a:noFill/>
         </p:spPr>
         <p:txBody>
-          <a:bodyPr wrap="none" rtlCol="0">
+          <a:bodyPr wrap="none" lIns="91406" tIns="45703" rIns="91406" bIns="45703" rtlCol="0">
             <a:spAutoFit/>
           </a:bodyPr>
           <a:lstStyle/>
           <a:p>
             <a:r>
-              <a:rPr lang="zh-CN" altLang="en-US" sz="1200" dirty="0" smtClean="0">
+              <a:rPr lang="zh-CN" altLang="en-US" sz="1100" dirty="0">
                 <a:latin typeface="微软雅黑" pitchFamily="34" charset="-122"/>
                 <a:ea typeface="微软雅黑" pitchFamily="34" charset="-122"/>
               </a:rPr>
               <a:t>重置密码</a:t>
             </a:r>
-            <a:endParaRPr lang="zh-CN" altLang="en-US" sz="1200" dirty="0">
+            <a:endParaRPr lang="zh-CN" altLang="en-US" sz="1100" dirty="0">
               <a:latin typeface="微软雅黑" pitchFamily="34" charset="-122"/>
               <a:ea typeface="微软雅黑" pitchFamily="34" charset="-122"/>
             </a:endParaRPr>
@@ -9177,8 +9179,8 @@
         </p:nvSpPr>
         <p:spPr>
           <a:xfrm>
-            <a:off x="6325656" y="6536377"/>
-            <a:ext cx="1107996" cy="276999"/>
+            <a:off x="6325657" y="6536378"/>
+            <a:ext cx="1030983" cy="261576"/>
           </a:xfrm>
           <a:prstGeom prst="rect">
             <a:avLst/>
@@ -9186,19 +9188,19 @@
           <a:noFill/>
         </p:spPr>
         <p:txBody>
-          <a:bodyPr wrap="none" rtlCol="0">
+          <a:bodyPr wrap="none" lIns="91406" tIns="45703" rIns="91406" bIns="45703" rtlCol="0">
             <a:spAutoFit/>
           </a:bodyPr>
           <a:lstStyle/>
           <a:p>
             <a:r>
-              <a:rPr lang="zh-CN" altLang="en-US" sz="1200" dirty="0" smtClean="0">
+              <a:rPr lang="zh-CN" altLang="en-US" sz="1100" dirty="0">
                 <a:latin typeface="微软雅黑" pitchFamily="34" charset="-122"/>
                 <a:ea typeface="微软雅黑" pitchFamily="34" charset="-122"/>
               </a:rPr>
               <a:t>退出重新登陆</a:t>
             </a:r>
-            <a:endParaRPr lang="zh-CN" altLang="en-US" sz="1200" dirty="0">
+            <a:endParaRPr lang="zh-CN" altLang="en-US" sz="1100" dirty="0">
               <a:latin typeface="微软雅黑" pitchFamily="34" charset="-122"/>
               <a:ea typeface="微软雅黑" pitchFamily="34" charset="-122"/>
             </a:endParaRPr>
@@ -9213,8 +9215,8 @@
         </p:nvSpPr>
         <p:spPr>
           <a:xfrm rot="1267198">
-            <a:off x="5652885" y="5951362"/>
-            <a:ext cx="721864" cy="307777"/>
+            <a:off x="5652921" y="5951382"/>
+            <a:ext cx="721796" cy="307742"/>
           </a:xfrm>
           <a:prstGeom prst="rect">
             <a:avLst/>
@@ -9222,7 +9224,7 @@
           <a:noFill/>
         </p:spPr>
         <p:txBody>
-          <a:bodyPr wrap="none" rtlCol="0">
+          <a:bodyPr wrap="none" lIns="91406" tIns="45703" rIns="91406" bIns="45703" rtlCol="0">
             <a:spAutoFit/>
           </a:bodyPr>
           <a:lstStyle/>
@@ -9248,8 +9250,8 @@
         </p:nvSpPr>
         <p:spPr>
           <a:xfrm rot="20576031">
-            <a:off x="5549840" y="5257982"/>
-            <a:ext cx="721864" cy="307777"/>
+            <a:off x="5549876" y="5258001"/>
+            <a:ext cx="721796" cy="307742"/>
           </a:xfrm>
           <a:prstGeom prst="rect">
             <a:avLst/>
@@ -9257,7 +9259,7 @@
           <a:noFill/>
         </p:spPr>
         <p:txBody>
-          <a:bodyPr wrap="none" rtlCol="0">
+          <a:bodyPr wrap="none" lIns="91406" tIns="45703" rIns="91406" bIns="45703" rtlCol="0">
             <a:spAutoFit/>
           </a:bodyPr>
           <a:lstStyle/>
@@ -9321,11 +9323,11 @@
           </a:fontRef>
         </p:style>
         <p:txBody>
-          <a:bodyPr rtlCol="0" anchor="ctr"/>
+          <a:bodyPr lIns="91406" tIns="45703" rIns="91406" bIns="45703" rtlCol="0" anchor="ctr"/>
           <a:lstStyle/>
           <a:p>
             <a:pPr algn="ctr"/>
-            <a:endParaRPr lang="zh-CN" altLang="en-US" sz="1200" dirty="0">
+            <a:endParaRPr lang="zh-CN" altLang="en-US" sz="1100" dirty="0">
               <a:latin typeface="微软雅黑" pitchFamily="34" charset="-122"/>
               <a:ea typeface="微软雅黑" pitchFamily="34" charset="-122"/>
             </a:endParaRPr>
@@ -9378,11 +9380,11 @@
           </a:fontRef>
         </p:style>
         <p:txBody>
-          <a:bodyPr rtlCol="0" anchor="ctr"/>
+          <a:bodyPr lIns="91406" tIns="45703" rIns="91406" bIns="45703" rtlCol="0" anchor="ctr"/>
           <a:lstStyle/>
           <a:p>
             <a:pPr algn="ctr"/>
-            <a:endParaRPr lang="zh-CN" altLang="en-US" sz="1200" dirty="0">
+            <a:endParaRPr lang="zh-CN" altLang="en-US" sz="1100" dirty="0">
               <a:latin typeface="微软雅黑" pitchFamily="34" charset="-122"/>
               <a:ea typeface="微软雅黑" pitchFamily="34" charset="-122"/>
             </a:endParaRPr>
@@ -9435,11 +9437,11 @@
           </a:fontRef>
         </p:style>
         <p:txBody>
-          <a:bodyPr rtlCol="0" anchor="ctr"/>
+          <a:bodyPr lIns="91406" tIns="45703" rIns="91406" bIns="45703" rtlCol="0" anchor="ctr"/>
           <a:lstStyle/>
           <a:p>
             <a:pPr algn="ctr"/>
-            <a:endParaRPr lang="zh-CN" altLang="en-US" sz="1200" dirty="0">
+            <a:endParaRPr lang="zh-CN" altLang="en-US" sz="1100" dirty="0">
               <a:latin typeface="微软雅黑" pitchFamily="34" charset="-122"/>
               <a:ea typeface="微软雅黑" pitchFamily="34" charset="-122"/>
             </a:endParaRPr>
@@ -9454,7 +9456,7 @@
         </p:nvSpPr>
         <p:spPr>
           <a:xfrm>
-            <a:off x="6310098" y="4599684"/>
+            <a:off x="6310098" y="4599685"/>
             <a:ext cx="1008112" cy="402282"/>
           </a:xfrm>
           <a:prstGeom prst="ellipse">
@@ -9492,11 +9494,11 @@
           </a:fontRef>
         </p:style>
         <p:txBody>
-          <a:bodyPr rtlCol="0" anchor="ctr"/>
+          <a:bodyPr lIns="91406" tIns="45703" rIns="91406" bIns="45703" rtlCol="0" anchor="ctr"/>
           <a:lstStyle/>
           <a:p>
             <a:pPr algn="ctr"/>
-            <a:endParaRPr lang="zh-CN" altLang="en-US" sz="1200" dirty="0">
+            <a:endParaRPr lang="zh-CN" altLang="en-US" sz="1100" dirty="0">
               <a:latin typeface="微软雅黑" pitchFamily="34" charset="-122"/>
               <a:ea typeface="微软雅黑" pitchFamily="34" charset="-122"/>
             </a:endParaRPr>
@@ -9511,8 +9513,8 @@
         </p:nvSpPr>
         <p:spPr>
           <a:xfrm>
-            <a:off x="6508085" y="4998797"/>
-            <a:ext cx="800219" cy="276999"/>
+            <a:off x="6508086" y="4998798"/>
+            <a:ext cx="748854" cy="261576"/>
           </a:xfrm>
           <a:prstGeom prst="rect">
             <a:avLst/>
@@ -9520,19 +9522,19 @@
           <a:noFill/>
         </p:spPr>
         <p:txBody>
-          <a:bodyPr wrap="none" rtlCol="0">
+          <a:bodyPr wrap="none" lIns="91406" tIns="45703" rIns="91406" bIns="45703" rtlCol="0">
             <a:spAutoFit/>
           </a:bodyPr>
           <a:lstStyle/>
           <a:p>
             <a:r>
-              <a:rPr lang="zh-CN" altLang="en-US" sz="1200" dirty="0" smtClean="0">
+              <a:rPr lang="zh-CN" altLang="en-US" sz="1100" dirty="0">
                 <a:latin typeface="微软雅黑" pitchFamily="34" charset="-122"/>
                 <a:ea typeface="微软雅黑" pitchFamily="34" charset="-122"/>
               </a:rPr>
               <a:t>查看公告</a:t>
             </a:r>
-            <a:endParaRPr lang="zh-CN" altLang="en-US" sz="1200" dirty="0">
+            <a:endParaRPr lang="zh-CN" altLang="en-US" sz="1100" dirty="0">
               <a:latin typeface="微软雅黑" pitchFamily="34" charset="-122"/>
               <a:ea typeface="微软雅黑" pitchFamily="34" charset="-122"/>
             </a:endParaRPr>
@@ -9547,8 +9549,8 @@
         </p:nvSpPr>
         <p:spPr>
           <a:xfrm>
-            <a:off x="6508085" y="4350725"/>
-            <a:ext cx="800219" cy="276999"/>
+            <a:off x="6508086" y="4350726"/>
+            <a:ext cx="748854" cy="261576"/>
           </a:xfrm>
           <a:prstGeom prst="rect">
             <a:avLst/>
@@ -9556,19 +9558,19 @@
           <a:noFill/>
         </p:spPr>
         <p:txBody>
-          <a:bodyPr wrap="none" rtlCol="0">
+          <a:bodyPr wrap="none" lIns="91406" tIns="45703" rIns="91406" bIns="45703" rtlCol="0">
             <a:spAutoFit/>
           </a:bodyPr>
           <a:lstStyle/>
           <a:p>
             <a:r>
-              <a:rPr lang="zh-CN" altLang="en-US" sz="1200" dirty="0" smtClean="0">
+              <a:rPr lang="zh-CN" altLang="en-US" sz="1100" dirty="0">
                 <a:latin typeface="微软雅黑" pitchFamily="34" charset="-122"/>
                 <a:ea typeface="微软雅黑" pitchFamily="34" charset="-122"/>
               </a:rPr>
               <a:t>发布公告</a:t>
             </a:r>
-            <a:endParaRPr lang="zh-CN" altLang="en-US" sz="1200" dirty="0">
+            <a:endParaRPr lang="zh-CN" altLang="en-US" sz="1100" dirty="0">
               <a:latin typeface="微软雅黑" pitchFamily="34" charset="-122"/>
               <a:ea typeface="微软雅黑" pitchFamily="34" charset="-122"/>
             </a:endParaRPr>
@@ -9583,8 +9585,8 @@
         </p:nvSpPr>
         <p:spPr>
           <a:xfrm>
-            <a:off x="6305142" y="436773"/>
-            <a:ext cx="1107996" cy="276999"/>
+            <a:off x="6305143" y="436775"/>
+            <a:ext cx="1030983" cy="261576"/>
           </a:xfrm>
           <a:prstGeom prst="rect">
             <a:avLst/>
@@ -9592,19 +9594,19 @@
           <a:noFill/>
         </p:spPr>
         <p:txBody>
-          <a:bodyPr wrap="none" rtlCol="0">
+          <a:bodyPr wrap="none" lIns="91406" tIns="45703" rIns="91406" bIns="45703" rtlCol="0">
             <a:spAutoFit/>
           </a:bodyPr>
           <a:lstStyle/>
           <a:p>
             <a:r>
-              <a:rPr lang="zh-CN" altLang="en-US" sz="1200" dirty="0" smtClean="0">
+              <a:rPr lang="zh-CN" altLang="en-US" sz="1100" dirty="0">
                 <a:latin typeface="微软雅黑" pitchFamily="34" charset="-122"/>
                 <a:ea typeface="微软雅黑" pitchFamily="34" charset="-122"/>
               </a:rPr>
               <a:t>查看个人资料</a:t>
             </a:r>
-            <a:endParaRPr lang="zh-CN" altLang="en-US" sz="1200" dirty="0">
+            <a:endParaRPr lang="zh-CN" altLang="en-US" sz="1100" dirty="0">
               <a:latin typeface="微软雅黑" pitchFamily="34" charset="-122"/>
               <a:ea typeface="微软雅黑" pitchFamily="34" charset="-122"/>
             </a:endParaRPr>
@@ -9619,8 +9621,8 @@
         </p:nvSpPr>
         <p:spPr>
           <a:xfrm>
-            <a:off x="6305142" y="1090872"/>
-            <a:ext cx="1107996" cy="276999"/>
+            <a:off x="6305143" y="1090873"/>
+            <a:ext cx="1030983" cy="261576"/>
           </a:xfrm>
           <a:prstGeom prst="rect">
             <a:avLst/>
@@ -9628,19 +9630,19 @@
           <a:noFill/>
         </p:spPr>
         <p:txBody>
-          <a:bodyPr wrap="none" rtlCol="0">
+          <a:bodyPr wrap="none" lIns="91406" tIns="45703" rIns="91406" bIns="45703" rtlCol="0">
             <a:spAutoFit/>
           </a:bodyPr>
           <a:lstStyle/>
           <a:p>
             <a:r>
-              <a:rPr lang="zh-CN" altLang="en-US" sz="1200" dirty="0" smtClean="0">
+              <a:rPr lang="zh-CN" altLang="en-US" sz="1100" dirty="0">
                 <a:latin typeface="微软雅黑" pitchFamily="34" charset="-122"/>
                 <a:ea typeface="微软雅黑" pitchFamily="34" charset="-122"/>
               </a:rPr>
               <a:t>查看班级信息</a:t>
             </a:r>
-            <a:endParaRPr lang="zh-CN" altLang="en-US" sz="1200" dirty="0">
+            <a:endParaRPr lang="zh-CN" altLang="en-US" sz="1100" dirty="0">
               <a:latin typeface="微软雅黑" pitchFamily="34" charset="-122"/>
               <a:ea typeface="微软雅黑" pitchFamily="34" charset="-122"/>
             </a:endParaRPr>
@@ -9693,11 +9695,11 @@
           </a:fontRef>
         </p:style>
         <p:txBody>
-          <a:bodyPr rtlCol="0" anchor="ctr"/>
+          <a:bodyPr lIns="91406" tIns="45703" rIns="91406" bIns="45703" rtlCol="0" anchor="ctr"/>
           <a:lstStyle/>
           <a:p>
             <a:pPr algn="ctr"/>
-            <a:endParaRPr lang="zh-CN" altLang="en-US" sz="1200" dirty="0">
+            <a:endParaRPr lang="zh-CN" altLang="en-US" sz="1100" dirty="0">
               <a:latin typeface="微软雅黑" pitchFamily="34" charset="-122"/>
               <a:ea typeface="微软雅黑" pitchFamily="34" charset="-122"/>
             </a:endParaRPr>
@@ -9750,11 +9752,11 @@
           </a:fontRef>
         </p:style>
         <p:txBody>
-          <a:bodyPr rtlCol="0" anchor="ctr"/>
+          <a:bodyPr lIns="91406" tIns="45703" rIns="91406" bIns="45703" rtlCol="0" anchor="ctr"/>
           <a:lstStyle/>
           <a:p>
             <a:pPr algn="ctr"/>
-            <a:endParaRPr lang="zh-CN" altLang="en-US" sz="1200" dirty="0">
+            <a:endParaRPr lang="zh-CN" altLang="en-US" sz="1100" dirty="0">
               <a:latin typeface="微软雅黑" pitchFamily="34" charset="-122"/>
               <a:ea typeface="微软雅黑" pitchFamily="34" charset="-122"/>
             </a:endParaRPr>
@@ -9769,8 +9771,8 @@
         </p:nvSpPr>
         <p:spPr>
           <a:xfrm>
-            <a:off x="6459031" y="3717032"/>
-            <a:ext cx="800219" cy="276999"/>
+            <a:off x="6459032" y="3717033"/>
+            <a:ext cx="748854" cy="261576"/>
           </a:xfrm>
           <a:prstGeom prst="rect">
             <a:avLst/>
@@ -9778,19 +9780,19 @@
           <a:noFill/>
         </p:spPr>
         <p:txBody>
-          <a:bodyPr wrap="none" rtlCol="0">
+          <a:bodyPr wrap="none" lIns="91406" tIns="45703" rIns="91406" bIns="45703" rtlCol="0">
             <a:spAutoFit/>
           </a:bodyPr>
           <a:lstStyle/>
           <a:p>
             <a:r>
-              <a:rPr lang="zh-CN" altLang="en-US" sz="1200" dirty="0" smtClean="0">
+              <a:rPr lang="zh-CN" altLang="en-US" sz="1100" dirty="0">
                 <a:latin typeface="微软雅黑" pitchFamily="34" charset="-122"/>
                 <a:ea typeface="微软雅黑" pitchFamily="34" charset="-122"/>
               </a:rPr>
               <a:t>调课操作</a:t>
             </a:r>
-            <a:endParaRPr lang="zh-CN" altLang="en-US" sz="1200" dirty="0">
+            <a:endParaRPr lang="zh-CN" altLang="en-US" sz="1100" dirty="0">
               <a:latin typeface="微软雅黑" pitchFamily="34" charset="-122"/>
               <a:ea typeface="微软雅黑" pitchFamily="34" charset="-122"/>
             </a:endParaRPr>
@@ -9805,8 +9807,8 @@
         </p:nvSpPr>
         <p:spPr>
           <a:xfrm>
-            <a:off x="6459031" y="3068960"/>
-            <a:ext cx="800219" cy="276999"/>
+            <a:off x="6459032" y="3068961"/>
+            <a:ext cx="748854" cy="261576"/>
           </a:xfrm>
           <a:prstGeom prst="rect">
             <a:avLst/>
@@ -9814,19 +9816,19 @@
           <a:noFill/>
         </p:spPr>
         <p:txBody>
-          <a:bodyPr wrap="none" rtlCol="0">
+          <a:bodyPr wrap="none" lIns="91406" tIns="45703" rIns="91406" bIns="45703" rtlCol="0">
             <a:spAutoFit/>
           </a:bodyPr>
           <a:lstStyle/>
           <a:p>
             <a:r>
-              <a:rPr lang="zh-CN" altLang="en-US" sz="1200" dirty="0" smtClean="0">
+              <a:rPr lang="zh-CN" altLang="en-US" sz="1100" dirty="0">
                 <a:latin typeface="微软雅黑" pitchFamily="34" charset="-122"/>
                 <a:ea typeface="微软雅黑" pitchFamily="34" charset="-122"/>
               </a:rPr>
               <a:t>课表查询</a:t>
             </a:r>
-            <a:endParaRPr lang="zh-CN" altLang="en-US" sz="1200" dirty="0">
+            <a:endParaRPr lang="zh-CN" altLang="en-US" sz="1100" dirty="0">
               <a:latin typeface="微软雅黑" pitchFamily="34" charset="-122"/>
               <a:ea typeface="微软雅黑" pitchFamily="34" charset="-122"/>
             </a:endParaRPr>
@@ -9879,11 +9881,11 @@
           </a:fontRef>
         </p:style>
         <p:txBody>
-          <a:bodyPr rtlCol="0" anchor="ctr"/>
+          <a:bodyPr lIns="91406" tIns="45703" rIns="91406" bIns="45703" rtlCol="0" anchor="ctr"/>
           <a:lstStyle/>
           <a:p>
             <a:pPr algn="ctr"/>
-            <a:endParaRPr lang="zh-CN" altLang="en-US" sz="1200" dirty="0">
+            <a:endParaRPr lang="zh-CN" altLang="en-US" sz="1100" dirty="0">
               <a:latin typeface="微软雅黑" pitchFamily="34" charset="-122"/>
               <a:ea typeface="微软雅黑" pitchFamily="34" charset="-122"/>
             </a:endParaRPr>
@@ -9898,7 +9900,7 @@
         </p:nvSpPr>
         <p:spPr>
           <a:xfrm>
-            <a:off x="6310098" y="1972169"/>
+            <a:off x="6310098" y="1972170"/>
             <a:ext cx="1008112" cy="402282"/>
           </a:xfrm>
           <a:prstGeom prst="ellipse">
@@ -9936,11 +9938,11 @@
           </a:fontRef>
         </p:style>
         <p:txBody>
-          <a:bodyPr rtlCol="0" anchor="ctr"/>
+          <a:bodyPr lIns="91406" tIns="45703" rIns="91406" bIns="45703" rtlCol="0" anchor="ctr"/>
           <a:lstStyle/>
           <a:p>
             <a:pPr algn="ctr"/>
-            <a:endParaRPr lang="zh-CN" altLang="en-US" sz="1200" dirty="0">
+            <a:endParaRPr lang="zh-CN" altLang="en-US" sz="1100" dirty="0">
               <a:latin typeface="微软雅黑" pitchFamily="34" charset="-122"/>
               <a:ea typeface="微软雅黑" pitchFamily="34" charset="-122"/>
             </a:endParaRPr>
@@ -9955,8 +9957,8 @@
         </p:nvSpPr>
         <p:spPr>
           <a:xfrm>
-            <a:off x="6260156" y="1726991"/>
-            <a:ext cx="1107996" cy="276999"/>
+            <a:off x="6260157" y="1726992"/>
+            <a:ext cx="1030983" cy="261576"/>
           </a:xfrm>
           <a:prstGeom prst="rect">
             <a:avLst/>
@@ -9964,19 +9966,19 @@
           <a:noFill/>
         </p:spPr>
         <p:txBody>
-          <a:bodyPr wrap="none" rtlCol="0">
+          <a:bodyPr wrap="none" lIns="91406" tIns="45703" rIns="91406" bIns="45703" rtlCol="0">
             <a:spAutoFit/>
           </a:bodyPr>
           <a:lstStyle/>
           <a:p>
             <a:r>
-              <a:rPr lang="zh-CN" altLang="en-US" sz="1200" dirty="0" smtClean="0">
+              <a:rPr lang="zh-CN" altLang="en-US" sz="1100" dirty="0">
                 <a:latin typeface="微软雅黑" pitchFamily="34" charset="-122"/>
                 <a:ea typeface="微软雅黑" pitchFamily="34" charset="-122"/>
               </a:rPr>
               <a:t>班级考勤查询</a:t>
             </a:r>
-            <a:endParaRPr lang="zh-CN" altLang="en-US" sz="1200" dirty="0">
+            <a:endParaRPr lang="zh-CN" altLang="en-US" sz="1100" dirty="0">
               <a:latin typeface="微软雅黑" pitchFamily="34" charset="-122"/>
               <a:ea typeface="微软雅黑" pitchFamily="34" charset="-122"/>
             </a:endParaRPr>
@@ -9991,8 +9993,8 @@
         </p:nvSpPr>
         <p:spPr>
           <a:xfrm>
-            <a:off x="6260156" y="2403806"/>
-            <a:ext cx="1107996" cy="276999"/>
+            <a:off x="6260157" y="2403807"/>
+            <a:ext cx="1030983" cy="261576"/>
           </a:xfrm>
           <a:prstGeom prst="rect">
             <a:avLst/>
@@ -10000,19 +10002,19 @@
           <a:noFill/>
         </p:spPr>
         <p:txBody>
-          <a:bodyPr wrap="none" rtlCol="0">
+          <a:bodyPr wrap="none" lIns="91406" tIns="45703" rIns="91406" bIns="45703" rtlCol="0">
             <a:spAutoFit/>
           </a:bodyPr>
           <a:lstStyle/>
           <a:p>
             <a:r>
-              <a:rPr lang="zh-CN" altLang="en-US" sz="1200" dirty="0" smtClean="0">
+              <a:rPr lang="zh-CN" altLang="en-US" sz="1100" dirty="0">
                 <a:latin typeface="微软雅黑" pitchFamily="34" charset="-122"/>
                 <a:ea typeface="微软雅黑" pitchFamily="34" charset="-122"/>
               </a:rPr>
               <a:t>个人考勤查询</a:t>
             </a:r>
-            <a:endParaRPr lang="zh-CN" altLang="en-US" sz="1200" dirty="0">
+            <a:endParaRPr lang="zh-CN" altLang="en-US" sz="1100" dirty="0">
               <a:latin typeface="微软雅黑" pitchFamily="34" charset="-122"/>
               <a:ea typeface="微软雅黑" pitchFamily="34" charset="-122"/>
             </a:endParaRPr>
@@ -10030,7 +10032,7 @@
         </p:nvCxnSpPr>
         <p:spPr>
           <a:xfrm flipV="1">
-            <a:off x="5362751" y="224644"/>
+            <a:off x="5362751" y="224645"/>
             <a:ext cx="947347" cy="214005"/>
           </a:xfrm>
           <a:prstGeom prst="straightConnector1">
@@ -10066,7 +10068,7 @@
         </p:nvCxnSpPr>
         <p:spPr>
           <a:xfrm>
-            <a:off x="5362751" y="723105"/>
+            <a:off x="5362751" y="723107"/>
             <a:ext cx="947347" cy="137271"/>
           </a:xfrm>
           <a:prstGeom prst="straightConnector1">
@@ -10102,8 +10104,8 @@
         </p:nvCxnSpPr>
         <p:spPr>
           <a:xfrm>
-            <a:off x="5510386" y="1497250"/>
-            <a:ext cx="799712" cy="40328"/>
+            <a:off x="5510387" y="1497250"/>
+            <a:ext cx="799711" cy="40328"/>
           </a:xfrm>
           <a:prstGeom prst="straightConnector1">
             <a:avLst/>
@@ -10174,7 +10176,7 @@
         </p:nvCxnSpPr>
         <p:spPr>
           <a:xfrm flipV="1">
-            <a:off x="5362751" y="2910061"/>
+            <a:off x="5362751" y="2910063"/>
             <a:ext cx="947347" cy="177084"/>
           </a:xfrm>
           <a:prstGeom prst="straightConnector1">
@@ -10210,7 +10212,7 @@
         </p:nvCxnSpPr>
         <p:spPr>
           <a:xfrm>
-            <a:off x="5362751" y="3371601"/>
+            <a:off x="5362751" y="3371602"/>
             <a:ext cx="947347" cy="147459"/>
           </a:xfrm>
           <a:prstGeom prst="straightConnector1">
@@ -10282,7 +10284,7 @@
         </p:nvCxnSpPr>
         <p:spPr>
           <a:xfrm>
-            <a:off x="5362751" y="4648128"/>
+            <a:off x="5362751" y="4648131"/>
             <a:ext cx="947347" cy="152697"/>
           </a:xfrm>
           <a:prstGeom prst="straightConnector1">
@@ -10345,7 +10347,7 @@
         </p:nvSpPr>
         <p:spPr>
           <a:xfrm>
-            <a:off x="899592" y="548680"/>
+            <a:off x="899594" y="548682"/>
             <a:ext cx="1620000" cy="360040"/>
           </a:xfrm>
           <a:prstGeom prst="rect">
@@ -10383,12 +10385,12 @@
           </a:fontRef>
         </p:style>
         <p:txBody>
-          <a:bodyPr rtlCol="0" anchor="ctr"/>
+          <a:bodyPr lIns="91406" tIns="45703" rIns="91406" bIns="45703" rtlCol="0" anchor="ctr"/>
           <a:lstStyle/>
           <a:p>
             <a:pPr algn="ctr"/>
             <a:r>
-              <a:rPr lang="zh-CN" altLang="en-US" sz="1400" dirty="0" smtClean="0">
+              <a:rPr lang="zh-CN" altLang="en-US" sz="1400" dirty="0">
                 <a:solidFill>
                   <a:schemeClr val="tx1"/>
                 </a:solidFill>
@@ -10415,7 +10417,7 @@
         </p:nvSpPr>
         <p:spPr>
           <a:xfrm>
-            <a:off x="899592" y="1061120"/>
+            <a:off x="899594" y="1061122"/>
             <a:ext cx="1620000" cy="360040"/>
           </a:xfrm>
           <a:prstGeom prst="rect">
@@ -10453,12 +10455,12 @@
           </a:fontRef>
         </p:style>
         <p:txBody>
-          <a:bodyPr rtlCol="0" anchor="ctr"/>
+          <a:bodyPr lIns="91406" tIns="45703" rIns="91406" bIns="45703" rtlCol="0" anchor="ctr"/>
           <a:lstStyle/>
           <a:p>
             <a:pPr algn="ctr"/>
             <a:r>
-              <a:rPr lang="zh-CN" altLang="en-US" sz="1400" dirty="0" smtClean="0">
+              <a:rPr lang="zh-CN" altLang="en-US" sz="1400" dirty="0">
                 <a:solidFill>
                   <a:schemeClr val="tx1"/>
                 </a:solidFill>
@@ -10485,7 +10487,7 @@
         </p:nvSpPr>
         <p:spPr>
           <a:xfrm>
-            <a:off x="899592" y="1556792"/>
+            <a:off x="899594" y="1556792"/>
             <a:ext cx="1620000" cy="360040"/>
           </a:xfrm>
           <a:prstGeom prst="rect">
@@ -10523,12 +10525,12 @@
           </a:fontRef>
         </p:style>
         <p:txBody>
-          <a:bodyPr rtlCol="0" anchor="ctr"/>
+          <a:bodyPr lIns="91406" tIns="45703" rIns="91406" bIns="45703" rtlCol="0" anchor="ctr"/>
           <a:lstStyle/>
           <a:p>
             <a:pPr algn="ctr"/>
             <a:r>
-              <a:rPr lang="zh-CN" altLang="en-US" sz="1400" dirty="0" smtClean="0">
+              <a:rPr lang="zh-CN" altLang="en-US" sz="1400" dirty="0">
                 <a:solidFill>
                   <a:schemeClr val="tx1"/>
                 </a:solidFill>
@@ -10555,7 +10557,7 @@
         </p:nvSpPr>
         <p:spPr>
           <a:xfrm>
-            <a:off x="899592" y="2060848"/>
+            <a:off x="899594" y="2060849"/>
             <a:ext cx="1620000" cy="360040"/>
           </a:xfrm>
           <a:prstGeom prst="rect">
@@ -10593,12 +10595,12 @@
           </a:fontRef>
         </p:style>
         <p:txBody>
-          <a:bodyPr rtlCol="0" anchor="ctr"/>
+          <a:bodyPr lIns="91406" tIns="45703" rIns="91406" bIns="45703" rtlCol="0" anchor="ctr"/>
           <a:lstStyle/>
           <a:p>
             <a:pPr algn="ctr"/>
             <a:r>
-              <a:rPr lang="zh-CN" altLang="en-US" sz="1400" dirty="0" smtClean="0">
+              <a:rPr lang="zh-CN" altLang="en-US" sz="1400" dirty="0">
                 <a:solidFill>
                   <a:schemeClr val="tx1"/>
                 </a:solidFill>
@@ -10625,7 +10627,7 @@
         </p:nvSpPr>
         <p:spPr>
           <a:xfrm>
-            <a:off x="899592" y="2564904"/>
+            <a:off x="899594" y="2564905"/>
             <a:ext cx="1620000" cy="360040"/>
           </a:xfrm>
           <a:prstGeom prst="rect">
@@ -10663,12 +10665,12 @@
           </a:fontRef>
         </p:style>
         <p:txBody>
-          <a:bodyPr rtlCol="0" anchor="ctr"/>
+          <a:bodyPr lIns="91406" tIns="45703" rIns="91406" bIns="45703" rtlCol="0" anchor="ctr"/>
           <a:lstStyle/>
           <a:p>
             <a:pPr algn="ctr"/>
             <a:r>
-              <a:rPr lang="zh-CN" altLang="en-US" sz="1400" dirty="0" smtClean="0">
+              <a:rPr lang="zh-CN" altLang="en-US" sz="1400" dirty="0">
                 <a:solidFill>
                   <a:schemeClr val="tx1"/>
                 </a:solidFill>
@@ -10695,7 +10697,7 @@
         </p:nvSpPr>
         <p:spPr>
           <a:xfrm>
-            <a:off x="3491880" y="548680"/>
+            <a:off x="3491882" y="548682"/>
             <a:ext cx="1620000" cy="360040"/>
           </a:xfrm>
           <a:prstGeom prst="rect">
@@ -10733,7 +10735,7 @@
           </a:fontRef>
         </p:style>
         <p:txBody>
-          <a:bodyPr rtlCol="0" anchor="ctr"/>
+          <a:bodyPr lIns="91406" tIns="45703" rIns="91406" bIns="45703" rtlCol="0" anchor="ctr"/>
           <a:lstStyle/>
           <a:p>
             <a:pPr algn="ctr"/>
@@ -10765,7 +10767,7 @@
         </p:nvSpPr>
         <p:spPr>
           <a:xfrm>
-            <a:off x="3491880" y="1061120"/>
+            <a:off x="3491882" y="1061122"/>
             <a:ext cx="1620000" cy="360040"/>
           </a:xfrm>
           <a:prstGeom prst="rect">
@@ -10803,12 +10805,12 @@
           </a:fontRef>
         </p:style>
         <p:txBody>
-          <a:bodyPr rtlCol="0" anchor="ctr"/>
+          <a:bodyPr lIns="91406" tIns="45703" rIns="91406" bIns="45703" rtlCol="0" anchor="ctr"/>
           <a:lstStyle/>
           <a:p>
             <a:pPr algn="ctr"/>
             <a:r>
-              <a:rPr lang="en-US" altLang="zh-CN" sz="1100" dirty="0" smtClean="0">
+              <a:rPr lang="en-US" altLang="zh-CN" sz="1100" dirty="0">
                 <a:solidFill>
                   <a:schemeClr val="tx1"/>
                 </a:solidFill>
@@ -10818,7 +10820,7 @@
               <a:t>ThinkPHP</a:t>
             </a:r>
             <a:r>
-              <a:rPr lang="zh-CN" altLang="en-US" sz="1100" dirty="0" smtClean="0">
+              <a:rPr lang="zh-CN" altLang="en-US" sz="1100" dirty="0">
                 <a:solidFill>
                   <a:schemeClr val="tx1"/>
                 </a:solidFill>
@@ -10828,7 +10830,7 @@
               <a:t>的</a:t>
             </a:r>
             <a:r>
-              <a:rPr lang="en-US" altLang="zh-CN" sz="1100" dirty="0" smtClean="0">
+              <a:rPr lang="en-US" altLang="zh-CN" sz="1100" dirty="0">
                 <a:solidFill>
                   <a:schemeClr val="tx1"/>
                 </a:solidFill>
@@ -10855,7 +10857,7 @@
         </p:nvSpPr>
         <p:spPr>
           <a:xfrm>
-            <a:off x="3491880" y="1556792"/>
+            <a:off x="3491882" y="1556792"/>
             <a:ext cx="1620000" cy="360040"/>
           </a:xfrm>
           <a:prstGeom prst="rect">
@@ -10893,12 +10895,12 @@
           </a:fontRef>
         </p:style>
         <p:txBody>
-          <a:bodyPr rtlCol="0" anchor="ctr"/>
+          <a:bodyPr lIns="91406" tIns="45703" rIns="91406" bIns="45703" rtlCol="0" anchor="ctr"/>
           <a:lstStyle/>
           <a:p>
             <a:pPr algn="ctr"/>
             <a:r>
-              <a:rPr lang="en-US" altLang="zh-CN" sz="1100" dirty="0" smtClean="0">
+              <a:rPr lang="en-US" altLang="zh-CN" sz="1100" dirty="0">
                 <a:solidFill>
                   <a:schemeClr val="tx1"/>
                 </a:solidFill>
@@ -10908,7 +10910,7 @@
               <a:t>ThinkPHP</a:t>
             </a:r>
             <a:r>
-              <a:rPr lang="zh-CN" altLang="en-US" sz="1100" dirty="0" smtClean="0">
+              <a:rPr lang="zh-CN" altLang="en-US" sz="1100" dirty="0">
                 <a:solidFill>
                   <a:schemeClr val="tx1"/>
                 </a:solidFill>
@@ -10918,7 +10920,7 @@
               <a:t>的</a:t>
             </a:r>
             <a:r>
-              <a:rPr lang="en-US" altLang="zh-CN" sz="1100" dirty="0" smtClean="0">
+              <a:rPr lang="en-US" altLang="zh-CN" sz="1100" dirty="0">
                 <a:solidFill>
                   <a:schemeClr val="tx1"/>
                 </a:solidFill>
@@ -10938,7 +10940,7 @@
         </p:nvSpPr>
         <p:spPr>
           <a:xfrm>
-            <a:off x="3491880" y="2060848"/>
+            <a:off x="3491882" y="2060849"/>
             <a:ext cx="1620000" cy="360040"/>
           </a:xfrm>
           <a:prstGeom prst="rect">
@@ -10976,12 +10978,12 @@
           </a:fontRef>
         </p:style>
         <p:txBody>
-          <a:bodyPr rtlCol="0" anchor="ctr"/>
+          <a:bodyPr lIns="91406" tIns="45703" rIns="91406" bIns="45703" rtlCol="0" anchor="ctr"/>
           <a:lstStyle/>
           <a:p>
             <a:pPr algn="ctr"/>
             <a:r>
-              <a:rPr lang="en-US" altLang="zh-CN" sz="1200" dirty="0" smtClean="0">
+              <a:rPr lang="en-US" altLang="zh-CN" sz="1100" dirty="0">
                 <a:solidFill>
                   <a:schemeClr val="tx1"/>
                 </a:solidFill>
@@ -10991,7 +10993,7 @@
               <a:t>ThinkPHP</a:t>
             </a:r>
             <a:r>
-              <a:rPr lang="zh-CN" altLang="en-US" sz="1200" dirty="0" smtClean="0">
+              <a:rPr lang="zh-CN" altLang="en-US" sz="1100" dirty="0">
                 <a:solidFill>
                   <a:schemeClr val="tx1"/>
                 </a:solidFill>
@@ -11001,7 +11003,7 @@
               <a:t>的</a:t>
             </a:r>
             <a:r>
-              <a:rPr lang="en-US" altLang="zh-CN" sz="1200" dirty="0" smtClean="0">
+              <a:rPr lang="en-US" altLang="zh-CN" sz="1100" dirty="0">
                 <a:solidFill>
                   <a:schemeClr val="tx1"/>
                 </a:solidFill>
@@ -11010,7 +11012,7 @@
               </a:rPr>
               <a:t>ORM</a:t>
             </a:r>
-            <a:endParaRPr lang="zh-CN" altLang="en-US" sz="1200" dirty="0">
+            <a:endParaRPr lang="zh-CN" altLang="en-US" sz="1100" dirty="0">
               <a:solidFill>
                 <a:schemeClr val="tx1"/>
               </a:solidFill>
@@ -11028,7 +11030,7 @@
         </p:nvSpPr>
         <p:spPr>
           <a:xfrm>
-            <a:off x="3491880" y="2564904"/>
+            <a:off x="3491882" y="2564905"/>
             <a:ext cx="1620000" cy="360040"/>
           </a:xfrm>
           <a:prstGeom prst="rect">
@@ -11066,12 +11068,12 @@
           </a:fontRef>
         </p:style>
         <p:txBody>
-          <a:bodyPr rtlCol="0" anchor="ctr"/>
+          <a:bodyPr lIns="91406" tIns="45703" rIns="91406" bIns="45703" rtlCol="0" anchor="ctr"/>
           <a:lstStyle/>
           <a:p>
             <a:pPr algn="ctr"/>
             <a:r>
-              <a:rPr lang="en-US" altLang="zh-CN" sz="1400" dirty="0" smtClean="0">
+              <a:rPr lang="en-US" altLang="zh-CN" sz="1400" dirty="0">
                 <a:solidFill>
                   <a:schemeClr val="tx1"/>
                 </a:solidFill>
@@ -11101,7 +11103,7 @@
         </p:nvCxnSpPr>
         <p:spPr>
           <a:xfrm>
-            <a:off x="2519592" y="728700"/>
+            <a:off x="2519594" y="728700"/>
             <a:ext cx="972288" cy="0"/>
           </a:xfrm>
           <a:prstGeom prst="straightConnector1">
@@ -11143,7 +11145,7 @@
         </p:nvCxnSpPr>
         <p:spPr>
           <a:xfrm>
-            <a:off x="2519592" y="1241140"/>
+            <a:off x="2519594" y="1241140"/>
             <a:ext cx="972288" cy="0"/>
           </a:xfrm>
           <a:prstGeom prst="straightConnector1">
@@ -11185,7 +11187,7 @@
         </p:nvCxnSpPr>
         <p:spPr>
           <a:xfrm>
-            <a:off x="2519592" y="1736812"/>
+            <a:off x="2519594" y="1736812"/>
             <a:ext cx="972288" cy="0"/>
           </a:xfrm>
           <a:prstGeom prst="straightConnector1">
@@ -11226,7 +11228,7 @@
         </p:nvCxnSpPr>
         <p:spPr>
           <a:xfrm>
-            <a:off x="2519592" y="2240868"/>
+            <a:off x="2519594" y="2240868"/>
             <a:ext cx="972288" cy="0"/>
           </a:xfrm>
           <a:prstGeom prst="straightConnector1">
@@ -11268,7 +11270,7 @@
         </p:nvCxnSpPr>
         <p:spPr>
           <a:xfrm>
-            <a:off x="2519592" y="2744924"/>
+            <a:off x="2519594" y="2744924"/>
             <a:ext cx="972288" cy="0"/>
           </a:xfrm>
           <a:prstGeom prst="straightConnector1">
@@ -11337,7 +11339,7 @@
         </p:nvSpPr>
         <p:spPr>
           <a:xfrm>
-            <a:off x="3851920" y="1988840"/>
+            <a:off x="3851919" y="1988840"/>
             <a:ext cx="1152128" cy="432048"/>
           </a:xfrm>
           <a:prstGeom prst="rect">
@@ -11375,7 +11377,7 @@
           </a:fontRef>
         </p:style>
         <p:txBody>
-          <a:bodyPr rtlCol="0" anchor="ctr"/>
+          <a:bodyPr lIns="91406" tIns="45703" rIns="91406" bIns="45703" rtlCol="0" anchor="ctr"/>
           <a:lstStyle/>
           <a:p>
             <a:pPr algn="ctr"/>
@@ -11407,8 +11409,8 @@
         </p:nvSpPr>
         <p:spPr>
           <a:xfrm>
-            <a:off x="1403648" y="2924944"/>
-            <a:ext cx="1224136" cy="648072"/>
+            <a:off x="1403650" y="2924946"/>
+            <a:ext cx="1224136" cy="648071"/>
           </a:xfrm>
           <a:prstGeom prst="ellipse">
             <a:avLst/>
@@ -11445,7 +11447,7 @@
           </a:fontRef>
         </p:style>
         <p:txBody>
-          <a:bodyPr rtlCol="0" anchor="ctr"/>
+          <a:bodyPr lIns="91406" tIns="45703" rIns="91406" bIns="45703" rtlCol="0" anchor="ctr"/>
           <a:lstStyle/>
           <a:p>
             <a:pPr algn="ctr"/>
@@ -11477,8 +11479,8 @@
         </p:nvSpPr>
         <p:spPr>
           <a:xfrm>
-            <a:off x="2627784" y="3723506"/>
-            <a:ext cx="1224136" cy="648072"/>
+            <a:off x="2627785" y="3723508"/>
+            <a:ext cx="1224136" cy="648071"/>
           </a:xfrm>
           <a:prstGeom prst="ellipse">
             <a:avLst/>
@@ -11515,7 +11517,7 @@
           </a:fontRef>
         </p:style>
         <p:txBody>
-          <a:bodyPr rtlCol="0" anchor="ctr"/>
+          <a:bodyPr lIns="91406" tIns="45703" rIns="91406" bIns="45703" rtlCol="0" anchor="ctr"/>
           <a:lstStyle/>
           <a:p>
             <a:pPr algn="ctr"/>
@@ -11547,8 +11549,8 @@
         </p:nvSpPr>
         <p:spPr>
           <a:xfrm>
-            <a:off x="6012160" y="2924944"/>
-            <a:ext cx="1224136" cy="648072"/>
+            <a:off x="6012162" y="2924946"/>
+            <a:ext cx="1224136" cy="648071"/>
           </a:xfrm>
           <a:prstGeom prst="ellipse">
             <a:avLst/>
@@ -11585,7 +11587,7 @@
           </a:fontRef>
         </p:style>
         <p:txBody>
-          <a:bodyPr rtlCol="0" anchor="ctr"/>
+          <a:bodyPr lIns="91406" tIns="45703" rIns="91406" bIns="45703" rtlCol="0" anchor="ctr"/>
           <a:lstStyle/>
           <a:p>
             <a:pPr algn="ctr"/>
@@ -11617,8 +11619,8 @@
         </p:nvSpPr>
         <p:spPr>
           <a:xfrm>
-            <a:off x="5004048" y="3723506"/>
-            <a:ext cx="1224136" cy="648072"/>
+            <a:off x="5004049" y="3723508"/>
+            <a:ext cx="1224136" cy="648071"/>
           </a:xfrm>
           <a:prstGeom prst="ellipse">
             <a:avLst/>
@@ -11655,7 +11657,7 @@
           </a:fontRef>
         </p:style>
         <p:txBody>
-          <a:bodyPr rtlCol="0" anchor="ctr"/>
+          <a:bodyPr lIns="91406" tIns="45703" rIns="91406" bIns="45703" rtlCol="0" anchor="ctr"/>
           <a:lstStyle/>
           <a:p>
             <a:pPr algn="ctr"/>
@@ -11689,8 +11691,8 @@
         </p:nvCxnSpPr>
         <p:spPr>
           <a:xfrm flipH="1">
-            <a:off x="2448513" y="2420888"/>
-            <a:ext cx="1619431" cy="598964"/>
+            <a:off x="2448516" y="2420890"/>
+            <a:ext cx="1619431" cy="598963"/>
           </a:xfrm>
           <a:prstGeom prst="line">
             <a:avLst/>
@@ -11721,7 +11723,7 @@
         </p:nvCxnSpPr>
         <p:spPr>
           <a:xfrm flipH="1">
-            <a:off x="3239852" y="2420888"/>
+            <a:off x="3239852" y="2420891"/>
             <a:ext cx="972108" cy="1302618"/>
           </a:xfrm>
           <a:prstGeom prst="line">
@@ -11753,7 +11755,7 @@
         </p:nvCxnSpPr>
         <p:spPr>
           <a:xfrm>
-            <a:off x="4644008" y="2420888"/>
+            <a:off x="4644008" y="2420891"/>
             <a:ext cx="972108" cy="1302618"/>
           </a:xfrm>
           <a:prstGeom prst="line">
@@ -11785,8 +11787,8 @@
         </p:nvCxnSpPr>
         <p:spPr>
           <a:xfrm>
-            <a:off x="4860032" y="2420888"/>
-            <a:ext cx="1331399" cy="598964"/>
+            <a:off x="4860032" y="2420890"/>
+            <a:ext cx="1331399" cy="598963"/>
           </a:xfrm>
           <a:prstGeom prst="line">
             <a:avLst/>
@@ -11845,7 +11847,7 @@
         </p:nvSpPr>
         <p:spPr>
           <a:xfrm>
-            <a:off x="3851920" y="3926582"/>
+            <a:off x="3851919" y="3926581"/>
             <a:ext cx="1152128" cy="432048"/>
           </a:xfrm>
           <a:prstGeom prst="rect">
@@ -11883,7 +11885,7 @@
           </a:fontRef>
         </p:style>
         <p:txBody>
-          <a:bodyPr rtlCol="0" anchor="ctr"/>
+          <a:bodyPr lIns="91406" tIns="45703" rIns="91406" bIns="45703" rtlCol="0" anchor="ctr"/>
           <a:lstStyle/>
           <a:p>
             <a:pPr algn="ctr"/>
@@ -11908,8 +11910,8 @@
         </p:nvSpPr>
         <p:spPr>
           <a:xfrm>
-            <a:off x="1619672" y="5300328"/>
-            <a:ext cx="1224136" cy="648072"/>
+            <a:off x="1619674" y="5300328"/>
+            <a:ext cx="1224136" cy="648071"/>
           </a:xfrm>
           <a:prstGeom prst="ellipse">
             <a:avLst/>
@@ -11946,7 +11948,7 @@
           </a:fontRef>
         </p:style>
         <p:txBody>
-          <a:bodyPr rtlCol="0" anchor="ctr"/>
+          <a:bodyPr lIns="91406" tIns="45703" rIns="91406" bIns="45703" rtlCol="0" anchor="ctr"/>
           <a:lstStyle/>
           <a:p>
             <a:pPr algn="ctr"/>
@@ -11978,8 +11980,8 @@
         </p:nvSpPr>
         <p:spPr>
           <a:xfrm>
-            <a:off x="2843808" y="5805264"/>
-            <a:ext cx="1224136" cy="648072"/>
+            <a:off x="2843810" y="5805266"/>
+            <a:ext cx="1224136" cy="648071"/>
           </a:xfrm>
           <a:prstGeom prst="ellipse">
             <a:avLst/>
@@ -12016,7 +12018,7 @@
           </a:fontRef>
         </p:style>
         <p:txBody>
-          <a:bodyPr rtlCol="0" anchor="ctr"/>
+          <a:bodyPr lIns="91406" tIns="45703" rIns="91406" bIns="45703" rtlCol="0" anchor="ctr"/>
           <a:lstStyle/>
           <a:p>
             <a:pPr algn="ctr"/>
@@ -12048,8 +12050,8 @@
         </p:nvSpPr>
         <p:spPr>
           <a:xfrm>
-            <a:off x="7524328" y="2996952"/>
-            <a:ext cx="1224136" cy="648072"/>
+            <a:off x="7524330" y="2996953"/>
+            <a:ext cx="1224136" cy="648071"/>
           </a:xfrm>
           <a:prstGeom prst="ellipse">
             <a:avLst/>
@@ -12086,7 +12088,7 @@
           </a:fontRef>
         </p:style>
         <p:txBody>
-          <a:bodyPr rtlCol="0" anchor="ctr"/>
+          <a:bodyPr lIns="91406" tIns="45703" rIns="91406" bIns="45703" rtlCol="0" anchor="ctr"/>
           <a:lstStyle/>
           <a:p>
             <a:pPr algn="ctr"/>
@@ -12118,8 +12120,8 @@
         </p:nvSpPr>
         <p:spPr>
           <a:xfrm>
-            <a:off x="5652120" y="5805264"/>
-            <a:ext cx="1224136" cy="648072"/>
+            <a:off x="5652122" y="5805266"/>
+            <a:ext cx="1224136" cy="648071"/>
           </a:xfrm>
           <a:prstGeom prst="ellipse">
             <a:avLst/>
@@ -12156,7 +12158,7 @@
           </a:fontRef>
         </p:style>
         <p:txBody>
-          <a:bodyPr rtlCol="0" anchor="ctr"/>
+          <a:bodyPr lIns="91406" tIns="45703" rIns="91406" bIns="45703" rtlCol="0" anchor="ctr"/>
           <a:lstStyle/>
           <a:p>
             <a:pPr algn="ctr"/>
@@ -12188,8 +12190,8 @@
         </p:nvSpPr>
         <p:spPr>
           <a:xfrm>
-            <a:off x="4211960" y="5922107"/>
-            <a:ext cx="1224136" cy="648072"/>
+            <a:off x="4211961" y="5922107"/>
+            <a:ext cx="1224136" cy="648071"/>
           </a:xfrm>
           <a:prstGeom prst="ellipse">
             <a:avLst/>
@@ -12226,7 +12228,7 @@
           </a:fontRef>
         </p:style>
         <p:txBody>
-          <a:bodyPr rtlCol="0" anchor="ctr"/>
+          <a:bodyPr lIns="91406" tIns="45703" rIns="91406" bIns="45703" rtlCol="0" anchor="ctr"/>
           <a:lstStyle/>
           <a:p>
             <a:pPr algn="ctr"/>
@@ -12258,8 +12260,8 @@
         </p:nvSpPr>
         <p:spPr>
           <a:xfrm>
-            <a:off x="755576" y="2945346"/>
-            <a:ext cx="1224136" cy="648072"/>
+            <a:off x="755577" y="2945348"/>
+            <a:ext cx="1224136" cy="648071"/>
           </a:xfrm>
           <a:prstGeom prst="ellipse">
             <a:avLst/>
@@ -12296,12 +12298,12 @@
           </a:fontRef>
         </p:style>
         <p:txBody>
-          <a:bodyPr rtlCol="0" anchor="ctr"/>
+          <a:bodyPr lIns="91406" tIns="45703" rIns="91406" bIns="45703" rtlCol="0" anchor="ctr"/>
           <a:lstStyle/>
           <a:p>
             <a:pPr algn="ctr"/>
             <a:r>
-              <a:rPr lang="zh-CN" altLang="en-US" sz="1400" dirty="0" smtClean="0">
+              <a:rPr lang="zh-CN" altLang="en-US" sz="1400" dirty="0">
                 <a:solidFill>
                   <a:schemeClr val="tx1"/>
                 </a:solidFill>
@@ -12328,8 +12330,8 @@
         </p:nvSpPr>
         <p:spPr>
           <a:xfrm>
-            <a:off x="1547664" y="2270473"/>
-            <a:ext cx="1224136" cy="648072"/>
+            <a:off x="1547665" y="2270473"/>
+            <a:ext cx="1224136" cy="648071"/>
           </a:xfrm>
           <a:prstGeom prst="ellipse">
             <a:avLst/>
@@ -12366,12 +12368,12 @@
           </a:fontRef>
         </p:style>
         <p:txBody>
-          <a:bodyPr rtlCol="0" anchor="ctr"/>
+          <a:bodyPr lIns="91406" tIns="45703" rIns="91406" bIns="45703" rtlCol="0" anchor="ctr"/>
           <a:lstStyle/>
           <a:p>
             <a:pPr algn="ctr"/>
             <a:r>
-              <a:rPr lang="zh-CN" altLang="en-US" sz="1400" dirty="0" smtClean="0">
+              <a:rPr lang="zh-CN" altLang="en-US" sz="1400" dirty="0">
                 <a:solidFill>
                   <a:schemeClr val="tx1"/>
                 </a:solidFill>
@@ -12398,8 +12400,8 @@
         </p:nvSpPr>
         <p:spPr>
           <a:xfrm>
-            <a:off x="2555776" y="1739058"/>
-            <a:ext cx="1224136" cy="648072"/>
+            <a:off x="2555778" y="1739058"/>
+            <a:ext cx="1224136" cy="648071"/>
           </a:xfrm>
           <a:prstGeom prst="ellipse">
             <a:avLst/>
@@ -12436,12 +12438,12 @@
           </a:fontRef>
         </p:style>
         <p:txBody>
-          <a:bodyPr rtlCol="0" anchor="ctr"/>
+          <a:bodyPr lIns="91406" tIns="45703" rIns="91406" bIns="45703" rtlCol="0" anchor="ctr"/>
           <a:lstStyle/>
           <a:p>
             <a:pPr algn="ctr"/>
             <a:r>
-              <a:rPr lang="zh-CN" altLang="en-US" sz="1400" dirty="0" smtClean="0">
+              <a:rPr lang="zh-CN" altLang="en-US" sz="1400" dirty="0">
                 <a:solidFill>
                   <a:schemeClr val="tx1"/>
                 </a:solidFill>
@@ -12468,8 +12470,8 @@
         </p:nvSpPr>
         <p:spPr>
           <a:xfrm>
-            <a:off x="3865823" y="1484784"/>
-            <a:ext cx="1224136" cy="648072"/>
+            <a:off x="3865824" y="1484785"/>
+            <a:ext cx="1224136" cy="648071"/>
           </a:xfrm>
           <a:prstGeom prst="ellipse">
             <a:avLst/>
@@ -12506,7 +12508,7 @@
           </a:fontRef>
         </p:style>
         <p:txBody>
-          <a:bodyPr rtlCol="0" anchor="ctr"/>
+          <a:bodyPr lIns="91406" tIns="45703" rIns="91406" bIns="45703" rtlCol="0" anchor="ctr"/>
           <a:lstStyle/>
           <a:p>
             <a:pPr algn="ctr"/>
@@ -12538,8 +12540,8 @@
         </p:nvSpPr>
         <p:spPr>
           <a:xfrm>
-            <a:off x="5364088" y="1808820"/>
-            <a:ext cx="1224136" cy="648072"/>
+            <a:off x="5364090" y="1808821"/>
+            <a:ext cx="1224136" cy="648071"/>
           </a:xfrm>
           <a:prstGeom prst="ellipse">
             <a:avLst/>
@@ -12576,7 +12578,7 @@
           </a:fontRef>
         </p:style>
         <p:txBody>
-          <a:bodyPr rtlCol="0" anchor="ctr"/>
+          <a:bodyPr lIns="91406" tIns="45703" rIns="91406" bIns="45703" rtlCol="0" anchor="ctr"/>
           <a:lstStyle/>
           <a:p>
             <a:pPr algn="ctr"/>
@@ -12608,8 +12610,8 @@
         </p:nvSpPr>
         <p:spPr>
           <a:xfrm>
-            <a:off x="7906866" y="3818570"/>
-            <a:ext cx="1224136" cy="648072"/>
+            <a:off x="7906867" y="3818571"/>
+            <a:ext cx="1224136" cy="648071"/>
           </a:xfrm>
           <a:prstGeom prst="ellipse">
             <a:avLst/>
@@ -12646,7 +12648,7 @@
           </a:fontRef>
         </p:style>
         <p:txBody>
-          <a:bodyPr rtlCol="0" anchor="ctr"/>
+          <a:bodyPr lIns="91406" tIns="45703" rIns="91406" bIns="45703" rtlCol="0" anchor="ctr"/>
           <a:lstStyle/>
           <a:p>
             <a:pPr algn="ctr"/>
@@ -12678,8 +12680,8 @@
         </p:nvSpPr>
         <p:spPr>
           <a:xfrm>
-            <a:off x="7740352" y="4685903"/>
-            <a:ext cx="1224136" cy="648072"/>
+            <a:off x="7740354" y="4685904"/>
+            <a:ext cx="1224136" cy="648071"/>
           </a:xfrm>
           <a:prstGeom prst="ellipse">
             <a:avLst/>
@@ -12716,7 +12718,7 @@
           </a:fontRef>
         </p:style>
         <p:txBody>
-          <a:bodyPr rtlCol="0" anchor="ctr"/>
+          <a:bodyPr lIns="91406" tIns="45703" rIns="91406" bIns="45703" rtlCol="0" anchor="ctr"/>
           <a:lstStyle/>
           <a:p>
             <a:pPr algn="ctr"/>
@@ -12748,8 +12750,8 @@
         </p:nvSpPr>
         <p:spPr>
           <a:xfrm>
-            <a:off x="6742876" y="5300328"/>
-            <a:ext cx="1224136" cy="648072"/>
+            <a:off x="6742878" y="5300328"/>
+            <a:ext cx="1224136" cy="648071"/>
           </a:xfrm>
           <a:prstGeom prst="ellipse">
             <a:avLst/>
@@ -12786,7 +12788,7 @@
           </a:fontRef>
         </p:style>
         <p:txBody>
-          <a:bodyPr rtlCol="0" anchor="ctr"/>
+          <a:bodyPr lIns="91406" tIns="45703" rIns="91406" bIns="45703" rtlCol="0" anchor="ctr"/>
           <a:lstStyle/>
           <a:p>
             <a:pPr algn="ctr"/>
@@ -12811,8 +12813,8 @@
         </p:nvSpPr>
         <p:spPr>
           <a:xfrm>
-            <a:off x="6696895" y="2293343"/>
-            <a:ext cx="1224136" cy="648072"/>
+            <a:off x="6696898" y="2293344"/>
+            <a:ext cx="1224136" cy="648071"/>
           </a:xfrm>
           <a:prstGeom prst="ellipse">
             <a:avLst/>
@@ -12849,7 +12851,7 @@
           </a:fontRef>
         </p:style>
         <p:txBody>
-          <a:bodyPr rtlCol="0" anchor="ctr"/>
+          <a:bodyPr lIns="91406" tIns="45703" rIns="91406" bIns="45703" rtlCol="0" anchor="ctr"/>
           <a:lstStyle/>
           <a:p>
             <a:pPr algn="ctr"/>
@@ -12881,8 +12883,8 @@
         </p:nvSpPr>
         <p:spPr>
           <a:xfrm>
-            <a:off x="11341378" y="4652256"/>
-            <a:ext cx="1224136" cy="648072"/>
+            <a:off x="11341380" y="4652258"/>
+            <a:ext cx="1224136" cy="648071"/>
           </a:xfrm>
           <a:prstGeom prst="ellipse">
             <a:avLst/>
@@ -12919,7 +12921,7 @@
           </a:fontRef>
         </p:style>
         <p:txBody>
-          <a:bodyPr rtlCol="0" anchor="ctr"/>
+          <a:bodyPr lIns="91406" tIns="45703" rIns="91406" bIns="45703" rtlCol="0" anchor="ctr"/>
           <a:lstStyle/>
           <a:p>
             <a:pPr algn="ctr"/>
@@ -12951,8 +12953,8 @@
         </p:nvSpPr>
         <p:spPr>
           <a:xfrm>
-            <a:off x="10061861" y="4685048"/>
-            <a:ext cx="1224136" cy="648072"/>
+            <a:off x="10061862" y="4685049"/>
+            <a:ext cx="1224136" cy="648071"/>
           </a:xfrm>
           <a:prstGeom prst="ellipse">
             <a:avLst/>
@@ -12989,7 +12991,7 @@
           </a:fontRef>
         </p:style>
         <p:txBody>
-          <a:bodyPr rtlCol="0" anchor="ctr"/>
+          <a:bodyPr lIns="91406" tIns="45703" rIns="91406" bIns="45703" rtlCol="0" anchor="ctr"/>
           <a:lstStyle/>
           <a:p>
             <a:pPr algn="ctr"/>
@@ -13021,8 +13023,8 @@
         </p:nvSpPr>
         <p:spPr>
           <a:xfrm>
-            <a:off x="968549" y="4647431"/>
-            <a:ext cx="1224136" cy="648072"/>
+            <a:off x="968551" y="4647432"/>
+            <a:ext cx="1224136" cy="648071"/>
           </a:xfrm>
           <a:prstGeom prst="ellipse">
             <a:avLst/>
@@ -13059,7 +13061,7 @@
           </a:fontRef>
         </p:style>
         <p:txBody>
-          <a:bodyPr rtlCol="0" anchor="ctr"/>
+          <a:bodyPr lIns="91406" tIns="45703" rIns="91406" bIns="45703" rtlCol="0" anchor="ctr"/>
           <a:lstStyle/>
           <a:p>
             <a:pPr algn="ctr"/>
@@ -13091,8 +13093,8 @@
         </p:nvSpPr>
         <p:spPr>
           <a:xfrm>
-            <a:off x="468689" y="3807904"/>
-            <a:ext cx="1224136" cy="648072"/>
+            <a:off x="468691" y="3807905"/>
+            <a:ext cx="1224136" cy="648071"/>
           </a:xfrm>
           <a:prstGeom prst="ellipse">
             <a:avLst/>
@@ -13129,12 +13131,12 @@
           </a:fontRef>
         </p:style>
         <p:txBody>
-          <a:bodyPr rtlCol="0" anchor="ctr"/>
+          <a:bodyPr lIns="91406" tIns="45703" rIns="91406" bIns="45703" rtlCol="0" anchor="ctr"/>
           <a:lstStyle/>
           <a:p>
             <a:pPr algn="ctr"/>
             <a:r>
-              <a:rPr lang="zh-CN" altLang="en-US" sz="1400" dirty="0" smtClean="0">
+              <a:rPr lang="zh-CN" altLang="en-US" sz="1400" dirty="0">
                 <a:solidFill>
                   <a:schemeClr val="tx1"/>
                 </a:solidFill>
@@ -13164,8 +13166,8 @@
         </p:nvCxnSpPr>
         <p:spPr>
           <a:xfrm flipV="1">
-            <a:off x="5004048" y="3320988"/>
-            <a:ext cx="2520280" cy="821618"/>
+            <a:off x="5004048" y="3320990"/>
+            <a:ext cx="2520281" cy="821617"/>
           </a:xfrm>
           <a:prstGeom prst="line">
             <a:avLst/>
@@ -13197,7 +13199,7 @@
         </p:nvCxnSpPr>
         <p:spPr>
           <a:xfrm>
-            <a:off x="5004048" y="4142606"/>
+            <a:off x="5004049" y="4142605"/>
             <a:ext cx="2902818" cy="0"/>
           </a:xfrm>
           <a:prstGeom prst="line">
@@ -13230,7 +13232,7 @@
         </p:nvCxnSpPr>
         <p:spPr>
           <a:xfrm>
-            <a:off x="5004048" y="4142606"/>
+            <a:off x="5004048" y="4142607"/>
             <a:ext cx="2736304" cy="867333"/>
           </a:xfrm>
           <a:prstGeom prst="line">
@@ -13263,8 +13265,8 @@
         </p:nvCxnSpPr>
         <p:spPr>
           <a:xfrm flipV="1">
-            <a:off x="5004048" y="2846507"/>
-            <a:ext cx="1872118" cy="1296099"/>
+            <a:off x="5004050" y="2846508"/>
+            <a:ext cx="1872119" cy="1296099"/>
           </a:xfrm>
           <a:prstGeom prst="line">
             <a:avLst/>
@@ -13296,7 +13298,7 @@
         </p:nvCxnSpPr>
         <p:spPr>
           <a:xfrm>
-            <a:off x="5004048" y="4142606"/>
+            <a:off x="5004051" y="4142607"/>
             <a:ext cx="1918099" cy="1252630"/>
           </a:xfrm>
           <a:prstGeom prst="line">
@@ -13329,7 +13331,7 @@
         </p:nvCxnSpPr>
         <p:spPr>
           <a:xfrm>
-            <a:off x="4427984" y="4358630"/>
+            <a:off x="4427985" y="4358630"/>
             <a:ext cx="1403407" cy="1541542"/>
           </a:xfrm>
           <a:prstGeom prst="line">
@@ -13362,8 +13364,8 @@
         </p:nvCxnSpPr>
         <p:spPr>
           <a:xfrm>
-            <a:off x="4427984" y="4358630"/>
-            <a:ext cx="396044" cy="1563477"/>
+            <a:off x="4427988" y="4358629"/>
+            <a:ext cx="396043" cy="1563478"/>
           </a:xfrm>
           <a:prstGeom prst="line">
             <a:avLst/>
@@ -13395,7 +13397,7 @@
         </p:nvCxnSpPr>
         <p:spPr>
           <a:xfrm flipH="1">
-            <a:off x="3455876" y="4358630"/>
+            <a:off x="3455876" y="4358631"/>
             <a:ext cx="972108" cy="1446634"/>
           </a:xfrm>
           <a:prstGeom prst="line">
@@ -13428,7 +13430,7 @@
         </p:nvCxnSpPr>
         <p:spPr>
           <a:xfrm flipH="1">
-            <a:off x="2664537" y="4142606"/>
+            <a:off x="2664539" y="4142607"/>
             <a:ext cx="1187383" cy="1252630"/>
           </a:xfrm>
           <a:prstGeom prst="line">
@@ -13461,7 +13463,7 @@
         </p:nvCxnSpPr>
         <p:spPr>
           <a:xfrm flipH="1">
-            <a:off x="2013414" y="4142606"/>
+            <a:off x="2013414" y="4142608"/>
             <a:ext cx="1838506" cy="599733"/>
           </a:xfrm>
           <a:prstGeom prst="line">
@@ -13494,8 +13496,8 @@
         </p:nvCxnSpPr>
         <p:spPr>
           <a:xfrm flipH="1" flipV="1">
-            <a:off x="1692825" y="4131940"/>
-            <a:ext cx="2159095" cy="10666"/>
+            <a:off x="1692825" y="4131941"/>
+            <a:ext cx="2159094" cy="10665"/>
           </a:xfrm>
           <a:prstGeom prst="line">
             <a:avLst/>
@@ -13527,7 +13529,7 @@
         </p:nvCxnSpPr>
         <p:spPr>
           <a:xfrm>
-            <a:off x="1979712" y="3269382"/>
+            <a:off x="1979714" y="3269383"/>
             <a:ext cx="1872208" cy="873224"/>
           </a:xfrm>
           <a:prstGeom prst="line">
@@ -13560,8 +13562,8 @@
         </p:nvCxnSpPr>
         <p:spPr>
           <a:xfrm>
-            <a:off x="2592529" y="2823637"/>
-            <a:ext cx="1259391" cy="1318969"/>
+            <a:off x="2592529" y="2823638"/>
+            <a:ext cx="1259392" cy="1318968"/>
           </a:xfrm>
           <a:prstGeom prst="line">
             <a:avLst/>
@@ -13593,7 +13595,7 @@
         </p:nvCxnSpPr>
         <p:spPr>
           <a:xfrm>
-            <a:off x="3167844" y="2387130"/>
+            <a:off x="3167846" y="2387133"/>
             <a:ext cx="1260140" cy="1539452"/>
           </a:xfrm>
           <a:prstGeom prst="line">
@@ -13626,8 +13628,8 @@
         </p:nvCxnSpPr>
         <p:spPr>
           <a:xfrm flipH="1">
-            <a:off x="4427984" y="2132856"/>
-            <a:ext cx="49907" cy="1793726"/>
+            <a:off x="4427985" y="2132858"/>
+            <a:ext cx="49906" cy="1793726"/>
           </a:xfrm>
           <a:prstGeom prst="line">
             <a:avLst/>
@@ -13659,8 +13661,8 @@
         </p:nvCxnSpPr>
         <p:spPr>
           <a:xfrm flipH="1">
-            <a:off x="4427984" y="2361984"/>
-            <a:ext cx="1115375" cy="1564598"/>
+            <a:off x="4427987" y="2361985"/>
+            <a:ext cx="1115375" cy="1564597"/>
           </a:xfrm>
           <a:prstGeom prst="line">
             <a:avLst/>
@@ -13691,6 +13693,4475 @@
   <p:clrMapOvr>
     <a:masterClrMapping/>
   </p:clrMapOvr>
+</p:sld>
+</file>
+
+<file path=ppt/slides/slide7.xml><?xml version="1.0" encoding="utf-8"?>
+<p:sld xmlns:a="http://schemas.openxmlformats.org/drawingml/2006/main" xmlns:r="http://schemas.openxmlformats.org/officeDocument/2006/relationships" xmlns:p="http://schemas.openxmlformats.org/presentationml/2006/main">
+  <p:cSld>
+    <p:spTree>
+      <p:nvGrpSpPr>
+        <p:cNvPr id="1" name=""/>
+        <p:cNvGrpSpPr/>
+        <p:nvPr/>
+      </p:nvGrpSpPr>
+      <p:grpSpPr>
+        <a:xfrm>
+          <a:off x="0" y="0"/>
+          <a:ext cx="0" cy="0"/>
+          <a:chOff x="0" y="0"/>
+          <a:chExt cx="0" cy="0"/>
+        </a:xfrm>
+      </p:grpSpPr>
+      <p:sp>
+        <p:nvSpPr>
+          <p:cNvPr id="24" name="菱形 23"/>
+          <p:cNvSpPr/>
+          <p:nvPr/>
+        </p:nvSpPr>
+        <p:spPr>
+          <a:xfrm>
+            <a:off x="3203850" y="1988840"/>
+            <a:ext cx="1368152" cy="688521"/>
+          </a:xfrm>
+          <a:prstGeom prst="diamond">
+            <a:avLst/>
+          </a:prstGeom>
+          <a:solidFill>
+            <a:schemeClr val="accent1">
+              <a:lumMod val="20000"/>
+              <a:lumOff val="80000"/>
+            </a:schemeClr>
+          </a:solidFill>
+          <a:ln>
+            <a:solidFill>
+              <a:schemeClr val="accent1">
+                <a:lumMod val="40000"/>
+                <a:lumOff val="60000"/>
+              </a:schemeClr>
+            </a:solidFill>
+          </a:ln>
+        </p:spPr>
+        <p:style>
+          <a:lnRef idx="2">
+            <a:schemeClr val="accent1">
+              <a:shade val="50000"/>
+            </a:schemeClr>
+          </a:lnRef>
+          <a:fillRef idx="1">
+            <a:schemeClr val="accent1"/>
+          </a:fillRef>
+          <a:effectRef idx="0">
+            <a:schemeClr val="accent1"/>
+          </a:effectRef>
+          <a:fontRef idx="minor">
+            <a:schemeClr val="lt1"/>
+          </a:fontRef>
+        </p:style>
+        <p:txBody>
+          <a:bodyPr lIns="91406" tIns="45703" rIns="91406" bIns="45703" spcCol="0" rtlCol="0" anchor="ctr"/>
+          <a:lstStyle/>
+          <a:p>
+            <a:pPr algn="ctr"/>
+            <a:r>
+              <a:rPr lang="zh-CN" altLang="en-US" sz="1400" dirty="0">
+                <a:solidFill>
+                  <a:schemeClr val="tx1"/>
+                </a:solidFill>
+                <a:latin typeface="微软雅黑" pitchFamily="34" charset="-122"/>
+                <a:ea typeface="微软雅黑" pitchFamily="34" charset="-122"/>
+              </a:rPr>
+              <a:t>属于</a:t>
+            </a:r>
+          </a:p>
+        </p:txBody>
+      </p:sp>
+    </p:spTree>
+    <p:extLst>
+      <p:ext uri="{BB962C8B-B14F-4D97-AF65-F5344CB8AC3E}">
+        <p14:creationId xmlns:p14="http://schemas.microsoft.com/office/powerpoint/2010/main" val="1245340945"/>
+      </p:ext>
+    </p:extLst>
+  </p:cSld>
+  <p:clrMapOvr>
+    <a:masterClrMapping/>
+  </p:clrMapOvr>
+  <p:timing>
+    <p:tnLst>
+      <p:par>
+        <p:cTn id="1" dur="indefinite" restart="never" nodeType="tmRoot"/>
+      </p:par>
+    </p:tnLst>
+  </p:timing>
+</p:sld>
+</file>
+
+<file path=ppt/slides/slide8.xml><?xml version="1.0" encoding="utf-8"?>
+<p:sld xmlns:a="http://schemas.openxmlformats.org/drawingml/2006/main" xmlns:r="http://schemas.openxmlformats.org/officeDocument/2006/relationships" xmlns:p="http://schemas.openxmlformats.org/presentationml/2006/main">
+  <p:cSld>
+    <p:spTree>
+      <p:nvGrpSpPr>
+        <p:cNvPr id="1" name=""/>
+        <p:cNvGrpSpPr/>
+        <p:nvPr/>
+      </p:nvGrpSpPr>
+      <p:grpSpPr>
+        <a:xfrm>
+          <a:off x="0" y="0"/>
+          <a:ext cx="0" cy="0"/>
+          <a:chOff x="0" y="0"/>
+          <a:chExt cx="0" cy="0"/>
+        </a:xfrm>
+      </p:grpSpPr>
+      <p:sp>
+        <p:nvSpPr>
+          <p:cNvPr id="4" name="矩形 3"/>
+          <p:cNvSpPr/>
+          <p:nvPr/>
+        </p:nvSpPr>
+        <p:spPr>
+          <a:xfrm>
+            <a:off x="4406297" y="3179196"/>
+            <a:ext cx="1026141" cy="360040"/>
+          </a:xfrm>
+          <a:prstGeom prst="rect">
+            <a:avLst/>
+          </a:prstGeom>
+          <a:solidFill>
+            <a:schemeClr val="accent1">
+              <a:lumMod val="20000"/>
+              <a:lumOff val="80000"/>
+            </a:schemeClr>
+          </a:solidFill>
+          <a:ln>
+            <a:solidFill>
+              <a:schemeClr val="accent1">
+                <a:lumMod val="40000"/>
+                <a:lumOff val="60000"/>
+              </a:schemeClr>
+            </a:solidFill>
+          </a:ln>
+        </p:spPr>
+        <p:style>
+          <a:lnRef idx="2">
+            <a:schemeClr val="accent1">
+              <a:shade val="50000"/>
+            </a:schemeClr>
+          </a:lnRef>
+          <a:fillRef idx="1">
+            <a:schemeClr val="accent1"/>
+          </a:fillRef>
+          <a:effectRef idx="0">
+            <a:schemeClr val="accent1"/>
+          </a:effectRef>
+          <a:fontRef idx="minor">
+            <a:schemeClr val="lt1"/>
+          </a:fontRef>
+        </p:style>
+        <p:txBody>
+          <a:bodyPr lIns="91406" tIns="45703" rIns="91406" bIns="45703" spcCol="0" rtlCol="0" anchor="ctr"/>
+          <a:lstStyle/>
+          <a:p>
+            <a:pPr algn="ctr"/>
+            <a:r>
+              <a:rPr lang="zh-CN" altLang="en-US" sz="1400" dirty="0">
+                <a:solidFill>
+                  <a:schemeClr val="tx1"/>
+                </a:solidFill>
+                <a:latin typeface="微软雅黑" pitchFamily="34" charset="-122"/>
+                <a:ea typeface="微软雅黑" pitchFamily="34" charset="-122"/>
+              </a:rPr>
+              <a:t>学生</a:t>
+            </a:r>
+          </a:p>
+        </p:txBody>
+      </p:sp>
+      <p:sp>
+        <p:nvSpPr>
+          <p:cNvPr id="5" name="矩形 4"/>
+          <p:cNvSpPr/>
+          <p:nvPr/>
+        </p:nvSpPr>
+        <p:spPr>
+          <a:xfrm>
+            <a:off x="4406297" y="4619356"/>
+            <a:ext cx="1026141" cy="360040"/>
+          </a:xfrm>
+          <a:prstGeom prst="rect">
+            <a:avLst/>
+          </a:prstGeom>
+          <a:solidFill>
+            <a:schemeClr val="accent1">
+              <a:lumMod val="20000"/>
+              <a:lumOff val="80000"/>
+            </a:schemeClr>
+          </a:solidFill>
+          <a:ln>
+            <a:solidFill>
+              <a:schemeClr val="accent1">
+                <a:lumMod val="40000"/>
+                <a:lumOff val="60000"/>
+              </a:schemeClr>
+            </a:solidFill>
+          </a:ln>
+        </p:spPr>
+        <p:style>
+          <a:lnRef idx="2">
+            <a:schemeClr val="accent1">
+              <a:shade val="50000"/>
+            </a:schemeClr>
+          </a:lnRef>
+          <a:fillRef idx="1">
+            <a:schemeClr val="accent1"/>
+          </a:fillRef>
+          <a:effectRef idx="0">
+            <a:schemeClr val="accent1"/>
+          </a:effectRef>
+          <a:fontRef idx="minor">
+            <a:schemeClr val="lt1"/>
+          </a:fontRef>
+        </p:style>
+        <p:txBody>
+          <a:bodyPr lIns="91406" tIns="45703" rIns="91406" bIns="45703" spcCol="0" rtlCol="0" anchor="ctr"/>
+          <a:lstStyle/>
+          <a:p>
+            <a:pPr algn="ctr"/>
+            <a:r>
+              <a:rPr lang="zh-CN" altLang="en-US" sz="1400" dirty="0">
+                <a:solidFill>
+                  <a:schemeClr val="tx1"/>
+                </a:solidFill>
+                <a:latin typeface="微软雅黑" pitchFamily="34" charset="-122"/>
+                <a:ea typeface="微软雅黑" pitchFamily="34" charset="-122"/>
+              </a:rPr>
+              <a:t>班级</a:t>
+            </a:r>
+          </a:p>
+        </p:txBody>
+      </p:sp>
+      <p:sp>
+        <p:nvSpPr>
+          <p:cNvPr id="6" name="菱形 5"/>
+          <p:cNvSpPr/>
+          <p:nvPr/>
+        </p:nvSpPr>
+        <p:spPr>
+          <a:xfrm>
+            <a:off x="4258616" y="3827267"/>
+            <a:ext cx="1321498" cy="580510"/>
+          </a:xfrm>
+          <a:prstGeom prst="diamond">
+            <a:avLst/>
+          </a:prstGeom>
+          <a:solidFill>
+            <a:schemeClr val="accent1">
+              <a:lumMod val="20000"/>
+              <a:lumOff val="80000"/>
+            </a:schemeClr>
+          </a:solidFill>
+          <a:ln>
+            <a:solidFill>
+              <a:schemeClr val="accent1">
+                <a:lumMod val="40000"/>
+                <a:lumOff val="60000"/>
+              </a:schemeClr>
+            </a:solidFill>
+          </a:ln>
+        </p:spPr>
+        <p:style>
+          <a:lnRef idx="2">
+            <a:schemeClr val="accent1">
+              <a:shade val="50000"/>
+            </a:schemeClr>
+          </a:lnRef>
+          <a:fillRef idx="1">
+            <a:schemeClr val="accent1"/>
+          </a:fillRef>
+          <a:effectRef idx="0">
+            <a:schemeClr val="accent1"/>
+          </a:effectRef>
+          <a:fontRef idx="minor">
+            <a:schemeClr val="lt1"/>
+          </a:fontRef>
+        </p:style>
+        <p:txBody>
+          <a:bodyPr lIns="91406" tIns="45703" rIns="91406" bIns="45703" spcCol="0" rtlCol="0" anchor="ctr"/>
+          <a:lstStyle/>
+          <a:p>
+            <a:pPr algn="ctr"/>
+            <a:r>
+              <a:rPr lang="zh-CN" altLang="en-US" sz="1400" dirty="0">
+                <a:solidFill>
+                  <a:schemeClr val="tx1"/>
+                </a:solidFill>
+                <a:latin typeface="微软雅黑" pitchFamily="34" charset="-122"/>
+                <a:ea typeface="微软雅黑" pitchFamily="34" charset="-122"/>
+              </a:rPr>
+              <a:t>属于</a:t>
+            </a:r>
+          </a:p>
+        </p:txBody>
+      </p:sp>
+      <p:cxnSp>
+        <p:nvCxnSpPr>
+          <p:cNvPr id="8" name="直接连接符 7"/>
+          <p:cNvCxnSpPr>
+            <a:stCxn id="5" idx="0"/>
+            <a:endCxn id="6" idx="2"/>
+          </p:cNvCxnSpPr>
+          <p:nvPr/>
+        </p:nvCxnSpPr>
+        <p:spPr>
+          <a:xfrm flipH="1" flipV="1">
+            <a:off x="4919366" y="4407778"/>
+            <a:ext cx="1" cy="211578"/>
+          </a:xfrm>
+          <a:prstGeom prst="line">
+            <a:avLst/>
+          </a:prstGeom>
+        </p:spPr>
+        <p:style>
+          <a:lnRef idx="1">
+            <a:schemeClr val="accent1"/>
+          </a:lnRef>
+          <a:fillRef idx="0">
+            <a:schemeClr val="accent1"/>
+          </a:fillRef>
+          <a:effectRef idx="0">
+            <a:schemeClr val="accent1"/>
+          </a:effectRef>
+          <a:fontRef idx="minor">
+            <a:schemeClr val="tx1"/>
+          </a:fontRef>
+        </p:style>
+      </p:cxnSp>
+      <p:cxnSp>
+        <p:nvCxnSpPr>
+          <p:cNvPr id="10" name="直接连接符 9"/>
+          <p:cNvCxnSpPr>
+            <a:stCxn id="6" idx="0"/>
+            <a:endCxn id="4" idx="2"/>
+          </p:cNvCxnSpPr>
+          <p:nvPr/>
+        </p:nvCxnSpPr>
+        <p:spPr>
+          <a:xfrm flipV="1">
+            <a:off x="4919366" y="3539237"/>
+            <a:ext cx="1" cy="288032"/>
+          </a:xfrm>
+          <a:prstGeom prst="line">
+            <a:avLst/>
+          </a:prstGeom>
+        </p:spPr>
+        <p:style>
+          <a:lnRef idx="1">
+            <a:schemeClr val="accent1"/>
+          </a:lnRef>
+          <a:fillRef idx="0">
+            <a:schemeClr val="accent1"/>
+          </a:fillRef>
+          <a:effectRef idx="0">
+            <a:schemeClr val="accent1"/>
+          </a:effectRef>
+          <a:fontRef idx="minor">
+            <a:schemeClr val="tx1"/>
+          </a:fontRef>
+        </p:style>
+      </p:cxnSp>
+      <p:sp>
+        <p:nvSpPr>
+          <p:cNvPr id="11" name="矩形 10"/>
+          <p:cNvSpPr/>
+          <p:nvPr/>
+        </p:nvSpPr>
+        <p:spPr>
+          <a:xfrm>
+            <a:off x="4406294" y="6059514"/>
+            <a:ext cx="1026141" cy="360040"/>
+          </a:xfrm>
+          <a:prstGeom prst="rect">
+            <a:avLst/>
+          </a:prstGeom>
+          <a:solidFill>
+            <a:schemeClr val="accent1">
+              <a:lumMod val="20000"/>
+              <a:lumOff val="80000"/>
+            </a:schemeClr>
+          </a:solidFill>
+          <a:ln>
+            <a:solidFill>
+              <a:schemeClr val="accent1">
+                <a:lumMod val="40000"/>
+                <a:lumOff val="60000"/>
+              </a:schemeClr>
+            </a:solidFill>
+          </a:ln>
+        </p:spPr>
+        <p:style>
+          <a:lnRef idx="2">
+            <a:schemeClr val="accent1">
+              <a:shade val="50000"/>
+            </a:schemeClr>
+          </a:lnRef>
+          <a:fillRef idx="1">
+            <a:schemeClr val="accent1"/>
+          </a:fillRef>
+          <a:effectRef idx="0">
+            <a:schemeClr val="accent1"/>
+          </a:effectRef>
+          <a:fontRef idx="minor">
+            <a:schemeClr val="lt1"/>
+          </a:fontRef>
+        </p:style>
+        <p:txBody>
+          <a:bodyPr lIns="91406" tIns="45703" rIns="91406" bIns="45703" spcCol="0" rtlCol="0" anchor="ctr"/>
+          <a:lstStyle/>
+          <a:p>
+            <a:pPr algn="ctr"/>
+            <a:r>
+              <a:rPr lang="zh-CN" altLang="en-US" sz="1400" dirty="0">
+                <a:solidFill>
+                  <a:schemeClr val="tx1"/>
+                </a:solidFill>
+                <a:latin typeface="微软雅黑" pitchFamily="34" charset="-122"/>
+                <a:ea typeface="微软雅黑" pitchFamily="34" charset="-122"/>
+              </a:rPr>
+              <a:t>系别</a:t>
+            </a:r>
+          </a:p>
+        </p:txBody>
+      </p:sp>
+      <p:sp>
+        <p:nvSpPr>
+          <p:cNvPr id="12" name="菱形 11"/>
+          <p:cNvSpPr/>
+          <p:nvPr/>
+        </p:nvSpPr>
+        <p:spPr>
+          <a:xfrm>
+            <a:off x="4262279" y="5195418"/>
+            <a:ext cx="1321498" cy="580510"/>
+          </a:xfrm>
+          <a:prstGeom prst="diamond">
+            <a:avLst/>
+          </a:prstGeom>
+          <a:solidFill>
+            <a:schemeClr val="accent1">
+              <a:lumMod val="20000"/>
+              <a:lumOff val="80000"/>
+            </a:schemeClr>
+          </a:solidFill>
+          <a:ln>
+            <a:solidFill>
+              <a:schemeClr val="accent1">
+                <a:lumMod val="40000"/>
+                <a:lumOff val="60000"/>
+              </a:schemeClr>
+            </a:solidFill>
+          </a:ln>
+        </p:spPr>
+        <p:style>
+          <a:lnRef idx="2">
+            <a:schemeClr val="accent1">
+              <a:shade val="50000"/>
+            </a:schemeClr>
+          </a:lnRef>
+          <a:fillRef idx="1">
+            <a:schemeClr val="accent1"/>
+          </a:fillRef>
+          <a:effectRef idx="0">
+            <a:schemeClr val="accent1"/>
+          </a:effectRef>
+          <a:fontRef idx="minor">
+            <a:schemeClr val="lt1"/>
+          </a:fontRef>
+        </p:style>
+        <p:txBody>
+          <a:bodyPr lIns="91406" tIns="45703" rIns="91406" bIns="45703" spcCol="0" rtlCol="0" anchor="ctr"/>
+          <a:lstStyle/>
+          <a:p>
+            <a:pPr algn="ctr"/>
+            <a:r>
+              <a:rPr lang="zh-CN" altLang="en-US" sz="1400" dirty="0">
+                <a:solidFill>
+                  <a:schemeClr val="tx1"/>
+                </a:solidFill>
+                <a:latin typeface="微软雅黑" pitchFamily="34" charset="-122"/>
+                <a:ea typeface="微软雅黑" pitchFamily="34" charset="-122"/>
+              </a:rPr>
+              <a:t>属于</a:t>
+            </a:r>
+          </a:p>
+        </p:txBody>
+      </p:sp>
+      <p:cxnSp>
+        <p:nvCxnSpPr>
+          <p:cNvPr id="13" name="直接连接符 12"/>
+          <p:cNvCxnSpPr>
+            <a:stCxn id="11" idx="0"/>
+            <a:endCxn id="12" idx="2"/>
+          </p:cNvCxnSpPr>
+          <p:nvPr/>
+        </p:nvCxnSpPr>
+        <p:spPr>
+          <a:xfrm flipV="1">
+            <a:off x="4919364" y="5775929"/>
+            <a:ext cx="3664" cy="283586"/>
+          </a:xfrm>
+          <a:prstGeom prst="line">
+            <a:avLst/>
+          </a:prstGeom>
+        </p:spPr>
+        <p:style>
+          <a:lnRef idx="1">
+            <a:schemeClr val="accent1"/>
+          </a:lnRef>
+          <a:fillRef idx="0">
+            <a:schemeClr val="accent1"/>
+          </a:fillRef>
+          <a:effectRef idx="0">
+            <a:schemeClr val="accent1"/>
+          </a:effectRef>
+          <a:fontRef idx="minor">
+            <a:schemeClr val="tx1"/>
+          </a:fontRef>
+        </p:style>
+      </p:cxnSp>
+      <p:cxnSp>
+        <p:nvCxnSpPr>
+          <p:cNvPr id="14" name="直接连接符 13"/>
+          <p:cNvCxnSpPr>
+            <a:stCxn id="12" idx="0"/>
+            <a:endCxn id="5" idx="2"/>
+          </p:cNvCxnSpPr>
+          <p:nvPr/>
+        </p:nvCxnSpPr>
+        <p:spPr>
+          <a:xfrm flipH="1" flipV="1">
+            <a:off x="4919366" y="4979396"/>
+            <a:ext cx="3662" cy="216024"/>
+          </a:xfrm>
+          <a:prstGeom prst="line">
+            <a:avLst/>
+          </a:prstGeom>
+        </p:spPr>
+        <p:style>
+          <a:lnRef idx="1">
+            <a:schemeClr val="accent1"/>
+          </a:lnRef>
+          <a:fillRef idx="0">
+            <a:schemeClr val="accent1"/>
+          </a:fillRef>
+          <a:effectRef idx="0">
+            <a:schemeClr val="accent1"/>
+          </a:effectRef>
+          <a:fontRef idx="minor">
+            <a:schemeClr val="tx1"/>
+          </a:fontRef>
+        </p:style>
+      </p:cxnSp>
+      <p:sp>
+        <p:nvSpPr>
+          <p:cNvPr id="17" name="矩形 16"/>
+          <p:cNvSpPr/>
+          <p:nvPr/>
+        </p:nvSpPr>
+        <p:spPr>
+          <a:xfrm>
+            <a:off x="7286613" y="1717307"/>
+            <a:ext cx="1026141" cy="360040"/>
+          </a:xfrm>
+          <a:prstGeom prst="rect">
+            <a:avLst/>
+          </a:prstGeom>
+          <a:solidFill>
+            <a:schemeClr val="accent1">
+              <a:lumMod val="20000"/>
+              <a:lumOff val="80000"/>
+            </a:schemeClr>
+          </a:solidFill>
+          <a:ln>
+            <a:solidFill>
+              <a:schemeClr val="accent1">
+                <a:lumMod val="40000"/>
+                <a:lumOff val="60000"/>
+              </a:schemeClr>
+            </a:solidFill>
+          </a:ln>
+        </p:spPr>
+        <p:style>
+          <a:lnRef idx="2">
+            <a:schemeClr val="accent1">
+              <a:shade val="50000"/>
+            </a:schemeClr>
+          </a:lnRef>
+          <a:fillRef idx="1">
+            <a:schemeClr val="accent1"/>
+          </a:fillRef>
+          <a:effectRef idx="0">
+            <a:schemeClr val="accent1"/>
+          </a:effectRef>
+          <a:fontRef idx="minor">
+            <a:schemeClr val="lt1"/>
+          </a:fontRef>
+        </p:style>
+        <p:txBody>
+          <a:bodyPr lIns="91406" tIns="45703" rIns="91406" bIns="45703" spcCol="0" rtlCol="0" anchor="ctr"/>
+          <a:lstStyle/>
+          <a:p>
+            <a:pPr algn="ctr"/>
+            <a:r>
+              <a:rPr lang="zh-CN" altLang="en-US" sz="1400" dirty="0">
+                <a:solidFill>
+                  <a:schemeClr val="tx1"/>
+                </a:solidFill>
+                <a:latin typeface="微软雅黑" pitchFamily="34" charset="-122"/>
+                <a:ea typeface="微软雅黑" pitchFamily="34" charset="-122"/>
+              </a:rPr>
+              <a:t>科目</a:t>
+            </a:r>
+          </a:p>
+        </p:txBody>
+      </p:sp>
+      <p:sp>
+        <p:nvSpPr>
+          <p:cNvPr id="18" name="菱形 17"/>
+          <p:cNvSpPr/>
+          <p:nvPr/>
+        </p:nvSpPr>
+        <p:spPr>
+          <a:xfrm>
+            <a:off x="7138933" y="2360931"/>
+            <a:ext cx="1321498" cy="580510"/>
+          </a:xfrm>
+          <a:prstGeom prst="diamond">
+            <a:avLst/>
+          </a:prstGeom>
+          <a:solidFill>
+            <a:schemeClr val="accent1">
+              <a:lumMod val="20000"/>
+              <a:lumOff val="80000"/>
+            </a:schemeClr>
+          </a:solidFill>
+          <a:ln>
+            <a:solidFill>
+              <a:schemeClr val="accent1">
+                <a:lumMod val="40000"/>
+                <a:lumOff val="60000"/>
+              </a:schemeClr>
+            </a:solidFill>
+          </a:ln>
+        </p:spPr>
+        <p:style>
+          <a:lnRef idx="2">
+            <a:schemeClr val="accent1">
+              <a:shade val="50000"/>
+            </a:schemeClr>
+          </a:lnRef>
+          <a:fillRef idx="1">
+            <a:schemeClr val="accent1"/>
+          </a:fillRef>
+          <a:effectRef idx="0">
+            <a:schemeClr val="accent1"/>
+          </a:effectRef>
+          <a:fontRef idx="minor">
+            <a:schemeClr val="lt1"/>
+          </a:fontRef>
+        </p:style>
+        <p:txBody>
+          <a:bodyPr lIns="91406" tIns="45703" rIns="91406" bIns="45703" spcCol="0" rtlCol="0" anchor="ctr"/>
+          <a:lstStyle/>
+          <a:p>
+            <a:pPr algn="ctr"/>
+            <a:r>
+              <a:rPr lang="zh-CN" altLang="en-US" sz="1400" dirty="0">
+                <a:solidFill>
+                  <a:schemeClr val="tx1"/>
+                </a:solidFill>
+                <a:latin typeface="微软雅黑" pitchFamily="34" charset="-122"/>
+                <a:ea typeface="微软雅黑" pitchFamily="34" charset="-122"/>
+              </a:rPr>
+              <a:t>产生</a:t>
+            </a:r>
+          </a:p>
+        </p:txBody>
+      </p:sp>
+      <p:cxnSp>
+        <p:nvCxnSpPr>
+          <p:cNvPr id="19" name="直接连接符 18"/>
+          <p:cNvCxnSpPr>
+            <a:stCxn id="23" idx="0"/>
+            <a:endCxn id="18" idx="2"/>
+          </p:cNvCxnSpPr>
+          <p:nvPr/>
+        </p:nvCxnSpPr>
+        <p:spPr>
+          <a:xfrm flipH="1" flipV="1">
+            <a:off x="7799682" y="2941443"/>
+            <a:ext cx="1" cy="220805"/>
+          </a:xfrm>
+          <a:prstGeom prst="line">
+            <a:avLst/>
+          </a:prstGeom>
+        </p:spPr>
+        <p:style>
+          <a:lnRef idx="1">
+            <a:schemeClr val="accent1"/>
+          </a:lnRef>
+          <a:fillRef idx="0">
+            <a:schemeClr val="accent1"/>
+          </a:fillRef>
+          <a:effectRef idx="0">
+            <a:schemeClr val="accent1"/>
+          </a:effectRef>
+          <a:fontRef idx="minor">
+            <a:schemeClr val="tx1"/>
+          </a:fontRef>
+        </p:style>
+      </p:cxnSp>
+      <p:cxnSp>
+        <p:nvCxnSpPr>
+          <p:cNvPr id="20" name="直接连接符 19"/>
+          <p:cNvCxnSpPr>
+            <a:stCxn id="18" idx="0"/>
+            <a:endCxn id="17" idx="2"/>
+          </p:cNvCxnSpPr>
+          <p:nvPr/>
+        </p:nvCxnSpPr>
+        <p:spPr>
+          <a:xfrm flipV="1">
+            <a:off x="7799682" y="2077347"/>
+            <a:ext cx="1" cy="283586"/>
+          </a:xfrm>
+          <a:prstGeom prst="line">
+            <a:avLst/>
+          </a:prstGeom>
+        </p:spPr>
+        <p:style>
+          <a:lnRef idx="1">
+            <a:schemeClr val="accent1"/>
+          </a:lnRef>
+          <a:fillRef idx="0">
+            <a:schemeClr val="accent1"/>
+          </a:fillRef>
+          <a:effectRef idx="0">
+            <a:schemeClr val="accent1"/>
+          </a:effectRef>
+          <a:fontRef idx="minor">
+            <a:schemeClr val="tx1"/>
+          </a:fontRef>
+        </p:style>
+      </p:cxnSp>
+      <p:sp>
+        <p:nvSpPr>
+          <p:cNvPr id="23" name="矩形 22"/>
+          <p:cNvSpPr/>
+          <p:nvPr/>
+        </p:nvSpPr>
+        <p:spPr>
+          <a:xfrm>
+            <a:off x="7286613" y="3162248"/>
+            <a:ext cx="1026141" cy="360040"/>
+          </a:xfrm>
+          <a:prstGeom prst="rect">
+            <a:avLst/>
+          </a:prstGeom>
+          <a:solidFill>
+            <a:schemeClr val="accent1">
+              <a:lumMod val="20000"/>
+              <a:lumOff val="80000"/>
+            </a:schemeClr>
+          </a:solidFill>
+          <a:ln>
+            <a:solidFill>
+              <a:schemeClr val="accent1">
+                <a:lumMod val="40000"/>
+                <a:lumOff val="60000"/>
+              </a:schemeClr>
+            </a:solidFill>
+          </a:ln>
+        </p:spPr>
+        <p:style>
+          <a:lnRef idx="2">
+            <a:schemeClr val="accent1">
+              <a:shade val="50000"/>
+            </a:schemeClr>
+          </a:lnRef>
+          <a:fillRef idx="1">
+            <a:schemeClr val="accent1"/>
+          </a:fillRef>
+          <a:effectRef idx="0">
+            <a:schemeClr val="accent1"/>
+          </a:effectRef>
+          <a:fontRef idx="minor">
+            <a:schemeClr val="lt1"/>
+          </a:fontRef>
+        </p:style>
+        <p:txBody>
+          <a:bodyPr lIns="91406" tIns="45703" rIns="91406" bIns="45703" spcCol="0" rtlCol="0" anchor="ctr"/>
+          <a:lstStyle/>
+          <a:p>
+            <a:pPr algn="ctr"/>
+            <a:r>
+              <a:rPr lang="zh-CN" altLang="en-US" sz="1400" dirty="0">
+                <a:solidFill>
+                  <a:schemeClr val="tx1"/>
+                </a:solidFill>
+                <a:latin typeface="微软雅黑" pitchFamily="34" charset="-122"/>
+                <a:ea typeface="微软雅黑" pitchFamily="34" charset="-122"/>
+              </a:rPr>
+              <a:t>功课表</a:t>
+            </a:r>
+          </a:p>
+        </p:txBody>
+      </p:sp>
+      <p:sp>
+        <p:nvSpPr>
+          <p:cNvPr id="25" name="矩形 24"/>
+          <p:cNvSpPr/>
+          <p:nvPr/>
+        </p:nvSpPr>
+        <p:spPr>
+          <a:xfrm>
+            <a:off x="661877" y="1680087"/>
+            <a:ext cx="1026141" cy="360040"/>
+          </a:xfrm>
+          <a:prstGeom prst="rect">
+            <a:avLst/>
+          </a:prstGeom>
+          <a:solidFill>
+            <a:schemeClr val="accent1">
+              <a:lumMod val="20000"/>
+              <a:lumOff val="80000"/>
+            </a:schemeClr>
+          </a:solidFill>
+          <a:ln>
+            <a:solidFill>
+              <a:schemeClr val="accent1">
+                <a:lumMod val="40000"/>
+                <a:lumOff val="60000"/>
+              </a:schemeClr>
+            </a:solidFill>
+          </a:ln>
+        </p:spPr>
+        <p:style>
+          <a:lnRef idx="2">
+            <a:schemeClr val="accent1">
+              <a:shade val="50000"/>
+            </a:schemeClr>
+          </a:lnRef>
+          <a:fillRef idx="1">
+            <a:schemeClr val="accent1"/>
+          </a:fillRef>
+          <a:effectRef idx="0">
+            <a:schemeClr val="accent1"/>
+          </a:effectRef>
+          <a:fontRef idx="minor">
+            <a:schemeClr val="lt1"/>
+          </a:fontRef>
+        </p:style>
+        <p:txBody>
+          <a:bodyPr lIns="91406" tIns="45703" rIns="91406" bIns="45703" spcCol="0" rtlCol="0" anchor="ctr"/>
+          <a:lstStyle/>
+          <a:p>
+            <a:pPr algn="ctr"/>
+            <a:r>
+              <a:rPr lang="zh-CN" altLang="en-US" sz="1400" dirty="0">
+                <a:solidFill>
+                  <a:schemeClr val="tx1"/>
+                </a:solidFill>
+                <a:latin typeface="微软雅黑" pitchFamily="34" charset="-122"/>
+                <a:ea typeface="微软雅黑" pitchFamily="34" charset="-122"/>
+              </a:rPr>
+              <a:t>教师</a:t>
+            </a:r>
+          </a:p>
+        </p:txBody>
+      </p:sp>
+      <p:sp>
+        <p:nvSpPr>
+          <p:cNvPr id="27" name="菱形 26"/>
+          <p:cNvSpPr/>
+          <p:nvPr/>
+        </p:nvSpPr>
+        <p:spPr>
+          <a:xfrm>
+            <a:off x="517859" y="2323537"/>
+            <a:ext cx="1321498" cy="580510"/>
+          </a:xfrm>
+          <a:prstGeom prst="diamond">
+            <a:avLst/>
+          </a:prstGeom>
+          <a:solidFill>
+            <a:schemeClr val="accent1">
+              <a:lumMod val="20000"/>
+              <a:lumOff val="80000"/>
+            </a:schemeClr>
+          </a:solidFill>
+          <a:ln>
+            <a:solidFill>
+              <a:schemeClr val="accent1">
+                <a:lumMod val="40000"/>
+                <a:lumOff val="60000"/>
+              </a:schemeClr>
+            </a:solidFill>
+          </a:ln>
+        </p:spPr>
+        <p:style>
+          <a:lnRef idx="2">
+            <a:schemeClr val="accent1">
+              <a:shade val="50000"/>
+            </a:schemeClr>
+          </a:lnRef>
+          <a:fillRef idx="1">
+            <a:schemeClr val="accent1"/>
+          </a:fillRef>
+          <a:effectRef idx="0">
+            <a:schemeClr val="accent1"/>
+          </a:effectRef>
+          <a:fontRef idx="minor">
+            <a:schemeClr val="lt1"/>
+          </a:fontRef>
+        </p:style>
+        <p:txBody>
+          <a:bodyPr lIns="91406" tIns="45703" rIns="91406" bIns="45703" spcCol="0" rtlCol="0" anchor="ctr"/>
+          <a:lstStyle/>
+          <a:p>
+            <a:pPr algn="ctr"/>
+            <a:r>
+              <a:rPr lang="zh-CN" altLang="en-US" sz="1400" dirty="0">
+                <a:solidFill>
+                  <a:schemeClr val="tx1"/>
+                </a:solidFill>
+                <a:latin typeface="微软雅黑" pitchFamily="34" charset="-122"/>
+                <a:ea typeface="微软雅黑" pitchFamily="34" charset="-122"/>
+              </a:rPr>
+              <a:t>属于</a:t>
+            </a:r>
+          </a:p>
+        </p:txBody>
+      </p:sp>
+      <p:cxnSp>
+        <p:nvCxnSpPr>
+          <p:cNvPr id="28" name="直接连接符 27"/>
+          <p:cNvCxnSpPr>
+            <a:stCxn id="35" idx="0"/>
+            <a:endCxn id="27" idx="2"/>
+          </p:cNvCxnSpPr>
+          <p:nvPr/>
+        </p:nvCxnSpPr>
+        <p:spPr>
+          <a:xfrm flipV="1">
+            <a:off x="1174945" y="2904047"/>
+            <a:ext cx="3663" cy="216358"/>
+          </a:xfrm>
+          <a:prstGeom prst="line">
+            <a:avLst/>
+          </a:prstGeom>
+        </p:spPr>
+        <p:style>
+          <a:lnRef idx="1">
+            <a:schemeClr val="accent1"/>
+          </a:lnRef>
+          <a:fillRef idx="0">
+            <a:schemeClr val="accent1"/>
+          </a:fillRef>
+          <a:effectRef idx="0">
+            <a:schemeClr val="accent1"/>
+          </a:effectRef>
+          <a:fontRef idx="minor">
+            <a:schemeClr val="tx1"/>
+          </a:fontRef>
+        </p:style>
+      </p:cxnSp>
+      <p:cxnSp>
+        <p:nvCxnSpPr>
+          <p:cNvPr id="29" name="直接连接符 28"/>
+          <p:cNvCxnSpPr>
+            <a:stCxn id="27" idx="0"/>
+            <a:endCxn id="25" idx="2"/>
+          </p:cNvCxnSpPr>
+          <p:nvPr/>
+        </p:nvCxnSpPr>
+        <p:spPr>
+          <a:xfrm flipH="1" flipV="1">
+            <a:off x="1174945" y="2040126"/>
+            <a:ext cx="3662" cy="283411"/>
+          </a:xfrm>
+          <a:prstGeom prst="line">
+            <a:avLst/>
+          </a:prstGeom>
+        </p:spPr>
+        <p:style>
+          <a:lnRef idx="1">
+            <a:schemeClr val="accent1"/>
+          </a:lnRef>
+          <a:fillRef idx="0">
+            <a:schemeClr val="accent1"/>
+          </a:fillRef>
+          <a:effectRef idx="0">
+            <a:schemeClr val="accent1"/>
+          </a:effectRef>
+          <a:fontRef idx="minor">
+            <a:schemeClr val="tx1"/>
+          </a:fontRef>
+        </p:style>
+      </p:cxnSp>
+      <p:sp>
+        <p:nvSpPr>
+          <p:cNvPr id="35" name="矩形 34"/>
+          <p:cNvSpPr/>
+          <p:nvPr/>
+        </p:nvSpPr>
+        <p:spPr>
+          <a:xfrm>
+            <a:off x="661875" y="3120405"/>
+            <a:ext cx="1026141" cy="360040"/>
+          </a:xfrm>
+          <a:prstGeom prst="rect">
+            <a:avLst/>
+          </a:prstGeom>
+          <a:solidFill>
+            <a:schemeClr val="accent1">
+              <a:lumMod val="20000"/>
+              <a:lumOff val="80000"/>
+            </a:schemeClr>
+          </a:solidFill>
+          <a:ln>
+            <a:solidFill>
+              <a:schemeClr val="accent1">
+                <a:lumMod val="40000"/>
+                <a:lumOff val="60000"/>
+              </a:schemeClr>
+            </a:solidFill>
+          </a:ln>
+        </p:spPr>
+        <p:style>
+          <a:lnRef idx="2">
+            <a:schemeClr val="accent1">
+              <a:shade val="50000"/>
+            </a:schemeClr>
+          </a:lnRef>
+          <a:fillRef idx="1">
+            <a:schemeClr val="accent1"/>
+          </a:fillRef>
+          <a:effectRef idx="0">
+            <a:schemeClr val="accent1"/>
+          </a:effectRef>
+          <a:fontRef idx="minor">
+            <a:schemeClr val="lt1"/>
+          </a:fontRef>
+        </p:style>
+        <p:txBody>
+          <a:bodyPr lIns="91406" tIns="45703" rIns="91406" bIns="45703" spcCol="0" rtlCol="0" anchor="ctr"/>
+          <a:lstStyle/>
+          <a:p>
+            <a:pPr algn="ctr"/>
+            <a:r>
+              <a:rPr lang="zh-CN" altLang="en-US" sz="1400" dirty="0">
+                <a:solidFill>
+                  <a:schemeClr val="tx1"/>
+                </a:solidFill>
+                <a:latin typeface="微软雅黑" pitchFamily="34" charset="-122"/>
+                <a:ea typeface="微软雅黑" pitchFamily="34" charset="-122"/>
+              </a:rPr>
+              <a:t>部门</a:t>
+            </a:r>
+          </a:p>
+        </p:txBody>
+      </p:sp>
+      <p:sp>
+        <p:nvSpPr>
+          <p:cNvPr id="38" name="矩形 37"/>
+          <p:cNvSpPr/>
+          <p:nvPr/>
+        </p:nvSpPr>
+        <p:spPr>
+          <a:xfrm>
+            <a:off x="2434859" y="2433103"/>
+            <a:ext cx="1026141" cy="360040"/>
+          </a:xfrm>
+          <a:prstGeom prst="rect">
+            <a:avLst/>
+          </a:prstGeom>
+          <a:solidFill>
+            <a:schemeClr val="accent1">
+              <a:lumMod val="20000"/>
+              <a:lumOff val="80000"/>
+            </a:schemeClr>
+          </a:solidFill>
+          <a:ln>
+            <a:solidFill>
+              <a:schemeClr val="accent1">
+                <a:lumMod val="40000"/>
+                <a:lumOff val="60000"/>
+              </a:schemeClr>
+            </a:solidFill>
+          </a:ln>
+        </p:spPr>
+        <p:style>
+          <a:lnRef idx="2">
+            <a:schemeClr val="accent1">
+              <a:shade val="50000"/>
+            </a:schemeClr>
+          </a:lnRef>
+          <a:fillRef idx="1">
+            <a:schemeClr val="accent1"/>
+          </a:fillRef>
+          <a:effectRef idx="0">
+            <a:schemeClr val="accent1"/>
+          </a:effectRef>
+          <a:fontRef idx="minor">
+            <a:schemeClr val="lt1"/>
+          </a:fontRef>
+        </p:style>
+        <p:txBody>
+          <a:bodyPr lIns="91406" tIns="45703" rIns="91406" bIns="45703" spcCol="0" rtlCol="0" anchor="ctr"/>
+          <a:lstStyle/>
+          <a:p>
+            <a:pPr algn="ctr"/>
+            <a:r>
+              <a:rPr lang="zh-CN" altLang="en-US" sz="1400" dirty="0">
+                <a:solidFill>
+                  <a:schemeClr val="tx1"/>
+                </a:solidFill>
+                <a:latin typeface="微软雅黑" pitchFamily="34" charset="-122"/>
+                <a:ea typeface="微软雅黑" pitchFamily="34" charset="-122"/>
+              </a:rPr>
+              <a:t>通知公告</a:t>
+            </a:r>
+          </a:p>
+        </p:txBody>
+      </p:sp>
+      <p:sp>
+        <p:nvSpPr>
+          <p:cNvPr id="39" name="菱形 38"/>
+          <p:cNvSpPr/>
+          <p:nvPr/>
+        </p:nvSpPr>
+        <p:spPr>
+          <a:xfrm>
+            <a:off x="2284229" y="3068961"/>
+            <a:ext cx="1321498" cy="580510"/>
+          </a:xfrm>
+          <a:prstGeom prst="diamond">
+            <a:avLst/>
+          </a:prstGeom>
+          <a:solidFill>
+            <a:schemeClr val="accent1">
+              <a:lumMod val="20000"/>
+              <a:lumOff val="80000"/>
+            </a:schemeClr>
+          </a:solidFill>
+          <a:ln>
+            <a:solidFill>
+              <a:schemeClr val="accent1">
+                <a:lumMod val="40000"/>
+                <a:lumOff val="60000"/>
+              </a:schemeClr>
+            </a:solidFill>
+          </a:ln>
+        </p:spPr>
+        <p:style>
+          <a:lnRef idx="2">
+            <a:schemeClr val="accent1">
+              <a:shade val="50000"/>
+            </a:schemeClr>
+          </a:lnRef>
+          <a:fillRef idx="1">
+            <a:schemeClr val="accent1"/>
+          </a:fillRef>
+          <a:effectRef idx="0">
+            <a:schemeClr val="accent1"/>
+          </a:effectRef>
+          <a:fontRef idx="minor">
+            <a:schemeClr val="lt1"/>
+          </a:fontRef>
+        </p:style>
+        <p:txBody>
+          <a:bodyPr lIns="91406" tIns="45703" rIns="91406" bIns="45703" spcCol="0" rtlCol="0" anchor="ctr"/>
+          <a:lstStyle/>
+          <a:p>
+            <a:pPr algn="ctr"/>
+            <a:r>
+              <a:rPr lang="zh-CN" altLang="en-US" sz="1400" dirty="0" smtClean="0">
+                <a:solidFill>
+                  <a:schemeClr val="tx1"/>
+                </a:solidFill>
+                <a:latin typeface="微软雅黑" pitchFamily="34" charset="-122"/>
+                <a:ea typeface="微软雅黑" pitchFamily="34" charset="-122"/>
+              </a:rPr>
+              <a:t>接收</a:t>
+            </a:r>
+            <a:endParaRPr lang="zh-CN" altLang="en-US" sz="1400" dirty="0">
+              <a:solidFill>
+                <a:schemeClr val="tx1"/>
+              </a:solidFill>
+              <a:latin typeface="微软雅黑" pitchFamily="34" charset="-122"/>
+              <a:ea typeface="微软雅黑" pitchFamily="34" charset="-122"/>
+            </a:endParaRPr>
+          </a:p>
+        </p:txBody>
+      </p:sp>
+      <p:sp>
+        <p:nvSpPr>
+          <p:cNvPr id="40" name="菱形 39"/>
+          <p:cNvSpPr/>
+          <p:nvPr/>
+        </p:nvSpPr>
+        <p:spPr>
+          <a:xfrm>
+            <a:off x="2287181" y="1569852"/>
+            <a:ext cx="1321498" cy="580510"/>
+          </a:xfrm>
+          <a:prstGeom prst="diamond">
+            <a:avLst/>
+          </a:prstGeom>
+          <a:solidFill>
+            <a:schemeClr val="accent1">
+              <a:lumMod val="20000"/>
+              <a:lumOff val="80000"/>
+            </a:schemeClr>
+          </a:solidFill>
+          <a:ln>
+            <a:solidFill>
+              <a:schemeClr val="accent1">
+                <a:lumMod val="40000"/>
+                <a:lumOff val="60000"/>
+              </a:schemeClr>
+            </a:solidFill>
+          </a:ln>
+        </p:spPr>
+        <p:style>
+          <a:lnRef idx="2">
+            <a:schemeClr val="accent1">
+              <a:shade val="50000"/>
+            </a:schemeClr>
+          </a:lnRef>
+          <a:fillRef idx="1">
+            <a:schemeClr val="accent1"/>
+          </a:fillRef>
+          <a:effectRef idx="0">
+            <a:schemeClr val="accent1"/>
+          </a:effectRef>
+          <a:fontRef idx="minor">
+            <a:schemeClr val="lt1"/>
+          </a:fontRef>
+        </p:style>
+        <p:txBody>
+          <a:bodyPr lIns="91406" tIns="45703" rIns="91406" bIns="45703" spcCol="0" rtlCol="0" anchor="ctr"/>
+          <a:lstStyle/>
+          <a:p>
+            <a:pPr algn="ctr"/>
+            <a:r>
+              <a:rPr lang="zh-CN" altLang="en-US" sz="1400" dirty="0" smtClean="0">
+                <a:solidFill>
+                  <a:schemeClr val="tx1"/>
+                </a:solidFill>
+                <a:latin typeface="微软雅黑" pitchFamily="34" charset="-122"/>
+                <a:ea typeface="微软雅黑" pitchFamily="34" charset="-122"/>
+              </a:rPr>
+              <a:t>发送</a:t>
+            </a:r>
+            <a:endParaRPr lang="zh-CN" altLang="en-US" sz="1400" dirty="0">
+              <a:solidFill>
+                <a:schemeClr val="tx1"/>
+              </a:solidFill>
+              <a:latin typeface="微软雅黑" pitchFamily="34" charset="-122"/>
+              <a:ea typeface="微软雅黑" pitchFamily="34" charset="-122"/>
+            </a:endParaRPr>
+          </a:p>
+        </p:txBody>
+      </p:sp>
+      <p:cxnSp>
+        <p:nvCxnSpPr>
+          <p:cNvPr id="42" name="直接连接符 41"/>
+          <p:cNvCxnSpPr>
+            <a:stCxn id="39" idx="3"/>
+            <a:endCxn id="4" idx="1"/>
+          </p:cNvCxnSpPr>
+          <p:nvPr/>
+        </p:nvCxnSpPr>
+        <p:spPr>
+          <a:xfrm>
+            <a:off x="3605727" y="3359216"/>
+            <a:ext cx="800570" cy="0"/>
+          </a:xfrm>
+          <a:prstGeom prst="line">
+            <a:avLst/>
+          </a:prstGeom>
+        </p:spPr>
+        <p:style>
+          <a:lnRef idx="1">
+            <a:schemeClr val="accent1"/>
+          </a:lnRef>
+          <a:fillRef idx="0">
+            <a:schemeClr val="accent1"/>
+          </a:fillRef>
+          <a:effectRef idx="0">
+            <a:schemeClr val="accent1"/>
+          </a:effectRef>
+          <a:fontRef idx="minor">
+            <a:schemeClr val="tx1"/>
+          </a:fontRef>
+        </p:style>
+      </p:cxnSp>
+      <p:cxnSp>
+        <p:nvCxnSpPr>
+          <p:cNvPr id="44" name="直接连接符 43"/>
+          <p:cNvCxnSpPr>
+            <a:stCxn id="38" idx="2"/>
+            <a:endCxn id="39" idx="0"/>
+          </p:cNvCxnSpPr>
+          <p:nvPr/>
+        </p:nvCxnSpPr>
+        <p:spPr>
+          <a:xfrm flipH="1">
+            <a:off x="2944978" y="2793143"/>
+            <a:ext cx="2952" cy="275818"/>
+          </a:xfrm>
+          <a:prstGeom prst="line">
+            <a:avLst/>
+          </a:prstGeom>
+        </p:spPr>
+        <p:style>
+          <a:lnRef idx="1">
+            <a:schemeClr val="accent1"/>
+          </a:lnRef>
+          <a:fillRef idx="0">
+            <a:schemeClr val="accent1"/>
+          </a:fillRef>
+          <a:effectRef idx="0">
+            <a:schemeClr val="accent1"/>
+          </a:effectRef>
+          <a:fontRef idx="minor">
+            <a:schemeClr val="tx1"/>
+          </a:fontRef>
+        </p:style>
+      </p:cxnSp>
+      <p:cxnSp>
+        <p:nvCxnSpPr>
+          <p:cNvPr id="46" name="直接连接符 45"/>
+          <p:cNvCxnSpPr>
+            <a:stCxn id="40" idx="2"/>
+            <a:endCxn id="38" idx="0"/>
+          </p:cNvCxnSpPr>
+          <p:nvPr/>
+        </p:nvCxnSpPr>
+        <p:spPr>
+          <a:xfrm>
+            <a:off x="2947930" y="2150362"/>
+            <a:ext cx="0" cy="282741"/>
+          </a:xfrm>
+          <a:prstGeom prst="line">
+            <a:avLst/>
+          </a:prstGeom>
+        </p:spPr>
+        <p:style>
+          <a:lnRef idx="1">
+            <a:schemeClr val="accent1"/>
+          </a:lnRef>
+          <a:fillRef idx="0">
+            <a:schemeClr val="accent1"/>
+          </a:fillRef>
+          <a:effectRef idx="0">
+            <a:schemeClr val="accent1"/>
+          </a:effectRef>
+          <a:fontRef idx="minor">
+            <a:schemeClr val="tx1"/>
+          </a:fontRef>
+        </p:style>
+      </p:cxnSp>
+      <p:cxnSp>
+        <p:nvCxnSpPr>
+          <p:cNvPr id="48" name="直接连接符 47"/>
+          <p:cNvCxnSpPr>
+            <a:stCxn id="25" idx="3"/>
+            <a:endCxn id="40" idx="1"/>
+          </p:cNvCxnSpPr>
+          <p:nvPr/>
+        </p:nvCxnSpPr>
+        <p:spPr>
+          <a:xfrm>
+            <a:off x="1688018" y="1860107"/>
+            <a:ext cx="599163" cy="0"/>
+          </a:xfrm>
+          <a:prstGeom prst="line">
+            <a:avLst/>
+          </a:prstGeom>
+        </p:spPr>
+        <p:style>
+          <a:lnRef idx="1">
+            <a:schemeClr val="accent1"/>
+          </a:lnRef>
+          <a:fillRef idx="0">
+            <a:schemeClr val="accent1"/>
+          </a:fillRef>
+          <a:effectRef idx="0">
+            <a:schemeClr val="accent1"/>
+          </a:effectRef>
+          <a:fontRef idx="minor">
+            <a:schemeClr val="tx1"/>
+          </a:fontRef>
+        </p:style>
+      </p:cxnSp>
+      <p:sp>
+        <p:nvSpPr>
+          <p:cNvPr id="57" name="矩形 56"/>
+          <p:cNvSpPr/>
+          <p:nvPr/>
+        </p:nvSpPr>
+        <p:spPr>
+          <a:xfrm>
+            <a:off x="7286613" y="4619356"/>
+            <a:ext cx="1026141" cy="360040"/>
+          </a:xfrm>
+          <a:prstGeom prst="rect">
+            <a:avLst/>
+          </a:prstGeom>
+          <a:solidFill>
+            <a:schemeClr val="accent1">
+              <a:lumMod val="20000"/>
+              <a:lumOff val="80000"/>
+            </a:schemeClr>
+          </a:solidFill>
+          <a:ln>
+            <a:solidFill>
+              <a:schemeClr val="accent1">
+                <a:lumMod val="40000"/>
+                <a:lumOff val="60000"/>
+              </a:schemeClr>
+            </a:solidFill>
+          </a:ln>
+        </p:spPr>
+        <p:style>
+          <a:lnRef idx="2">
+            <a:schemeClr val="accent1">
+              <a:shade val="50000"/>
+            </a:schemeClr>
+          </a:lnRef>
+          <a:fillRef idx="1">
+            <a:schemeClr val="accent1"/>
+          </a:fillRef>
+          <a:effectRef idx="0">
+            <a:schemeClr val="accent1"/>
+          </a:effectRef>
+          <a:fontRef idx="minor">
+            <a:schemeClr val="lt1"/>
+          </a:fontRef>
+        </p:style>
+        <p:txBody>
+          <a:bodyPr lIns="91406" tIns="45703" rIns="91406" bIns="45703" spcCol="0" rtlCol="0" anchor="ctr"/>
+          <a:lstStyle/>
+          <a:p>
+            <a:pPr algn="ctr"/>
+            <a:r>
+              <a:rPr lang="zh-CN" altLang="en-US" sz="1400" dirty="0">
+                <a:solidFill>
+                  <a:schemeClr val="tx1"/>
+                </a:solidFill>
+                <a:latin typeface="微软雅黑" pitchFamily="34" charset="-122"/>
+                <a:ea typeface="微软雅黑" pitchFamily="34" charset="-122"/>
+              </a:rPr>
+              <a:t>座位</a:t>
+            </a:r>
+          </a:p>
+        </p:txBody>
+      </p:sp>
+      <p:sp>
+        <p:nvSpPr>
+          <p:cNvPr id="58" name="菱形 57"/>
+          <p:cNvSpPr/>
+          <p:nvPr/>
+        </p:nvSpPr>
+        <p:spPr>
+          <a:xfrm>
+            <a:off x="5702437" y="4513567"/>
+            <a:ext cx="1321498" cy="580510"/>
+          </a:xfrm>
+          <a:prstGeom prst="diamond">
+            <a:avLst/>
+          </a:prstGeom>
+          <a:solidFill>
+            <a:schemeClr val="accent1">
+              <a:lumMod val="20000"/>
+              <a:lumOff val="80000"/>
+            </a:schemeClr>
+          </a:solidFill>
+          <a:ln>
+            <a:solidFill>
+              <a:schemeClr val="accent1">
+                <a:lumMod val="40000"/>
+                <a:lumOff val="60000"/>
+              </a:schemeClr>
+            </a:solidFill>
+          </a:ln>
+        </p:spPr>
+        <p:style>
+          <a:lnRef idx="2">
+            <a:schemeClr val="accent1">
+              <a:shade val="50000"/>
+            </a:schemeClr>
+          </a:lnRef>
+          <a:fillRef idx="1">
+            <a:schemeClr val="accent1"/>
+          </a:fillRef>
+          <a:effectRef idx="0">
+            <a:schemeClr val="accent1"/>
+          </a:effectRef>
+          <a:fontRef idx="minor">
+            <a:schemeClr val="lt1"/>
+          </a:fontRef>
+        </p:style>
+        <p:txBody>
+          <a:bodyPr lIns="91406" tIns="45703" rIns="91406" bIns="45703" spcCol="0" rtlCol="0" anchor="ctr"/>
+          <a:lstStyle/>
+          <a:p>
+            <a:pPr algn="ctr"/>
+            <a:r>
+              <a:rPr lang="zh-CN" altLang="en-US" sz="1400" dirty="0">
+                <a:solidFill>
+                  <a:schemeClr val="tx1"/>
+                </a:solidFill>
+                <a:latin typeface="微软雅黑" pitchFamily="34" charset="-122"/>
+                <a:ea typeface="微软雅黑" pitchFamily="34" charset="-122"/>
+              </a:rPr>
+              <a:t>限定</a:t>
+            </a:r>
+          </a:p>
+        </p:txBody>
+      </p:sp>
+      <p:cxnSp>
+        <p:nvCxnSpPr>
+          <p:cNvPr id="60" name="直接连接符 59"/>
+          <p:cNvCxnSpPr>
+            <a:stCxn id="5" idx="3"/>
+            <a:endCxn id="58" idx="1"/>
+          </p:cNvCxnSpPr>
+          <p:nvPr/>
+        </p:nvCxnSpPr>
+        <p:spPr>
+          <a:xfrm>
+            <a:off x="5432438" y="4799376"/>
+            <a:ext cx="269999" cy="4446"/>
+          </a:xfrm>
+          <a:prstGeom prst="line">
+            <a:avLst/>
+          </a:prstGeom>
+        </p:spPr>
+        <p:style>
+          <a:lnRef idx="1">
+            <a:schemeClr val="accent1"/>
+          </a:lnRef>
+          <a:fillRef idx="0">
+            <a:schemeClr val="accent1"/>
+          </a:fillRef>
+          <a:effectRef idx="0">
+            <a:schemeClr val="accent1"/>
+          </a:effectRef>
+          <a:fontRef idx="minor">
+            <a:schemeClr val="tx1"/>
+          </a:fontRef>
+        </p:style>
+      </p:cxnSp>
+      <p:cxnSp>
+        <p:nvCxnSpPr>
+          <p:cNvPr id="65" name="直接连接符 64"/>
+          <p:cNvCxnSpPr>
+            <a:stCxn id="58" idx="3"/>
+            <a:endCxn id="57" idx="1"/>
+          </p:cNvCxnSpPr>
+          <p:nvPr/>
+        </p:nvCxnSpPr>
+        <p:spPr>
+          <a:xfrm flipV="1">
+            <a:off x="7023935" y="4799376"/>
+            <a:ext cx="262678" cy="4446"/>
+          </a:xfrm>
+          <a:prstGeom prst="line">
+            <a:avLst/>
+          </a:prstGeom>
+        </p:spPr>
+        <p:style>
+          <a:lnRef idx="1">
+            <a:schemeClr val="accent1"/>
+          </a:lnRef>
+          <a:fillRef idx="0">
+            <a:schemeClr val="accent1"/>
+          </a:fillRef>
+          <a:effectRef idx="0">
+            <a:schemeClr val="accent1"/>
+          </a:effectRef>
+          <a:fontRef idx="minor">
+            <a:schemeClr val="tx1"/>
+          </a:fontRef>
+        </p:style>
+      </p:cxnSp>
+      <p:sp>
+        <p:nvSpPr>
+          <p:cNvPr id="66" name="菱形 65"/>
+          <p:cNvSpPr/>
+          <p:nvPr/>
+        </p:nvSpPr>
+        <p:spPr>
+          <a:xfrm>
+            <a:off x="7138934" y="3827267"/>
+            <a:ext cx="1321498" cy="580510"/>
+          </a:xfrm>
+          <a:prstGeom prst="diamond">
+            <a:avLst/>
+          </a:prstGeom>
+          <a:solidFill>
+            <a:schemeClr val="accent1">
+              <a:lumMod val="20000"/>
+              <a:lumOff val="80000"/>
+            </a:schemeClr>
+          </a:solidFill>
+          <a:ln>
+            <a:solidFill>
+              <a:schemeClr val="accent1">
+                <a:lumMod val="40000"/>
+                <a:lumOff val="60000"/>
+              </a:schemeClr>
+            </a:solidFill>
+          </a:ln>
+        </p:spPr>
+        <p:style>
+          <a:lnRef idx="2">
+            <a:schemeClr val="accent1">
+              <a:shade val="50000"/>
+            </a:schemeClr>
+          </a:lnRef>
+          <a:fillRef idx="1">
+            <a:schemeClr val="accent1"/>
+          </a:fillRef>
+          <a:effectRef idx="0">
+            <a:schemeClr val="accent1"/>
+          </a:effectRef>
+          <a:fontRef idx="minor">
+            <a:schemeClr val="lt1"/>
+          </a:fontRef>
+        </p:style>
+        <p:txBody>
+          <a:bodyPr lIns="91406" tIns="45703" rIns="91406" bIns="45703" spcCol="0" rtlCol="0" anchor="ctr"/>
+          <a:lstStyle/>
+          <a:p>
+            <a:pPr algn="ctr"/>
+            <a:r>
+              <a:rPr lang="zh-CN" altLang="en-US" sz="1400" dirty="0" smtClean="0">
+                <a:solidFill>
+                  <a:schemeClr val="tx1"/>
+                </a:solidFill>
+                <a:latin typeface="微软雅黑" pitchFamily="34" charset="-122"/>
+                <a:ea typeface="微软雅黑" pitchFamily="34" charset="-122"/>
+              </a:rPr>
+              <a:t>声明</a:t>
+            </a:r>
+            <a:endParaRPr lang="zh-CN" altLang="en-US" sz="1400" dirty="0">
+              <a:solidFill>
+                <a:schemeClr val="tx1"/>
+              </a:solidFill>
+              <a:latin typeface="微软雅黑" pitchFamily="34" charset="-122"/>
+              <a:ea typeface="微软雅黑" pitchFamily="34" charset="-122"/>
+            </a:endParaRPr>
+          </a:p>
+        </p:txBody>
+      </p:sp>
+      <p:cxnSp>
+        <p:nvCxnSpPr>
+          <p:cNvPr id="68" name="直接连接符 67"/>
+          <p:cNvCxnSpPr>
+            <a:stCxn id="66" idx="2"/>
+            <a:endCxn id="57" idx="0"/>
+          </p:cNvCxnSpPr>
+          <p:nvPr/>
+        </p:nvCxnSpPr>
+        <p:spPr>
+          <a:xfrm>
+            <a:off x="7799683" y="4407777"/>
+            <a:ext cx="1" cy="211579"/>
+          </a:xfrm>
+          <a:prstGeom prst="line">
+            <a:avLst/>
+          </a:prstGeom>
+        </p:spPr>
+        <p:style>
+          <a:lnRef idx="1">
+            <a:schemeClr val="accent1"/>
+          </a:lnRef>
+          <a:fillRef idx="0">
+            <a:schemeClr val="accent1"/>
+          </a:fillRef>
+          <a:effectRef idx="0">
+            <a:schemeClr val="accent1"/>
+          </a:effectRef>
+          <a:fontRef idx="minor">
+            <a:schemeClr val="tx1"/>
+          </a:fontRef>
+        </p:style>
+      </p:cxnSp>
+      <p:cxnSp>
+        <p:nvCxnSpPr>
+          <p:cNvPr id="70" name="直接连接符 69"/>
+          <p:cNvCxnSpPr>
+            <a:stCxn id="23" idx="2"/>
+            <a:endCxn id="66" idx="0"/>
+          </p:cNvCxnSpPr>
+          <p:nvPr/>
+        </p:nvCxnSpPr>
+        <p:spPr>
+          <a:xfrm flipH="1">
+            <a:off x="7799683" y="3522288"/>
+            <a:ext cx="1" cy="304979"/>
+          </a:xfrm>
+          <a:prstGeom prst="line">
+            <a:avLst/>
+          </a:prstGeom>
+        </p:spPr>
+        <p:style>
+          <a:lnRef idx="1">
+            <a:schemeClr val="accent1"/>
+          </a:lnRef>
+          <a:fillRef idx="0">
+            <a:schemeClr val="accent1"/>
+          </a:fillRef>
+          <a:effectRef idx="0">
+            <a:schemeClr val="accent1"/>
+          </a:effectRef>
+          <a:fontRef idx="minor">
+            <a:schemeClr val="tx1"/>
+          </a:fontRef>
+        </p:style>
+      </p:cxnSp>
+      <p:sp>
+        <p:nvSpPr>
+          <p:cNvPr id="73" name="矩形 72"/>
+          <p:cNvSpPr/>
+          <p:nvPr/>
+        </p:nvSpPr>
+        <p:spPr>
+          <a:xfrm>
+            <a:off x="7297591" y="6059515"/>
+            <a:ext cx="1026141" cy="360040"/>
+          </a:xfrm>
+          <a:prstGeom prst="rect">
+            <a:avLst/>
+          </a:prstGeom>
+          <a:solidFill>
+            <a:schemeClr val="accent1">
+              <a:lumMod val="20000"/>
+              <a:lumOff val="80000"/>
+            </a:schemeClr>
+          </a:solidFill>
+          <a:ln>
+            <a:solidFill>
+              <a:schemeClr val="accent1">
+                <a:lumMod val="40000"/>
+                <a:lumOff val="60000"/>
+              </a:schemeClr>
+            </a:solidFill>
+          </a:ln>
+        </p:spPr>
+        <p:style>
+          <a:lnRef idx="2">
+            <a:schemeClr val="accent1">
+              <a:shade val="50000"/>
+            </a:schemeClr>
+          </a:lnRef>
+          <a:fillRef idx="1">
+            <a:schemeClr val="accent1"/>
+          </a:fillRef>
+          <a:effectRef idx="0">
+            <a:schemeClr val="accent1"/>
+          </a:effectRef>
+          <a:fontRef idx="minor">
+            <a:schemeClr val="lt1"/>
+          </a:fontRef>
+        </p:style>
+        <p:txBody>
+          <a:bodyPr lIns="91406" tIns="45703" rIns="91406" bIns="45703" spcCol="0" rtlCol="0" anchor="ctr"/>
+          <a:lstStyle/>
+          <a:p>
+            <a:pPr algn="ctr"/>
+            <a:r>
+              <a:rPr lang="zh-CN" altLang="en-US" sz="1400" dirty="0">
+                <a:solidFill>
+                  <a:schemeClr val="tx1"/>
+                </a:solidFill>
+                <a:latin typeface="微软雅黑" pitchFamily="34" charset="-122"/>
+                <a:ea typeface="微软雅黑" pitchFamily="34" charset="-122"/>
+              </a:rPr>
+              <a:t>教室</a:t>
+            </a:r>
+          </a:p>
+        </p:txBody>
+      </p:sp>
+      <p:sp>
+        <p:nvSpPr>
+          <p:cNvPr id="74" name="菱形 73"/>
+          <p:cNvSpPr/>
+          <p:nvPr/>
+        </p:nvSpPr>
+        <p:spPr>
+          <a:xfrm>
+            <a:off x="7138933" y="5195418"/>
+            <a:ext cx="1321498" cy="580510"/>
+          </a:xfrm>
+          <a:prstGeom prst="diamond">
+            <a:avLst/>
+          </a:prstGeom>
+          <a:solidFill>
+            <a:schemeClr val="accent1">
+              <a:lumMod val="20000"/>
+              <a:lumOff val="80000"/>
+            </a:schemeClr>
+          </a:solidFill>
+          <a:ln>
+            <a:solidFill>
+              <a:schemeClr val="accent1">
+                <a:lumMod val="40000"/>
+                <a:lumOff val="60000"/>
+              </a:schemeClr>
+            </a:solidFill>
+          </a:ln>
+        </p:spPr>
+        <p:style>
+          <a:lnRef idx="2">
+            <a:schemeClr val="accent1">
+              <a:shade val="50000"/>
+            </a:schemeClr>
+          </a:lnRef>
+          <a:fillRef idx="1">
+            <a:schemeClr val="accent1"/>
+          </a:fillRef>
+          <a:effectRef idx="0">
+            <a:schemeClr val="accent1"/>
+          </a:effectRef>
+          <a:fontRef idx="minor">
+            <a:schemeClr val="lt1"/>
+          </a:fontRef>
+        </p:style>
+        <p:txBody>
+          <a:bodyPr lIns="91406" tIns="45703" rIns="91406" bIns="45703" spcCol="0" rtlCol="0" anchor="ctr"/>
+          <a:lstStyle/>
+          <a:p>
+            <a:pPr algn="ctr"/>
+            <a:r>
+              <a:rPr lang="zh-CN" altLang="en-US" sz="1400" dirty="0">
+                <a:solidFill>
+                  <a:schemeClr val="tx1"/>
+                </a:solidFill>
+                <a:latin typeface="微软雅黑" pitchFamily="34" charset="-122"/>
+                <a:ea typeface="微软雅黑" pitchFamily="34" charset="-122"/>
+              </a:rPr>
+              <a:t>属于</a:t>
+            </a:r>
+          </a:p>
+        </p:txBody>
+      </p:sp>
+      <p:cxnSp>
+        <p:nvCxnSpPr>
+          <p:cNvPr id="75" name="直接连接符 74"/>
+          <p:cNvCxnSpPr>
+            <a:stCxn id="73" idx="0"/>
+            <a:endCxn id="74" idx="2"/>
+          </p:cNvCxnSpPr>
+          <p:nvPr/>
+        </p:nvCxnSpPr>
+        <p:spPr>
+          <a:xfrm flipH="1" flipV="1">
+            <a:off x="7799682" y="5775928"/>
+            <a:ext cx="10980" cy="283587"/>
+          </a:xfrm>
+          <a:prstGeom prst="line">
+            <a:avLst/>
+          </a:prstGeom>
+        </p:spPr>
+        <p:style>
+          <a:lnRef idx="1">
+            <a:schemeClr val="accent1"/>
+          </a:lnRef>
+          <a:fillRef idx="0">
+            <a:schemeClr val="accent1"/>
+          </a:fillRef>
+          <a:effectRef idx="0">
+            <a:schemeClr val="accent1"/>
+          </a:effectRef>
+          <a:fontRef idx="minor">
+            <a:schemeClr val="tx1"/>
+          </a:fontRef>
+        </p:style>
+      </p:cxnSp>
+      <p:cxnSp>
+        <p:nvCxnSpPr>
+          <p:cNvPr id="76" name="直接连接符 75"/>
+          <p:cNvCxnSpPr>
+            <a:stCxn id="74" idx="0"/>
+            <a:endCxn id="57" idx="2"/>
+          </p:cNvCxnSpPr>
+          <p:nvPr/>
+        </p:nvCxnSpPr>
+        <p:spPr>
+          <a:xfrm flipV="1">
+            <a:off x="7799682" y="4979396"/>
+            <a:ext cx="2" cy="216022"/>
+          </a:xfrm>
+          <a:prstGeom prst="line">
+            <a:avLst/>
+          </a:prstGeom>
+        </p:spPr>
+        <p:style>
+          <a:lnRef idx="1">
+            <a:schemeClr val="accent1"/>
+          </a:lnRef>
+          <a:fillRef idx="0">
+            <a:schemeClr val="accent1"/>
+          </a:fillRef>
+          <a:effectRef idx="0">
+            <a:schemeClr val="accent1"/>
+          </a:effectRef>
+          <a:fontRef idx="minor">
+            <a:schemeClr val="tx1"/>
+          </a:fontRef>
+        </p:style>
+      </p:cxnSp>
+      <p:sp>
+        <p:nvSpPr>
+          <p:cNvPr id="83" name="矩形 82"/>
+          <p:cNvSpPr/>
+          <p:nvPr/>
+        </p:nvSpPr>
+        <p:spPr>
+          <a:xfrm>
+            <a:off x="5842655" y="2418948"/>
+            <a:ext cx="1026141" cy="360040"/>
+          </a:xfrm>
+          <a:prstGeom prst="rect">
+            <a:avLst/>
+          </a:prstGeom>
+          <a:solidFill>
+            <a:schemeClr val="accent1">
+              <a:lumMod val="20000"/>
+              <a:lumOff val="80000"/>
+            </a:schemeClr>
+          </a:solidFill>
+          <a:ln>
+            <a:solidFill>
+              <a:schemeClr val="accent1">
+                <a:lumMod val="40000"/>
+                <a:lumOff val="60000"/>
+              </a:schemeClr>
+            </a:solidFill>
+          </a:ln>
+        </p:spPr>
+        <p:style>
+          <a:lnRef idx="2">
+            <a:schemeClr val="accent1">
+              <a:shade val="50000"/>
+            </a:schemeClr>
+          </a:lnRef>
+          <a:fillRef idx="1">
+            <a:schemeClr val="accent1"/>
+          </a:fillRef>
+          <a:effectRef idx="0">
+            <a:schemeClr val="accent1"/>
+          </a:effectRef>
+          <a:fontRef idx="minor">
+            <a:schemeClr val="lt1"/>
+          </a:fontRef>
+        </p:style>
+        <p:txBody>
+          <a:bodyPr lIns="91406" tIns="45703" rIns="91406" bIns="45703" spcCol="0" rtlCol="0" anchor="ctr"/>
+          <a:lstStyle/>
+          <a:p>
+            <a:pPr algn="ctr"/>
+            <a:r>
+              <a:rPr lang="zh-CN" altLang="en-US" sz="1400" dirty="0">
+                <a:solidFill>
+                  <a:schemeClr val="tx1"/>
+                </a:solidFill>
+                <a:latin typeface="微软雅黑" pitchFamily="34" charset="-122"/>
+                <a:ea typeface="微软雅黑" pitchFamily="34" charset="-122"/>
+              </a:rPr>
+              <a:t>缺勤信息</a:t>
+            </a:r>
+          </a:p>
+        </p:txBody>
+      </p:sp>
+      <p:sp>
+        <p:nvSpPr>
+          <p:cNvPr id="86" name="菱形 85"/>
+          <p:cNvSpPr/>
+          <p:nvPr/>
+        </p:nvSpPr>
+        <p:spPr>
+          <a:xfrm>
+            <a:off x="5702437" y="3068961"/>
+            <a:ext cx="1321498" cy="580510"/>
+          </a:xfrm>
+          <a:prstGeom prst="diamond">
+            <a:avLst/>
+          </a:prstGeom>
+          <a:solidFill>
+            <a:schemeClr val="accent1">
+              <a:lumMod val="20000"/>
+              <a:lumOff val="80000"/>
+            </a:schemeClr>
+          </a:solidFill>
+          <a:ln>
+            <a:solidFill>
+              <a:schemeClr val="accent1">
+                <a:lumMod val="40000"/>
+                <a:lumOff val="60000"/>
+              </a:schemeClr>
+            </a:solidFill>
+          </a:ln>
+        </p:spPr>
+        <p:style>
+          <a:lnRef idx="2">
+            <a:schemeClr val="accent1">
+              <a:shade val="50000"/>
+            </a:schemeClr>
+          </a:lnRef>
+          <a:fillRef idx="1">
+            <a:schemeClr val="accent1"/>
+          </a:fillRef>
+          <a:effectRef idx="0">
+            <a:schemeClr val="accent1"/>
+          </a:effectRef>
+          <a:fontRef idx="minor">
+            <a:schemeClr val="lt1"/>
+          </a:fontRef>
+        </p:style>
+        <p:txBody>
+          <a:bodyPr lIns="91406" tIns="45703" rIns="91406" bIns="45703" spcCol="0" rtlCol="0" anchor="ctr"/>
+          <a:lstStyle/>
+          <a:p>
+            <a:pPr algn="ctr"/>
+            <a:r>
+              <a:rPr lang="zh-CN" altLang="en-US" sz="1400" dirty="0" smtClean="0">
+                <a:solidFill>
+                  <a:schemeClr val="tx1"/>
+                </a:solidFill>
+                <a:latin typeface="微软雅黑" pitchFamily="34" charset="-122"/>
+                <a:ea typeface="微软雅黑" pitchFamily="34" charset="-122"/>
+              </a:rPr>
+              <a:t>产生</a:t>
+            </a:r>
+            <a:endParaRPr lang="zh-CN" altLang="en-US" sz="1400" dirty="0">
+              <a:solidFill>
+                <a:schemeClr val="tx1"/>
+              </a:solidFill>
+              <a:latin typeface="微软雅黑" pitchFamily="34" charset="-122"/>
+              <a:ea typeface="微软雅黑" pitchFamily="34" charset="-122"/>
+            </a:endParaRPr>
+          </a:p>
+        </p:txBody>
+      </p:sp>
+      <p:cxnSp>
+        <p:nvCxnSpPr>
+          <p:cNvPr id="88" name="直接连接符 87"/>
+          <p:cNvCxnSpPr>
+            <a:stCxn id="4" idx="3"/>
+            <a:endCxn id="86" idx="1"/>
+          </p:cNvCxnSpPr>
+          <p:nvPr/>
+        </p:nvCxnSpPr>
+        <p:spPr>
+          <a:xfrm>
+            <a:off x="5432438" y="3359216"/>
+            <a:ext cx="269999" cy="0"/>
+          </a:xfrm>
+          <a:prstGeom prst="line">
+            <a:avLst/>
+          </a:prstGeom>
+        </p:spPr>
+        <p:style>
+          <a:lnRef idx="1">
+            <a:schemeClr val="accent1"/>
+          </a:lnRef>
+          <a:fillRef idx="0">
+            <a:schemeClr val="accent1"/>
+          </a:fillRef>
+          <a:effectRef idx="0">
+            <a:schemeClr val="accent1"/>
+          </a:effectRef>
+          <a:fontRef idx="minor">
+            <a:schemeClr val="tx1"/>
+          </a:fontRef>
+        </p:style>
+      </p:cxnSp>
+      <p:cxnSp>
+        <p:nvCxnSpPr>
+          <p:cNvPr id="92" name="直接连接符 91"/>
+          <p:cNvCxnSpPr>
+            <a:stCxn id="86" idx="0"/>
+            <a:endCxn id="83" idx="2"/>
+          </p:cNvCxnSpPr>
+          <p:nvPr/>
+        </p:nvCxnSpPr>
+        <p:spPr>
+          <a:xfrm flipH="1" flipV="1">
+            <a:off x="6355726" y="2778988"/>
+            <a:ext cx="7460" cy="289973"/>
+          </a:xfrm>
+          <a:prstGeom prst="line">
+            <a:avLst/>
+          </a:prstGeom>
+        </p:spPr>
+        <p:style>
+          <a:lnRef idx="1">
+            <a:schemeClr val="accent1"/>
+          </a:lnRef>
+          <a:fillRef idx="0">
+            <a:schemeClr val="accent1"/>
+          </a:fillRef>
+          <a:effectRef idx="0">
+            <a:schemeClr val="accent1"/>
+          </a:effectRef>
+          <a:fontRef idx="minor">
+            <a:schemeClr val="tx1"/>
+          </a:fontRef>
+        </p:style>
+      </p:cxnSp>
+      <p:sp>
+        <p:nvSpPr>
+          <p:cNvPr id="94" name="矩形 93"/>
+          <p:cNvSpPr/>
+          <p:nvPr/>
+        </p:nvSpPr>
+        <p:spPr>
+          <a:xfrm>
+            <a:off x="665537" y="154859"/>
+            <a:ext cx="1026141" cy="360040"/>
+          </a:xfrm>
+          <a:prstGeom prst="rect">
+            <a:avLst/>
+          </a:prstGeom>
+          <a:solidFill>
+            <a:schemeClr val="accent1">
+              <a:lumMod val="20000"/>
+              <a:lumOff val="80000"/>
+            </a:schemeClr>
+          </a:solidFill>
+          <a:ln>
+            <a:solidFill>
+              <a:schemeClr val="accent1">
+                <a:lumMod val="40000"/>
+                <a:lumOff val="60000"/>
+              </a:schemeClr>
+            </a:solidFill>
+          </a:ln>
+        </p:spPr>
+        <p:style>
+          <a:lnRef idx="2">
+            <a:schemeClr val="accent1">
+              <a:shade val="50000"/>
+            </a:schemeClr>
+          </a:lnRef>
+          <a:fillRef idx="1">
+            <a:schemeClr val="accent1"/>
+          </a:fillRef>
+          <a:effectRef idx="0">
+            <a:schemeClr val="accent1"/>
+          </a:effectRef>
+          <a:fontRef idx="minor">
+            <a:schemeClr val="lt1"/>
+          </a:fontRef>
+        </p:style>
+        <p:txBody>
+          <a:bodyPr lIns="91406" tIns="45703" rIns="91406" bIns="45703" spcCol="0" rtlCol="0" anchor="ctr"/>
+          <a:lstStyle/>
+          <a:p>
+            <a:pPr algn="ctr"/>
+            <a:r>
+              <a:rPr lang="zh-CN" altLang="en-US" sz="1400" dirty="0">
+                <a:solidFill>
+                  <a:schemeClr val="tx1"/>
+                </a:solidFill>
+                <a:latin typeface="微软雅黑" pitchFamily="34" charset="-122"/>
+                <a:ea typeface="微软雅黑" pitchFamily="34" charset="-122"/>
+              </a:rPr>
+              <a:t>换课申请</a:t>
+            </a:r>
+          </a:p>
+        </p:txBody>
+      </p:sp>
+      <p:sp>
+        <p:nvSpPr>
+          <p:cNvPr id="95" name="菱形 94"/>
+          <p:cNvSpPr/>
+          <p:nvPr/>
+        </p:nvSpPr>
+        <p:spPr>
+          <a:xfrm>
+            <a:off x="514196" y="802931"/>
+            <a:ext cx="1321498" cy="580510"/>
+          </a:xfrm>
+          <a:prstGeom prst="diamond">
+            <a:avLst/>
+          </a:prstGeom>
+          <a:solidFill>
+            <a:schemeClr val="accent1">
+              <a:lumMod val="20000"/>
+              <a:lumOff val="80000"/>
+            </a:schemeClr>
+          </a:solidFill>
+          <a:ln>
+            <a:solidFill>
+              <a:schemeClr val="accent1">
+                <a:lumMod val="40000"/>
+                <a:lumOff val="60000"/>
+              </a:schemeClr>
+            </a:solidFill>
+          </a:ln>
+        </p:spPr>
+        <p:style>
+          <a:lnRef idx="2">
+            <a:schemeClr val="accent1">
+              <a:shade val="50000"/>
+            </a:schemeClr>
+          </a:lnRef>
+          <a:fillRef idx="1">
+            <a:schemeClr val="accent1"/>
+          </a:fillRef>
+          <a:effectRef idx="0">
+            <a:schemeClr val="accent1"/>
+          </a:effectRef>
+          <a:fontRef idx="minor">
+            <a:schemeClr val="lt1"/>
+          </a:fontRef>
+        </p:style>
+        <p:txBody>
+          <a:bodyPr lIns="91406" tIns="45703" rIns="91406" bIns="45703" spcCol="0" rtlCol="0" anchor="ctr"/>
+          <a:lstStyle/>
+          <a:p>
+            <a:pPr algn="ctr"/>
+            <a:r>
+              <a:rPr lang="zh-CN" altLang="en-US" sz="1400" dirty="0" smtClean="0">
+                <a:solidFill>
+                  <a:schemeClr val="tx1"/>
+                </a:solidFill>
+                <a:latin typeface="微软雅黑" pitchFamily="34" charset="-122"/>
+                <a:ea typeface="微软雅黑" pitchFamily="34" charset="-122"/>
+              </a:rPr>
+              <a:t>发送</a:t>
+            </a:r>
+            <a:endParaRPr lang="zh-CN" altLang="en-US" sz="1400" dirty="0">
+              <a:solidFill>
+                <a:schemeClr val="tx1"/>
+              </a:solidFill>
+              <a:latin typeface="微软雅黑" pitchFamily="34" charset="-122"/>
+              <a:ea typeface="微软雅黑" pitchFamily="34" charset="-122"/>
+            </a:endParaRPr>
+          </a:p>
+        </p:txBody>
+      </p:sp>
+      <p:cxnSp>
+        <p:nvCxnSpPr>
+          <p:cNvPr id="97" name="直接连接符 96"/>
+          <p:cNvCxnSpPr>
+            <a:stCxn id="94" idx="2"/>
+            <a:endCxn id="95" idx="0"/>
+          </p:cNvCxnSpPr>
+          <p:nvPr/>
+        </p:nvCxnSpPr>
+        <p:spPr>
+          <a:xfrm flipH="1">
+            <a:off x="1174945" y="514899"/>
+            <a:ext cx="3663" cy="288032"/>
+          </a:xfrm>
+          <a:prstGeom prst="line">
+            <a:avLst/>
+          </a:prstGeom>
+        </p:spPr>
+        <p:style>
+          <a:lnRef idx="1">
+            <a:schemeClr val="accent1"/>
+          </a:lnRef>
+          <a:fillRef idx="0">
+            <a:schemeClr val="accent1"/>
+          </a:fillRef>
+          <a:effectRef idx="0">
+            <a:schemeClr val="accent1"/>
+          </a:effectRef>
+          <a:fontRef idx="minor">
+            <a:schemeClr val="tx1"/>
+          </a:fontRef>
+        </p:style>
+      </p:cxnSp>
+      <p:cxnSp>
+        <p:nvCxnSpPr>
+          <p:cNvPr id="99" name="直接连接符 98"/>
+          <p:cNvCxnSpPr>
+            <a:stCxn id="95" idx="2"/>
+            <a:endCxn id="25" idx="0"/>
+          </p:cNvCxnSpPr>
+          <p:nvPr/>
+        </p:nvCxnSpPr>
+        <p:spPr>
+          <a:xfrm>
+            <a:off x="1174945" y="1383441"/>
+            <a:ext cx="3" cy="296646"/>
+          </a:xfrm>
+          <a:prstGeom prst="line">
+            <a:avLst/>
+          </a:prstGeom>
+        </p:spPr>
+        <p:style>
+          <a:lnRef idx="1">
+            <a:schemeClr val="accent1"/>
+          </a:lnRef>
+          <a:fillRef idx="0">
+            <a:schemeClr val="accent1"/>
+          </a:fillRef>
+          <a:effectRef idx="0">
+            <a:schemeClr val="accent1"/>
+          </a:effectRef>
+          <a:fontRef idx="minor">
+            <a:schemeClr val="tx1"/>
+          </a:fontRef>
+        </p:style>
+      </p:cxnSp>
+      <p:sp>
+        <p:nvSpPr>
+          <p:cNvPr id="100" name="矩形 99"/>
+          <p:cNvSpPr/>
+          <p:nvPr/>
+        </p:nvSpPr>
+        <p:spPr>
+          <a:xfrm>
+            <a:off x="4406293" y="149338"/>
+            <a:ext cx="1026141" cy="360040"/>
+          </a:xfrm>
+          <a:prstGeom prst="rect">
+            <a:avLst/>
+          </a:prstGeom>
+          <a:solidFill>
+            <a:schemeClr val="accent1">
+              <a:lumMod val="20000"/>
+              <a:lumOff val="80000"/>
+            </a:schemeClr>
+          </a:solidFill>
+          <a:ln>
+            <a:solidFill>
+              <a:schemeClr val="accent1">
+                <a:lumMod val="40000"/>
+                <a:lumOff val="60000"/>
+              </a:schemeClr>
+            </a:solidFill>
+          </a:ln>
+        </p:spPr>
+        <p:style>
+          <a:lnRef idx="2">
+            <a:schemeClr val="accent1">
+              <a:shade val="50000"/>
+            </a:schemeClr>
+          </a:lnRef>
+          <a:fillRef idx="1">
+            <a:schemeClr val="accent1"/>
+          </a:fillRef>
+          <a:effectRef idx="0">
+            <a:schemeClr val="accent1"/>
+          </a:effectRef>
+          <a:fontRef idx="minor">
+            <a:schemeClr val="lt1"/>
+          </a:fontRef>
+        </p:style>
+        <p:txBody>
+          <a:bodyPr lIns="91406" tIns="45703" rIns="91406" bIns="45703" spcCol="0" rtlCol="0" anchor="ctr"/>
+          <a:lstStyle/>
+          <a:p>
+            <a:pPr algn="ctr"/>
+            <a:r>
+              <a:rPr lang="zh-CN" altLang="en-US" sz="1400" dirty="0">
+                <a:solidFill>
+                  <a:schemeClr val="tx1"/>
+                </a:solidFill>
+                <a:latin typeface="微软雅黑" pitchFamily="34" charset="-122"/>
+                <a:ea typeface="微软雅黑" pitchFamily="34" charset="-122"/>
+              </a:rPr>
+              <a:t>管理员</a:t>
+            </a:r>
+          </a:p>
+        </p:txBody>
+      </p:sp>
+      <p:sp>
+        <p:nvSpPr>
+          <p:cNvPr id="101" name="菱形 100"/>
+          <p:cNvSpPr/>
+          <p:nvPr/>
+        </p:nvSpPr>
+        <p:spPr>
+          <a:xfrm>
+            <a:off x="2287181" y="44624"/>
+            <a:ext cx="1321498" cy="580510"/>
+          </a:xfrm>
+          <a:prstGeom prst="diamond">
+            <a:avLst/>
+          </a:prstGeom>
+          <a:solidFill>
+            <a:schemeClr val="accent1">
+              <a:lumMod val="20000"/>
+              <a:lumOff val="80000"/>
+            </a:schemeClr>
+          </a:solidFill>
+          <a:ln>
+            <a:solidFill>
+              <a:schemeClr val="accent1">
+                <a:lumMod val="40000"/>
+                <a:lumOff val="60000"/>
+              </a:schemeClr>
+            </a:solidFill>
+          </a:ln>
+        </p:spPr>
+        <p:style>
+          <a:lnRef idx="2">
+            <a:schemeClr val="accent1">
+              <a:shade val="50000"/>
+            </a:schemeClr>
+          </a:lnRef>
+          <a:fillRef idx="1">
+            <a:schemeClr val="accent1"/>
+          </a:fillRef>
+          <a:effectRef idx="0">
+            <a:schemeClr val="accent1"/>
+          </a:effectRef>
+          <a:fontRef idx="minor">
+            <a:schemeClr val="lt1"/>
+          </a:fontRef>
+        </p:style>
+        <p:txBody>
+          <a:bodyPr lIns="91406" tIns="45703" rIns="91406" bIns="45703" spcCol="0" rtlCol="0" anchor="ctr"/>
+          <a:lstStyle/>
+          <a:p>
+            <a:pPr algn="ctr"/>
+            <a:r>
+              <a:rPr lang="zh-CN" altLang="en-US" sz="1400" dirty="0" smtClean="0">
+                <a:solidFill>
+                  <a:schemeClr val="tx1"/>
+                </a:solidFill>
+                <a:latin typeface="微软雅黑" pitchFamily="34" charset="-122"/>
+                <a:ea typeface="微软雅黑" pitchFamily="34" charset="-122"/>
+              </a:rPr>
+              <a:t>审批</a:t>
+            </a:r>
+            <a:endParaRPr lang="zh-CN" altLang="en-US" sz="1400" dirty="0">
+              <a:solidFill>
+                <a:schemeClr val="tx1"/>
+              </a:solidFill>
+              <a:latin typeface="微软雅黑" pitchFamily="34" charset="-122"/>
+              <a:ea typeface="微软雅黑" pitchFamily="34" charset="-122"/>
+            </a:endParaRPr>
+          </a:p>
+        </p:txBody>
+      </p:sp>
+      <p:cxnSp>
+        <p:nvCxnSpPr>
+          <p:cNvPr id="103" name="直接连接符 102"/>
+          <p:cNvCxnSpPr>
+            <a:stCxn id="94" idx="3"/>
+            <a:endCxn id="101" idx="1"/>
+          </p:cNvCxnSpPr>
+          <p:nvPr/>
+        </p:nvCxnSpPr>
+        <p:spPr>
+          <a:xfrm>
+            <a:off x="1691678" y="334879"/>
+            <a:ext cx="595503" cy="0"/>
+          </a:xfrm>
+          <a:prstGeom prst="line">
+            <a:avLst/>
+          </a:prstGeom>
+        </p:spPr>
+        <p:style>
+          <a:lnRef idx="1">
+            <a:schemeClr val="accent1"/>
+          </a:lnRef>
+          <a:fillRef idx="0">
+            <a:schemeClr val="accent1"/>
+          </a:fillRef>
+          <a:effectRef idx="0">
+            <a:schemeClr val="accent1"/>
+          </a:effectRef>
+          <a:fontRef idx="minor">
+            <a:schemeClr val="tx1"/>
+          </a:fontRef>
+        </p:style>
+      </p:cxnSp>
+      <p:cxnSp>
+        <p:nvCxnSpPr>
+          <p:cNvPr id="105" name="直接连接符 104"/>
+          <p:cNvCxnSpPr>
+            <a:stCxn id="101" idx="3"/>
+            <a:endCxn id="100" idx="1"/>
+          </p:cNvCxnSpPr>
+          <p:nvPr/>
+        </p:nvCxnSpPr>
+        <p:spPr>
+          <a:xfrm flipV="1">
+            <a:off x="3608679" y="329358"/>
+            <a:ext cx="797614" cy="5521"/>
+          </a:xfrm>
+          <a:prstGeom prst="line">
+            <a:avLst/>
+          </a:prstGeom>
+        </p:spPr>
+        <p:style>
+          <a:lnRef idx="1">
+            <a:schemeClr val="accent1"/>
+          </a:lnRef>
+          <a:fillRef idx="0">
+            <a:schemeClr val="accent1"/>
+          </a:fillRef>
+          <a:effectRef idx="0">
+            <a:schemeClr val="accent1"/>
+          </a:effectRef>
+          <a:fontRef idx="minor">
+            <a:schemeClr val="tx1"/>
+          </a:fontRef>
+        </p:style>
+      </p:cxnSp>
+      <p:sp>
+        <p:nvSpPr>
+          <p:cNvPr id="106" name="矩形 105"/>
+          <p:cNvSpPr/>
+          <p:nvPr/>
+        </p:nvSpPr>
+        <p:spPr>
+          <a:xfrm>
+            <a:off x="4409957" y="1680086"/>
+            <a:ext cx="1026141" cy="360040"/>
+          </a:xfrm>
+          <a:prstGeom prst="rect">
+            <a:avLst/>
+          </a:prstGeom>
+          <a:solidFill>
+            <a:schemeClr val="accent1">
+              <a:lumMod val="20000"/>
+              <a:lumOff val="80000"/>
+            </a:schemeClr>
+          </a:solidFill>
+          <a:ln>
+            <a:solidFill>
+              <a:schemeClr val="accent1">
+                <a:lumMod val="40000"/>
+                <a:lumOff val="60000"/>
+              </a:schemeClr>
+            </a:solidFill>
+          </a:ln>
+        </p:spPr>
+        <p:style>
+          <a:lnRef idx="2">
+            <a:schemeClr val="accent1">
+              <a:shade val="50000"/>
+            </a:schemeClr>
+          </a:lnRef>
+          <a:fillRef idx="1">
+            <a:schemeClr val="accent1"/>
+          </a:fillRef>
+          <a:effectRef idx="0">
+            <a:schemeClr val="accent1"/>
+          </a:effectRef>
+          <a:fontRef idx="minor">
+            <a:schemeClr val="lt1"/>
+          </a:fontRef>
+        </p:style>
+        <p:txBody>
+          <a:bodyPr lIns="91406" tIns="45703" rIns="91406" bIns="45703" spcCol="0" rtlCol="0" anchor="ctr"/>
+          <a:lstStyle/>
+          <a:p>
+            <a:pPr algn="ctr"/>
+            <a:r>
+              <a:rPr lang="zh-CN" altLang="en-US" sz="1400" dirty="0">
+                <a:solidFill>
+                  <a:schemeClr val="tx1"/>
+                </a:solidFill>
+                <a:latin typeface="微软雅黑" pitchFamily="34" charset="-122"/>
+                <a:ea typeface="微软雅黑" pitchFamily="34" charset="-122"/>
+              </a:rPr>
+              <a:t>考勤重查</a:t>
+            </a:r>
+          </a:p>
+        </p:txBody>
+      </p:sp>
+      <p:sp>
+        <p:nvSpPr>
+          <p:cNvPr id="107" name="菱形 106"/>
+          <p:cNvSpPr/>
+          <p:nvPr/>
+        </p:nvSpPr>
+        <p:spPr>
+          <a:xfrm>
+            <a:off x="4262279" y="2308713"/>
+            <a:ext cx="1321498" cy="580510"/>
+          </a:xfrm>
+          <a:prstGeom prst="diamond">
+            <a:avLst/>
+          </a:prstGeom>
+          <a:solidFill>
+            <a:schemeClr val="accent1">
+              <a:lumMod val="20000"/>
+              <a:lumOff val="80000"/>
+            </a:schemeClr>
+          </a:solidFill>
+          <a:ln>
+            <a:solidFill>
+              <a:schemeClr val="accent1">
+                <a:lumMod val="40000"/>
+                <a:lumOff val="60000"/>
+              </a:schemeClr>
+            </a:solidFill>
+          </a:ln>
+        </p:spPr>
+        <p:style>
+          <a:lnRef idx="2">
+            <a:schemeClr val="accent1">
+              <a:shade val="50000"/>
+            </a:schemeClr>
+          </a:lnRef>
+          <a:fillRef idx="1">
+            <a:schemeClr val="accent1"/>
+          </a:fillRef>
+          <a:effectRef idx="0">
+            <a:schemeClr val="accent1"/>
+          </a:effectRef>
+          <a:fontRef idx="minor">
+            <a:schemeClr val="lt1"/>
+          </a:fontRef>
+        </p:style>
+        <p:txBody>
+          <a:bodyPr lIns="91406" tIns="45703" rIns="91406" bIns="45703" spcCol="0" rtlCol="0" anchor="ctr"/>
+          <a:lstStyle/>
+          <a:p>
+            <a:pPr algn="ctr"/>
+            <a:r>
+              <a:rPr lang="zh-CN" altLang="en-US" sz="1400" dirty="0" smtClean="0">
+                <a:solidFill>
+                  <a:schemeClr val="tx1"/>
+                </a:solidFill>
+                <a:latin typeface="微软雅黑" pitchFamily="34" charset="-122"/>
+                <a:ea typeface="微软雅黑" pitchFamily="34" charset="-122"/>
+              </a:rPr>
+              <a:t>发送</a:t>
+            </a:r>
+            <a:endParaRPr lang="zh-CN" altLang="en-US" sz="1400" dirty="0">
+              <a:solidFill>
+                <a:schemeClr val="tx1"/>
+              </a:solidFill>
+              <a:latin typeface="微软雅黑" pitchFamily="34" charset="-122"/>
+              <a:ea typeface="微软雅黑" pitchFamily="34" charset="-122"/>
+            </a:endParaRPr>
+          </a:p>
+        </p:txBody>
+      </p:sp>
+      <p:cxnSp>
+        <p:nvCxnSpPr>
+          <p:cNvPr id="109" name="直接连接符 108"/>
+          <p:cNvCxnSpPr>
+            <a:stCxn id="107" idx="2"/>
+            <a:endCxn id="4" idx="0"/>
+          </p:cNvCxnSpPr>
+          <p:nvPr/>
+        </p:nvCxnSpPr>
+        <p:spPr>
+          <a:xfrm flipH="1">
+            <a:off x="4919368" y="2889223"/>
+            <a:ext cx="3660" cy="289973"/>
+          </a:xfrm>
+          <a:prstGeom prst="line">
+            <a:avLst/>
+          </a:prstGeom>
+        </p:spPr>
+        <p:style>
+          <a:lnRef idx="1">
+            <a:schemeClr val="accent1"/>
+          </a:lnRef>
+          <a:fillRef idx="0">
+            <a:schemeClr val="accent1"/>
+          </a:fillRef>
+          <a:effectRef idx="0">
+            <a:schemeClr val="accent1"/>
+          </a:effectRef>
+          <a:fontRef idx="minor">
+            <a:schemeClr val="tx1"/>
+          </a:fontRef>
+        </p:style>
+      </p:cxnSp>
+      <p:cxnSp>
+        <p:nvCxnSpPr>
+          <p:cNvPr id="111" name="直接连接符 110"/>
+          <p:cNvCxnSpPr>
+            <a:stCxn id="106" idx="2"/>
+            <a:endCxn id="107" idx="0"/>
+          </p:cNvCxnSpPr>
+          <p:nvPr/>
+        </p:nvCxnSpPr>
+        <p:spPr>
+          <a:xfrm>
+            <a:off x="4923028" y="2040126"/>
+            <a:ext cx="0" cy="268587"/>
+          </a:xfrm>
+          <a:prstGeom prst="line">
+            <a:avLst/>
+          </a:prstGeom>
+        </p:spPr>
+        <p:style>
+          <a:lnRef idx="1">
+            <a:schemeClr val="accent1"/>
+          </a:lnRef>
+          <a:fillRef idx="0">
+            <a:schemeClr val="accent1"/>
+          </a:fillRef>
+          <a:effectRef idx="0">
+            <a:schemeClr val="accent1"/>
+          </a:effectRef>
+          <a:fontRef idx="minor">
+            <a:schemeClr val="tx1"/>
+          </a:fontRef>
+        </p:style>
+      </p:cxnSp>
+      <p:sp>
+        <p:nvSpPr>
+          <p:cNvPr id="114" name="菱形 113"/>
+          <p:cNvSpPr/>
+          <p:nvPr/>
+        </p:nvSpPr>
+        <p:spPr>
+          <a:xfrm>
+            <a:off x="4258200" y="802931"/>
+            <a:ext cx="1321498" cy="580510"/>
+          </a:xfrm>
+          <a:prstGeom prst="diamond">
+            <a:avLst/>
+          </a:prstGeom>
+          <a:solidFill>
+            <a:schemeClr val="accent1">
+              <a:lumMod val="20000"/>
+              <a:lumOff val="80000"/>
+            </a:schemeClr>
+          </a:solidFill>
+          <a:ln>
+            <a:solidFill>
+              <a:schemeClr val="accent1">
+                <a:lumMod val="40000"/>
+                <a:lumOff val="60000"/>
+              </a:schemeClr>
+            </a:solidFill>
+          </a:ln>
+        </p:spPr>
+        <p:style>
+          <a:lnRef idx="2">
+            <a:schemeClr val="accent1">
+              <a:shade val="50000"/>
+            </a:schemeClr>
+          </a:lnRef>
+          <a:fillRef idx="1">
+            <a:schemeClr val="accent1"/>
+          </a:fillRef>
+          <a:effectRef idx="0">
+            <a:schemeClr val="accent1"/>
+          </a:effectRef>
+          <a:fontRef idx="minor">
+            <a:schemeClr val="lt1"/>
+          </a:fontRef>
+        </p:style>
+        <p:txBody>
+          <a:bodyPr lIns="91406" tIns="45703" rIns="91406" bIns="45703" spcCol="0" rtlCol="0" anchor="ctr"/>
+          <a:lstStyle/>
+          <a:p>
+            <a:pPr algn="ctr"/>
+            <a:r>
+              <a:rPr lang="zh-CN" altLang="en-US" sz="1400" dirty="0" smtClean="0">
+                <a:solidFill>
+                  <a:schemeClr val="tx1"/>
+                </a:solidFill>
+                <a:latin typeface="微软雅黑" pitchFamily="34" charset="-122"/>
+                <a:ea typeface="微软雅黑" pitchFamily="34" charset="-122"/>
+              </a:rPr>
+              <a:t>审批</a:t>
+            </a:r>
+            <a:endParaRPr lang="zh-CN" altLang="en-US" sz="1400" dirty="0">
+              <a:solidFill>
+                <a:schemeClr val="tx1"/>
+              </a:solidFill>
+              <a:latin typeface="微软雅黑" pitchFamily="34" charset="-122"/>
+              <a:ea typeface="微软雅黑" pitchFamily="34" charset="-122"/>
+            </a:endParaRPr>
+          </a:p>
+        </p:txBody>
+      </p:sp>
+      <p:cxnSp>
+        <p:nvCxnSpPr>
+          <p:cNvPr id="118" name="直接连接符 117"/>
+          <p:cNvCxnSpPr>
+            <a:stCxn id="100" idx="2"/>
+            <a:endCxn id="114" idx="0"/>
+          </p:cNvCxnSpPr>
+          <p:nvPr/>
+        </p:nvCxnSpPr>
+        <p:spPr>
+          <a:xfrm flipH="1">
+            <a:off x="4918949" y="509378"/>
+            <a:ext cx="415" cy="293553"/>
+          </a:xfrm>
+          <a:prstGeom prst="line">
+            <a:avLst/>
+          </a:prstGeom>
+        </p:spPr>
+        <p:style>
+          <a:lnRef idx="1">
+            <a:schemeClr val="accent1"/>
+          </a:lnRef>
+          <a:fillRef idx="0">
+            <a:schemeClr val="accent1"/>
+          </a:fillRef>
+          <a:effectRef idx="0">
+            <a:schemeClr val="accent1"/>
+          </a:effectRef>
+          <a:fontRef idx="minor">
+            <a:schemeClr val="tx1"/>
+          </a:fontRef>
+        </p:style>
+      </p:cxnSp>
+      <p:cxnSp>
+        <p:nvCxnSpPr>
+          <p:cNvPr id="120" name="直接连接符 119"/>
+          <p:cNvCxnSpPr>
+            <a:stCxn id="114" idx="2"/>
+            <a:endCxn id="106" idx="0"/>
+          </p:cNvCxnSpPr>
+          <p:nvPr/>
+        </p:nvCxnSpPr>
+        <p:spPr>
+          <a:xfrm>
+            <a:off x="4918949" y="1383441"/>
+            <a:ext cx="4079" cy="296645"/>
+          </a:xfrm>
+          <a:prstGeom prst="line">
+            <a:avLst/>
+          </a:prstGeom>
+        </p:spPr>
+        <p:style>
+          <a:lnRef idx="1">
+            <a:schemeClr val="accent1"/>
+          </a:lnRef>
+          <a:fillRef idx="0">
+            <a:schemeClr val="accent1"/>
+          </a:fillRef>
+          <a:effectRef idx="0">
+            <a:schemeClr val="accent1"/>
+          </a:effectRef>
+          <a:fontRef idx="minor">
+            <a:schemeClr val="tx1"/>
+          </a:fontRef>
+        </p:style>
+      </p:cxnSp>
+      <p:cxnSp>
+        <p:nvCxnSpPr>
+          <p:cNvPr id="125" name="肘形连接符 124"/>
+          <p:cNvCxnSpPr>
+            <a:stCxn id="151" idx="3"/>
+            <a:endCxn id="106" idx="1"/>
+          </p:cNvCxnSpPr>
+          <p:nvPr/>
+        </p:nvCxnSpPr>
+        <p:spPr>
+          <a:xfrm>
+            <a:off x="3605727" y="1093186"/>
+            <a:ext cx="804230" cy="766920"/>
+          </a:xfrm>
+          <a:prstGeom prst="bentConnector3">
+            <a:avLst>
+              <a:gd name="adj1" fmla="val 50000"/>
+            </a:avLst>
+          </a:prstGeom>
+        </p:spPr>
+        <p:style>
+          <a:lnRef idx="1">
+            <a:schemeClr val="accent1"/>
+          </a:lnRef>
+          <a:fillRef idx="0">
+            <a:schemeClr val="accent1"/>
+          </a:fillRef>
+          <a:effectRef idx="0">
+            <a:schemeClr val="accent1"/>
+          </a:effectRef>
+          <a:fontRef idx="minor">
+            <a:schemeClr val="tx1"/>
+          </a:fontRef>
+        </p:style>
+      </p:cxnSp>
+      <p:sp>
+        <p:nvSpPr>
+          <p:cNvPr id="132" name="矩形 131"/>
+          <p:cNvSpPr/>
+          <p:nvPr/>
+        </p:nvSpPr>
+        <p:spPr>
+          <a:xfrm>
+            <a:off x="2438374" y="4619356"/>
+            <a:ext cx="1026141" cy="360040"/>
+          </a:xfrm>
+          <a:prstGeom prst="rect">
+            <a:avLst/>
+          </a:prstGeom>
+          <a:solidFill>
+            <a:schemeClr val="accent1">
+              <a:lumMod val="20000"/>
+              <a:lumOff val="80000"/>
+            </a:schemeClr>
+          </a:solidFill>
+          <a:ln>
+            <a:solidFill>
+              <a:schemeClr val="accent1">
+                <a:lumMod val="40000"/>
+                <a:lumOff val="60000"/>
+              </a:schemeClr>
+            </a:solidFill>
+          </a:ln>
+        </p:spPr>
+        <p:style>
+          <a:lnRef idx="2">
+            <a:schemeClr val="accent1">
+              <a:shade val="50000"/>
+            </a:schemeClr>
+          </a:lnRef>
+          <a:fillRef idx="1">
+            <a:schemeClr val="accent1"/>
+          </a:fillRef>
+          <a:effectRef idx="0">
+            <a:schemeClr val="accent1"/>
+          </a:effectRef>
+          <a:fontRef idx="minor">
+            <a:schemeClr val="lt1"/>
+          </a:fontRef>
+        </p:style>
+        <p:txBody>
+          <a:bodyPr lIns="91406" tIns="45703" rIns="91406" bIns="45703" spcCol="0" rtlCol="0" anchor="ctr"/>
+          <a:lstStyle/>
+          <a:p>
+            <a:pPr algn="ctr"/>
+            <a:r>
+              <a:rPr lang="zh-CN" altLang="en-US" sz="1400" dirty="0">
+                <a:solidFill>
+                  <a:schemeClr val="tx1"/>
+                </a:solidFill>
+                <a:latin typeface="微软雅黑" pitchFamily="34" charset="-122"/>
+                <a:ea typeface="微软雅黑" pitchFamily="34" charset="-122"/>
+              </a:rPr>
+              <a:t>微博信息</a:t>
+            </a:r>
+          </a:p>
+        </p:txBody>
+      </p:sp>
+      <p:sp>
+        <p:nvSpPr>
+          <p:cNvPr id="133" name="菱形 132"/>
+          <p:cNvSpPr/>
+          <p:nvPr/>
+        </p:nvSpPr>
+        <p:spPr>
+          <a:xfrm>
+            <a:off x="2287181" y="3827269"/>
+            <a:ext cx="1321498" cy="580510"/>
+          </a:xfrm>
+          <a:prstGeom prst="diamond">
+            <a:avLst/>
+          </a:prstGeom>
+          <a:solidFill>
+            <a:schemeClr val="accent1">
+              <a:lumMod val="20000"/>
+              <a:lumOff val="80000"/>
+            </a:schemeClr>
+          </a:solidFill>
+          <a:ln>
+            <a:solidFill>
+              <a:schemeClr val="accent1">
+                <a:lumMod val="40000"/>
+                <a:lumOff val="60000"/>
+              </a:schemeClr>
+            </a:solidFill>
+          </a:ln>
+        </p:spPr>
+        <p:style>
+          <a:lnRef idx="2">
+            <a:schemeClr val="accent1">
+              <a:shade val="50000"/>
+            </a:schemeClr>
+          </a:lnRef>
+          <a:fillRef idx="1">
+            <a:schemeClr val="accent1"/>
+          </a:fillRef>
+          <a:effectRef idx="0">
+            <a:schemeClr val="accent1"/>
+          </a:effectRef>
+          <a:fontRef idx="minor">
+            <a:schemeClr val="lt1"/>
+          </a:fontRef>
+        </p:style>
+        <p:txBody>
+          <a:bodyPr lIns="91406" tIns="45703" rIns="91406" bIns="45703" spcCol="0" rtlCol="0" anchor="ctr"/>
+          <a:lstStyle/>
+          <a:p>
+            <a:pPr algn="ctr"/>
+            <a:r>
+              <a:rPr lang="zh-CN" altLang="en-US" sz="1400" dirty="0" smtClean="0">
+                <a:solidFill>
+                  <a:schemeClr val="tx1"/>
+                </a:solidFill>
+                <a:latin typeface="微软雅黑" pitchFamily="34" charset="-122"/>
+                <a:ea typeface="微软雅黑" pitchFamily="34" charset="-122"/>
+              </a:rPr>
+              <a:t>设置</a:t>
+            </a:r>
+            <a:endParaRPr lang="zh-CN" altLang="en-US" sz="1400" dirty="0">
+              <a:solidFill>
+                <a:schemeClr val="tx1"/>
+              </a:solidFill>
+              <a:latin typeface="微软雅黑" pitchFamily="34" charset="-122"/>
+              <a:ea typeface="微软雅黑" pitchFamily="34" charset="-122"/>
+            </a:endParaRPr>
+          </a:p>
+        </p:txBody>
+      </p:sp>
+      <p:cxnSp>
+        <p:nvCxnSpPr>
+          <p:cNvPr id="135" name="直接连接符 134"/>
+          <p:cNvCxnSpPr>
+            <a:stCxn id="133" idx="2"/>
+            <a:endCxn id="132" idx="0"/>
+          </p:cNvCxnSpPr>
+          <p:nvPr/>
+        </p:nvCxnSpPr>
+        <p:spPr>
+          <a:xfrm>
+            <a:off x="2947930" y="4407779"/>
+            <a:ext cx="3515" cy="211577"/>
+          </a:xfrm>
+          <a:prstGeom prst="line">
+            <a:avLst/>
+          </a:prstGeom>
+        </p:spPr>
+        <p:style>
+          <a:lnRef idx="1">
+            <a:schemeClr val="accent1"/>
+          </a:lnRef>
+          <a:fillRef idx="0">
+            <a:schemeClr val="accent1"/>
+          </a:fillRef>
+          <a:effectRef idx="0">
+            <a:schemeClr val="accent1"/>
+          </a:effectRef>
+          <a:fontRef idx="minor">
+            <a:schemeClr val="tx1"/>
+          </a:fontRef>
+        </p:style>
+      </p:cxnSp>
+      <p:cxnSp>
+        <p:nvCxnSpPr>
+          <p:cNvPr id="137" name="肘形连接符 136"/>
+          <p:cNvCxnSpPr>
+            <a:stCxn id="133" idx="3"/>
+            <a:endCxn id="4" idx="1"/>
+          </p:cNvCxnSpPr>
+          <p:nvPr/>
+        </p:nvCxnSpPr>
+        <p:spPr>
+          <a:xfrm flipV="1">
+            <a:off x="3608679" y="3359216"/>
+            <a:ext cx="797618" cy="758308"/>
+          </a:xfrm>
+          <a:prstGeom prst="bentConnector3">
+            <a:avLst>
+              <a:gd name="adj1" fmla="val 50000"/>
+            </a:avLst>
+          </a:prstGeom>
+        </p:spPr>
+        <p:style>
+          <a:lnRef idx="1">
+            <a:schemeClr val="accent1"/>
+          </a:lnRef>
+          <a:fillRef idx="0">
+            <a:schemeClr val="accent1"/>
+          </a:fillRef>
+          <a:effectRef idx="0">
+            <a:schemeClr val="accent1"/>
+          </a:effectRef>
+          <a:fontRef idx="minor">
+            <a:schemeClr val="tx1"/>
+          </a:fontRef>
+        </p:style>
+      </p:cxnSp>
+      <p:sp>
+        <p:nvSpPr>
+          <p:cNvPr id="143" name="矩形 142"/>
+          <p:cNvSpPr/>
+          <p:nvPr/>
+        </p:nvSpPr>
+        <p:spPr>
+          <a:xfrm>
+            <a:off x="5850115" y="913166"/>
+            <a:ext cx="1026141" cy="360040"/>
+          </a:xfrm>
+          <a:prstGeom prst="rect">
+            <a:avLst/>
+          </a:prstGeom>
+          <a:solidFill>
+            <a:schemeClr val="accent1">
+              <a:lumMod val="20000"/>
+              <a:lumOff val="80000"/>
+            </a:schemeClr>
+          </a:solidFill>
+          <a:ln>
+            <a:solidFill>
+              <a:schemeClr val="accent1">
+                <a:lumMod val="40000"/>
+                <a:lumOff val="60000"/>
+              </a:schemeClr>
+            </a:solidFill>
+          </a:ln>
+        </p:spPr>
+        <p:style>
+          <a:lnRef idx="2">
+            <a:schemeClr val="accent1">
+              <a:shade val="50000"/>
+            </a:schemeClr>
+          </a:lnRef>
+          <a:fillRef idx="1">
+            <a:schemeClr val="accent1"/>
+          </a:fillRef>
+          <a:effectRef idx="0">
+            <a:schemeClr val="accent1"/>
+          </a:effectRef>
+          <a:fontRef idx="minor">
+            <a:schemeClr val="lt1"/>
+          </a:fontRef>
+        </p:style>
+        <p:txBody>
+          <a:bodyPr lIns="91406" tIns="45703" rIns="91406" bIns="45703" spcCol="0" rtlCol="0" anchor="ctr"/>
+          <a:lstStyle/>
+          <a:p>
+            <a:pPr algn="ctr"/>
+            <a:r>
+              <a:rPr lang="zh-CN" altLang="en-US" sz="1400" dirty="0">
+                <a:solidFill>
+                  <a:schemeClr val="tx1"/>
+                </a:solidFill>
+                <a:latin typeface="微软雅黑" pitchFamily="34" charset="-122"/>
+                <a:ea typeface="微软雅黑" pitchFamily="34" charset="-122"/>
+              </a:rPr>
+              <a:t>假期</a:t>
+            </a:r>
+          </a:p>
+        </p:txBody>
+      </p:sp>
+      <p:sp>
+        <p:nvSpPr>
+          <p:cNvPr id="144" name="菱形 143"/>
+          <p:cNvSpPr/>
+          <p:nvPr/>
+        </p:nvSpPr>
+        <p:spPr>
+          <a:xfrm>
+            <a:off x="5694976" y="1537549"/>
+            <a:ext cx="1321498" cy="580510"/>
+          </a:xfrm>
+          <a:prstGeom prst="diamond">
+            <a:avLst/>
+          </a:prstGeom>
+          <a:solidFill>
+            <a:schemeClr val="accent1">
+              <a:lumMod val="20000"/>
+              <a:lumOff val="80000"/>
+            </a:schemeClr>
+          </a:solidFill>
+          <a:ln>
+            <a:solidFill>
+              <a:schemeClr val="accent1">
+                <a:lumMod val="40000"/>
+                <a:lumOff val="60000"/>
+              </a:schemeClr>
+            </a:solidFill>
+          </a:ln>
+        </p:spPr>
+        <p:style>
+          <a:lnRef idx="2">
+            <a:schemeClr val="accent1">
+              <a:shade val="50000"/>
+            </a:schemeClr>
+          </a:lnRef>
+          <a:fillRef idx="1">
+            <a:schemeClr val="accent1"/>
+          </a:fillRef>
+          <a:effectRef idx="0">
+            <a:schemeClr val="accent1"/>
+          </a:effectRef>
+          <a:fontRef idx="minor">
+            <a:schemeClr val="lt1"/>
+          </a:fontRef>
+        </p:style>
+        <p:txBody>
+          <a:bodyPr lIns="91406" tIns="45703" rIns="91406" bIns="45703" spcCol="0" rtlCol="0" anchor="ctr"/>
+          <a:lstStyle/>
+          <a:p>
+            <a:pPr algn="ctr"/>
+            <a:r>
+              <a:rPr lang="zh-CN" altLang="en-US" sz="1400" dirty="0" smtClean="0">
+                <a:solidFill>
+                  <a:schemeClr val="tx1"/>
+                </a:solidFill>
+                <a:latin typeface="微软雅黑" pitchFamily="34" charset="-122"/>
+                <a:ea typeface="微软雅黑" pitchFamily="34" charset="-122"/>
+              </a:rPr>
+              <a:t>消除</a:t>
+            </a:r>
+            <a:endParaRPr lang="zh-CN" altLang="en-US" sz="1400" dirty="0">
+              <a:solidFill>
+                <a:schemeClr val="tx1"/>
+              </a:solidFill>
+              <a:latin typeface="微软雅黑" pitchFamily="34" charset="-122"/>
+              <a:ea typeface="微软雅黑" pitchFamily="34" charset="-122"/>
+            </a:endParaRPr>
+          </a:p>
+        </p:txBody>
+      </p:sp>
+      <p:cxnSp>
+        <p:nvCxnSpPr>
+          <p:cNvPr id="146" name="直接连接符 145"/>
+          <p:cNvCxnSpPr>
+            <a:stCxn id="144" idx="2"/>
+            <a:endCxn id="83" idx="0"/>
+          </p:cNvCxnSpPr>
+          <p:nvPr/>
+        </p:nvCxnSpPr>
+        <p:spPr>
+          <a:xfrm>
+            <a:off x="6355725" y="2118059"/>
+            <a:ext cx="1" cy="300889"/>
+          </a:xfrm>
+          <a:prstGeom prst="line">
+            <a:avLst/>
+          </a:prstGeom>
+        </p:spPr>
+        <p:style>
+          <a:lnRef idx="1">
+            <a:schemeClr val="accent1"/>
+          </a:lnRef>
+          <a:fillRef idx="0">
+            <a:schemeClr val="accent1"/>
+          </a:fillRef>
+          <a:effectRef idx="0">
+            <a:schemeClr val="accent1"/>
+          </a:effectRef>
+          <a:fontRef idx="minor">
+            <a:schemeClr val="tx1"/>
+          </a:fontRef>
+        </p:style>
+      </p:cxnSp>
+      <p:cxnSp>
+        <p:nvCxnSpPr>
+          <p:cNvPr id="148" name="直接连接符 147"/>
+          <p:cNvCxnSpPr>
+            <a:stCxn id="143" idx="2"/>
+            <a:endCxn id="144" idx="0"/>
+          </p:cNvCxnSpPr>
+          <p:nvPr/>
+        </p:nvCxnSpPr>
+        <p:spPr>
+          <a:xfrm flipH="1">
+            <a:off x="6355725" y="1273206"/>
+            <a:ext cx="7461" cy="264343"/>
+          </a:xfrm>
+          <a:prstGeom prst="line">
+            <a:avLst/>
+          </a:prstGeom>
+        </p:spPr>
+        <p:style>
+          <a:lnRef idx="1">
+            <a:schemeClr val="accent1"/>
+          </a:lnRef>
+          <a:fillRef idx="0">
+            <a:schemeClr val="accent1"/>
+          </a:fillRef>
+          <a:effectRef idx="0">
+            <a:schemeClr val="accent1"/>
+          </a:effectRef>
+          <a:fontRef idx="minor">
+            <a:schemeClr val="tx1"/>
+          </a:fontRef>
+        </p:style>
+      </p:cxnSp>
+      <p:sp>
+        <p:nvSpPr>
+          <p:cNvPr id="151" name="菱形 150"/>
+          <p:cNvSpPr/>
+          <p:nvPr/>
+        </p:nvSpPr>
+        <p:spPr>
+          <a:xfrm>
+            <a:off x="2284229" y="802931"/>
+            <a:ext cx="1321498" cy="580510"/>
+          </a:xfrm>
+          <a:prstGeom prst="diamond">
+            <a:avLst/>
+          </a:prstGeom>
+          <a:solidFill>
+            <a:schemeClr val="accent1">
+              <a:lumMod val="20000"/>
+              <a:lumOff val="80000"/>
+            </a:schemeClr>
+          </a:solidFill>
+          <a:ln>
+            <a:solidFill>
+              <a:schemeClr val="accent1">
+                <a:lumMod val="40000"/>
+                <a:lumOff val="60000"/>
+              </a:schemeClr>
+            </a:solidFill>
+          </a:ln>
+        </p:spPr>
+        <p:style>
+          <a:lnRef idx="2">
+            <a:schemeClr val="accent1">
+              <a:shade val="50000"/>
+            </a:schemeClr>
+          </a:lnRef>
+          <a:fillRef idx="1">
+            <a:schemeClr val="accent1"/>
+          </a:fillRef>
+          <a:effectRef idx="0">
+            <a:schemeClr val="accent1"/>
+          </a:effectRef>
+          <a:fontRef idx="minor">
+            <a:schemeClr val="lt1"/>
+          </a:fontRef>
+        </p:style>
+        <p:txBody>
+          <a:bodyPr lIns="91406" tIns="45703" rIns="91406" bIns="45703" spcCol="0" rtlCol="0" anchor="ctr"/>
+          <a:lstStyle/>
+          <a:p>
+            <a:pPr algn="ctr"/>
+            <a:r>
+              <a:rPr lang="zh-CN" altLang="en-US" sz="1400" dirty="0" smtClean="0">
+                <a:solidFill>
+                  <a:schemeClr val="tx1"/>
+                </a:solidFill>
+                <a:latin typeface="微软雅黑" pitchFamily="34" charset="-122"/>
+                <a:ea typeface="微软雅黑" pitchFamily="34" charset="-122"/>
+              </a:rPr>
+              <a:t>发送</a:t>
+            </a:r>
+            <a:endParaRPr lang="zh-CN" altLang="en-US" sz="1400" dirty="0">
+              <a:solidFill>
+                <a:schemeClr val="tx1"/>
+              </a:solidFill>
+              <a:latin typeface="微软雅黑" pitchFamily="34" charset="-122"/>
+              <a:ea typeface="微软雅黑" pitchFamily="34" charset="-122"/>
+            </a:endParaRPr>
+          </a:p>
+        </p:txBody>
+      </p:sp>
+      <p:cxnSp>
+        <p:nvCxnSpPr>
+          <p:cNvPr id="154" name="肘形连接符 153"/>
+          <p:cNvCxnSpPr>
+            <a:stCxn id="25" idx="3"/>
+            <a:endCxn id="151" idx="1"/>
+          </p:cNvCxnSpPr>
+          <p:nvPr/>
+        </p:nvCxnSpPr>
+        <p:spPr>
+          <a:xfrm flipV="1">
+            <a:off x="1688018" y="1093186"/>
+            <a:ext cx="596211" cy="766921"/>
+          </a:xfrm>
+          <a:prstGeom prst="bentConnector3">
+            <a:avLst/>
+          </a:prstGeom>
+        </p:spPr>
+        <p:style>
+          <a:lnRef idx="1">
+            <a:schemeClr val="accent1"/>
+          </a:lnRef>
+          <a:fillRef idx="0">
+            <a:schemeClr val="accent1"/>
+          </a:fillRef>
+          <a:effectRef idx="0">
+            <a:schemeClr val="accent1"/>
+          </a:effectRef>
+          <a:fontRef idx="minor">
+            <a:schemeClr val="tx1"/>
+          </a:fontRef>
+        </p:style>
+      </p:cxnSp>
+      <p:sp>
+        <p:nvSpPr>
+          <p:cNvPr id="156" name="TextBox 155"/>
+          <p:cNvSpPr txBox="1"/>
+          <p:nvPr/>
+        </p:nvSpPr>
+        <p:spPr>
+          <a:xfrm>
+            <a:off x="899592" y="2780928"/>
+            <a:ext cx="150843" cy="369332"/>
+          </a:xfrm>
+          <a:prstGeom prst="rect">
+            <a:avLst/>
+          </a:prstGeom>
+          <a:noFill/>
+        </p:spPr>
+        <p:txBody>
+          <a:bodyPr wrap="square" rtlCol="0">
+            <a:spAutoFit/>
+          </a:bodyPr>
+          <a:lstStyle/>
+          <a:p>
+            <a:r>
+              <a:rPr lang="en-US" altLang="zh-CN" dirty="0" smtClean="0"/>
+              <a:t>1</a:t>
+            </a:r>
+            <a:endParaRPr lang="zh-CN" altLang="en-US" dirty="0"/>
+          </a:p>
+        </p:txBody>
+      </p:sp>
+      <p:sp>
+        <p:nvSpPr>
+          <p:cNvPr id="157" name="TextBox 156"/>
+          <p:cNvSpPr txBox="1"/>
+          <p:nvPr/>
+        </p:nvSpPr>
+        <p:spPr>
+          <a:xfrm>
+            <a:off x="916662" y="1291980"/>
+            <a:ext cx="150843" cy="369332"/>
+          </a:xfrm>
+          <a:prstGeom prst="rect">
+            <a:avLst/>
+          </a:prstGeom>
+          <a:noFill/>
+        </p:spPr>
+        <p:txBody>
+          <a:bodyPr wrap="square" rtlCol="0">
+            <a:spAutoFit/>
+          </a:bodyPr>
+          <a:lstStyle/>
+          <a:p>
+            <a:r>
+              <a:rPr lang="en-US" altLang="zh-CN" dirty="0" smtClean="0"/>
+              <a:t>1</a:t>
+            </a:r>
+            <a:endParaRPr lang="zh-CN" altLang="en-US" dirty="0"/>
+          </a:p>
+        </p:txBody>
+      </p:sp>
+      <p:sp>
+        <p:nvSpPr>
+          <p:cNvPr id="158" name="TextBox 157"/>
+          <p:cNvSpPr txBox="1"/>
+          <p:nvPr/>
+        </p:nvSpPr>
+        <p:spPr>
+          <a:xfrm>
+            <a:off x="1691680" y="1475492"/>
+            <a:ext cx="150843" cy="369332"/>
+          </a:xfrm>
+          <a:prstGeom prst="rect">
+            <a:avLst/>
+          </a:prstGeom>
+          <a:noFill/>
+        </p:spPr>
+        <p:txBody>
+          <a:bodyPr wrap="square" rtlCol="0">
+            <a:spAutoFit/>
+          </a:bodyPr>
+          <a:lstStyle/>
+          <a:p>
+            <a:r>
+              <a:rPr lang="en-US" altLang="zh-CN" dirty="0" smtClean="0"/>
+              <a:t>1</a:t>
+            </a:r>
+            <a:endParaRPr lang="zh-CN" altLang="en-US" dirty="0"/>
+          </a:p>
+        </p:txBody>
+      </p:sp>
+      <p:sp>
+        <p:nvSpPr>
+          <p:cNvPr id="159" name="TextBox 158"/>
+          <p:cNvSpPr txBox="1"/>
+          <p:nvPr/>
+        </p:nvSpPr>
+        <p:spPr>
+          <a:xfrm>
+            <a:off x="1900877" y="1835532"/>
+            <a:ext cx="150843" cy="369332"/>
+          </a:xfrm>
+          <a:prstGeom prst="rect">
+            <a:avLst/>
+          </a:prstGeom>
+          <a:noFill/>
+        </p:spPr>
+        <p:txBody>
+          <a:bodyPr wrap="square" rtlCol="0">
+            <a:spAutoFit/>
+          </a:bodyPr>
+          <a:lstStyle/>
+          <a:p>
+            <a:r>
+              <a:rPr lang="en-US" altLang="zh-CN" dirty="0" smtClean="0"/>
+              <a:t>1</a:t>
+            </a:r>
+            <a:endParaRPr lang="zh-CN" altLang="en-US" dirty="0"/>
+          </a:p>
+        </p:txBody>
+      </p:sp>
+      <p:sp>
+        <p:nvSpPr>
+          <p:cNvPr id="160" name="TextBox 159"/>
+          <p:cNvSpPr txBox="1"/>
+          <p:nvPr/>
+        </p:nvSpPr>
+        <p:spPr>
+          <a:xfrm>
+            <a:off x="4133125" y="2987660"/>
+            <a:ext cx="150843" cy="369332"/>
+          </a:xfrm>
+          <a:prstGeom prst="rect">
+            <a:avLst/>
+          </a:prstGeom>
+          <a:noFill/>
+        </p:spPr>
+        <p:txBody>
+          <a:bodyPr wrap="square" rtlCol="0">
+            <a:spAutoFit/>
+          </a:bodyPr>
+          <a:lstStyle/>
+          <a:p>
+            <a:r>
+              <a:rPr lang="en-US" altLang="zh-CN" dirty="0" smtClean="0"/>
+              <a:t>1</a:t>
+            </a:r>
+            <a:endParaRPr lang="zh-CN" altLang="en-US" dirty="0"/>
+          </a:p>
+        </p:txBody>
+      </p:sp>
+      <p:sp>
+        <p:nvSpPr>
+          <p:cNvPr id="161" name="TextBox 160"/>
+          <p:cNvSpPr txBox="1"/>
+          <p:nvPr/>
+        </p:nvSpPr>
+        <p:spPr>
+          <a:xfrm>
+            <a:off x="3989109" y="3347700"/>
+            <a:ext cx="150843" cy="369332"/>
+          </a:xfrm>
+          <a:prstGeom prst="rect">
+            <a:avLst/>
+          </a:prstGeom>
+          <a:noFill/>
+        </p:spPr>
+        <p:txBody>
+          <a:bodyPr wrap="square" rtlCol="0">
+            <a:spAutoFit/>
+          </a:bodyPr>
+          <a:lstStyle/>
+          <a:p>
+            <a:r>
+              <a:rPr lang="en-US" altLang="zh-CN" dirty="0" smtClean="0"/>
+              <a:t>1</a:t>
+            </a:r>
+            <a:endParaRPr lang="zh-CN" altLang="en-US" dirty="0"/>
+          </a:p>
+        </p:txBody>
+      </p:sp>
+      <p:sp>
+        <p:nvSpPr>
+          <p:cNvPr id="162" name="TextBox 161"/>
+          <p:cNvSpPr txBox="1"/>
+          <p:nvPr/>
+        </p:nvSpPr>
+        <p:spPr>
+          <a:xfrm>
+            <a:off x="2987824" y="4283804"/>
+            <a:ext cx="150843" cy="369332"/>
+          </a:xfrm>
+          <a:prstGeom prst="rect">
+            <a:avLst/>
+          </a:prstGeom>
+          <a:noFill/>
+        </p:spPr>
+        <p:txBody>
+          <a:bodyPr wrap="square" rtlCol="0">
+            <a:spAutoFit/>
+          </a:bodyPr>
+          <a:lstStyle/>
+          <a:p>
+            <a:r>
+              <a:rPr lang="en-US" altLang="zh-CN" dirty="0" smtClean="0"/>
+              <a:t>1</a:t>
+            </a:r>
+            <a:endParaRPr lang="zh-CN" altLang="en-US" dirty="0"/>
+          </a:p>
+        </p:txBody>
+      </p:sp>
+      <p:sp>
+        <p:nvSpPr>
+          <p:cNvPr id="163" name="TextBox 162"/>
+          <p:cNvSpPr txBox="1"/>
+          <p:nvPr/>
+        </p:nvSpPr>
+        <p:spPr>
+          <a:xfrm>
+            <a:off x="4141509" y="-27384"/>
+            <a:ext cx="150843" cy="369332"/>
+          </a:xfrm>
+          <a:prstGeom prst="rect">
+            <a:avLst/>
+          </a:prstGeom>
+          <a:noFill/>
+        </p:spPr>
+        <p:txBody>
+          <a:bodyPr wrap="square" rtlCol="0">
+            <a:spAutoFit/>
+          </a:bodyPr>
+          <a:lstStyle/>
+          <a:p>
+            <a:r>
+              <a:rPr lang="en-US" altLang="zh-CN" dirty="0" smtClean="0"/>
+              <a:t>1</a:t>
+            </a:r>
+            <a:endParaRPr lang="zh-CN" altLang="en-US" dirty="0"/>
+          </a:p>
+        </p:txBody>
+      </p:sp>
+      <p:sp>
+        <p:nvSpPr>
+          <p:cNvPr id="164" name="TextBox 163"/>
+          <p:cNvSpPr txBox="1"/>
+          <p:nvPr/>
+        </p:nvSpPr>
+        <p:spPr>
+          <a:xfrm>
+            <a:off x="5004048" y="467380"/>
+            <a:ext cx="150843" cy="369332"/>
+          </a:xfrm>
+          <a:prstGeom prst="rect">
+            <a:avLst/>
+          </a:prstGeom>
+          <a:noFill/>
+        </p:spPr>
+        <p:txBody>
+          <a:bodyPr wrap="square" rtlCol="0">
+            <a:spAutoFit/>
+          </a:bodyPr>
+          <a:lstStyle/>
+          <a:p>
+            <a:r>
+              <a:rPr lang="en-US" altLang="zh-CN" dirty="0" smtClean="0"/>
+              <a:t>1</a:t>
+            </a:r>
+            <a:endParaRPr lang="zh-CN" altLang="en-US" dirty="0"/>
+          </a:p>
+        </p:txBody>
+      </p:sp>
+      <p:sp>
+        <p:nvSpPr>
+          <p:cNvPr id="165" name="TextBox 164"/>
+          <p:cNvSpPr txBox="1"/>
+          <p:nvPr/>
+        </p:nvSpPr>
+        <p:spPr>
+          <a:xfrm>
+            <a:off x="6372200" y="1196752"/>
+            <a:ext cx="150843" cy="369332"/>
+          </a:xfrm>
+          <a:prstGeom prst="rect">
+            <a:avLst/>
+          </a:prstGeom>
+          <a:noFill/>
+        </p:spPr>
+        <p:txBody>
+          <a:bodyPr wrap="square" rtlCol="0">
+            <a:spAutoFit/>
+          </a:bodyPr>
+          <a:lstStyle/>
+          <a:p>
+            <a:r>
+              <a:rPr lang="en-US" altLang="zh-CN" dirty="0" smtClean="0"/>
+              <a:t>1</a:t>
+            </a:r>
+            <a:endParaRPr lang="zh-CN" altLang="en-US" dirty="0"/>
+          </a:p>
+        </p:txBody>
+      </p:sp>
+      <p:sp>
+        <p:nvSpPr>
+          <p:cNvPr id="166" name="TextBox 165"/>
+          <p:cNvSpPr txBox="1"/>
+          <p:nvPr/>
+        </p:nvSpPr>
+        <p:spPr>
+          <a:xfrm>
+            <a:off x="5004048" y="4283804"/>
+            <a:ext cx="150843" cy="369332"/>
+          </a:xfrm>
+          <a:prstGeom prst="rect">
+            <a:avLst/>
+          </a:prstGeom>
+          <a:noFill/>
+        </p:spPr>
+        <p:txBody>
+          <a:bodyPr wrap="square" rtlCol="0">
+            <a:spAutoFit/>
+          </a:bodyPr>
+          <a:lstStyle/>
+          <a:p>
+            <a:r>
+              <a:rPr lang="en-US" altLang="zh-CN" dirty="0" smtClean="0"/>
+              <a:t>1</a:t>
+            </a:r>
+            <a:endParaRPr lang="zh-CN" altLang="en-US" dirty="0"/>
+          </a:p>
+        </p:txBody>
+      </p:sp>
+      <p:sp>
+        <p:nvSpPr>
+          <p:cNvPr id="167" name="TextBox 166"/>
+          <p:cNvSpPr txBox="1"/>
+          <p:nvPr/>
+        </p:nvSpPr>
+        <p:spPr>
+          <a:xfrm>
+            <a:off x="5004048" y="5723964"/>
+            <a:ext cx="150843" cy="369332"/>
+          </a:xfrm>
+          <a:prstGeom prst="rect">
+            <a:avLst/>
+          </a:prstGeom>
+          <a:noFill/>
+        </p:spPr>
+        <p:txBody>
+          <a:bodyPr wrap="square" rtlCol="0">
+            <a:spAutoFit/>
+          </a:bodyPr>
+          <a:lstStyle/>
+          <a:p>
+            <a:r>
+              <a:rPr lang="en-US" altLang="zh-CN" dirty="0" smtClean="0"/>
+              <a:t>1</a:t>
+            </a:r>
+            <a:endParaRPr lang="zh-CN" altLang="en-US" dirty="0"/>
+          </a:p>
+        </p:txBody>
+      </p:sp>
+      <p:sp>
+        <p:nvSpPr>
+          <p:cNvPr id="168" name="TextBox 167"/>
+          <p:cNvSpPr txBox="1"/>
+          <p:nvPr/>
+        </p:nvSpPr>
+        <p:spPr>
+          <a:xfrm>
+            <a:off x="7445493" y="4941168"/>
+            <a:ext cx="150843" cy="369332"/>
+          </a:xfrm>
+          <a:prstGeom prst="rect">
+            <a:avLst/>
+          </a:prstGeom>
+          <a:noFill/>
+        </p:spPr>
+        <p:txBody>
+          <a:bodyPr wrap="square" rtlCol="0">
+            <a:spAutoFit/>
+          </a:bodyPr>
+          <a:lstStyle/>
+          <a:p>
+            <a:r>
+              <a:rPr lang="en-US" altLang="zh-CN" dirty="0" smtClean="0"/>
+              <a:t>1</a:t>
+            </a:r>
+            <a:endParaRPr lang="zh-CN" altLang="en-US" dirty="0"/>
+          </a:p>
+        </p:txBody>
+      </p:sp>
+      <p:sp>
+        <p:nvSpPr>
+          <p:cNvPr id="169" name="TextBox 168"/>
+          <p:cNvSpPr txBox="1"/>
+          <p:nvPr/>
+        </p:nvSpPr>
+        <p:spPr>
+          <a:xfrm>
+            <a:off x="7452320" y="5723964"/>
+            <a:ext cx="150843" cy="369332"/>
+          </a:xfrm>
+          <a:prstGeom prst="rect">
+            <a:avLst/>
+          </a:prstGeom>
+          <a:noFill/>
+        </p:spPr>
+        <p:txBody>
+          <a:bodyPr wrap="square" rtlCol="0">
+            <a:spAutoFit/>
+          </a:bodyPr>
+          <a:lstStyle/>
+          <a:p>
+            <a:r>
+              <a:rPr lang="en-US" altLang="zh-CN" dirty="0" smtClean="0"/>
+              <a:t>1</a:t>
+            </a:r>
+            <a:endParaRPr lang="zh-CN" altLang="en-US" dirty="0"/>
+          </a:p>
+        </p:txBody>
+      </p:sp>
+      <p:sp>
+        <p:nvSpPr>
+          <p:cNvPr id="170" name="TextBox 169"/>
+          <p:cNvSpPr txBox="1"/>
+          <p:nvPr/>
+        </p:nvSpPr>
+        <p:spPr>
+          <a:xfrm>
+            <a:off x="5436096" y="4427820"/>
+            <a:ext cx="150843" cy="369332"/>
+          </a:xfrm>
+          <a:prstGeom prst="rect">
+            <a:avLst/>
+          </a:prstGeom>
+          <a:noFill/>
+        </p:spPr>
+        <p:txBody>
+          <a:bodyPr wrap="square" rtlCol="0">
+            <a:spAutoFit/>
+          </a:bodyPr>
+          <a:lstStyle/>
+          <a:p>
+            <a:r>
+              <a:rPr lang="en-US" altLang="zh-CN" dirty="0" smtClean="0"/>
+              <a:t>1</a:t>
+            </a:r>
+            <a:endParaRPr lang="zh-CN" altLang="en-US" dirty="0"/>
+          </a:p>
+        </p:txBody>
+      </p:sp>
+      <p:sp>
+        <p:nvSpPr>
+          <p:cNvPr id="171" name="TextBox 170"/>
+          <p:cNvSpPr txBox="1"/>
+          <p:nvPr/>
+        </p:nvSpPr>
+        <p:spPr>
+          <a:xfrm>
+            <a:off x="7013445" y="4437112"/>
+            <a:ext cx="150843" cy="369332"/>
+          </a:xfrm>
+          <a:prstGeom prst="rect">
+            <a:avLst/>
+          </a:prstGeom>
+          <a:noFill/>
+        </p:spPr>
+        <p:txBody>
+          <a:bodyPr wrap="square" rtlCol="0">
+            <a:spAutoFit/>
+          </a:bodyPr>
+          <a:lstStyle/>
+          <a:p>
+            <a:r>
+              <a:rPr lang="en-US" altLang="zh-CN" dirty="0" smtClean="0"/>
+              <a:t>1</a:t>
+            </a:r>
+            <a:endParaRPr lang="zh-CN" altLang="en-US" dirty="0"/>
+          </a:p>
+        </p:txBody>
+      </p:sp>
+      <p:sp>
+        <p:nvSpPr>
+          <p:cNvPr id="172" name="TextBox 171"/>
+          <p:cNvSpPr txBox="1"/>
+          <p:nvPr/>
+        </p:nvSpPr>
+        <p:spPr>
+          <a:xfrm>
+            <a:off x="7812360" y="3501008"/>
+            <a:ext cx="150843" cy="369332"/>
+          </a:xfrm>
+          <a:prstGeom prst="rect">
+            <a:avLst/>
+          </a:prstGeom>
+          <a:noFill/>
+        </p:spPr>
+        <p:txBody>
+          <a:bodyPr wrap="square" rtlCol="0">
+            <a:spAutoFit/>
+          </a:bodyPr>
+          <a:lstStyle/>
+          <a:p>
+            <a:r>
+              <a:rPr lang="en-US" altLang="zh-CN" dirty="0" smtClean="0"/>
+              <a:t>1</a:t>
+            </a:r>
+            <a:endParaRPr lang="zh-CN" altLang="en-US" dirty="0"/>
+          </a:p>
+        </p:txBody>
+      </p:sp>
+      <p:sp>
+        <p:nvSpPr>
+          <p:cNvPr id="173" name="TextBox 172"/>
+          <p:cNvSpPr txBox="1"/>
+          <p:nvPr/>
+        </p:nvSpPr>
+        <p:spPr>
+          <a:xfrm>
+            <a:off x="7812360" y="4293096"/>
+            <a:ext cx="150843" cy="369332"/>
+          </a:xfrm>
+          <a:prstGeom prst="rect">
+            <a:avLst/>
+          </a:prstGeom>
+          <a:noFill/>
+        </p:spPr>
+        <p:txBody>
+          <a:bodyPr wrap="square" rtlCol="0">
+            <a:spAutoFit/>
+          </a:bodyPr>
+          <a:lstStyle/>
+          <a:p>
+            <a:r>
+              <a:rPr lang="en-US" altLang="zh-CN" dirty="0" smtClean="0"/>
+              <a:t>1</a:t>
+            </a:r>
+            <a:endParaRPr lang="zh-CN" altLang="en-US" dirty="0"/>
+          </a:p>
+        </p:txBody>
+      </p:sp>
+      <p:sp>
+        <p:nvSpPr>
+          <p:cNvPr id="174" name="TextBox 173"/>
+          <p:cNvSpPr txBox="1"/>
+          <p:nvPr/>
+        </p:nvSpPr>
+        <p:spPr>
+          <a:xfrm>
+            <a:off x="7884368" y="2843644"/>
+            <a:ext cx="150843" cy="369332"/>
+          </a:xfrm>
+          <a:prstGeom prst="rect">
+            <a:avLst/>
+          </a:prstGeom>
+          <a:noFill/>
+        </p:spPr>
+        <p:txBody>
+          <a:bodyPr wrap="square" rtlCol="0">
+            <a:spAutoFit/>
+          </a:bodyPr>
+          <a:lstStyle/>
+          <a:p>
+            <a:r>
+              <a:rPr lang="en-US" altLang="zh-CN" dirty="0" smtClean="0"/>
+              <a:t>1</a:t>
+            </a:r>
+            <a:endParaRPr lang="zh-CN" altLang="en-US" dirty="0"/>
+          </a:p>
+        </p:txBody>
+      </p:sp>
+      <p:sp>
+        <p:nvSpPr>
+          <p:cNvPr id="175" name="TextBox 174"/>
+          <p:cNvSpPr txBox="1"/>
+          <p:nvPr/>
+        </p:nvSpPr>
+        <p:spPr>
+          <a:xfrm>
+            <a:off x="5436096" y="3059668"/>
+            <a:ext cx="150843" cy="369332"/>
+          </a:xfrm>
+          <a:prstGeom prst="rect">
+            <a:avLst/>
+          </a:prstGeom>
+          <a:noFill/>
+        </p:spPr>
+        <p:txBody>
+          <a:bodyPr wrap="square" rtlCol="0">
+            <a:spAutoFit/>
+          </a:bodyPr>
+          <a:lstStyle/>
+          <a:p>
+            <a:r>
+              <a:rPr lang="en-US" altLang="zh-CN" dirty="0" smtClean="0"/>
+              <a:t>1</a:t>
+            </a:r>
+            <a:endParaRPr lang="zh-CN" altLang="en-US" dirty="0"/>
+          </a:p>
+        </p:txBody>
+      </p:sp>
+      <p:sp>
+        <p:nvSpPr>
+          <p:cNvPr id="176" name="TextBox 175"/>
+          <p:cNvSpPr txBox="1"/>
+          <p:nvPr/>
+        </p:nvSpPr>
+        <p:spPr>
+          <a:xfrm>
+            <a:off x="4932040" y="2843644"/>
+            <a:ext cx="150843" cy="369332"/>
+          </a:xfrm>
+          <a:prstGeom prst="rect">
+            <a:avLst/>
+          </a:prstGeom>
+          <a:noFill/>
+        </p:spPr>
+        <p:txBody>
+          <a:bodyPr wrap="square" rtlCol="0">
+            <a:spAutoFit/>
+          </a:bodyPr>
+          <a:lstStyle/>
+          <a:p>
+            <a:r>
+              <a:rPr lang="en-US" altLang="zh-CN" dirty="0" smtClean="0"/>
+              <a:t>1</a:t>
+            </a:r>
+            <a:endParaRPr lang="zh-CN" altLang="en-US" dirty="0"/>
+          </a:p>
+        </p:txBody>
+      </p:sp>
+      <p:sp>
+        <p:nvSpPr>
+          <p:cNvPr id="177" name="TextBox 176"/>
+          <p:cNvSpPr txBox="1"/>
+          <p:nvPr/>
+        </p:nvSpPr>
+        <p:spPr>
+          <a:xfrm>
+            <a:off x="876777" y="1979548"/>
+            <a:ext cx="310847" cy="369332"/>
+          </a:xfrm>
+          <a:prstGeom prst="rect">
+            <a:avLst/>
+          </a:prstGeom>
+          <a:noFill/>
+        </p:spPr>
+        <p:txBody>
+          <a:bodyPr wrap="square" rtlCol="0">
+            <a:spAutoFit/>
+          </a:bodyPr>
+          <a:lstStyle/>
+          <a:p>
+            <a:r>
+              <a:rPr lang="en-US" altLang="zh-CN" dirty="0" smtClean="0">
+                <a:latin typeface="Segoe UI Symbol" pitchFamily="34" charset="0"/>
+                <a:ea typeface="Segoe UI Symbol" pitchFamily="34" charset="0"/>
+              </a:rPr>
+              <a:t>n</a:t>
+            </a:r>
+            <a:endParaRPr lang="zh-CN" altLang="en-US" dirty="0">
+              <a:latin typeface="Segoe UI Symbol" pitchFamily="34" charset="0"/>
+            </a:endParaRPr>
+          </a:p>
+        </p:txBody>
+      </p:sp>
+      <p:sp>
+        <p:nvSpPr>
+          <p:cNvPr id="178" name="TextBox 177"/>
+          <p:cNvSpPr txBox="1"/>
+          <p:nvPr/>
+        </p:nvSpPr>
+        <p:spPr>
+          <a:xfrm>
+            <a:off x="876777" y="467380"/>
+            <a:ext cx="310847" cy="369332"/>
+          </a:xfrm>
+          <a:prstGeom prst="rect">
+            <a:avLst/>
+          </a:prstGeom>
+          <a:noFill/>
+        </p:spPr>
+        <p:txBody>
+          <a:bodyPr wrap="square" rtlCol="0">
+            <a:spAutoFit/>
+          </a:bodyPr>
+          <a:lstStyle/>
+          <a:p>
+            <a:r>
+              <a:rPr lang="en-US" altLang="zh-CN" dirty="0" smtClean="0">
+                <a:latin typeface="Segoe UI Symbol" pitchFamily="34" charset="0"/>
+                <a:ea typeface="Segoe UI Symbol" pitchFamily="34" charset="0"/>
+              </a:rPr>
+              <a:t>n</a:t>
+            </a:r>
+            <a:endParaRPr lang="zh-CN" altLang="en-US" dirty="0">
+              <a:latin typeface="Segoe UI Symbol" pitchFamily="34" charset="0"/>
+            </a:endParaRPr>
+          </a:p>
+        </p:txBody>
+      </p:sp>
+      <p:sp>
+        <p:nvSpPr>
+          <p:cNvPr id="179" name="TextBox 178"/>
+          <p:cNvSpPr txBox="1"/>
+          <p:nvPr/>
+        </p:nvSpPr>
+        <p:spPr>
+          <a:xfrm>
+            <a:off x="1740873" y="-36676"/>
+            <a:ext cx="310847" cy="369332"/>
+          </a:xfrm>
+          <a:prstGeom prst="rect">
+            <a:avLst/>
+          </a:prstGeom>
+          <a:noFill/>
+        </p:spPr>
+        <p:txBody>
+          <a:bodyPr wrap="square" rtlCol="0">
+            <a:spAutoFit/>
+          </a:bodyPr>
+          <a:lstStyle/>
+          <a:p>
+            <a:r>
+              <a:rPr lang="en-US" altLang="zh-CN" dirty="0" smtClean="0">
+                <a:latin typeface="Segoe UI Symbol" pitchFamily="34" charset="0"/>
+                <a:ea typeface="Segoe UI Symbol" pitchFamily="34" charset="0"/>
+              </a:rPr>
+              <a:t>n</a:t>
+            </a:r>
+            <a:endParaRPr lang="zh-CN" altLang="en-US" dirty="0">
+              <a:latin typeface="Segoe UI Symbol" pitchFamily="34" charset="0"/>
+            </a:endParaRPr>
+          </a:p>
+        </p:txBody>
+      </p:sp>
+      <p:sp>
+        <p:nvSpPr>
+          <p:cNvPr id="180" name="TextBox 179"/>
+          <p:cNvSpPr txBox="1"/>
+          <p:nvPr/>
+        </p:nvSpPr>
+        <p:spPr>
+          <a:xfrm>
+            <a:off x="4045129" y="1475492"/>
+            <a:ext cx="310847" cy="369332"/>
+          </a:xfrm>
+          <a:prstGeom prst="rect">
+            <a:avLst/>
+          </a:prstGeom>
+          <a:noFill/>
+        </p:spPr>
+        <p:txBody>
+          <a:bodyPr wrap="square" rtlCol="0">
+            <a:spAutoFit/>
+          </a:bodyPr>
+          <a:lstStyle/>
+          <a:p>
+            <a:r>
+              <a:rPr lang="en-US" altLang="zh-CN" dirty="0" smtClean="0">
+                <a:latin typeface="Segoe UI Symbol" pitchFamily="34" charset="0"/>
+                <a:ea typeface="Segoe UI Symbol" pitchFamily="34" charset="0"/>
+              </a:rPr>
+              <a:t>n</a:t>
+            </a:r>
+            <a:endParaRPr lang="zh-CN" altLang="en-US" dirty="0">
+              <a:latin typeface="Segoe UI Symbol" pitchFamily="34" charset="0"/>
+            </a:endParaRPr>
+          </a:p>
+        </p:txBody>
+      </p:sp>
+      <p:sp>
+        <p:nvSpPr>
+          <p:cNvPr id="181" name="TextBox 180"/>
+          <p:cNvSpPr txBox="1"/>
+          <p:nvPr/>
+        </p:nvSpPr>
+        <p:spPr>
+          <a:xfrm>
+            <a:off x="2987824" y="2123564"/>
+            <a:ext cx="310847" cy="369332"/>
+          </a:xfrm>
+          <a:prstGeom prst="rect">
+            <a:avLst/>
+          </a:prstGeom>
+          <a:noFill/>
+        </p:spPr>
+        <p:txBody>
+          <a:bodyPr wrap="square" rtlCol="0">
+            <a:spAutoFit/>
+          </a:bodyPr>
+          <a:lstStyle/>
+          <a:p>
+            <a:r>
+              <a:rPr lang="en-US" altLang="zh-CN" dirty="0" smtClean="0">
+                <a:latin typeface="Segoe UI Symbol" pitchFamily="34" charset="0"/>
+                <a:ea typeface="Segoe UI Symbol" pitchFamily="34" charset="0"/>
+              </a:rPr>
+              <a:t>n</a:t>
+            </a:r>
+            <a:endParaRPr lang="zh-CN" altLang="en-US" dirty="0">
+              <a:latin typeface="Segoe UI Symbol" pitchFamily="34" charset="0"/>
+            </a:endParaRPr>
+          </a:p>
+        </p:txBody>
+      </p:sp>
+      <p:sp>
+        <p:nvSpPr>
+          <p:cNvPr id="182" name="TextBox 181"/>
+          <p:cNvSpPr txBox="1"/>
+          <p:nvPr/>
+        </p:nvSpPr>
+        <p:spPr>
+          <a:xfrm>
+            <a:off x="2987824" y="2699628"/>
+            <a:ext cx="310847" cy="369332"/>
+          </a:xfrm>
+          <a:prstGeom prst="rect">
+            <a:avLst/>
+          </a:prstGeom>
+          <a:noFill/>
+        </p:spPr>
+        <p:txBody>
+          <a:bodyPr wrap="square" rtlCol="0">
+            <a:spAutoFit/>
+          </a:bodyPr>
+          <a:lstStyle/>
+          <a:p>
+            <a:r>
+              <a:rPr lang="en-US" altLang="zh-CN" dirty="0" smtClean="0">
+                <a:latin typeface="Segoe UI Symbol" pitchFamily="34" charset="0"/>
+                <a:ea typeface="Segoe UI Symbol" pitchFamily="34" charset="0"/>
+              </a:rPr>
+              <a:t>n</a:t>
+            </a:r>
+            <a:endParaRPr lang="zh-CN" altLang="en-US" dirty="0">
+              <a:latin typeface="Segoe UI Symbol" pitchFamily="34" charset="0"/>
+            </a:endParaRPr>
+          </a:p>
+        </p:txBody>
+      </p:sp>
+      <p:sp>
+        <p:nvSpPr>
+          <p:cNvPr id="183" name="TextBox 182"/>
+          <p:cNvSpPr txBox="1"/>
+          <p:nvPr/>
+        </p:nvSpPr>
+        <p:spPr>
+          <a:xfrm>
+            <a:off x="4981233" y="3491716"/>
+            <a:ext cx="310847" cy="369332"/>
+          </a:xfrm>
+          <a:prstGeom prst="rect">
+            <a:avLst/>
+          </a:prstGeom>
+          <a:noFill/>
+        </p:spPr>
+        <p:txBody>
+          <a:bodyPr wrap="square" rtlCol="0">
+            <a:spAutoFit/>
+          </a:bodyPr>
+          <a:lstStyle/>
+          <a:p>
+            <a:r>
+              <a:rPr lang="en-US" altLang="zh-CN" dirty="0" smtClean="0">
+                <a:latin typeface="Segoe UI Symbol" pitchFamily="34" charset="0"/>
+                <a:ea typeface="Segoe UI Symbol" pitchFamily="34" charset="0"/>
+              </a:rPr>
+              <a:t>n</a:t>
+            </a:r>
+            <a:endParaRPr lang="zh-CN" altLang="en-US" dirty="0">
+              <a:latin typeface="Segoe UI Symbol" pitchFamily="34" charset="0"/>
+            </a:endParaRPr>
+          </a:p>
+        </p:txBody>
+      </p:sp>
+      <p:sp>
+        <p:nvSpPr>
+          <p:cNvPr id="184" name="TextBox 183"/>
+          <p:cNvSpPr txBox="1"/>
+          <p:nvPr/>
+        </p:nvSpPr>
+        <p:spPr>
+          <a:xfrm>
+            <a:off x="4981233" y="4931876"/>
+            <a:ext cx="310847" cy="369332"/>
+          </a:xfrm>
+          <a:prstGeom prst="rect">
+            <a:avLst/>
+          </a:prstGeom>
+          <a:noFill/>
+        </p:spPr>
+        <p:txBody>
+          <a:bodyPr wrap="square" rtlCol="0">
+            <a:spAutoFit/>
+          </a:bodyPr>
+          <a:lstStyle/>
+          <a:p>
+            <a:r>
+              <a:rPr lang="en-US" altLang="zh-CN" dirty="0" smtClean="0">
+                <a:latin typeface="Segoe UI Symbol" pitchFamily="34" charset="0"/>
+                <a:ea typeface="Segoe UI Symbol" pitchFamily="34" charset="0"/>
+              </a:rPr>
+              <a:t>n</a:t>
+            </a:r>
+            <a:endParaRPr lang="zh-CN" altLang="en-US" dirty="0">
+              <a:latin typeface="Segoe UI Symbol" pitchFamily="34" charset="0"/>
+            </a:endParaRPr>
+          </a:p>
+        </p:txBody>
+      </p:sp>
+      <p:sp>
+        <p:nvSpPr>
+          <p:cNvPr id="185" name="TextBox 184"/>
+          <p:cNvSpPr txBox="1"/>
+          <p:nvPr/>
+        </p:nvSpPr>
+        <p:spPr>
+          <a:xfrm>
+            <a:off x="4981233" y="1340768"/>
+            <a:ext cx="310847" cy="369332"/>
+          </a:xfrm>
+          <a:prstGeom prst="rect">
+            <a:avLst/>
+          </a:prstGeom>
+          <a:noFill/>
+        </p:spPr>
+        <p:txBody>
+          <a:bodyPr wrap="square" rtlCol="0">
+            <a:spAutoFit/>
+          </a:bodyPr>
+          <a:lstStyle/>
+          <a:p>
+            <a:r>
+              <a:rPr lang="en-US" altLang="zh-CN" dirty="0" smtClean="0">
+                <a:latin typeface="Segoe UI Symbol" pitchFamily="34" charset="0"/>
+                <a:ea typeface="Segoe UI Symbol" pitchFamily="34" charset="0"/>
+              </a:rPr>
+              <a:t>n</a:t>
+            </a:r>
+            <a:endParaRPr lang="zh-CN" altLang="en-US" dirty="0">
+              <a:latin typeface="Segoe UI Symbol" pitchFamily="34" charset="0"/>
+            </a:endParaRPr>
+          </a:p>
+        </p:txBody>
+      </p:sp>
+      <p:sp>
+        <p:nvSpPr>
+          <p:cNvPr id="186" name="TextBox 185"/>
+          <p:cNvSpPr txBox="1"/>
+          <p:nvPr/>
+        </p:nvSpPr>
+        <p:spPr>
+          <a:xfrm>
+            <a:off x="6349385" y="2060848"/>
+            <a:ext cx="310847" cy="369332"/>
+          </a:xfrm>
+          <a:prstGeom prst="rect">
+            <a:avLst/>
+          </a:prstGeom>
+          <a:noFill/>
+        </p:spPr>
+        <p:txBody>
+          <a:bodyPr wrap="square" rtlCol="0">
+            <a:spAutoFit/>
+          </a:bodyPr>
+          <a:lstStyle/>
+          <a:p>
+            <a:r>
+              <a:rPr lang="en-US" altLang="zh-CN" dirty="0" smtClean="0">
+                <a:latin typeface="Segoe UI Symbol" pitchFamily="34" charset="0"/>
+                <a:ea typeface="Segoe UI Symbol" pitchFamily="34" charset="0"/>
+              </a:rPr>
+              <a:t>n</a:t>
+            </a:r>
+            <a:endParaRPr lang="zh-CN" altLang="en-US" dirty="0">
+              <a:latin typeface="Segoe UI Symbol" pitchFamily="34" charset="0"/>
+            </a:endParaRPr>
+          </a:p>
+        </p:txBody>
+      </p:sp>
+      <p:sp>
+        <p:nvSpPr>
+          <p:cNvPr id="187" name="TextBox 186"/>
+          <p:cNvSpPr txBox="1"/>
+          <p:nvPr/>
+        </p:nvSpPr>
+        <p:spPr>
+          <a:xfrm>
+            <a:off x="7812360" y="1988840"/>
+            <a:ext cx="310847" cy="369332"/>
+          </a:xfrm>
+          <a:prstGeom prst="rect">
+            <a:avLst/>
+          </a:prstGeom>
+          <a:noFill/>
+        </p:spPr>
+        <p:txBody>
+          <a:bodyPr wrap="square" rtlCol="0">
+            <a:spAutoFit/>
+          </a:bodyPr>
+          <a:lstStyle/>
+          <a:p>
+            <a:r>
+              <a:rPr lang="en-US" altLang="zh-CN" dirty="0" smtClean="0">
+                <a:latin typeface="Segoe UI Symbol" pitchFamily="34" charset="0"/>
+                <a:ea typeface="Segoe UI Symbol" pitchFamily="34" charset="0"/>
+              </a:rPr>
+              <a:t>n</a:t>
+            </a:r>
+            <a:endParaRPr lang="zh-CN" altLang="en-US" dirty="0">
+              <a:latin typeface="Segoe UI Symbol" pitchFamily="34" charset="0"/>
+            </a:endParaRPr>
+          </a:p>
+        </p:txBody>
+      </p:sp>
+      <p:sp>
+        <p:nvSpPr>
+          <p:cNvPr id="188" name="TextBox 187"/>
+          <p:cNvSpPr txBox="1"/>
+          <p:nvPr/>
+        </p:nvSpPr>
+        <p:spPr>
+          <a:xfrm>
+            <a:off x="4981233" y="1988840"/>
+            <a:ext cx="310847" cy="369332"/>
+          </a:xfrm>
+          <a:prstGeom prst="rect">
+            <a:avLst/>
+          </a:prstGeom>
+          <a:noFill/>
+        </p:spPr>
+        <p:txBody>
+          <a:bodyPr wrap="square" rtlCol="0">
+            <a:spAutoFit/>
+          </a:bodyPr>
+          <a:lstStyle/>
+          <a:p>
+            <a:r>
+              <a:rPr lang="en-US" altLang="zh-CN" dirty="0" smtClean="0">
+                <a:latin typeface="Segoe UI Symbol" pitchFamily="34" charset="0"/>
+                <a:ea typeface="Segoe UI Symbol" pitchFamily="34" charset="0"/>
+              </a:rPr>
+              <a:t>n</a:t>
+            </a:r>
+            <a:endParaRPr lang="zh-CN" altLang="en-US" dirty="0">
+              <a:latin typeface="Segoe UI Symbol" pitchFamily="34" charset="0"/>
+            </a:endParaRPr>
+          </a:p>
+        </p:txBody>
+      </p:sp>
+    </p:spTree>
+    <p:extLst>
+      <p:ext uri="{BB962C8B-B14F-4D97-AF65-F5344CB8AC3E}">
+        <p14:creationId xmlns:p14="http://schemas.microsoft.com/office/powerpoint/2010/main" val="1964794683"/>
+      </p:ext>
+    </p:extLst>
+  </p:cSld>
+  <p:clrMapOvr>
+    <a:masterClrMapping/>
+  </p:clrMapOvr>
+  <p:timing>
+    <p:tnLst>
+      <p:par>
+        <p:cTn id="1" dur="indefinite" restart="never" nodeType="tmRoot"/>
+      </p:par>
+    </p:tnLst>
+  </p:timing>
 </p:sld>
 </file>
 
@@ -13974,7 +18445,39 @@
       </a:bgFillStyleLst>
     </a:fmtScheme>
   </a:themeElements>
-  <a:objectDefaults/>
+  <a:objectDefaults>
+    <a:spDef>
+      <a:spPr/>
+      <a:bodyPr rtlCol="0" anchor="ctr"/>
+      <a:lstStyle>
+        <a:defPPr algn="ctr">
+          <a:defRPr sz="1400" dirty="0" smtClean="0">
+            <a:solidFill>
+              <a:schemeClr val="tx1"/>
+            </a:solidFill>
+            <a:latin typeface="微软雅黑" pitchFamily="34" charset="-122"/>
+            <a:ea typeface="微软雅黑" pitchFamily="34" charset="-122"/>
+          </a:defRPr>
+        </a:defPPr>
+      </a:lstStyle>
+      <a:style>
+        <a:lnRef idx="2">
+          <a:schemeClr val="accent1">
+            <a:shade val="50000"/>
+          </a:schemeClr>
+        </a:lnRef>
+        <a:fillRef idx="1">
+          <a:schemeClr val="accent1"/>
+        </a:fillRef>
+        <a:effectRef idx="0">
+          <a:schemeClr val="accent1"/>
+        </a:effectRef>
+        <a:fontRef idx="minor">
+          <a:schemeClr val="lt1"/>
+        </a:fontRef>
+      </a:style>
+    </a:spDef>
+  </a:objectDefaults>
   <a:extraClrSchemeLst/>
 </a:theme>
 </file>
--- a/docs/演示文稿1.pptx
+++ b/docs/演示文稿1.pptx
@@ -295,7 +295,7 @@
           <a:p>
             <a:fld id="{40691E7F-1E96-4D4C-AE45-C7464FC43834}" type="datetimeFigureOut">
               <a:rPr lang="zh-CN" altLang="en-US" smtClean="0"/>
-              <a:t>2013/4/16</a:t>
+              <a:t>2013/4/24</a:t>
             </a:fld>
             <a:endParaRPr lang="zh-CN" altLang="en-US"/>
           </a:p>
@@ -465,7 +465,7 @@
           <a:p>
             <a:fld id="{40691E7F-1E96-4D4C-AE45-C7464FC43834}" type="datetimeFigureOut">
               <a:rPr lang="zh-CN" altLang="en-US" smtClean="0"/>
-              <a:t>2013/4/16</a:t>
+              <a:t>2013/4/24</a:t>
             </a:fld>
             <a:endParaRPr lang="zh-CN" altLang="en-US"/>
           </a:p>
@@ -645,7 +645,7 @@
           <a:p>
             <a:fld id="{40691E7F-1E96-4D4C-AE45-C7464FC43834}" type="datetimeFigureOut">
               <a:rPr lang="zh-CN" altLang="en-US" smtClean="0"/>
-              <a:t>2013/4/16</a:t>
+              <a:t>2013/4/24</a:t>
             </a:fld>
             <a:endParaRPr lang="zh-CN" altLang="en-US"/>
           </a:p>
@@ -815,7 +815,7 @@
           <a:p>
             <a:fld id="{40691E7F-1E96-4D4C-AE45-C7464FC43834}" type="datetimeFigureOut">
               <a:rPr lang="zh-CN" altLang="en-US" smtClean="0"/>
-              <a:t>2013/4/16</a:t>
+              <a:t>2013/4/24</a:t>
             </a:fld>
             <a:endParaRPr lang="zh-CN" altLang="en-US"/>
           </a:p>
@@ -1061,7 +1061,7 @@
           <a:p>
             <a:fld id="{40691E7F-1E96-4D4C-AE45-C7464FC43834}" type="datetimeFigureOut">
               <a:rPr lang="zh-CN" altLang="en-US" smtClean="0"/>
-              <a:t>2013/4/16</a:t>
+              <a:t>2013/4/24</a:t>
             </a:fld>
             <a:endParaRPr lang="zh-CN" altLang="en-US"/>
           </a:p>
@@ -1349,7 +1349,7 @@
           <a:p>
             <a:fld id="{40691E7F-1E96-4D4C-AE45-C7464FC43834}" type="datetimeFigureOut">
               <a:rPr lang="zh-CN" altLang="en-US" smtClean="0"/>
-              <a:t>2013/4/16</a:t>
+              <a:t>2013/4/24</a:t>
             </a:fld>
             <a:endParaRPr lang="zh-CN" altLang="en-US"/>
           </a:p>
@@ -1771,7 +1771,7 @@
           <a:p>
             <a:fld id="{40691E7F-1E96-4D4C-AE45-C7464FC43834}" type="datetimeFigureOut">
               <a:rPr lang="zh-CN" altLang="en-US" smtClean="0"/>
-              <a:t>2013/4/16</a:t>
+              <a:t>2013/4/24</a:t>
             </a:fld>
             <a:endParaRPr lang="zh-CN" altLang="en-US"/>
           </a:p>
@@ -1889,7 +1889,7 @@
           <a:p>
             <a:fld id="{40691E7F-1E96-4D4C-AE45-C7464FC43834}" type="datetimeFigureOut">
               <a:rPr lang="zh-CN" altLang="en-US" smtClean="0"/>
-              <a:t>2013/4/16</a:t>
+              <a:t>2013/4/24</a:t>
             </a:fld>
             <a:endParaRPr lang="zh-CN" altLang="en-US"/>
           </a:p>
@@ -1984,7 +1984,7 @@
           <a:p>
             <a:fld id="{40691E7F-1E96-4D4C-AE45-C7464FC43834}" type="datetimeFigureOut">
               <a:rPr lang="zh-CN" altLang="en-US" smtClean="0"/>
-              <a:t>2013/4/16</a:t>
+              <a:t>2013/4/24</a:t>
             </a:fld>
             <a:endParaRPr lang="zh-CN" altLang="en-US"/>
           </a:p>
@@ -2261,7 +2261,7 @@
           <a:p>
             <a:fld id="{40691E7F-1E96-4D4C-AE45-C7464FC43834}" type="datetimeFigureOut">
               <a:rPr lang="zh-CN" altLang="en-US" smtClean="0"/>
-              <a:t>2013/4/16</a:t>
+              <a:t>2013/4/24</a:t>
             </a:fld>
             <a:endParaRPr lang="zh-CN" altLang="en-US"/>
           </a:p>
@@ -2514,7 +2514,7 @@
           <a:p>
             <a:fld id="{40691E7F-1E96-4D4C-AE45-C7464FC43834}" type="datetimeFigureOut">
               <a:rPr lang="zh-CN" altLang="en-US" smtClean="0"/>
-              <a:t>2013/4/16</a:t>
+              <a:t>2013/4/24</a:t>
             </a:fld>
             <a:endParaRPr lang="zh-CN" altLang="en-US"/>
           </a:p>
@@ -2727,7 +2727,7 @@
           <a:p>
             <a:fld id="{40691E7F-1E96-4D4C-AE45-C7464FC43834}" type="datetimeFigureOut">
               <a:rPr lang="zh-CN" altLang="en-US" smtClean="0"/>
-              <a:t>2013/4/16</a:t>
+              <a:t>2013/4/24</a:t>
             </a:fld>
             <a:endParaRPr lang="zh-CN" altLang="en-US"/>
           </a:p>
@@ -3162,13 +3162,6 @@
               </a:rPr>
               <a:t>点名系统前台</a:t>
             </a:r>
-            <a:endParaRPr lang="zh-CN" altLang="en-US" sz="1700" dirty="0">
-              <a:solidFill>
-                <a:schemeClr val="tx1"/>
-              </a:solidFill>
-              <a:latin typeface="微软雅黑" pitchFamily="34" charset="-122"/>
-              <a:ea typeface="微软雅黑" pitchFamily="34" charset="-122"/>
-            </a:endParaRPr>
           </a:p>
         </p:txBody>
       </p:sp>
@@ -3232,13 +3225,6 @@
               </a:rPr>
               <a:t>教师端</a:t>
             </a:r>
-            <a:endParaRPr lang="zh-CN" altLang="en-US" sz="1100" dirty="0">
-              <a:solidFill>
-                <a:schemeClr val="tx1"/>
-              </a:solidFill>
-              <a:latin typeface="微软雅黑" pitchFamily="34" charset="-122"/>
-              <a:ea typeface="微软雅黑" pitchFamily="34" charset="-122"/>
-            </a:endParaRPr>
           </a:p>
         </p:txBody>
       </p:sp>
@@ -3365,13 +3351,6 @@
               </a:rPr>
               <a:t>查看个人信息</a:t>
             </a:r>
-            <a:endParaRPr lang="zh-CN" altLang="en-US" sz="1000" dirty="0">
-              <a:solidFill>
-                <a:schemeClr val="tx1"/>
-              </a:solidFill>
-              <a:latin typeface="微软雅黑" pitchFamily="34" charset="-122"/>
-              <a:ea typeface="微软雅黑" pitchFamily="34" charset="-122"/>
-            </a:endParaRPr>
           </a:p>
         </p:txBody>
       </p:sp>
@@ -3435,13 +3414,6 @@
               </a:rPr>
               <a:t>查看班级信息</a:t>
             </a:r>
-            <a:endParaRPr lang="zh-CN" altLang="en-US" sz="1000" dirty="0">
-              <a:solidFill>
-                <a:schemeClr val="tx1"/>
-              </a:solidFill>
-              <a:latin typeface="微软雅黑" pitchFamily="34" charset="-122"/>
-              <a:ea typeface="微软雅黑" pitchFamily="34" charset="-122"/>
-            </a:endParaRPr>
           </a:p>
         </p:txBody>
       </p:sp>
@@ -3925,13 +3897,6 @@
               </a:rPr>
               <a:t>查看个人信息</a:t>
             </a:r>
-            <a:endParaRPr lang="zh-CN" altLang="en-US" sz="1000" dirty="0">
-              <a:solidFill>
-                <a:schemeClr val="tx1"/>
-              </a:solidFill>
-              <a:latin typeface="微软雅黑" pitchFamily="34" charset="-122"/>
-              <a:ea typeface="微软雅黑" pitchFamily="34" charset="-122"/>
-            </a:endParaRPr>
           </a:p>
         </p:txBody>
       </p:sp>
@@ -3995,13 +3960,6 @@
               </a:rPr>
               <a:t>查看班级信息</a:t>
             </a:r>
-            <a:endParaRPr lang="zh-CN" altLang="en-US" sz="1000" dirty="0">
-              <a:solidFill>
-                <a:schemeClr val="tx1"/>
-              </a:solidFill>
-              <a:latin typeface="微软雅黑" pitchFamily="34" charset="-122"/>
-              <a:ea typeface="微软雅黑" pitchFamily="34" charset="-122"/>
-            </a:endParaRPr>
           </a:p>
         </p:txBody>
       </p:sp>
@@ -4196,6 +4154,16 @@
           <a:p>
             <a:pPr algn="ctr"/>
             <a:r>
+              <a:rPr lang="zh-CN" altLang="en-US" sz="1000" dirty="0" smtClean="0">
+                <a:solidFill>
+                  <a:schemeClr val="tx1"/>
+                </a:solidFill>
+                <a:latin typeface="微软雅黑" pitchFamily="34" charset="-122"/>
+                <a:ea typeface="微软雅黑" pitchFamily="34" charset="-122"/>
+              </a:rPr>
+              <a:t>查询缺勤</a:t>
+            </a:r>
+            <a:r>
               <a:rPr lang="zh-CN" altLang="en-US" sz="1000" dirty="0">
                 <a:solidFill>
                   <a:schemeClr val="tx1"/>
@@ -4203,7 +4171,7 @@
                 <a:latin typeface="微软雅黑" pitchFamily="34" charset="-122"/>
                 <a:ea typeface="微软雅黑" pitchFamily="34" charset="-122"/>
               </a:rPr>
-              <a:t>查询个人缺勤情况</a:t>
+              <a:t>情况</a:t>
             </a:r>
             <a:endParaRPr lang="en-US" altLang="zh-CN" sz="1000" dirty="0">
               <a:solidFill>
@@ -4266,7 +4234,7 @@
           <a:p>
             <a:pPr algn="ctr"/>
             <a:r>
-              <a:rPr lang="zh-CN" altLang="en-US" sz="1000" dirty="0">
+              <a:rPr lang="zh-CN" altLang="en-US" sz="1000" dirty="0" smtClean="0">
                 <a:solidFill>
                   <a:schemeClr val="tx1"/>
                 </a:solidFill>
@@ -4413,17 +4381,7 @@
                 <a:latin typeface="微软雅黑" pitchFamily="34" charset="-122"/>
                 <a:ea typeface="微软雅黑" pitchFamily="34" charset="-122"/>
               </a:rPr>
-              <a:t>调</a:t>
-            </a:r>
-            <a:r>
-              <a:rPr lang="zh-CN" altLang="en-US" sz="1000" dirty="0">
-                <a:solidFill>
-                  <a:schemeClr val="tx1"/>
-                </a:solidFill>
-                <a:latin typeface="微软雅黑" pitchFamily="34" charset="-122"/>
-                <a:ea typeface="微软雅黑" pitchFamily="34" charset="-122"/>
-              </a:rPr>
-              <a:t>课申请操作</a:t>
+              <a:t>调课申请操作</a:t>
             </a:r>
             <a:endParaRPr lang="en-US" altLang="zh-CN" sz="1000" dirty="0">
               <a:solidFill>
@@ -4563,17 +4521,7 @@
                 <a:latin typeface="微软雅黑" pitchFamily="34" charset="-122"/>
                 <a:ea typeface="微软雅黑" pitchFamily="34" charset="-122"/>
               </a:rPr>
-              <a:t>群</a:t>
-            </a:r>
-            <a:r>
-              <a:rPr lang="zh-CN" altLang="en-US" sz="1000" dirty="0">
-                <a:solidFill>
-                  <a:schemeClr val="tx1"/>
-                </a:solidFill>
-                <a:latin typeface="微软雅黑" pitchFamily="34" charset="-122"/>
-                <a:ea typeface="微软雅黑" pitchFamily="34" charset="-122"/>
-              </a:rPr>
-              <a:t>发私信通知</a:t>
+              <a:t>群发私信通知</a:t>
             </a:r>
             <a:endParaRPr lang="en-US" altLang="zh-CN" sz="1000" dirty="0">
               <a:solidFill>
@@ -5282,6 +5230,112 @@
           <a:xfrm rot="16200000" flipH="1">
             <a:off x="7052797" y="1409453"/>
             <a:ext cx="835004" cy="1548187"/>
+          </a:xfrm>
+          <a:prstGeom prst="bentConnector3">
+            <a:avLst/>
+          </a:prstGeom>
+          <a:ln>
+            <a:tailEnd type="arrow"/>
+          </a:ln>
+        </p:spPr>
+        <p:style>
+          <a:lnRef idx="1">
+            <a:schemeClr val="accent1"/>
+          </a:lnRef>
+          <a:fillRef idx="0">
+            <a:schemeClr val="accent1"/>
+          </a:fillRef>
+          <a:effectRef idx="0">
+            <a:schemeClr val="accent1"/>
+          </a:effectRef>
+          <a:fontRef idx="minor">
+            <a:schemeClr val="tx1"/>
+          </a:fontRef>
+        </p:style>
+      </p:cxnSp>
+      <p:sp>
+        <p:nvSpPr>
+          <p:cNvPr id="43" name="矩形 42"/>
+          <p:cNvSpPr/>
+          <p:nvPr/>
+        </p:nvSpPr>
+        <p:spPr>
+          <a:xfrm>
+            <a:off x="4398273" y="2580554"/>
+            <a:ext cx="288000" cy="1260000"/>
+          </a:xfrm>
+          <a:prstGeom prst="rect">
+            <a:avLst/>
+          </a:prstGeom>
+          <a:solidFill>
+            <a:schemeClr val="accent1">
+              <a:lumMod val="20000"/>
+              <a:lumOff val="80000"/>
+            </a:schemeClr>
+          </a:solidFill>
+          <a:ln>
+            <a:solidFill>
+              <a:schemeClr val="tx2">
+                <a:lumMod val="40000"/>
+                <a:lumOff val="60000"/>
+              </a:schemeClr>
+            </a:solidFill>
+          </a:ln>
+        </p:spPr>
+        <p:style>
+          <a:lnRef idx="2">
+            <a:schemeClr val="accent1">
+              <a:shade val="50000"/>
+            </a:schemeClr>
+          </a:lnRef>
+          <a:fillRef idx="1">
+            <a:schemeClr val="accent1"/>
+          </a:fillRef>
+          <a:effectRef idx="0">
+            <a:schemeClr val="accent1"/>
+          </a:effectRef>
+          <a:fontRef idx="minor">
+            <a:schemeClr val="lt1"/>
+          </a:fontRef>
+        </p:style>
+        <p:txBody>
+          <a:bodyPr lIns="91406" tIns="45703" rIns="91406" bIns="45703" rtlCol="0" anchor="ctr"/>
+          <a:lstStyle/>
+          <a:p>
+            <a:pPr algn="ctr"/>
+            <a:r>
+              <a:rPr lang="zh-CN" altLang="en-US" sz="1000" dirty="0" smtClean="0">
+                <a:solidFill>
+                  <a:schemeClr val="tx1"/>
+                </a:solidFill>
+                <a:latin typeface="微软雅黑" pitchFamily="34" charset="-122"/>
+                <a:ea typeface="微软雅黑" pitchFamily="34" charset="-122"/>
+              </a:rPr>
+              <a:t>系统监控</a:t>
+            </a:r>
+            <a:endParaRPr lang="en-US" altLang="zh-CN" sz="1000" dirty="0">
+              <a:solidFill>
+                <a:schemeClr val="tx1"/>
+              </a:solidFill>
+              <a:latin typeface="微软雅黑" pitchFamily="34" charset="-122"/>
+              <a:ea typeface="微软雅黑" pitchFamily="34" charset="-122"/>
+            </a:endParaRPr>
+          </a:p>
+        </p:txBody>
+      </p:sp>
+      <p:cxnSp>
+        <p:nvCxnSpPr>
+          <p:cNvPr id="3" name="肘形连接符 2"/>
+          <p:cNvCxnSpPr>
+            <a:stCxn id="6" idx="2"/>
+            <a:endCxn id="43" idx="0"/>
+          </p:cNvCxnSpPr>
+          <p:nvPr/>
+        </p:nvCxnSpPr>
+        <p:spPr>
+          <a:xfrm rot="16200000" flipH="1">
+            <a:off x="2907729" y="946009"/>
+            <a:ext cx="814509" cy="2454579"/>
           </a:xfrm>
           <a:prstGeom prst="bentConnector3">
             <a:avLst/>
@@ -5608,13 +5662,6 @@
               </a:rPr>
               <a:t>学生用例图</a:t>
             </a:r>
-            <a:endParaRPr lang="zh-CN" altLang="en-US" sz="1100" dirty="0">
-              <a:solidFill>
-                <a:schemeClr val="tx1"/>
-              </a:solidFill>
-              <a:latin typeface="微软雅黑" pitchFamily="34" charset="-122"/>
-              <a:ea typeface="微软雅黑" pitchFamily="34" charset="-122"/>
-            </a:endParaRPr>
           </a:p>
         </p:txBody>
       </p:sp>
@@ -6546,10 +6593,6 @@
               </a:rPr>
               <a:t>学生</a:t>
             </a:r>
-            <a:endParaRPr lang="zh-CN" altLang="en-US" sz="1100" dirty="0">
-              <a:latin typeface="微软雅黑" pitchFamily="34" charset="-122"/>
-              <a:ea typeface="微软雅黑" pitchFamily="34" charset="-122"/>
-            </a:endParaRPr>
           </a:p>
         </p:txBody>
       </p:sp>
@@ -6582,10 +6625,6 @@
               </a:rPr>
               <a:t>信息处理</a:t>
             </a:r>
-            <a:endParaRPr lang="zh-CN" altLang="en-US" sz="1100" dirty="0">
-              <a:latin typeface="微软雅黑" pitchFamily="34" charset="-122"/>
-              <a:ea typeface="微软雅黑" pitchFamily="34" charset="-122"/>
-            </a:endParaRPr>
           </a:p>
         </p:txBody>
       </p:sp>
@@ -6618,10 +6657,6 @@
               </a:rPr>
               <a:t>系统模块</a:t>
             </a:r>
-            <a:endParaRPr lang="zh-CN" altLang="en-US" sz="1100" dirty="0">
-              <a:latin typeface="微软雅黑" pitchFamily="34" charset="-122"/>
-              <a:ea typeface="微软雅黑" pitchFamily="34" charset="-122"/>
-            </a:endParaRPr>
           </a:p>
         </p:txBody>
       </p:sp>
@@ -6794,10 +6829,6 @@
               </a:rPr>
               <a:t>查询基本信息</a:t>
             </a:r>
-            <a:endParaRPr lang="zh-CN" altLang="en-US" sz="1100" dirty="0">
-              <a:latin typeface="微软雅黑" pitchFamily="34" charset="-122"/>
-              <a:ea typeface="微软雅黑" pitchFamily="34" charset="-122"/>
-            </a:endParaRPr>
           </a:p>
         </p:txBody>
       </p:sp>
@@ -6830,10 +6861,6 @@
               </a:rPr>
               <a:t>查看考勤情况</a:t>
             </a:r>
-            <a:endParaRPr lang="zh-CN" altLang="en-US" sz="1100" dirty="0">
-              <a:latin typeface="微软雅黑" pitchFamily="34" charset="-122"/>
-              <a:ea typeface="微软雅黑" pitchFamily="34" charset="-122"/>
-            </a:endParaRPr>
           </a:p>
         </p:txBody>
       </p:sp>
@@ -6866,10 +6893,6 @@
               </a:rPr>
               <a:t>新浪微博监督</a:t>
             </a:r>
-            <a:endParaRPr lang="zh-CN" altLang="en-US" sz="1100" dirty="0">
-              <a:latin typeface="微软雅黑" pitchFamily="34" charset="-122"/>
-              <a:ea typeface="微软雅黑" pitchFamily="34" charset="-122"/>
-            </a:endParaRPr>
           </a:p>
         </p:txBody>
       </p:sp>
@@ -6902,10 +6925,6 @@
               </a:rPr>
               <a:t>查看课表信息</a:t>
             </a:r>
-            <a:endParaRPr lang="zh-CN" altLang="en-US" sz="1100" dirty="0">
-              <a:latin typeface="微软雅黑" pitchFamily="34" charset="-122"/>
-              <a:ea typeface="微软雅黑" pitchFamily="34" charset="-122"/>
-            </a:endParaRPr>
           </a:p>
         </p:txBody>
       </p:sp>
@@ -6972,10 +6991,6 @@
               </a:rPr>
               <a:t>登陆</a:t>
             </a:r>
-            <a:endParaRPr lang="zh-CN" altLang="en-US" sz="1100" dirty="0">
-              <a:latin typeface="微软雅黑" pitchFamily="34" charset="-122"/>
-              <a:ea typeface="微软雅黑" pitchFamily="34" charset="-122"/>
-            </a:endParaRPr>
           </a:p>
         </p:txBody>
       </p:sp>
@@ -7065,10 +7080,6 @@
               </a:rPr>
               <a:t>查看通知公告</a:t>
             </a:r>
-            <a:endParaRPr lang="zh-CN" altLang="en-US" sz="1100" dirty="0">
-              <a:latin typeface="微软雅黑" pitchFamily="34" charset="-122"/>
-              <a:ea typeface="微软雅黑" pitchFamily="34" charset="-122"/>
-            </a:endParaRPr>
           </a:p>
         </p:txBody>
       </p:sp>
@@ -7173,10 +7184,6 @@
               </a:rPr>
               <a:t>重置密码</a:t>
             </a:r>
-            <a:endParaRPr lang="zh-CN" altLang="en-US" sz="1100" dirty="0">
-              <a:latin typeface="微软雅黑" pitchFamily="34" charset="-122"/>
-              <a:ea typeface="微软雅黑" pitchFamily="34" charset="-122"/>
-            </a:endParaRPr>
           </a:p>
         </p:txBody>
       </p:sp>
@@ -7209,10 +7216,6 @@
               </a:rPr>
               <a:t>退出重新登陆</a:t>
             </a:r>
-            <a:endParaRPr lang="zh-CN" altLang="en-US" sz="1100" dirty="0">
-              <a:latin typeface="微软雅黑" pitchFamily="34" charset="-122"/>
-              <a:ea typeface="微软雅黑" pitchFamily="34" charset="-122"/>
-            </a:endParaRPr>
           </a:p>
         </p:txBody>
       </p:sp>
@@ -7587,25 +7590,8 @@
                 <a:latin typeface="微软雅黑" pitchFamily="34" charset="-122"/>
                 <a:ea typeface="微软雅黑" pitchFamily="34" charset="-122"/>
               </a:rPr>
-              <a:t>教师</a:t>
-            </a:r>
-            <a:r>
-              <a:rPr lang="zh-CN" altLang="en-US" sz="1100" dirty="0">
-                <a:solidFill>
-                  <a:schemeClr val="tx1"/>
-                </a:solidFill>
-                <a:latin typeface="微软雅黑" pitchFamily="34" charset="-122"/>
-                <a:ea typeface="微软雅黑" pitchFamily="34" charset="-122"/>
-              </a:rPr>
-              <a:t>用例图</a:t>
-            </a:r>
-            <a:endParaRPr lang="zh-CN" altLang="en-US" sz="1100" dirty="0">
-              <a:solidFill>
-                <a:schemeClr val="tx1"/>
-              </a:solidFill>
-              <a:latin typeface="微软雅黑" pitchFamily="34" charset="-122"/>
-              <a:ea typeface="微软雅黑" pitchFamily="34" charset="-122"/>
-            </a:endParaRPr>
+              <a:t>教师用例图</a:t>
+            </a:r>
           </a:p>
         </p:txBody>
       </p:sp>
@@ -8537,10 +8523,6 @@
               </a:rPr>
               <a:t>教师</a:t>
             </a:r>
-            <a:endParaRPr lang="zh-CN" altLang="en-US" sz="1100" dirty="0">
-              <a:latin typeface="微软雅黑" pitchFamily="34" charset="-122"/>
-              <a:ea typeface="微软雅黑" pitchFamily="34" charset="-122"/>
-            </a:endParaRPr>
           </a:p>
         </p:txBody>
       </p:sp>
@@ -8573,10 +8555,6 @@
               </a:rPr>
               <a:t>信息处理</a:t>
             </a:r>
-            <a:endParaRPr lang="zh-CN" altLang="en-US" sz="1100" dirty="0">
-              <a:latin typeface="微软雅黑" pitchFamily="34" charset="-122"/>
-              <a:ea typeface="微软雅黑" pitchFamily="34" charset="-122"/>
-            </a:endParaRPr>
           </a:p>
         </p:txBody>
       </p:sp>
@@ -8609,10 +8587,6 @@
               </a:rPr>
               <a:t>系统模块</a:t>
             </a:r>
-            <a:endParaRPr lang="zh-CN" altLang="en-US" sz="1100" dirty="0">
-              <a:latin typeface="微软雅黑" pitchFamily="34" charset="-122"/>
-              <a:ea typeface="微软雅黑" pitchFamily="34" charset="-122"/>
-            </a:endParaRPr>
           </a:p>
         </p:txBody>
       </p:sp>
@@ -8785,10 +8759,6 @@
               </a:rPr>
               <a:t>查询基本信息</a:t>
             </a:r>
-            <a:endParaRPr lang="zh-CN" altLang="en-US" sz="1100" dirty="0">
-              <a:latin typeface="微软雅黑" pitchFamily="34" charset="-122"/>
-              <a:ea typeface="微软雅黑" pitchFamily="34" charset="-122"/>
-            </a:endParaRPr>
           </a:p>
         </p:txBody>
       </p:sp>
@@ -8821,10 +8791,6 @@
               </a:rPr>
               <a:t>查看考勤情况</a:t>
             </a:r>
-            <a:endParaRPr lang="zh-CN" altLang="en-US" sz="1100" dirty="0">
-              <a:latin typeface="微软雅黑" pitchFamily="34" charset="-122"/>
-              <a:ea typeface="微软雅黑" pitchFamily="34" charset="-122"/>
-            </a:endParaRPr>
           </a:p>
         </p:txBody>
       </p:sp>
@@ -8857,10 +8823,6 @@
               </a:rPr>
               <a:t>考勤图表分析</a:t>
             </a:r>
-            <a:endParaRPr lang="zh-CN" altLang="en-US" sz="1100" dirty="0">
-              <a:latin typeface="微软雅黑" pitchFamily="34" charset="-122"/>
-              <a:ea typeface="微软雅黑" pitchFamily="34" charset="-122"/>
-            </a:endParaRPr>
           </a:p>
         </p:txBody>
       </p:sp>
@@ -8893,10 +8855,6 @@
               </a:rPr>
               <a:t>课表信息操作</a:t>
             </a:r>
-            <a:endParaRPr lang="zh-CN" altLang="en-US" sz="1100" dirty="0">
-              <a:latin typeface="微软雅黑" pitchFamily="34" charset="-122"/>
-              <a:ea typeface="微软雅黑" pitchFamily="34" charset="-122"/>
-            </a:endParaRPr>
           </a:p>
         </p:txBody>
       </p:sp>
@@ -8963,10 +8921,6 @@
               </a:rPr>
               <a:t>登陆</a:t>
             </a:r>
-            <a:endParaRPr lang="zh-CN" altLang="en-US" sz="1100" dirty="0">
-              <a:latin typeface="微软雅黑" pitchFamily="34" charset="-122"/>
-              <a:ea typeface="微软雅黑" pitchFamily="34" charset="-122"/>
-            </a:endParaRPr>
           </a:p>
         </p:txBody>
       </p:sp>
@@ -9056,10 +9010,6 @@
               </a:rPr>
               <a:t>通知公告处理</a:t>
             </a:r>
-            <a:endParaRPr lang="zh-CN" altLang="en-US" sz="1100" dirty="0">
-              <a:latin typeface="微软雅黑" pitchFamily="34" charset="-122"/>
-              <a:ea typeface="微软雅黑" pitchFamily="34" charset="-122"/>
-            </a:endParaRPr>
           </a:p>
         </p:txBody>
       </p:sp>
@@ -9164,10 +9114,6 @@
               </a:rPr>
               <a:t>重置密码</a:t>
             </a:r>
-            <a:endParaRPr lang="zh-CN" altLang="en-US" sz="1100" dirty="0">
-              <a:latin typeface="微软雅黑" pitchFamily="34" charset="-122"/>
-              <a:ea typeface="微软雅黑" pitchFamily="34" charset="-122"/>
-            </a:endParaRPr>
           </a:p>
         </p:txBody>
       </p:sp>
@@ -9200,10 +9146,6 @@
               </a:rPr>
               <a:t>退出重新登陆</a:t>
             </a:r>
-            <a:endParaRPr lang="zh-CN" altLang="en-US" sz="1100" dirty="0">
-              <a:latin typeface="微软雅黑" pitchFamily="34" charset="-122"/>
-              <a:ea typeface="微软雅黑" pitchFamily="34" charset="-122"/>
-            </a:endParaRPr>
           </a:p>
         </p:txBody>
       </p:sp>
@@ -9534,10 +9476,6 @@
               </a:rPr>
               <a:t>查看公告</a:t>
             </a:r>
-            <a:endParaRPr lang="zh-CN" altLang="en-US" sz="1100" dirty="0">
-              <a:latin typeface="微软雅黑" pitchFamily="34" charset="-122"/>
-              <a:ea typeface="微软雅黑" pitchFamily="34" charset="-122"/>
-            </a:endParaRPr>
           </a:p>
         </p:txBody>
       </p:sp>
@@ -9570,10 +9508,6 @@
               </a:rPr>
               <a:t>发布公告</a:t>
             </a:r>
-            <a:endParaRPr lang="zh-CN" altLang="en-US" sz="1100" dirty="0">
-              <a:latin typeface="微软雅黑" pitchFamily="34" charset="-122"/>
-              <a:ea typeface="微软雅黑" pitchFamily="34" charset="-122"/>
-            </a:endParaRPr>
           </a:p>
         </p:txBody>
       </p:sp>
@@ -9606,10 +9540,6 @@
               </a:rPr>
               <a:t>查看个人资料</a:t>
             </a:r>
-            <a:endParaRPr lang="zh-CN" altLang="en-US" sz="1100" dirty="0">
-              <a:latin typeface="微软雅黑" pitchFamily="34" charset="-122"/>
-              <a:ea typeface="微软雅黑" pitchFamily="34" charset="-122"/>
-            </a:endParaRPr>
           </a:p>
         </p:txBody>
       </p:sp>
@@ -9642,10 +9572,6 @@
               </a:rPr>
               <a:t>查看班级信息</a:t>
             </a:r>
-            <a:endParaRPr lang="zh-CN" altLang="en-US" sz="1100" dirty="0">
-              <a:latin typeface="微软雅黑" pitchFamily="34" charset="-122"/>
-              <a:ea typeface="微软雅黑" pitchFamily="34" charset="-122"/>
-            </a:endParaRPr>
           </a:p>
         </p:txBody>
       </p:sp>
@@ -9792,10 +9718,6 @@
               </a:rPr>
               <a:t>调课操作</a:t>
             </a:r>
-            <a:endParaRPr lang="zh-CN" altLang="en-US" sz="1100" dirty="0">
-              <a:latin typeface="微软雅黑" pitchFamily="34" charset="-122"/>
-              <a:ea typeface="微软雅黑" pitchFamily="34" charset="-122"/>
-            </a:endParaRPr>
           </a:p>
         </p:txBody>
       </p:sp>
@@ -9828,10 +9750,6 @@
               </a:rPr>
               <a:t>课表查询</a:t>
             </a:r>
-            <a:endParaRPr lang="zh-CN" altLang="en-US" sz="1100" dirty="0">
-              <a:latin typeface="微软雅黑" pitchFamily="34" charset="-122"/>
-              <a:ea typeface="微软雅黑" pitchFamily="34" charset="-122"/>
-            </a:endParaRPr>
           </a:p>
         </p:txBody>
       </p:sp>
@@ -9978,10 +9896,6 @@
               </a:rPr>
               <a:t>班级考勤查询</a:t>
             </a:r>
-            <a:endParaRPr lang="zh-CN" altLang="en-US" sz="1100" dirty="0">
-              <a:latin typeface="微软雅黑" pitchFamily="34" charset="-122"/>
-              <a:ea typeface="微软雅黑" pitchFamily="34" charset="-122"/>
-            </a:endParaRPr>
           </a:p>
         </p:txBody>
       </p:sp>
@@ -10014,10 +9928,6 @@
               </a:rPr>
               <a:t>个人考勤查询</a:t>
             </a:r>
-            <a:endParaRPr lang="zh-CN" altLang="en-US" sz="1100" dirty="0">
-              <a:latin typeface="微软雅黑" pitchFamily="34" charset="-122"/>
-              <a:ea typeface="微软雅黑" pitchFamily="34" charset="-122"/>
-            </a:endParaRPr>
           </a:p>
         </p:txBody>
       </p:sp>
@@ -10399,13 +10309,6 @@
               </a:rPr>
               <a:t>表现层</a:t>
             </a:r>
-            <a:endParaRPr lang="zh-CN" altLang="en-US" sz="1400" dirty="0">
-              <a:solidFill>
-                <a:schemeClr val="tx1"/>
-              </a:solidFill>
-              <a:latin typeface="微软雅黑" pitchFamily="34" charset="-122"/>
-              <a:ea typeface="微软雅黑" pitchFamily="34" charset="-122"/>
-            </a:endParaRPr>
           </a:p>
         </p:txBody>
       </p:sp>
@@ -10469,13 +10372,6 @@
               </a:rPr>
               <a:t>控制层</a:t>
             </a:r>
-            <a:endParaRPr lang="zh-CN" altLang="en-US" sz="1400" dirty="0">
-              <a:solidFill>
-                <a:schemeClr val="tx1"/>
-              </a:solidFill>
-              <a:latin typeface="微软雅黑" pitchFamily="34" charset="-122"/>
-              <a:ea typeface="微软雅黑" pitchFamily="34" charset="-122"/>
-            </a:endParaRPr>
           </a:p>
         </p:txBody>
       </p:sp>
@@ -10539,13 +10435,6 @@
               </a:rPr>
               <a:t>逻辑层</a:t>
             </a:r>
-            <a:endParaRPr lang="zh-CN" altLang="en-US" sz="1400" dirty="0">
-              <a:solidFill>
-                <a:schemeClr val="tx1"/>
-              </a:solidFill>
-              <a:latin typeface="微软雅黑" pitchFamily="34" charset="-122"/>
-              <a:ea typeface="微软雅黑" pitchFamily="34" charset="-122"/>
-            </a:endParaRPr>
           </a:p>
         </p:txBody>
       </p:sp>
@@ -10609,13 +10498,6 @@
               </a:rPr>
               <a:t>访问层</a:t>
             </a:r>
-            <a:endParaRPr lang="zh-CN" altLang="en-US" sz="1400" dirty="0">
-              <a:solidFill>
-                <a:schemeClr val="tx1"/>
-              </a:solidFill>
-              <a:latin typeface="微软雅黑" pitchFamily="34" charset="-122"/>
-              <a:ea typeface="微软雅黑" pitchFamily="34" charset="-122"/>
-            </a:endParaRPr>
           </a:p>
         </p:txBody>
       </p:sp>
@@ -10679,13 +10561,6 @@
               </a:rPr>
               <a:t>数据层</a:t>
             </a:r>
-            <a:endParaRPr lang="zh-CN" altLang="en-US" sz="1400" dirty="0">
-              <a:solidFill>
-                <a:schemeClr val="tx1"/>
-              </a:solidFill>
-              <a:latin typeface="微软雅黑" pitchFamily="34" charset="-122"/>
-              <a:ea typeface="微软雅黑" pitchFamily="34" charset="-122"/>
-            </a:endParaRPr>
           </a:p>
         </p:txBody>
       </p:sp>
@@ -12312,13 +12187,6 @@
               </a:rPr>
               <a:t>监护人电话</a:t>
             </a:r>
-            <a:endParaRPr lang="zh-CN" altLang="en-US" sz="1400" dirty="0">
-              <a:solidFill>
-                <a:schemeClr val="tx1"/>
-              </a:solidFill>
-              <a:latin typeface="微软雅黑" pitchFamily="34" charset="-122"/>
-              <a:ea typeface="微软雅黑" pitchFamily="34" charset="-122"/>
-            </a:endParaRPr>
           </a:p>
         </p:txBody>
       </p:sp>
@@ -12382,13 +12250,6 @@
               </a:rPr>
               <a:t>监护人邮箱</a:t>
             </a:r>
-            <a:endParaRPr lang="zh-CN" altLang="en-US" sz="1400" dirty="0">
-              <a:solidFill>
-                <a:schemeClr val="tx1"/>
-              </a:solidFill>
-              <a:latin typeface="微软雅黑" pitchFamily="34" charset="-122"/>
-              <a:ea typeface="微软雅黑" pitchFamily="34" charset="-122"/>
-            </a:endParaRPr>
           </a:p>
         </p:txBody>
       </p:sp>
@@ -12452,13 +12313,6 @@
               </a:rPr>
               <a:t>监护人姓名</a:t>
             </a:r>
-            <a:endParaRPr lang="zh-CN" altLang="en-US" sz="1400" dirty="0">
-              <a:solidFill>
-                <a:schemeClr val="tx1"/>
-              </a:solidFill>
-              <a:latin typeface="微软雅黑" pitchFamily="34" charset="-122"/>
-              <a:ea typeface="微软雅黑" pitchFamily="34" charset="-122"/>
-            </a:endParaRPr>
           </a:p>
         </p:txBody>
       </p:sp>
@@ -13145,13 +12999,6 @@
               </a:rPr>
               <a:t>监护人关系</a:t>
             </a:r>
-            <a:endParaRPr lang="zh-CN" altLang="en-US" sz="1400" dirty="0">
-              <a:solidFill>
-                <a:schemeClr val="tx1"/>
-              </a:solidFill>
-              <a:latin typeface="微软雅黑" pitchFamily="34" charset="-122"/>
-              <a:ea typeface="微软雅黑" pitchFamily="34" charset="-122"/>
-            </a:endParaRPr>
           </a:p>
         </p:txBody>
       </p:sp>
